--- a/Presentation/GIỚI THIỆU ĐỀ TÀI.pptx
+++ b/Presentation/GIỚI THIỆU ĐỀ TÀI.pptx
@@ -5,10 +5,10 @@
     <p:sldMasterId id="2147483720" r:id="rId4"/>
   </p:sldMasterIdLst>
   <p:notesMasterIdLst>
-    <p:notesMasterId r:id="rId13"/>
+    <p:notesMasterId r:id="rId14"/>
   </p:notesMasterIdLst>
   <p:handoutMasterIdLst>
-    <p:handoutMasterId r:id="rId14"/>
+    <p:handoutMasterId r:id="rId15"/>
   </p:handoutMasterIdLst>
   <p:sldIdLst>
     <p:sldId id="281" r:id="rId5"/>
@@ -16,9 +16,10 @@
     <p:sldId id="354" r:id="rId7"/>
     <p:sldId id="283" r:id="rId8"/>
     <p:sldId id="351" r:id="rId9"/>
-    <p:sldId id="361" r:id="rId10"/>
-    <p:sldId id="363" r:id="rId11"/>
-    <p:sldId id="362" r:id="rId12"/>
+    <p:sldId id="364" r:id="rId10"/>
+    <p:sldId id="361" r:id="rId11"/>
+    <p:sldId id="363" r:id="rId12"/>
+    <p:sldId id="362" r:id="rId13"/>
   </p:sldIdLst>
   <p:sldSz cx="12192000" cy="6858000"/>
   <p:notesSz cx="6858000" cy="9144000"/>
@@ -244,7 +245,7 @@
           <a:p>
             <a:fld id="{28647F05-0506-494A-8060-3F395B947DF9}" type="datetimeFigureOut">
               <a:rPr lang="en-US" smtClean="0"/>
-              <a:t>10/16/2021</a:t>
+              <a:t>10/19/2021</a:t>
             </a:fld>
             <a:endParaRPr lang="en-US" dirty="0"/>
           </a:p>
@@ -421,7 +422,7 @@
           <a:p>
             <a:fld id="{08BC0A13-3F3D-45D4-B17C-1E0ACF36A6FB}" type="datetimeFigureOut">
               <a:rPr lang="en-US" smtClean="0"/>
-              <a:t>10/16/2021</a:t>
+              <a:t>10/19/2021</a:t>
             </a:fld>
             <a:endParaRPr lang="en-US" dirty="0"/>
           </a:p>
@@ -10159,11 +10160,101 @@
         </p:blipFill>
         <p:spPr>
           <a:xfrm>
-            <a:off x="1480493" y="2892229"/>
-            <a:ext cx="9231013" cy="2743583"/>
+            <a:off x="3946568" y="3429000"/>
+            <a:ext cx="7137344" cy="2121316"/>
           </a:xfrm>
         </p:spPr>
       </p:pic>
+      <p:sp>
+        <p:nvSpPr>
+          <p:cNvPr id="3" name="TextBox 2">
+            <a:extLst>
+              <a:ext uri="{FF2B5EF4-FFF2-40B4-BE49-F238E27FC236}">
+                <a16:creationId xmlns:a16="http://schemas.microsoft.com/office/drawing/2014/main" id="{FD32074F-5D4C-40B7-ADAC-6301647FCD78}"/>
+              </a:ext>
+            </a:extLst>
+          </p:cNvPr>
+          <p:cNvSpPr txBox="1"/>
+          <p:nvPr/>
+        </p:nvSpPr>
+        <p:spPr>
+          <a:xfrm>
+            <a:off x="601911" y="2200971"/>
+            <a:ext cx="8391169" cy="2031325"/>
+          </a:xfrm>
+          <a:prstGeom prst="rect">
+            <a:avLst/>
+          </a:prstGeom>
+          <a:noFill/>
+        </p:spPr>
+        <p:txBody>
+          <a:bodyPr wrap="square" rtlCol="0">
+            <a:spAutoFit/>
+          </a:bodyPr>
+          <a:lstStyle/>
+          <a:p>
+            <a:pPr marL="285750" indent="-285750">
+              <a:buFont typeface="Arial" panose="020B0604020202020204" pitchFamily="34" charset="0"/>
+              <a:buChar char="•"/>
+            </a:pPr>
+            <a:r>
+              <a:rPr lang="en-US"/>
+              <a:t>Data: Dữ liệu khách hàng và dữ liệu đặt chỗ của các nhà hàng tại Nhật Bản</a:t>
+            </a:r>
+          </a:p>
+          <a:p>
+            <a:pPr marL="285750" indent="-285750">
+              <a:buFont typeface="Arial" panose="020B0604020202020204" pitchFamily="34" charset="0"/>
+              <a:buChar char="•"/>
+            </a:pPr>
+            <a:endParaRPr lang="en-US"/>
+          </a:p>
+          <a:p>
+            <a:pPr marL="285750" indent="-285750">
+              <a:buFont typeface="Arial" panose="020B0604020202020204" pitchFamily="34" charset="0"/>
+              <a:buChar char="•"/>
+            </a:pPr>
+            <a:r>
+              <a:rPr lang="en-US"/>
+              <a:t>Dự đoán: Số khách hàng trong tương lai của mỗi nhà hàng</a:t>
+            </a:r>
+          </a:p>
+          <a:p>
+            <a:pPr marL="285750" indent="-285750">
+              <a:buFont typeface="Arial" panose="020B0604020202020204" pitchFamily="34" charset="0"/>
+              <a:buChar char="•"/>
+            </a:pPr>
+            <a:endParaRPr lang="en-US"/>
+          </a:p>
+          <a:p>
+            <a:pPr marL="285750" indent="-285750">
+              <a:buFont typeface="Arial" panose="020B0604020202020204" pitchFamily="34" charset="0"/>
+              <a:buChar char="•"/>
+            </a:pPr>
+            <a:r>
+              <a:rPr lang="en-US"/>
+              <a:t>Prize: $25000</a:t>
+            </a:r>
+          </a:p>
+          <a:p>
+            <a:pPr marL="285750" indent="-285750">
+              <a:buFont typeface="Arial" panose="020B0604020202020204" pitchFamily="34" charset="0"/>
+              <a:buChar char="•"/>
+            </a:pPr>
+            <a:endParaRPr lang="en-US"/>
+          </a:p>
+          <a:p>
+            <a:pPr marL="285750" indent="-285750">
+              <a:buFont typeface="Arial" panose="020B0604020202020204" pitchFamily="34" charset="0"/>
+              <a:buChar char="•"/>
+            </a:pPr>
+            <a:r>
+              <a:rPr lang="en-US"/>
+              <a:t>2148 teams</a:t>
+            </a:r>
+          </a:p>
+        </p:txBody>
+      </p:sp>
     </p:spTree>
     <p:extLst>
       <p:ext uri="{BB962C8B-B14F-4D97-AF65-F5344CB8AC3E}">
@@ -10549,6 +10640,20 @@
               <a:t>Được thu thập từ năm 2016 đến tháng 4 năm 2017</a:t>
             </a:r>
           </a:p>
+          <a:p>
+            <a:pPr lvl="1"/>
+            <a:r>
+              <a:rPr lang="en-US" sz="1400"/>
+              <a:t>AIR: 829 restaurants</a:t>
+            </a:r>
+          </a:p>
+          <a:p>
+            <a:pPr lvl="1"/>
+            <a:r>
+              <a:rPr lang="en-US" sz="1400"/>
+              <a:t>HPG: 4690 restaurants</a:t>
+            </a:r>
+          </a:p>
         </p:txBody>
       </p:sp>
       <p:pic>
@@ -10573,7 +10678,7 @@
         </p:blipFill>
         <p:spPr>
           <a:xfrm>
-            <a:off x="9148530" y="2615184"/>
+            <a:off x="8732282" y="3295468"/>
             <a:ext cx="2847070" cy="3060882"/>
           </a:xfrm>
           <a:prstGeom prst="rect">
@@ -10581,100 +10686,6 @@
           </a:prstGeom>
         </p:spPr>
       </p:pic>
-      <p:sp>
-        <p:nvSpPr>
-          <p:cNvPr id="7" name="Date Placeholder 3">
-            <a:extLst>
-              <a:ext uri="{FF2B5EF4-FFF2-40B4-BE49-F238E27FC236}">
-                <a16:creationId xmlns:a16="http://schemas.microsoft.com/office/drawing/2014/main" id="{2F663528-6F48-4679-80D6-A9D362269957}"/>
-              </a:ext>
-            </a:extLst>
-          </p:cNvPr>
-          <p:cNvSpPr>
-            <a:spLocks noGrp="1"/>
-          </p:cNvSpPr>
-          <p:nvPr>
-            <p:ph type="dt" sz="half" idx="10"/>
-          </p:nvPr>
-        </p:nvSpPr>
-        <p:spPr>
-          <a:xfrm>
-            <a:off x="612648" y="6356350"/>
-            <a:ext cx="1704386" cy="365125"/>
-          </a:xfrm>
-        </p:spPr>
-        <p:txBody>
-          <a:bodyPr>
-            <a:normAutofit/>
-          </a:bodyPr>
-          <a:lstStyle/>
-          <a:p>
-            <a:pPr>
-              <a:spcAft>
-                <a:spcPts val="600"/>
-              </a:spcAft>
-            </a:pPr>
-            <a:r>
-              <a:rPr lang="en-US">
-                <a:solidFill>
-                  <a:schemeClr val="tx2">
-                    <a:lumMod val="50000"/>
-                    <a:lumOff val="50000"/>
-                  </a:schemeClr>
-                </a:solidFill>
-              </a:rPr>
-              <a:t>9/4/20XX</a:t>
-            </a:r>
-          </a:p>
-        </p:txBody>
-      </p:sp>
-      <p:sp>
-        <p:nvSpPr>
-          <p:cNvPr id="9" name="Footer Placeholder 4">
-            <a:extLst>
-              <a:ext uri="{FF2B5EF4-FFF2-40B4-BE49-F238E27FC236}">
-                <a16:creationId xmlns:a16="http://schemas.microsoft.com/office/drawing/2014/main" id="{948F1280-0C85-421E-BF0E-DB3DAF29F39A}"/>
-              </a:ext>
-            </a:extLst>
-          </p:cNvPr>
-          <p:cNvSpPr>
-            <a:spLocks noGrp="1"/>
-          </p:cNvSpPr>
-          <p:nvPr>
-            <p:ph type="ftr" sz="quarter" idx="11"/>
-          </p:nvPr>
-        </p:nvSpPr>
-        <p:spPr>
-          <a:xfrm>
-            <a:off x="2766618" y="6356350"/>
-            <a:ext cx="4114800" cy="365125"/>
-          </a:xfrm>
-        </p:spPr>
-        <p:txBody>
-          <a:bodyPr>
-            <a:normAutofit/>
-          </a:bodyPr>
-          <a:lstStyle/>
-          <a:p>
-            <a:pPr algn="r">
-              <a:spcAft>
-                <a:spcPts val="600"/>
-              </a:spcAft>
-            </a:pPr>
-            <a:r>
-              <a:rPr lang="en-US">
-                <a:solidFill>
-                  <a:schemeClr val="tx2">
-                    <a:lumMod val="50000"/>
-                    <a:lumOff val="50000"/>
-                  </a:schemeClr>
-                </a:solidFill>
-              </a:rPr>
-              <a:t>Presentation Title</a:t>
-            </a:r>
-          </a:p>
-        </p:txBody>
-      </p:sp>
       <p:sp>
         <p:nvSpPr>
           <p:cNvPr id="10" name="Slide Number Placeholder 5">
@@ -10735,6 +10746,36 @@
           </a:p>
         </p:txBody>
       </p:sp>
+      <p:pic>
+        <p:nvPicPr>
+          <p:cNvPr id="4" name="Picture 3">
+            <a:extLst>
+              <a:ext uri="{FF2B5EF4-FFF2-40B4-BE49-F238E27FC236}">
+                <a16:creationId xmlns:a16="http://schemas.microsoft.com/office/drawing/2014/main" id="{B37775FA-5034-4922-9D4C-A7D4C653DB3A}"/>
+              </a:ext>
+            </a:extLst>
+          </p:cNvPr>
+          <p:cNvPicPr>
+            <a:picLocks noChangeAspect="1"/>
+          </p:cNvPicPr>
+          <p:nvPr/>
+        </p:nvPicPr>
+        <p:blipFill>
+          <a:blip r:embed="rId3"/>
+          <a:stretch>
+            <a:fillRect/>
+          </a:stretch>
+        </p:blipFill>
+        <p:spPr>
+          <a:xfrm>
+            <a:off x="6836426" y="133339"/>
+            <a:ext cx="5031618" cy="2685324"/>
+          </a:xfrm>
+          <a:prstGeom prst="rect">
+            <a:avLst/>
+          </a:prstGeom>
+        </p:spPr>
+      </p:pic>
     </p:spTree>
     <p:extLst>
       <p:ext uri="{BB962C8B-B14F-4D97-AF65-F5344CB8AC3E}">
@@ -10770,7 +10811,7 @@
           <p:cNvPr id="4" name="Slide Number Placeholder 3">
             <a:extLst>
               <a:ext uri="{FF2B5EF4-FFF2-40B4-BE49-F238E27FC236}">
-                <a16:creationId xmlns:a16="http://schemas.microsoft.com/office/drawing/2014/main" id="{673A7B1B-8498-4134-AABB-DC37269FCA6E}"/>
+                <a16:creationId xmlns:a16="http://schemas.microsoft.com/office/drawing/2014/main" id="{FB6D4A47-1054-4F86-866C-3322C4FBE102}"/>
               </a:ext>
             </a:extLst>
           </p:cNvPr>
@@ -10799,7 +10840,7 @@
           <p:cNvPr id="6" name="Picture 5">
             <a:extLst>
               <a:ext uri="{FF2B5EF4-FFF2-40B4-BE49-F238E27FC236}">
-                <a16:creationId xmlns:a16="http://schemas.microsoft.com/office/drawing/2014/main" id="{6575D4F4-5461-413D-BCF0-13A380C94522}"/>
+                <a16:creationId xmlns:a16="http://schemas.microsoft.com/office/drawing/2014/main" id="{4121B1C3-0F63-452F-8A61-FAE1812B3F51}"/>
               </a:ext>
             </a:extLst>
           </p:cNvPr>
@@ -10816,8 +10857,8 @@
         </p:blipFill>
         <p:spPr>
           <a:xfrm>
-            <a:off x="199426" y="136525"/>
-            <a:ext cx="6464882" cy="4773405"/>
+            <a:off x="429781" y="577048"/>
+            <a:ext cx="5759506" cy="5326602"/>
           </a:xfrm>
           <a:prstGeom prst="rect">
             <a:avLst/>
@@ -10829,7 +10870,7 @@
           <p:cNvPr id="8" name="Picture 7">
             <a:extLst>
               <a:ext uri="{FF2B5EF4-FFF2-40B4-BE49-F238E27FC236}">
-                <a16:creationId xmlns:a16="http://schemas.microsoft.com/office/drawing/2014/main" id="{C1921E71-5303-42EF-A065-BDE3CDC56303}"/>
+                <a16:creationId xmlns:a16="http://schemas.microsoft.com/office/drawing/2014/main" id="{7E8D7204-A76B-4BA4-9FEA-FC885A2ECFD1}"/>
               </a:ext>
             </a:extLst>
           </p:cNvPr>
@@ -10846,38 +10887,8 @@
         </p:blipFill>
         <p:spPr>
           <a:xfrm>
-            <a:off x="6811109" y="589286"/>
-            <a:ext cx="5247726" cy="5032361"/>
-          </a:xfrm>
-          <a:prstGeom prst="rect">
-            <a:avLst/>
-          </a:prstGeom>
-        </p:spPr>
-      </p:pic>
-      <p:pic>
-        <p:nvPicPr>
-          <p:cNvPr id="10" name="Picture 9">
-            <a:extLst>
-              <a:ext uri="{FF2B5EF4-FFF2-40B4-BE49-F238E27FC236}">
-                <a16:creationId xmlns:a16="http://schemas.microsoft.com/office/drawing/2014/main" id="{25BEFB6E-E48E-49B1-B521-A9149A9C725A}"/>
-              </a:ext>
-            </a:extLst>
-          </p:cNvPr>
-          <p:cNvPicPr>
-            <a:picLocks noChangeAspect="1"/>
-          </p:cNvPicPr>
-          <p:nvPr/>
-        </p:nvPicPr>
-        <p:blipFill>
-          <a:blip r:embed="rId4"/>
-          <a:stretch>
-            <a:fillRect/>
-          </a:stretch>
-        </p:blipFill>
-        <p:spPr>
-          <a:xfrm>
-            <a:off x="0" y="4986120"/>
-            <a:ext cx="4887007" cy="1552792"/>
+            <a:off x="6749078" y="1500326"/>
+            <a:ext cx="5013141" cy="2982897"/>
           </a:xfrm>
           <a:prstGeom prst="rect">
             <a:avLst/>
@@ -10887,7 +10898,7 @@
     </p:spTree>
     <p:extLst>
       <p:ext uri="{BB962C8B-B14F-4D97-AF65-F5344CB8AC3E}">
-        <p14:creationId xmlns:p14="http://schemas.microsoft.com/office/powerpoint/2010/main" val="2646596820"/>
+        <p14:creationId xmlns:p14="http://schemas.microsoft.com/office/powerpoint/2010/main" val="2005270333"/>
       </p:ext>
     </p:extLst>
   </p:cSld>
@@ -10916,68 +10927,10 @@
       </p:grpSpPr>
       <p:sp>
         <p:nvSpPr>
-          <p:cNvPr id="2" name="Date Placeholder 1">
-            <a:extLst>
-              <a:ext uri="{FF2B5EF4-FFF2-40B4-BE49-F238E27FC236}">
-                <a16:creationId xmlns:a16="http://schemas.microsoft.com/office/drawing/2014/main" id="{4D9A3414-F822-44EB-BB86-A6CFEEA211E8}"/>
-              </a:ext>
-            </a:extLst>
-          </p:cNvPr>
-          <p:cNvSpPr>
-            <a:spLocks noGrp="1"/>
-          </p:cNvSpPr>
-          <p:nvPr>
-            <p:ph type="dt" sz="half" idx="10"/>
-          </p:nvPr>
-        </p:nvSpPr>
-        <p:spPr/>
-        <p:txBody>
-          <a:bodyPr/>
-          <a:lstStyle/>
-          <a:p>
-            <a:r>
-              <a:rPr lang="en-US"/>
-              <a:t>9/4/20XX</a:t>
-            </a:r>
-            <a:endParaRPr lang="en-US" dirty="0"/>
-          </a:p>
-        </p:txBody>
-      </p:sp>
-      <p:sp>
-        <p:nvSpPr>
-          <p:cNvPr id="3" name="Footer Placeholder 2">
-            <a:extLst>
-              <a:ext uri="{FF2B5EF4-FFF2-40B4-BE49-F238E27FC236}">
-                <a16:creationId xmlns:a16="http://schemas.microsoft.com/office/drawing/2014/main" id="{76B67BA6-B46D-4E26-9DA6-5D76C34CF979}"/>
-              </a:ext>
-            </a:extLst>
-          </p:cNvPr>
-          <p:cNvSpPr>
-            <a:spLocks noGrp="1"/>
-          </p:cNvSpPr>
-          <p:nvPr>
-            <p:ph type="ftr" sz="quarter" idx="11"/>
-          </p:nvPr>
-        </p:nvSpPr>
-        <p:spPr/>
-        <p:txBody>
-          <a:bodyPr/>
-          <a:lstStyle/>
-          <a:p>
-            <a:r>
-              <a:rPr lang="en-US"/>
-              <a:t>Presentation Title</a:t>
-            </a:r>
-            <a:endParaRPr lang="en-US" dirty="0"/>
-          </a:p>
-        </p:txBody>
-      </p:sp>
-      <p:sp>
-        <p:nvSpPr>
           <p:cNvPr id="4" name="Slide Number Placeholder 3">
             <a:extLst>
               <a:ext uri="{FF2B5EF4-FFF2-40B4-BE49-F238E27FC236}">
-                <a16:creationId xmlns:a16="http://schemas.microsoft.com/office/drawing/2014/main" id="{F3EF3594-B11D-4409-89EC-5C339C7DD3BC}"/>
+                <a16:creationId xmlns:a16="http://schemas.microsoft.com/office/drawing/2014/main" id="{673A7B1B-8498-4134-AABB-DC37269FCA6E}"/>
               </a:ext>
             </a:extLst>
           </p:cNvPr>
@@ -11001,107 +10954,42 @@
           </a:p>
         </p:txBody>
       </p:sp>
-      <p:sp>
-        <p:nvSpPr>
-          <p:cNvPr id="5" name="Title 1">
-            <a:extLst>
-              <a:ext uri="{FF2B5EF4-FFF2-40B4-BE49-F238E27FC236}">
-                <a16:creationId xmlns:a16="http://schemas.microsoft.com/office/drawing/2014/main" id="{A30638FB-A03D-4410-916F-A88F8A05D48F}"/>
-              </a:ext>
-            </a:extLst>
-          </p:cNvPr>
-          <p:cNvSpPr txBox="1">
-            <a:spLocks/>
-          </p:cNvSpPr>
+      <p:pic>
+        <p:nvPicPr>
+          <p:cNvPr id="6" name="Picture 5">
+            <a:extLst>
+              <a:ext uri="{FF2B5EF4-FFF2-40B4-BE49-F238E27FC236}">
+                <a16:creationId xmlns:a16="http://schemas.microsoft.com/office/drawing/2014/main" id="{6575D4F4-5461-413D-BCF0-13A380C94522}"/>
+              </a:ext>
+            </a:extLst>
+          </p:cNvPr>
+          <p:cNvPicPr>
+            <a:picLocks noChangeAspect="1"/>
+          </p:cNvPicPr>
           <p:nvPr/>
-        </p:nvSpPr>
-        <p:spPr>
-          <a:xfrm>
-            <a:off x="1011936" y="226838"/>
-            <a:ext cx="10168128" cy="1179576"/>
+        </p:nvPicPr>
+        <p:blipFill>
+          <a:blip r:embed="rId2"/>
+          <a:stretch>
+            <a:fillRect/>
+          </a:stretch>
+        </p:blipFill>
+        <p:spPr>
+          <a:xfrm>
+            <a:off x="199426" y="136525"/>
+            <a:ext cx="6464882" cy="4773405"/>
           </a:xfrm>
           <a:prstGeom prst="rect">
             <a:avLst/>
           </a:prstGeom>
         </p:spPr>
-        <p:txBody>
-          <a:bodyPr/>
-          <a:lstStyle>
-            <a:lvl1pPr algn="l" defTabSz="914400" rtl="0" eaLnBrk="1" latinLnBrk="0" hangingPunct="1">
-              <a:lnSpc>
-                <a:spcPct val="90000"/>
-              </a:lnSpc>
-              <a:spcBef>
-                <a:spcPct val="0"/>
-              </a:spcBef>
-              <a:buNone/>
-              <a:defRPr sz="4400" kern="1200">
-                <a:solidFill>
-                  <a:schemeClr val="tx1"/>
-                </a:solidFill>
-                <a:latin typeface="+mj-lt"/>
-                <a:ea typeface="+mj-ea"/>
-                <a:cs typeface="+mj-cs"/>
-              </a:defRPr>
-            </a:lvl1pPr>
-          </a:lstStyle>
-          <a:p>
-            <a:r>
-              <a:rPr lang="en-US"/>
-              <a:t>SOLUTION</a:t>
-            </a:r>
-            <a:endParaRPr lang="en-US" dirty="0"/>
-          </a:p>
-        </p:txBody>
-      </p:sp>
-      <p:sp>
-        <p:nvSpPr>
-          <p:cNvPr id="6" name="TextBox 5">
-            <a:extLst>
-              <a:ext uri="{FF2B5EF4-FFF2-40B4-BE49-F238E27FC236}">
-                <a16:creationId xmlns:a16="http://schemas.microsoft.com/office/drawing/2014/main" id="{F4B07241-D51F-404A-A9A8-4BF2E12F8643}"/>
-              </a:ext>
-            </a:extLst>
-          </p:cNvPr>
-          <p:cNvSpPr txBox="1"/>
-          <p:nvPr/>
-        </p:nvSpPr>
-        <p:spPr>
-          <a:xfrm>
-            <a:off x="6559858" y="4972140"/>
-            <a:ext cx="4793942" cy="923330"/>
-          </a:xfrm>
-          <a:prstGeom prst="rect">
-            <a:avLst/>
-          </a:prstGeom>
-          <a:noFill/>
-        </p:spPr>
-        <p:txBody>
-          <a:bodyPr wrap="square" rtlCol="0">
-            <a:spAutoFit/>
-          </a:bodyPr>
-          <a:lstStyle/>
-          <a:p>
-            <a:r>
-              <a:rPr lang="en-US"/>
-              <a:t>Link solution: </a:t>
-            </a:r>
-            <a:r>
-              <a:rPr lang="en-US">
-                <a:hlinkClick r:id="rId2"/>
-              </a:rPr>
-              <a:t>MaxHalford/kaggle-recruit-restaurant: Kaggle 8th place solution (github.com)</a:t>
-            </a:r>
-            <a:endParaRPr lang="en-US"/>
-          </a:p>
-        </p:txBody>
-      </p:sp>
+      </p:pic>
       <p:pic>
         <p:nvPicPr>
-          <p:cNvPr id="7" name="Picture 6">
-            <a:extLst>
-              <a:ext uri="{FF2B5EF4-FFF2-40B4-BE49-F238E27FC236}">
-                <a16:creationId xmlns:a16="http://schemas.microsoft.com/office/drawing/2014/main" id="{15EF7B87-DA46-49D6-BDE6-1118ABF04B91}"/>
+          <p:cNvPr id="8" name="Picture 7">
+            <a:extLst>
+              <a:ext uri="{FF2B5EF4-FFF2-40B4-BE49-F238E27FC236}">
+                <a16:creationId xmlns:a16="http://schemas.microsoft.com/office/drawing/2014/main" id="{C1921E71-5303-42EF-A065-BDE3CDC56303}"/>
               </a:ext>
             </a:extLst>
           </p:cNvPr>
@@ -11118,8 +11006,8 @@
         </p:blipFill>
         <p:spPr>
           <a:xfrm>
-            <a:off x="486052" y="962530"/>
-            <a:ext cx="5099143" cy="2706835"/>
+            <a:off x="6811109" y="589286"/>
+            <a:ext cx="5247726" cy="5032361"/>
           </a:xfrm>
           <a:prstGeom prst="rect">
             <a:avLst/>
@@ -11128,10 +11016,10 @@
       </p:pic>
       <p:pic>
         <p:nvPicPr>
-          <p:cNvPr id="8" name="Picture 7">
-            <a:extLst>
-              <a:ext uri="{FF2B5EF4-FFF2-40B4-BE49-F238E27FC236}">
-                <a16:creationId xmlns:a16="http://schemas.microsoft.com/office/drawing/2014/main" id="{DEAAA58B-AD2D-4080-85E0-7B559439C01B}"/>
+          <p:cNvPr id="10" name="Picture 9">
+            <a:extLst>
+              <a:ext uri="{FF2B5EF4-FFF2-40B4-BE49-F238E27FC236}">
+                <a16:creationId xmlns:a16="http://schemas.microsoft.com/office/drawing/2014/main" id="{25BEFB6E-E48E-49B1-B521-A9149A9C725A}"/>
               </a:ext>
             </a:extLst>
           </p:cNvPr>
@@ -11148,38 +11036,8 @@
         </p:blipFill>
         <p:spPr>
           <a:xfrm>
-            <a:off x="538364" y="4272442"/>
-            <a:ext cx="4994518" cy="1931308"/>
-          </a:xfrm>
-          <a:prstGeom prst="rect">
-            <a:avLst/>
-          </a:prstGeom>
-        </p:spPr>
-      </p:pic>
-      <p:pic>
-        <p:nvPicPr>
-          <p:cNvPr id="9" name="Content Placeholder 24">
-            <a:extLst>
-              <a:ext uri="{FF2B5EF4-FFF2-40B4-BE49-F238E27FC236}">
-                <a16:creationId xmlns:a16="http://schemas.microsoft.com/office/drawing/2014/main" id="{C816F3AA-EC65-4D24-9CC0-B2E062E58195}"/>
-              </a:ext>
-            </a:extLst>
-          </p:cNvPr>
-          <p:cNvPicPr>
-            <a:picLocks noChangeAspect="1"/>
-          </p:cNvPicPr>
-          <p:nvPr/>
-        </p:nvPicPr>
-        <p:blipFill>
-          <a:blip r:embed="rId5"/>
-          <a:stretch>
-            <a:fillRect/>
-          </a:stretch>
-        </p:blipFill>
-        <p:spPr>
-          <a:xfrm>
-            <a:off x="6220289" y="962530"/>
-            <a:ext cx="5711300" cy="3453695"/>
+            <a:off x="0" y="4986120"/>
+            <a:ext cx="4887007" cy="1552792"/>
           </a:xfrm>
           <a:prstGeom prst="rect">
             <a:avLst/>
@@ -11189,7 +11047,7 @@
     </p:spTree>
     <p:extLst>
       <p:ext uri="{BB962C8B-B14F-4D97-AF65-F5344CB8AC3E}">
-        <p14:creationId xmlns:p14="http://schemas.microsoft.com/office/powerpoint/2010/main" val="1116097071"/>
+        <p14:creationId xmlns:p14="http://schemas.microsoft.com/office/powerpoint/2010/main" val="2646596820"/>
       </p:ext>
     </p:extLst>
   </p:cSld>
@@ -11218,10 +11076,68 @@
       </p:grpSpPr>
       <p:sp>
         <p:nvSpPr>
+          <p:cNvPr id="2" name="Date Placeholder 1">
+            <a:extLst>
+              <a:ext uri="{FF2B5EF4-FFF2-40B4-BE49-F238E27FC236}">
+                <a16:creationId xmlns:a16="http://schemas.microsoft.com/office/drawing/2014/main" id="{4D9A3414-F822-44EB-BB86-A6CFEEA211E8}"/>
+              </a:ext>
+            </a:extLst>
+          </p:cNvPr>
+          <p:cNvSpPr>
+            <a:spLocks noGrp="1"/>
+          </p:cNvSpPr>
+          <p:nvPr>
+            <p:ph type="dt" sz="half" idx="10"/>
+          </p:nvPr>
+        </p:nvSpPr>
+        <p:spPr/>
+        <p:txBody>
+          <a:bodyPr/>
+          <a:lstStyle/>
+          <a:p>
+            <a:r>
+              <a:rPr lang="en-US"/>
+              <a:t>9/4/20XX</a:t>
+            </a:r>
+            <a:endParaRPr lang="en-US" dirty="0"/>
+          </a:p>
+        </p:txBody>
+      </p:sp>
+      <p:sp>
+        <p:nvSpPr>
+          <p:cNvPr id="3" name="Footer Placeholder 2">
+            <a:extLst>
+              <a:ext uri="{FF2B5EF4-FFF2-40B4-BE49-F238E27FC236}">
+                <a16:creationId xmlns:a16="http://schemas.microsoft.com/office/drawing/2014/main" id="{76B67BA6-B46D-4E26-9DA6-5D76C34CF979}"/>
+              </a:ext>
+            </a:extLst>
+          </p:cNvPr>
+          <p:cNvSpPr>
+            <a:spLocks noGrp="1"/>
+          </p:cNvSpPr>
+          <p:nvPr>
+            <p:ph type="ftr" sz="quarter" idx="11"/>
+          </p:nvPr>
+        </p:nvSpPr>
+        <p:spPr/>
+        <p:txBody>
+          <a:bodyPr/>
+          <a:lstStyle/>
+          <a:p>
+            <a:r>
+              <a:rPr lang="en-US"/>
+              <a:t>Presentation Title</a:t>
+            </a:r>
+            <a:endParaRPr lang="en-US" dirty="0"/>
+          </a:p>
+        </p:txBody>
+      </p:sp>
+      <p:sp>
+        <p:nvSpPr>
           <p:cNvPr id="4" name="Slide Number Placeholder 3">
             <a:extLst>
               <a:ext uri="{FF2B5EF4-FFF2-40B4-BE49-F238E27FC236}">
-                <a16:creationId xmlns:a16="http://schemas.microsoft.com/office/drawing/2014/main" id="{C6205CD8-47A3-474F-BFF6-841BA02DBE81}"/>
+                <a16:creationId xmlns:a16="http://schemas.microsoft.com/office/drawing/2014/main" id="{F3EF3594-B11D-4409-89EC-5C339C7DD3BC}"/>
               </a:ext>
             </a:extLst>
           </p:cNvPr>
@@ -11240,6 +11156,250 @@
             <a:fld id="{A65A5C87-DF58-40C8-B092-1DE63DB4547E}" type="slidenum">
               <a:rPr lang="en-US" smtClean="0"/>
               <a:t>8</a:t>
+            </a:fld>
+            <a:endParaRPr lang="en-US" dirty="0"/>
+          </a:p>
+        </p:txBody>
+      </p:sp>
+      <p:sp>
+        <p:nvSpPr>
+          <p:cNvPr id="5" name="Title 1">
+            <a:extLst>
+              <a:ext uri="{FF2B5EF4-FFF2-40B4-BE49-F238E27FC236}">
+                <a16:creationId xmlns:a16="http://schemas.microsoft.com/office/drawing/2014/main" id="{A30638FB-A03D-4410-916F-A88F8A05D48F}"/>
+              </a:ext>
+            </a:extLst>
+          </p:cNvPr>
+          <p:cNvSpPr txBox="1">
+            <a:spLocks/>
+          </p:cNvSpPr>
+          <p:nvPr/>
+        </p:nvSpPr>
+        <p:spPr>
+          <a:xfrm>
+            <a:off x="1011936" y="226838"/>
+            <a:ext cx="10168128" cy="1179576"/>
+          </a:xfrm>
+          <a:prstGeom prst="rect">
+            <a:avLst/>
+          </a:prstGeom>
+        </p:spPr>
+        <p:txBody>
+          <a:bodyPr/>
+          <a:lstStyle>
+            <a:lvl1pPr algn="l" defTabSz="914400" rtl="0" eaLnBrk="1" latinLnBrk="0" hangingPunct="1">
+              <a:lnSpc>
+                <a:spcPct val="90000"/>
+              </a:lnSpc>
+              <a:spcBef>
+                <a:spcPct val="0"/>
+              </a:spcBef>
+              <a:buNone/>
+              <a:defRPr sz="4400" kern="1200">
+                <a:solidFill>
+                  <a:schemeClr val="tx1"/>
+                </a:solidFill>
+                <a:latin typeface="+mj-lt"/>
+                <a:ea typeface="+mj-ea"/>
+                <a:cs typeface="+mj-cs"/>
+              </a:defRPr>
+            </a:lvl1pPr>
+          </a:lstStyle>
+          <a:p>
+            <a:r>
+              <a:rPr lang="en-US"/>
+              <a:t>SOLUTION</a:t>
+            </a:r>
+            <a:endParaRPr lang="en-US" dirty="0"/>
+          </a:p>
+        </p:txBody>
+      </p:sp>
+      <p:sp>
+        <p:nvSpPr>
+          <p:cNvPr id="6" name="TextBox 5">
+            <a:extLst>
+              <a:ext uri="{FF2B5EF4-FFF2-40B4-BE49-F238E27FC236}">
+                <a16:creationId xmlns:a16="http://schemas.microsoft.com/office/drawing/2014/main" id="{F4B07241-D51F-404A-A9A8-4BF2E12F8643}"/>
+              </a:ext>
+            </a:extLst>
+          </p:cNvPr>
+          <p:cNvSpPr txBox="1"/>
+          <p:nvPr/>
+        </p:nvSpPr>
+        <p:spPr>
+          <a:xfrm>
+            <a:off x="6559858" y="4972140"/>
+            <a:ext cx="4793942" cy="923330"/>
+          </a:xfrm>
+          <a:prstGeom prst="rect">
+            <a:avLst/>
+          </a:prstGeom>
+          <a:noFill/>
+        </p:spPr>
+        <p:txBody>
+          <a:bodyPr wrap="square" rtlCol="0">
+            <a:spAutoFit/>
+          </a:bodyPr>
+          <a:lstStyle/>
+          <a:p>
+            <a:r>
+              <a:rPr lang="en-US"/>
+              <a:t>Link solution: </a:t>
+            </a:r>
+            <a:r>
+              <a:rPr lang="en-US">
+                <a:hlinkClick r:id="rId2"/>
+              </a:rPr>
+              <a:t>MaxHalford/kaggle-recruit-restaurant: Kaggle 8th place solution (github.com)</a:t>
+            </a:r>
+            <a:endParaRPr lang="en-US"/>
+          </a:p>
+        </p:txBody>
+      </p:sp>
+      <p:pic>
+        <p:nvPicPr>
+          <p:cNvPr id="7" name="Picture 6">
+            <a:extLst>
+              <a:ext uri="{FF2B5EF4-FFF2-40B4-BE49-F238E27FC236}">
+                <a16:creationId xmlns:a16="http://schemas.microsoft.com/office/drawing/2014/main" id="{15EF7B87-DA46-49D6-BDE6-1118ABF04B91}"/>
+              </a:ext>
+            </a:extLst>
+          </p:cNvPr>
+          <p:cNvPicPr>
+            <a:picLocks noChangeAspect="1"/>
+          </p:cNvPicPr>
+          <p:nvPr/>
+        </p:nvPicPr>
+        <p:blipFill>
+          <a:blip r:embed="rId3"/>
+          <a:stretch>
+            <a:fillRect/>
+          </a:stretch>
+        </p:blipFill>
+        <p:spPr>
+          <a:xfrm>
+            <a:off x="486052" y="962530"/>
+            <a:ext cx="5099143" cy="2706835"/>
+          </a:xfrm>
+          <a:prstGeom prst="rect">
+            <a:avLst/>
+          </a:prstGeom>
+        </p:spPr>
+      </p:pic>
+      <p:pic>
+        <p:nvPicPr>
+          <p:cNvPr id="8" name="Picture 7">
+            <a:extLst>
+              <a:ext uri="{FF2B5EF4-FFF2-40B4-BE49-F238E27FC236}">
+                <a16:creationId xmlns:a16="http://schemas.microsoft.com/office/drawing/2014/main" id="{DEAAA58B-AD2D-4080-85E0-7B559439C01B}"/>
+              </a:ext>
+            </a:extLst>
+          </p:cNvPr>
+          <p:cNvPicPr>
+            <a:picLocks noChangeAspect="1"/>
+          </p:cNvPicPr>
+          <p:nvPr/>
+        </p:nvPicPr>
+        <p:blipFill>
+          <a:blip r:embed="rId4"/>
+          <a:stretch>
+            <a:fillRect/>
+          </a:stretch>
+        </p:blipFill>
+        <p:spPr>
+          <a:xfrm>
+            <a:off x="538364" y="4272442"/>
+            <a:ext cx="4994518" cy="1931308"/>
+          </a:xfrm>
+          <a:prstGeom prst="rect">
+            <a:avLst/>
+          </a:prstGeom>
+        </p:spPr>
+      </p:pic>
+      <p:pic>
+        <p:nvPicPr>
+          <p:cNvPr id="9" name="Content Placeholder 24">
+            <a:extLst>
+              <a:ext uri="{FF2B5EF4-FFF2-40B4-BE49-F238E27FC236}">
+                <a16:creationId xmlns:a16="http://schemas.microsoft.com/office/drawing/2014/main" id="{C816F3AA-EC65-4D24-9CC0-B2E062E58195}"/>
+              </a:ext>
+            </a:extLst>
+          </p:cNvPr>
+          <p:cNvPicPr>
+            <a:picLocks noChangeAspect="1"/>
+          </p:cNvPicPr>
+          <p:nvPr/>
+        </p:nvPicPr>
+        <p:blipFill>
+          <a:blip r:embed="rId5"/>
+          <a:stretch>
+            <a:fillRect/>
+          </a:stretch>
+        </p:blipFill>
+        <p:spPr>
+          <a:xfrm>
+            <a:off x="6220289" y="962530"/>
+            <a:ext cx="5711300" cy="3453695"/>
+          </a:xfrm>
+          <a:prstGeom prst="rect">
+            <a:avLst/>
+          </a:prstGeom>
+        </p:spPr>
+      </p:pic>
+    </p:spTree>
+    <p:extLst>
+      <p:ext uri="{BB962C8B-B14F-4D97-AF65-F5344CB8AC3E}">
+        <p14:creationId xmlns:p14="http://schemas.microsoft.com/office/powerpoint/2010/main" val="1116097071"/>
+      </p:ext>
+    </p:extLst>
+  </p:cSld>
+  <p:clrMapOvr>
+    <a:masterClrMapping/>
+  </p:clrMapOvr>
+</p:sld>
+</file>
+
+<file path=ppt/slides/slide9.xml><?xml version="1.0" encoding="utf-8"?>
+<p:sld xmlns:a="http://schemas.openxmlformats.org/drawingml/2006/main" xmlns:r="http://schemas.openxmlformats.org/officeDocument/2006/relationships" xmlns:p="http://schemas.openxmlformats.org/presentationml/2006/main">
+  <p:cSld>
+    <p:spTree>
+      <p:nvGrpSpPr>
+        <p:cNvPr id="1" name=""/>
+        <p:cNvGrpSpPr/>
+        <p:nvPr/>
+      </p:nvGrpSpPr>
+      <p:grpSpPr>
+        <a:xfrm>
+          <a:off x="0" y="0"/>
+          <a:ext cx="0" cy="0"/>
+          <a:chOff x="0" y="0"/>
+          <a:chExt cx="0" cy="0"/>
+        </a:xfrm>
+      </p:grpSpPr>
+      <p:sp>
+        <p:nvSpPr>
+          <p:cNvPr id="4" name="Slide Number Placeholder 3">
+            <a:extLst>
+              <a:ext uri="{FF2B5EF4-FFF2-40B4-BE49-F238E27FC236}">
+                <a16:creationId xmlns:a16="http://schemas.microsoft.com/office/drawing/2014/main" id="{C6205CD8-47A3-474F-BFF6-841BA02DBE81}"/>
+              </a:ext>
+            </a:extLst>
+          </p:cNvPr>
+          <p:cNvSpPr>
+            <a:spLocks noGrp="1"/>
+          </p:cNvSpPr>
+          <p:nvPr>
+            <p:ph type="sldNum" sz="quarter" idx="12"/>
+          </p:nvPr>
+        </p:nvSpPr>
+        <p:spPr/>
+        <p:txBody>
+          <a:bodyPr/>
+          <a:lstStyle/>
+          <a:p>
+            <a:fld id="{A65A5C87-DF58-40C8-B092-1DE63DB4547E}" type="slidenum">
+              <a:rPr lang="en-US" smtClean="0"/>
+              <a:t>9</a:t>
             </a:fld>
             <a:endParaRPr lang="en-US" dirty="0"/>
           </a:p>
@@ -12093,21 +12253,6 @@
 </file>
 
 <file path=customXml/item1.xml><?xml version="1.0" encoding="utf-8"?>
-<p:properties xmlns:p="http://schemas.microsoft.com/office/2006/metadata/properties" xmlns:xsi="http://www.w3.org/2001/XMLSchema-instance" xmlns:pc="http://schemas.microsoft.com/office/infopath/2007/PartnerControls">
-  <documentManagement/>
-</p:properties>
-</file>
-
-<file path=customXml/item2.xml><?xml version="1.0" encoding="utf-8"?>
-<?mso-contentType ?>
-<FormTemplates xmlns="http://schemas.microsoft.com/sharepoint/v3/contenttype/forms">
-  <Display>DocumentLibraryForm</Display>
-  <Edit>DocumentLibraryForm</Edit>
-  <New>DocumentLibraryForm</New>
-</FormTemplates>
-</file>
-
-<file path=customXml/item3.xml><?xml version="1.0" encoding="utf-8"?>
 <ct:contentTypeSchema xmlns:ct="http://schemas.microsoft.com/office/2006/metadata/contentType" xmlns:ma="http://schemas.microsoft.com/office/2006/metadata/properties/metaAttributes" ct:_="" ma:_="" ma:contentTypeName="Document" ma:contentTypeID="0x010100362E7DE9800D3E4DAF9E6FDB77C66D4F" ma:contentTypeVersion="2" ma:contentTypeDescription="Create a new document." ma:contentTypeScope="" ma:versionID="fde469d7099b8e1913bbecfba46b0503">
   <xsd:schema xmlns:xsd="http://www.w3.org/2001/XMLSchema" xmlns:xs="http://www.w3.org/2001/XMLSchema" xmlns:p="http://schemas.microsoft.com/office/2006/metadata/properties" xmlns:ns3="4f634407-a31f-4228-a44c-3f4b0f7e433d" targetNamespace="http://schemas.microsoft.com/office/2006/metadata/properties" ma:root="true" ma:fieldsID="061e18f90e9f678f4817325be62bfb4a" ns3:_="">
     <xsd:import namespace="4f634407-a31f-4228-a44c-3f4b0f7e433d"/>
@@ -12239,31 +12384,22 @@
 </ct:contentTypeSchema>
 </file>
 
-<file path=customXml/itemProps1.xml><?xml version="1.0" encoding="utf-8"?>
-<ds:datastoreItem xmlns:ds="http://schemas.openxmlformats.org/officeDocument/2006/customXml" ds:itemID="{290D7697-8E53-4EA8-8CBB-9C19575257BF}">
-  <ds:schemaRefs>
-    <ds:schemaRef ds:uri="http://purl.org/dc/dcmitype/"/>
-    <ds:schemaRef ds:uri="http://schemas.microsoft.com/office/2006/documentManagement/types"/>
-    <ds:schemaRef ds:uri="http://www.w3.org/XML/1998/namespace"/>
-    <ds:schemaRef ds:uri="http://schemas.openxmlformats.org/package/2006/metadata/core-properties"/>
-    <ds:schemaRef ds:uri="http://schemas.microsoft.com/office/2006/metadata/properties"/>
-    <ds:schemaRef ds:uri="4f634407-a31f-4228-a44c-3f4b0f7e433d"/>
-    <ds:schemaRef ds:uri="http://purl.org/dc/terms/"/>
-    <ds:schemaRef ds:uri="http://schemas.microsoft.com/office/infopath/2007/PartnerControls"/>
-    <ds:schemaRef ds:uri="http://purl.org/dc/elements/1.1/"/>
-  </ds:schemaRefs>
-</ds:datastoreItem>
+<file path=customXml/item2.xml><?xml version="1.0" encoding="utf-8"?>
+<?mso-contentType ?>
+<FormTemplates xmlns="http://schemas.microsoft.com/sharepoint/v3/contenttype/forms">
+  <Display>DocumentLibraryForm</Display>
+  <Edit>DocumentLibraryForm</Edit>
+  <New>DocumentLibraryForm</New>
+</FormTemplates>
 </file>
 
-<file path=customXml/itemProps2.xml><?xml version="1.0" encoding="utf-8"?>
-<ds:datastoreItem xmlns:ds="http://schemas.openxmlformats.org/officeDocument/2006/customXml" ds:itemID="{B927DC71-2909-427C-BDB0-3E47E2101517}">
-  <ds:schemaRefs>
-    <ds:schemaRef ds:uri="http://schemas.microsoft.com/sharepoint/v3/contenttype/forms"/>
-  </ds:schemaRefs>
-</ds:datastoreItem>
+<file path=customXml/item3.xml><?xml version="1.0" encoding="utf-8"?>
+<p:properties xmlns:p="http://schemas.microsoft.com/office/2006/metadata/properties" xmlns:xsi="http://www.w3.org/2001/XMLSchema-instance" xmlns:pc="http://schemas.microsoft.com/office/infopath/2007/PartnerControls">
+  <documentManagement/>
+</p:properties>
 </file>
 
-<file path=customXml/itemProps3.xml><?xml version="1.0" encoding="utf-8"?>
+<file path=customXml/itemProps1.xml><?xml version="1.0" encoding="utf-8"?>
 <ds:datastoreItem xmlns:ds="http://schemas.openxmlformats.org/officeDocument/2006/customXml" ds:itemID="{69A467A9-47B3-48BC-BF02-09B9DD43B80C}">
   <ds:schemaRefs>
     <ds:schemaRef ds:uri="http://schemas.microsoft.com/office/2006/metadata/contentType"/>
@@ -12279,4 +12415,28 @@
     <ds:schemaRef ds:uri="http://schemas.microsoft.com/internal/obd"/>
   </ds:schemaRefs>
 </ds:datastoreItem>
+</file>
+
+<file path=customXml/itemProps2.xml><?xml version="1.0" encoding="utf-8"?>
+<ds:datastoreItem xmlns:ds="http://schemas.openxmlformats.org/officeDocument/2006/customXml" ds:itemID="{B927DC71-2909-427C-BDB0-3E47E2101517}">
+  <ds:schemaRefs>
+    <ds:schemaRef ds:uri="http://schemas.microsoft.com/sharepoint/v3/contenttype/forms"/>
+  </ds:schemaRefs>
+</ds:datastoreItem>
+</file>
+
+<file path=customXml/itemProps3.xml><?xml version="1.0" encoding="utf-8"?>
+<ds:datastoreItem xmlns:ds="http://schemas.openxmlformats.org/officeDocument/2006/customXml" ds:itemID="{290D7697-8E53-4EA8-8CBB-9C19575257BF}">
+  <ds:schemaRefs>
+    <ds:schemaRef ds:uri="http://purl.org/dc/dcmitype/"/>
+    <ds:schemaRef ds:uri="http://schemas.microsoft.com/office/2006/documentManagement/types"/>
+    <ds:schemaRef ds:uri="http://www.w3.org/XML/1998/namespace"/>
+    <ds:schemaRef ds:uri="http://schemas.openxmlformats.org/package/2006/metadata/core-properties"/>
+    <ds:schemaRef ds:uri="http://schemas.microsoft.com/office/2006/metadata/properties"/>
+    <ds:schemaRef ds:uri="4f634407-a31f-4228-a44c-3f4b0f7e433d"/>
+    <ds:schemaRef ds:uri="http://purl.org/dc/terms/"/>
+    <ds:schemaRef ds:uri="http://schemas.microsoft.com/office/infopath/2007/PartnerControls"/>
+    <ds:schemaRef ds:uri="http://purl.org/dc/elements/1.1/"/>
+  </ds:schemaRefs>
+</ds:datastoreItem>
 </file>
--- a/Presentation/GIỚI THIỆU ĐỀ TÀI.pptx
+++ b/Presentation/GIỚI THIỆU ĐỀ TÀI.pptx
@@ -5,10 +5,10 @@
     <p:sldMasterId id="2147483720" r:id="rId4"/>
   </p:sldMasterIdLst>
   <p:notesMasterIdLst>
-    <p:notesMasterId r:id="rId14"/>
+    <p:notesMasterId r:id="rId15"/>
   </p:notesMasterIdLst>
   <p:handoutMasterIdLst>
-    <p:handoutMasterId r:id="rId15"/>
+    <p:handoutMasterId r:id="rId16"/>
   </p:handoutMasterIdLst>
   <p:sldIdLst>
     <p:sldId id="281" r:id="rId5"/>
@@ -19,7 +19,8 @@
     <p:sldId id="364" r:id="rId10"/>
     <p:sldId id="361" r:id="rId11"/>
     <p:sldId id="363" r:id="rId12"/>
-    <p:sldId id="362" r:id="rId13"/>
+    <p:sldId id="365" r:id="rId13"/>
+    <p:sldId id="362" r:id="rId14"/>
   </p:sldIdLst>
   <p:sldSz cx="12192000" cy="6858000"/>
   <p:notesSz cx="6858000" cy="9144000"/>
@@ -245,7 +246,7 @@
           <a:p>
             <a:fld id="{28647F05-0506-494A-8060-3F395B947DF9}" type="datetimeFigureOut">
               <a:rPr lang="en-US" smtClean="0"/>
-              <a:t>10/19/2021</a:t>
+              <a:t>11/2/2021</a:t>
             </a:fld>
             <a:endParaRPr lang="en-US" dirty="0"/>
           </a:p>
@@ -422,7 +423,7 @@
           <a:p>
             <a:fld id="{08BC0A13-3F3D-45D4-B17C-1E0ACF36A6FB}" type="datetimeFigureOut">
               <a:rPr lang="en-US" smtClean="0"/>
-              <a:t>10/19/2021</a:t>
+              <a:t>11/2/2021</a:t>
             </a:fld>
             <a:endParaRPr lang="en-US" dirty="0"/>
           </a:p>
@@ -8966,16 +8967,12 @@
           <a:lstStyle/>
           <a:p>
             <a:r>
-              <a:rPr lang="en-US">
+              <a:rPr lang="en-US" dirty="0">
                 <a:latin typeface="Cambria" panose="02040503050406030204" pitchFamily="18" charset="0"/>
                 <a:ea typeface="Cambria" panose="02040503050406030204" pitchFamily="18" charset="0"/>
               </a:rPr>
               <a:t>GIỚI THIỆU ĐỀ TÀI</a:t>
             </a:r>
-            <a:endParaRPr lang="en-US" dirty="0">
-              <a:latin typeface="Cambria" panose="02040503050406030204" pitchFamily="18" charset="0"/>
-              <a:ea typeface="Cambria" panose="02040503050406030204" pitchFamily="18" charset="0"/>
-            </a:endParaRPr>
           </a:p>
         </p:txBody>
       </p:sp>
@@ -9001,7 +8998,7 @@
           <a:lstStyle/>
           <a:p>
             <a:r>
-              <a:rPr lang="en-US" sz="2800">
+              <a:rPr lang="en-US" sz="2800" dirty="0">
                 <a:latin typeface="Cambria" panose="02040503050406030204" pitchFamily="18" charset="0"/>
                 <a:ea typeface="Cambria" panose="02040503050406030204" pitchFamily="18" charset="0"/>
               </a:rPr>
@@ -9040,10 +9037,16 @@
           <a:p>
             <a:pPr algn="ctr"/>
             <a:r>
+              <a:rPr lang="en-US" sz="4000" dirty="0" err="1">
+                <a:ea typeface="Cambria" panose="02040503050406030204" pitchFamily="18" charset="0"/>
+              </a:rPr>
+              <a:t>Nhóm</a:t>
+            </a:r>
+            <a:r>
               <a:rPr lang="en-US" sz="4000">
                 <a:ea typeface="Cambria" panose="02040503050406030204" pitchFamily="18" charset="0"/>
               </a:rPr>
-              <a:t>Nhóm 12</a:t>
+              <a:t> 12</a:t>
             </a:r>
             <a:endParaRPr lang="en-US" sz="2800" dirty="0">
               <a:ea typeface="Cambria" panose="02040503050406030204" pitchFamily="18" charset="0"/>
@@ -9055,6 +9058,112 @@
     <p:extLst>
       <p:ext uri="{BB962C8B-B14F-4D97-AF65-F5344CB8AC3E}">
         <p14:creationId xmlns:p14="http://schemas.microsoft.com/office/powerpoint/2010/main" val="183373782"/>
+      </p:ext>
+    </p:extLst>
+  </p:cSld>
+  <p:clrMapOvr>
+    <a:masterClrMapping/>
+  </p:clrMapOvr>
+</p:sld>
+</file>
+
+<file path=ppt/slides/slide10.xml><?xml version="1.0" encoding="utf-8"?>
+<p:sld xmlns:a="http://schemas.openxmlformats.org/drawingml/2006/main" xmlns:r="http://schemas.openxmlformats.org/officeDocument/2006/relationships" xmlns:p="http://schemas.openxmlformats.org/presentationml/2006/main">
+  <p:cSld>
+    <p:spTree>
+      <p:nvGrpSpPr>
+        <p:cNvPr id="1" name=""/>
+        <p:cNvGrpSpPr/>
+        <p:nvPr/>
+      </p:nvGrpSpPr>
+      <p:grpSpPr>
+        <a:xfrm>
+          <a:off x="0" y="0"/>
+          <a:ext cx="0" cy="0"/>
+          <a:chOff x="0" y="0"/>
+          <a:chExt cx="0" cy="0"/>
+        </a:xfrm>
+      </p:grpSpPr>
+      <p:sp>
+        <p:nvSpPr>
+          <p:cNvPr id="4" name="Slide Number Placeholder 3">
+            <a:extLst>
+              <a:ext uri="{FF2B5EF4-FFF2-40B4-BE49-F238E27FC236}">
+                <a16:creationId xmlns:a16="http://schemas.microsoft.com/office/drawing/2014/main" id="{C6205CD8-47A3-474F-BFF6-841BA02DBE81}"/>
+              </a:ext>
+            </a:extLst>
+          </p:cNvPr>
+          <p:cNvSpPr>
+            <a:spLocks noGrp="1"/>
+          </p:cNvSpPr>
+          <p:nvPr>
+            <p:ph type="sldNum" sz="quarter" idx="12"/>
+          </p:nvPr>
+        </p:nvSpPr>
+        <p:spPr/>
+        <p:txBody>
+          <a:bodyPr/>
+          <a:lstStyle/>
+          <a:p>
+            <a:fld id="{A65A5C87-DF58-40C8-B092-1DE63DB4547E}" type="slidenum">
+              <a:rPr lang="en-US" smtClean="0"/>
+              <a:t>10</a:t>
+            </a:fld>
+            <a:endParaRPr lang="en-US" dirty="0"/>
+          </a:p>
+        </p:txBody>
+      </p:sp>
+      <p:sp>
+        <p:nvSpPr>
+          <p:cNvPr id="5" name="TextBox 4">
+            <a:extLst>
+              <a:ext uri="{FF2B5EF4-FFF2-40B4-BE49-F238E27FC236}">
+                <a16:creationId xmlns:a16="http://schemas.microsoft.com/office/drawing/2014/main" id="{BEE70CA4-C52B-48B7-9EE1-219E87859A3C}"/>
+              </a:ext>
+            </a:extLst>
+          </p:cNvPr>
+          <p:cNvSpPr txBox="1"/>
+          <p:nvPr/>
+        </p:nvSpPr>
+        <p:spPr>
+          <a:xfrm>
+            <a:off x="0" y="2644170"/>
+            <a:ext cx="12192000" cy="1569660"/>
+          </a:xfrm>
+          <a:prstGeom prst="rect">
+            <a:avLst/>
+          </a:prstGeom>
+          <a:noFill/>
+        </p:spPr>
+        <p:txBody>
+          <a:bodyPr wrap="square" rtlCol="0">
+            <a:spAutoFit/>
+          </a:bodyPr>
+          <a:lstStyle/>
+          <a:p>
+            <a:pPr algn="ctr"/>
+            <a:r>
+              <a:rPr lang="en-US" sz="4800" dirty="0" err="1"/>
+              <a:t>Nhóm</a:t>
+            </a:r>
+            <a:r>
+              <a:rPr lang="en-US" sz="4800" dirty="0"/>
+              <a:t> 12</a:t>
+            </a:r>
+          </a:p>
+          <a:p>
+            <a:pPr algn="ctr"/>
+            <a:r>
+              <a:rPr lang="en-US" sz="4800" dirty="0"/>
+              <a:t>THANKS FOR WATCHING</a:t>
+            </a:r>
+          </a:p>
+        </p:txBody>
+      </p:sp>
+    </p:spTree>
+    <p:extLst>
+      <p:ext uri="{BB962C8B-B14F-4D97-AF65-F5344CB8AC3E}">
+        <p14:creationId xmlns:p14="http://schemas.microsoft.com/office/powerpoint/2010/main" val="768273910"/>
       </p:ext>
     </p:extLst>
   </p:cSld>
@@ -9994,7 +10103,7 @@
             </a:r>
             <a:r>
               <a:rPr lang="vi-VN"/>
-              <a:t>nhà hàng, như thời tiết</a:t>
+              <a:t>nhà hàng như thời tiết</a:t>
             </a:r>
             <a:r>
               <a:rPr lang="en-US"/>
@@ -10594,8 +10703,8 @@
         </p:nvSpPr>
         <p:spPr>
           <a:xfrm>
-            <a:off x="612647" y="3295468"/>
-            <a:ext cx="8113777" cy="3060882"/>
+            <a:off x="269021" y="3240307"/>
+            <a:ext cx="8460332" cy="3060882"/>
           </a:xfrm>
         </p:spPr>
         <p:txBody>
@@ -10678,7 +10787,7 @@
         </p:blipFill>
         <p:spPr>
           <a:xfrm>
-            <a:off x="8732282" y="3295468"/>
+            <a:off x="8998374" y="3057065"/>
             <a:ext cx="2847070" cy="3060882"/>
           </a:xfrm>
           <a:prstGeom prst="rect">
@@ -11076,64 +11185,6 @@
       </p:grpSpPr>
       <p:sp>
         <p:nvSpPr>
-          <p:cNvPr id="2" name="Date Placeholder 1">
-            <a:extLst>
-              <a:ext uri="{FF2B5EF4-FFF2-40B4-BE49-F238E27FC236}">
-                <a16:creationId xmlns:a16="http://schemas.microsoft.com/office/drawing/2014/main" id="{4D9A3414-F822-44EB-BB86-A6CFEEA211E8}"/>
-              </a:ext>
-            </a:extLst>
-          </p:cNvPr>
-          <p:cNvSpPr>
-            <a:spLocks noGrp="1"/>
-          </p:cNvSpPr>
-          <p:nvPr>
-            <p:ph type="dt" sz="half" idx="10"/>
-          </p:nvPr>
-        </p:nvSpPr>
-        <p:spPr/>
-        <p:txBody>
-          <a:bodyPr/>
-          <a:lstStyle/>
-          <a:p>
-            <a:r>
-              <a:rPr lang="en-US"/>
-              <a:t>9/4/20XX</a:t>
-            </a:r>
-            <a:endParaRPr lang="en-US" dirty="0"/>
-          </a:p>
-        </p:txBody>
-      </p:sp>
-      <p:sp>
-        <p:nvSpPr>
-          <p:cNvPr id="3" name="Footer Placeholder 2">
-            <a:extLst>
-              <a:ext uri="{FF2B5EF4-FFF2-40B4-BE49-F238E27FC236}">
-                <a16:creationId xmlns:a16="http://schemas.microsoft.com/office/drawing/2014/main" id="{76B67BA6-B46D-4E26-9DA6-5D76C34CF979}"/>
-              </a:ext>
-            </a:extLst>
-          </p:cNvPr>
-          <p:cNvSpPr>
-            <a:spLocks noGrp="1"/>
-          </p:cNvSpPr>
-          <p:nvPr>
-            <p:ph type="ftr" sz="quarter" idx="11"/>
-          </p:nvPr>
-        </p:nvSpPr>
-        <p:spPr/>
-        <p:txBody>
-          <a:bodyPr/>
-          <a:lstStyle/>
-          <a:p>
-            <a:r>
-              <a:rPr lang="en-US"/>
-              <a:t>Presentation Title</a:t>
-            </a:r>
-            <a:endParaRPr lang="en-US" dirty="0"/>
-          </a:p>
-        </p:txBody>
-      </p:sp>
-      <p:sp>
-        <p:nvSpPr>
           <p:cNvPr id="4" name="Slide Number Placeholder 3">
             <a:extLst>
               <a:ext uri="{FF2B5EF4-FFF2-40B4-BE49-F238E27FC236}">
@@ -11214,54 +11265,42 @@
           </a:p>
         </p:txBody>
       </p:sp>
-      <p:sp>
-        <p:nvSpPr>
-          <p:cNvPr id="6" name="TextBox 5">
-            <a:extLst>
-              <a:ext uri="{FF2B5EF4-FFF2-40B4-BE49-F238E27FC236}">
-                <a16:creationId xmlns:a16="http://schemas.microsoft.com/office/drawing/2014/main" id="{F4B07241-D51F-404A-A9A8-4BF2E12F8643}"/>
-              </a:ext>
-            </a:extLst>
-          </p:cNvPr>
-          <p:cNvSpPr txBox="1"/>
+      <p:pic>
+        <p:nvPicPr>
+          <p:cNvPr id="7" name="Picture 6">
+            <a:extLst>
+              <a:ext uri="{FF2B5EF4-FFF2-40B4-BE49-F238E27FC236}">
+                <a16:creationId xmlns:a16="http://schemas.microsoft.com/office/drawing/2014/main" id="{15EF7B87-DA46-49D6-BDE6-1118ABF04B91}"/>
+              </a:ext>
+            </a:extLst>
+          </p:cNvPr>
+          <p:cNvPicPr>
+            <a:picLocks noChangeAspect="1"/>
+          </p:cNvPicPr>
           <p:nvPr/>
-        </p:nvSpPr>
-        <p:spPr>
-          <a:xfrm>
-            <a:off x="6559858" y="4972140"/>
-            <a:ext cx="4793942" cy="923330"/>
+        </p:nvPicPr>
+        <p:blipFill>
+          <a:blip r:embed="rId2"/>
+          <a:stretch>
+            <a:fillRect/>
+          </a:stretch>
+        </p:blipFill>
+        <p:spPr>
+          <a:xfrm>
+            <a:off x="456474" y="3429000"/>
+            <a:ext cx="5220063" cy="2706835"/>
           </a:xfrm>
           <a:prstGeom prst="rect">
             <a:avLst/>
           </a:prstGeom>
-          <a:noFill/>
-        </p:spPr>
-        <p:txBody>
-          <a:bodyPr wrap="square" rtlCol="0">
-            <a:spAutoFit/>
-          </a:bodyPr>
-          <a:lstStyle/>
-          <a:p>
-            <a:r>
-              <a:rPr lang="en-US"/>
-              <a:t>Link solution: </a:t>
-            </a:r>
-            <a:r>
-              <a:rPr lang="en-US">
-                <a:hlinkClick r:id="rId2"/>
-              </a:rPr>
-              <a:t>MaxHalford/kaggle-recruit-restaurant: Kaggle 8th place solution (github.com)</a:t>
-            </a:r>
-            <a:endParaRPr lang="en-US"/>
-          </a:p>
-        </p:txBody>
-      </p:sp>
+        </p:spPr>
+      </p:pic>
       <p:pic>
         <p:nvPicPr>
-          <p:cNvPr id="7" name="Picture 6">
-            <a:extLst>
-              <a:ext uri="{FF2B5EF4-FFF2-40B4-BE49-F238E27FC236}">
-                <a16:creationId xmlns:a16="http://schemas.microsoft.com/office/drawing/2014/main" id="{15EF7B87-DA46-49D6-BDE6-1118ABF04B91}"/>
+          <p:cNvPr id="8" name="Picture 7">
+            <a:extLst>
+              <a:ext uri="{FF2B5EF4-FFF2-40B4-BE49-F238E27FC236}">
+                <a16:creationId xmlns:a16="http://schemas.microsoft.com/office/drawing/2014/main" id="{DEAAA58B-AD2D-4080-85E0-7B559439C01B}"/>
               </a:ext>
             </a:extLst>
           </p:cNvPr>
@@ -11278,8 +11317,8 @@
         </p:blipFill>
         <p:spPr>
           <a:xfrm>
-            <a:off x="486052" y="962530"/>
-            <a:ext cx="5099143" cy="2706835"/>
+            <a:off x="666205" y="1184473"/>
+            <a:ext cx="4800600" cy="1931308"/>
           </a:xfrm>
           <a:prstGeom prst="rect">
             <a:avLst/>
@@ -11288,10 +11327,10 @@
       </p:pic>
       <p:pic>
         <p:nvPicPr>
-          <p:cNvPr id="8" name="Picture 7">
-            <a:extLst>
-              <a:ext uri="{FF2B5EF4-FFF2-40B4-BE49-F238E27FC236}">
-                <a16:creationId xmlns:a16="http://schemas.microsoft.com/office/drawing/2014/main" id="{DEAAA58B-AD2D-4080-85E0-7B559439C01B}"/>
+          <p:cNvPr id="10" name="Content Placeholder 24">
+            <a:extLst>
+              <a:ext uri="{FF2B5EF4-FFF2-40B4-BE49-F238E27FC236}">
+                <a16:creationId xmlns:a16="http://schemas.microsoft.com/office/drawing/2014/main" id="{BBA75721-578A-49D2-87E6-5681288E2F20}"/>
               </a:ext>
             </a:extLst>
           </p:cNvPr>
@@ -11308,37 +11347,7 @@
         </p:blipFill>
         <p:spPr>
           <a:xfrm>
-            <a:off x="538364" y="4272442"/>
-            <a:ext cx="4994518" cy="1931308"/>
-          </a:xfrm>
-          <a:prstGeom prst="rect">
-            <a:avLst/>
-          </a:prstGeom>
-        </p:spPr>
-      </p:pic>
-      <p:pic>
-        <p:nvPicPr>
-          <p:cNvPr id="9" name="Content Placeholder 24">
-            <a:extLst>
-              <a:ext uri="{FF2B5EF4-FFF2-40B4-BE49-F238E27FC236}">
-                <a16:creationId xmlns:a16="http://schemas.microsoft.com/office/drawing/2014/main" id="{C816F3AA-EC65-4D24-9CC0-B2E062E58195}"/>
-              </a:ext>
-            </a:extLst>
-          </p:cNvPr>
-          <p:cNvPicPr>
-            <a:picLocks noChangeAspect="1"/>
-          </p:cNvPicPr>
-          <p:nvPr/>
-        </p:nvPicPr>
-        <p:blipFill>
-          <a:blip r:embed="rId5"/>
-          <a:stretch>
-            <a:fillRect/>
-          </a:stretch>
-        </p:blipFill>
-        <p:spPr>
-          <a:xfrm>
-            <a:off x="6220289" y="962530"/>
+            <a:off x="6236493" y="2150127"/>
             <a:ext cx="5711300" cy="3453695"/>
           </a:xfrm>
           <a:prstGeom prst="rect">
@@ -11381,7 +11390,7 @@
           <p:cNvPr id="4" name="Slide Number Placeholder 3">
             <a:extLst>
               <a:ext uri="{FF2B5EF4-FFF2-40B4-BE49-F238E27FC236}">
-                <a16:creationId xmlns:a16="http://schemas.microsoft.com/office/drawing/2014/main" id="{C6205CD8-47A3-474F-BFF6-841BA02DBE81}"/>
+                <a16:creationId xmlns:a16="http://schemas.microsoft.com/office/drawing/2014/main" id="{262F0659-4B95-4662-8256-CCBB385653BF}"/>
               </a:ext>
             </a:extLst>
           </p:cNvPr>
@@ -11405,53 +11414,170 @@
           </a:p>
         </p:txBody>
       </p:sp>
-      <p:sp>
-        <p:nvSpPr>
-          <p:cNvPr id="5" name="TextBox 4">
-            <a:extLst>
-              <a:ext uri="{FF2B5EF4-FFF2-40B4-BE49-F238E27FC236}">
-                <a16:creationId xmlns:a16="http://schemas.microsoft.com/office/drawing/2014/main" id="{BEE70CA4-C52B-48B7-9EE1-219E87859A3C}"/>
-              </a:ext>
-            </a:extLst>
-          </p:cNvPr>
-          <p:cNvSpPr txBox="1"/>
+      <p:pic>
+        <p:nvPicPr>
+          <p:cNvPr id="5" name="Picture 4">
+            <a:extLst>
+              <a:ext uri="{FF2B5EF4-FFF2-40B4-BE49-F238E27FC236}">
+                <a16:creationId xmlns:a16="http://schemas.microsoft.com/office/drawing/2014/main" id="{1D740BBE-E151-4764-BAE3-E4DD7D8200A2}"/>
+              </a:ext>
+            </a:extLst>
+          </p:cNvPr>
+          <p:cNvPicPr>
+            <a:picLocks noChangeAspect="1"/>
+          </p:cNvPicPr>
           <p:nvPr/>
-        </p:nvSpPr>
-        <p:spPr>
-          <a:xfrm>
-            <a:off x="0" y="2644170"/>
-            <a:ext cx="12192000" cy="1569660"/>
+        </p:nvPicPr>
+        <p:blipFill>
+          <a:blip r:embed="rId2"/>
+          <a:stretch>
+            <a:fillRect/>
+          </a:stretch>
+        </p:blipFill>
+        <p:spPr>
+          <a:xfrm>
+            <a:off x="288617" y="354125"/>
+            <a:ext cx="6800572" cy="1273011"/>
+          </a:xfrm>
+          <a:prstGeom prst="rect">
+            <a:avLst/>
+          </a:prstGeom>
+        </p:spPr>
+      </p:pic>
+      <p:pic>
+        <p:nvPicPr>
+          <p:cNvPr id="8" name="Graphic 7">
+            <a:extLst>
+              <a:ext uri="{FF2B5EF4-FFF2-40B4-BE49-F238E27FC236}">
+                <a16:creationId xmlns:a16="http://schemas.microsoft.com/office/drawing/2014/main" id="{6E3FAAC3-BCF2-4998-A4EC-D42ED8839548}"/>
+              </a:ext>
+            </a:extLst>
+          </p:cNvPr>
+          <p:cNvPicPr>
+            <a:picLocks noChangeAspect="1"/>
+          </p:cNvPicPr>
+          <p:nvPr/>
+        </p:nvPicPr>
+        <p:blipFill>
+          <a:blip r:embed="rId3">
+            <a:extLst>
+              <a:ext uri="{96DAC541-7B7A-43D3-8B79-37D633B846F1}">
+                <asvg:svgBlip xmlns:asvg="http://schemas.microsoft.com/office/drawing/2016/SVG/main" r:embed="rId4"/>
+              </a:ext>
+            </a:extLst>
+          </a:blip>
+          <a:stretch>
+            <a:fillRect/>
+          </a:stretch>
+        </p:blipFill>
+        <p:spPr>
+          <a:xfrm>
+            <a:off x="510043" y="2007094"/>
+            <a:ext cx="5118400" cy="1159090"/>
+          </a:xfrm>
+          <a:prstGeom prst="rect">
+            <a:avLst/>
+          </a:prstGeom>
+        </p:spPr>
+      </p:pic>
+      <p:pic>
+        <p:nvPicPr>
+          <p:cNvPr id="1026" name="Picture 2" descr="Features — LightGBM 3.3.1.99 documentation">
+            <a:extLst>
+              <a:ext uri="{FF2B5EF4-FFF2-40B4-BE49-F238E27FC236}">
+                <a16:creationId xmlns:a16="http://schemas.microsoft.com/office/drawing/2014/main" id="{8F3A602D-FFF9-42D2-866F-9118198A22DB}"/>
+              </a:ext>
+            </a:extLst>
+          </p:cNvPr>
+          <p:cNvPicPr>
+            <a:picLocks noChangeAspect="1" noChangeArrowheads="1"/>
+          </p:cNvPicPr>
+          <p:nvPr/>
+        </p:nvPicPr>
+        <p:blipFill>
+          <a:blip r:embed="rId5">
+            <a:extLst>
+              <a:ext uri="{28A0092B-C50C-407E-A947-70E740481C1C}">
+                <a14:useLocalDpi xmlns:a14="http://schemas.microsoft.com/office/drawing/2010/main" val="0"/>
+              </a:ext>
+            </a:extLst>
+          </a:blip>
+          <a:srcRect/>
+          <a:stretch>
+            <a:fillRect/>
+          </a:stretch>
+        </p:blipFill>
+        <p:spPr bwMode="auto">
+          <a:xfrm>
+            <a:off x="753650" y="3905355"/>
+            <a:ext cx="4027058" cy="1594607"/>
           </a:xfrm>
           <a:prstGeom prst="rect">
             <a:avLst/>
           </a:prstGeom>
           <a:noFill/>
-        </p:spPr>
-        <p:txBody>
-          <a:bodyPr wrap="square" rtlCol="0">
-            <a:spAutoFit/>
-          </a:bodyPr>
-          <a:lstStyle/>
-          <a:p>
-            <a:pPr algn="ctr"/>
-            <a:r>
-              <a:rPr lang="en-US" sz="4800"/>
-              <a:t>Nhóm 12</a:t>
-            </a:r>
-          </a:p>
-          <a:p>
-            <a:pPr algn="ctr"/>
-            <a:r>
-              <a:rPr lang="en-US" sz="4800"/>
-              <a:t>THANKS FOR WATCHING</a:t>
-            </a:r>
-          </a:p>
-        </p:txBody>
-      </p:sp>
+          <a:extLst>
+            <a:ext uri="{909E8E84-426E-40DD-AFC4-6F175D3DCCD1}">
+              <a14:hiddenFill xmlns:a14="http://schemas.microsoft.com/office/drawing/2010/main">
+                <a:solidFill>
+                  <a:srgbClr val="FFFFFF"/>
+                </a:solidFill>
+              </a14:hiddenFill>
+            </a:ext>
+          </a:extLst>
+        </p:spPr>
+      </p:pic>
+      <p:pic>
+        <p:nvPicPr>
+          <p:cNvPr id="1028" name="Picture 4" descr="3.1. Cross-validation: evaluating estimator performance — scikit-learn  1.0.1 documentation">
+            <a:extLst>
+              <a:ext uri="{FF2B5EF4-FFF2-40B4-BE49-F238E27FC236}">
+                <a16:creationId xmlns:a16="http://schemas.microsoft.com/office/drawing/2014/main" id="{FD069C40-56F4-40D8-8850-D7E323AEDDD0}"/>
+              </a:ext>
+            </a:extLst>
+          </p:cNvPr>
+          <p:cNvPicPr>
+            <a:picLocks noChangeAspect="1" noChangeArrowheads="1"/>
+          </p:cNvPicPr>
+          <p:nvPr/>
+        </p:nvPicPr>
+        <p:blipFill>
+          <a:blip r:embed="rId6">
+            <a:extLst>
+              <a:ext uri="{28A0092B-C50C-407E-A947-70E740481C1C}">
+                <a14:useLocalDpi xmlns:a14="http://schemas.microsoft.com/office/drawing/2010/main" val="0"/>
+              </a:ext>
+            </a:extLst>
+          </a:blip>
+          <a:srcRect/>
+          <a:stretch>
+            <a:fillRect/>
+          </a:stretch>
+        </p:blipFill>
+        <p:spPr bwMode="auto">
+          <a:xfrm>
+            <a:off x="5976320" y="1834392"/>
+            <a:ext cx="5785150" cy="4007115"/>
+          </a:xfrm>
+          <a:prstGeom prst="rect">
+            <a:avLst/>
+          </a:prstGeom>
+          <a:noFill/>
+          <a:extLst>
+            <a:ext uri="{909E8E84-426E-40DD-AFC4-6F175D3DCCD1}">
+              <a14:hiddenFill xmlns:a14="http://schemas.microsoft.com/office/drawing/2010/main">
+                <a:solidFill>
+                  <a:srgbClr val="FFFFFF"/>
+                </a:solidFill>
+              </a14:hiddenFill>
+            </a:ext>
+          </a:extLst>
+        </p:spPr>
+      </p:pic>
     </p:spTree>
     <p:extLst>
       <p:ext uri="{BB962C8B-B14F-4D97-AF65-F5344CB8AC3E}">
-        <p14:creationId xmlns:p14="http://schemas.microsoft.com/office/powerpoint/2010/main" val="768273910"/>
+        <p14:creationId xmlns:p14="http://schemas.microsoft.com/office/powerpoint/2010/main" val="1044647457"/>
       </p:ext>
     </p:extLst>
   </p:cSld>
@@ -12253,6 +12379,15 @@
 </file>
 
 <file path=customXml/item1.xml><?xml version="1.0" encoding="utf-8"?>
+<?mso-contentType ?>
+<FormTemplates xmlns="http://schemas.microsoft.com/sharepoint/v3/contenttype/forms">
+  <Display>DocumentLibraryForm</Display>
+  <Edit>DocumentLibraryForm</Edit>
+  <New>DocumentLibraryForm</New>
+</FormTemplates>
+</file>
+
+<file path=customXml/item2.xml><?xml version="1.0" encoding="utf-8"?>
 <ct:contentTypeSchema xmlns:ct="http://schemas.microsoft.com/office/2006/metadata/contentType" xmlns:ma="http://schemas.microsoft.com/office/2006/metadata/properties/metaAttributes" ct:_="" ma:_="" ma:contentTypeName="Document" ma:contentTypeID="0x010100362E7DE9800D3E4DAF9E6FDB77C66D4F" ma:contentTypeVersion="2" ma:contentTypeDescription="Create a new document." ma:contentTypeScope="" ma:versionID="fde469d7099b8e1913bbecfba46b0503">
   <xsd:schema xmlns:xsd="http://www.w3.org/2001/XMLSchema" xmlns:xs="http://www.w3.org/2001/XMLSchema" xmlns:p="http://schemas.microsoft.com/office/2006/metadata/properties" xmlns:ns3="4f634407-a31f-4228-a44c-3f4b0f7e433d" targetNamespace="http://schemas.microsoft.com/office/2006/metadata/properties" ma:root="true" ma:fieldsID="061e18f90e9f678f4817325be62bfb4a" ns3:_="">
     <xsd:import namespace="4f634407-a31f-4228-a44c-3f4b0f7e433d"/>
@@ -12384,15 +12519,6 @@
 </ct:contentTypeSchema>
 </file>
 
-<file path=customXml/item2.xml><?xml version="1.0" encoding="utf-8"?>
-<?mso-contentType ?>
-<FormTemplates xmlns="http://schemas.microsoft.com/sharepoint/v3/contenttype/forms">
-  <Display>DocumentLibraryForm</Display>
-  <Edit>DocumentLibraryForm</Edit>
-  <New>DocumentLibraryForm</New>
-</FormTemplates>
-</file>
-
 <file path=customXml/item3.xml><?xml version="1.0" encoding="utf-8"?>
 <p:properties xmlns:p="http://schemas.microsoft.com/office/2006/metadata/properties" xmlns:xsi="http://www.w3.org/2001/XMLSchema-instance" xmlns:pc="http://schemas.microsoft.com/office/infopath/2007/PartnerControls">
   <documentManagement/>
@@ -12400,6 +12526,14 @@
 </file>
 
 <file path=customXml/itemProps1.xml><?xml version="1.0" encoding="utf-8"?>
+<ds:datastoreItem xmlns:ds="http://schemas.openxmlformats.org/officeDocument/2006/customXml" ds:itemID="{B927DC71-2909-427C-BDB0-3E47E2101517}">
+  <ds:schemaRefs>
+    <ds:schemaRef ds:uri="http://schemas.microsoft.com/sharepoint/v3/contenttype/forms"/>
+  </ds:schemaRefs>
+</ds:datastoreItem>
+</file>
+
+<file path=customXml/itemProps2.xml><?xml version="1.0" encoding="utf-8"?>
 <ds:datastoreItem xmlns:ds="http://schemas.openxmlformats.org/officeDocument/2006/customXml" ds:itemID="{69A467A9-47B3-48BC-BF02-09B9DD43B80C}">
   <ds:schemaRefs>
     <ds:schemaRef ds:uri="http://schemas.microsoft.com/office/2006/metadata/contentType"/>
@@ -12413,14 +12547,6 @@
     <ds:schemaRef ds:uri="http://purl.org/dc/elements/1.1/"/>
     <ds:schemaRef ds:uri="http://purl.org/dc/terms/"/>
     <ds:schemaRef ds:uri="http://schemas.microsoft.com/internal/obd"/>
-  </ds:schemaRefs>
-</ds:datastoreItem>
-</file>
-
-<file path=customXml/itemProps2.xml><?xml version="1.0" encoding="utf-8"?>
-<ds:datastoreItem xmlns:ds="http://schemas.openxmlformats.org/officeDocument/2006/customXml" ds:itemID="{B927DC71-2909-427C-BDB0-3E47E2101517}">
-  <ds:schemaRefs>
-    <ds:schemaRef ds:uri="http://schemas.microsoft.com/sharepoint/v3/contenttype/forms"/>
   </ds:schemaRefs>
 </ds:datastoreItem>
 </file>

--- a/Presentation/GIỚI THIỆU ĐỀ TÀI.pptx
+++ b/Presentation/GIỚI THIỆU ĐỀ TÀI.pptx
@@ -5,10 +5,10 @@
     <p:sldMasterId id="2147483720" r:id="rId4"/>
   </p:sldMasterIdLst>
   <p:notesMasterIdLst>
-    <p:notesMasterId r:id="rId15"/>
+    <p:notesMasterId r:id="rId18"/>
   </p:notesMasterIdLst>
   <p:handoutMasterIdLst>
-    <p:handoutMasterId r:id="rId16"/>
+    <p:handoutMasterId r:id="rId19"/>
   </p:handoutMasterIdLst>
   <p:sldIdLst>
     <p:sldId id="281" r:id="rId5"/>
@@ -20,7 +20,10 @@
     <p:sldId id="361" r:id="rId11"/>
     <p:sldId id="363" r:id="rId12"/>
     <p:sldId id="365" r:id="rId13"/>
-    <p:sldId id="362" r:id="rId14"/>
+    <p:sldId id="366" r:id="rId14"/>
+    <p:sldId id="367" r:id="rId15"/>
+    <p:sldId id="368" r:id="rId16"/>
+    <p:sldId id="362" r:id="rId17"/>
   </p:sldIdLst>
   <p:sldSz cx="12192000" cy="6858000"/>
   <p:notesSz cx="6858000" cy="9144000"/>
@@ -246,7 +249,7 @@
           <a:p>
             <a:fld id="{28647F05-0506-494A-8060-3F395B947DF9}" type="datetimeFigureOut">
               <a:rPr lang="en-US" smtClean="0"/>
-              <a:t>11/2/2021</a:t>
+              <a:t>11/9/2021</a:t>
             </a:fld>
             <a:endParaRPr lang="en-US" dirty="0"/>
           </a:p>
@@ -423,7 +426,7 @@
           <a:p>
             <a:fld id="{08BC0A13-3F3D-45D4-B17C-1E0ACF36A6FB}" type="datetimeFigureOut">
               <a:rPr lang="en-US" smtClean="0"/>
-              <a:t>11/2/2021</a:t>
+              <a:t>11/9/2021</a:t>
             </a:fld>
             <a:endParaRPr lang="en-US" dirty="0"/>
           </a:p>
@@ -9086,10 +9089,41 @@
       </p:grpSpPr>
       <p:sp>
         <p:nvSpPr>
-          <p:cNvPr id="4" name="Slide Number Placeholder 3">
-            <a:extLst>
-              <a:ext uri="{FF2B5EF4-FFF2-40B4-BE49-F238E27FC236}">
-                <a16:creationId xmlns:a16="http://schemas.microsoft.com/office/drawing/2014/main" id="{C6205CD8-47A3-474F-BFF6-841BA02DBE81}"/>
+          <p:cNvPr id="2" name="Title 1">
+            <a:extLst>
+              <a:ext uri="{FF2B5EF4-FFF2-40B4-BE49-F238E27FC236}">
+                <a16:creationId xmlns:a16="http://schemas.microsoft.com/office/drawing/2014/main" id="{B42E019A-9E15-4FFD-AC81-582EE377F82D}"/>
+              </a:ext>
+            </a:extLst>
+          </p:cNvPr>
+          <p:cNvSpPr>
+            <a:spLocks noGrp="1"/>
+          </p:cNvSpPr>
+          <p:nvPr>
+            <p:ph type="title"/>
+          </p:nvPr>
+        </p:nvSpPr>
+        <p:spPr/>
+        <p:txBody>
+          <a:bodyPr>
+            <a:normAutofit/>
+          </a:bodyPr>
+          <a:lstStyle/>
+          <a:p>
+            <a:pPr algn="ctr"/>
+            <a:r>
+              <a:rPr lang="en-US" sz="6000"/>
+              <a:t>KHÁM PHÁ DỮ LIỆU</a:t>
+            </a:r>
+          </a:p>
+        </p:txBody>
+      </p:sp>
+      <p:sp>
+        <p:nvSpPr>
+          <p:cNvPr id="5" name="Slide Number Placeholder 4">
+            <a:extLst>
+              <a:ext uri="{FF2B5EF4-FFF2-40B4-BE49-F238E27FC236}">
+                <a16:creationId xmlns:a16="http://schemas.microsoft.com/office/drawing/2014/main" id="{5136780D-141B-4199-B3CD-B521676E24E8}"/>
               </a:ext>
             </a:extLst>
           </p:cNvPr>
@@ -9108,6 +9142,640 @@
             <a:fld id="{A65A5C87-DF58-40C8-B092-1DE63DB4547E}" type="slidenum">
               <a:rPr lang="en-US" smtClean="0"/>
               <a:t>10</a:t>
+            </a:fld>
+            <a:endParaRPr lang="en-US" dirty="0"/>
+          </a:p>
+        </p:txBody>
+      </p:sp>
+    </p:spTree>
+    <p:extLst>
+      <p:ext uri="{BB962C8B-B14F-4D97-AF65-F5344CB8AC3E}">
+        <p14:creationId xmlns:p14="http://schemas.microsoft.com/office/powerpoint/2010/main" val="1220756967"/>
+      </p:ext>
+    </p:extLst>
+  </p:cSld>
+  <p:clrMapOvr>
+    <a:masterClrMapping/>
+  </p:clrMapOvr>
+</p:sld>
+</file>
+
+<file path=ppt/slides/slide11.xml><?xml version="1.0" encoding="utf-8"?>
+<p:sld xmlns:a="http://schemas.openxmlformats.org/drawingml/2006/main" xmlns:r="http://schemas.openxmlformats.org/officeDocument/2006/relationships" xmlns:p="http://schemas.openxmlformats.org/presentationml/2006/main">
+  <p:cSld>
+    <p:spTree>
+      <p:nvGrpSpPr>
+        <p:cNvPr id="1" name=""/>
+        <p:cNvGrpSpPr/>
+        <p:nvPr/>
+      </p:nvGrpSpPr>
+      <p:grpSpPr>
+        <a:xfrm>
+          <a:off x="0" y="0"/>
+          <a:ext cx="0" cy="0"/>
+          <a:chOff x="0" y="0"/>
+          <a:chExt cx="0" cy="0"/>
+        </a:xfrm>
+      </p:grpSpPr>
+      <p:sp>
+        <p:nvSpPr>
+          <p:cNvPr id="4" name="Slide Number Placeholder 3">
+            <a:extLst>
+              <a:ext uri="{FF2B5EF4-FFF2-40B4-BE49-F238E27FC236}">
+                <a16:creationId xmlns:a16="http://schemas.microsoft.com/office/drawing/2014/main" id="{5D7CC5DC-9D39-405E-808F-3E092271BA97}"/>
+              </a:ext>
+            </a:extLst>
+          </p:cNvPr>
+          <p:cNvSpPr>
+            <a:spLocks noGrp="1"/>
+          </p:cNvSpPr>
+          <p:nvPr>
+            <p:ph type="sldNum" sz="quarter" idx="12"/>
+          </p:nvPr>
+        </p:nvSpPr>
+        <p:spPr/>
+        <p:txBody>
+          <a:bodyPr/>
+          <a:lstStyle/>
+          <a:p>
+            <a:fld id="{A65A5C87-DF58-40C8-B092-1DE63DB4547E}" type="slidenum">
+              <a:rPr lang="en-US" smtClean="0"/>
+              <a:t>11</a:t>
+            </a:fld>
+            <a:endParaRPr lang="en-US" dirty="0"/>
+          </a:p>
+        </p:txBody>
+      </p:sp>
+      <p:sp>
+        <p:nvSpPr>
+          <p:cNvPr id="5" name="TextBox 4">
+            <a:extLst>
+              <a:ext uri="{FF2B5EF4-FFF2-40B4-BE49-F238E27FC236}">
+                <a16:creationId xmlns:a16="http://schemas.microsoft.com/office/drawing/2014/main" id="{A33FA57C-803F-4D93-9358-80FBF1AB2B0B}"/>
+              </a:ext>
+            </a:extLst>
+          </p:cNvPr>
+          <p:cNvSpPr txBox="1"/>
+          <p:nvPr/>
+        </p:nvSpPr>
+        <p:spPr>
+          <a:xfrm>
+            <a:off x="338831" y="250795"/>
+            <a:ext cx="11335305" cy="5862567"/>
+          </a:xfrm>
+          <a:prstGeom prst="rect">
+            <a:avLst/>
+          </a:prstGeom>
+          <a:noFill/>
+        </p:spPr>
+        <p:txBody>
+          <a:bodyPr wrap="square" rtlCol="0">
+            <a:spAutoFit/>
+          </a:bodyPr>
+          <a:lstStyle/>
+          <a:p>
+            <a:pPr>
+              <a:lnSpc>
+                <a:spcPct val="150000"/>
+              </a:lnSpc>
+            </a:pPr>
+            <a:r>
+              <a:rPr lang="en-US"/>
+              <a:t>Trong file </a:t>
+            </a:r>
+            <a:r>
+              <a:rPr lang="en-US" b="1"/>
+              <a:t>air_visit_data.csv </a:t>
+            </a:r>
+            <a:r>
+              <a:rPr lang="en-US"/>
+              <a:t>liên quan về dữ liệu khách theo ngày:</a:t>
+            </a:r>
+          </a:p>
+          <a:p>
+            <a:pPr marL="285750" indent="-285750">
+              <a:lnSpc>
+                <a:spcPct val="150000"/>
+              </a:lnSpc>
+              <a:buFontTx/>
+              <a:buChar char="-"/>
+            </a:pPr>
+            <a:r>
+              <a:rPr lang="en-US"/>
+              <a:t>Trong file biểu diễn dữ liệu theo ngày (những ngày không có khách sẽ không được thu thập)</a:t>
+            </a:r>
+          </a:p>
+          <a:p>
+            <a:pPr>
+              <a:lnSpc>
+                <a:spcPct val="150000"/>
+              </a:lnSpc>
+            </a:pPr>
+            <a:r>
+              <a:rPr lang="en-US"/>
+              <a:t>-&gt; Ta cần phải lấy mẫu theo ngày thay vì theo lượt truy cập. Do đó, những ngày không có khách thì lượt truy cập sẽ là 0. Có ích cho việc tính toán luân phiên dựa vào thời gian</a:t>
+            </a:r>
+          </a:p>
+          <a:p>
+            <a:pPr>
+              <a:lnSpc>
+                <a:spcPct val="150000"/>
+              </a:lnSpc>
+            </a:pPr>
+            <a:endParaRPr lang="en-US"/>
+          </a:p>
+          <a:p>
+            <a:pPr>
+              <a:lnSpc>
+                <a:spcPct val="150000"/>
+              </a:lnSpc>
+            </a:pPr>
+            <a:endParaRPr lang="en-US"/>
+          </a:p>
+          <a:p>
+            <a:pPr>
+              <a:lnSpc>
+                <a:spcPct val="150000"/>
+              </a:lnSpc>
+            </a:pPr>
+            <a:endParaRPr lang="en-US"/>
+          </a:p>
+          <a:p>
+            <a:pPr>
+              <a:lnSpc>
+                <a:spcPct val="150000"/>
+              </a:lnSpc>
+            </a:pPr>
+            <a:endParaRPr lang="en-US"/>
+          </a:p>
+          <a:p>
+            <a:pPr>
+              <a:lnSpc>
+                <a:spcPct val="150000"/>
+              </a:lnSpc>
+            </a:pPr>
+            <a:r>
+              <a:rPr lang="en-US"/>
+              <a:t>Trong file </a:t>
+            </a:r>
+            <a:r>
+              <a:rPr lang="en-US" b="1"/>
+              <a:t>date_info.csv </a:t>
+            </a:r>
+            <a:r>
+              <a:rPr lang="en-US"/>
+              <a:t>liên quan đến dữ liệu các ngày lễ</a:t>
+            </a:r>
+          </a:p>
+          <a:p>
+            <a:pPr>
+              <a:lnSpc>
+                <a:spcPct val="150000"/>
+              </a:lnSpc>
+            </a:pPr>
+            <a:r>
+              <a:rPr lang="en-US"/>
+              <a:t>- Ta </a:t>
+            </a:r>
+            <a:r>
+              <a:rPr lang="vi-VN"/>
+              <a:t>thêm hai tính năng cho biết ngày hôm trước </a:t>
+            </a:r>
+            <a:r>
+              <a:rPr lang="en-US"/>
+              <a:t>và </a:t>
+            </a:r>
+            <a:r>
+              <a:rPr lang="vi-VN"/>
+              <a:t>ngày hôm sau là ngày </a:t>
+            </a:r>
+            <a:r>
+              <a:rPr lang="en-US"/>
+              <a:t>lễ hay không?</a:t>
+            </a:r>
+          </a:p>
+          <a:p>
+            <a:pPr>
+              <a:lnSpc>
+                <a:spcPct val="150000"/>
+              </a:lnSpc>
+            </a:pPr>
+            <a:r>
+              <a:rPr lang="en-US"/>
+              <a:t>-&gt; Điều này giúp ta biết được ngày đó là ngày lễ đơn hay là kỳ nghỉ lễ dài ngày</a:t>
+            </a:r>
+          </a:p>
+          <a:p>
+            <a:pPr>
+              <a:lnSpc>
+                <a:spcPct val="150000"/>
+              </a:lnSpc>
+            </a:pPr>
+            <a:endParaRPr lang="en-US"/>
+          </a:p>
+          <a:p>
+            <a:pPr>
+              <a:lnSpc>
+                <a:spcPct val="150000"/>
+              </a:lnSpc>
+            </a:pPr>
+            <a:endParaRPr lang="en-US"/>
+          </a:p>
+          <a:p>
+            <a:pPr>
+              <a:lnSpc>
+                <a:spcPct val="150000"/>
+              </a:lnSpc>
+            </a:pPr>
+            <a:endParaRPr lang="en-US"/>
+          </a:p>
+        </p:txBody>
+      </p:sp>
+      <p:pic>
+        <p:nvPicPr>
+          <p:cNvPr id="7" name="Picture 6">
+            <a:extLst>
+              <a:ext uri="{FF2B5EF4-FFF2-40B4-BE49-F238E27FC236}">
+                <a16:creationId xmlns:a16="http://schemas.microsoft.com/office/drawing/2014/main" id="{BC34D23A-3175-4F89-B76F-DE350A24BE51}"/>
+              </a:ext>
+            </a:extLst>
+          </p:cNvPr>
+          <p:cNvPicPr>
+            <a:picLocks noChangeAspect="1"/>
+          </p:cNvPicPr>
+          <p:nvPr/>
+        </p:nvPicPr>
+        <p:blipFill>
+          <a:blip r:embed="rId2"/>
+          <a:stretch>
+            <a:fillRect/>
+          </a:stretch>
+        </p:blipFill>
+        <p:spPr>
+          <a:xfrm>
+            <a:off x="5897217" y="1979507"/>
+            <a:ext cx="3167270" cy="1489691"/>
+          </a:xfrm>
+          <a:prstGeom prst="rect">
+            <a:avLst/>
+          </a:prstGeom>
+        </p:spPr>
+      </p:pic>
+      <p:pic>
+        <p:nvPicPr>
+          <p:cNvPr id="9" name="Picture 8">
+            <a:extLst>
+              <a:ext uri="{FF2B5EF4-FFF2-40B4-BE49-F238E27FC236}">
+                <a16:creationId xmlns:a16="http://schemas.microsoft.com/office/drawing/2014/main" id="{AD2CFC96-FFE5-46B1-A232-E88F384F31BB}"/>
+              </a:ext>
+            </a:extLst>
+          </p:cNvPr>
+          <p:cNvPicPr>
+            <a:picLocks noChangeAspect="1"/>
+          </p:cNvPicPr>
+          <p:nvPr/>
+        </p:nvPicPr>
+        <p:blipFill>
+          <a:blip r:embed="rId3"/>
+          <a:stretch>
+            <a:fillRect/>
+          </a:stretch>
+        </p:blipFill>
+        <p:spPr>
+          <a:xfrm>
+            <a:off x="2006096" y="1979507"/>
+            <a:ext cx="2466874" cy="1449493"/>
+          </a:xfrm>
+          <a:prstGeom prst="rect">
+            <a:avLst/>
+          </a:prstGeom>
+          <a:solidFill>
+            <a:srgbClr val="FFFFFF">
+              <a:shade val="85000"/>
+            </a:srgbClr>
+          </a:solidFill>
+          <a:ln w="88900" cap="sq">
+            <a:solidFill>
+              <a:srgbClr val="FFFFFF"/>
+            </a:solidFill>
+            <a:miter lim="800000"/>
+          </a:ln>
+          <a:effectLst>
+            <a:outerShdw blurRad="55000" dist="18000" dir="5400000" algn="tl" rotWithShape="0">
+              <a:srgbClr val="000000">
+                <a:alpha val="40000"/>
+              </a:srgbClr>
+            </a:outerShdw>
+          </a:effectLst>
+          <a:scene3d>
+            <a:camera prst="orthographicFront"/>
+            <a:lightRig rig="twoPt" dir="t">
+              <a:rot lat="0" lon="0" rev="7200000"/>
+            </a:lightRig>
+          </a:scene3d>
+          <a:sp3d>
+            <a:bevelT w="25400" h="19050"/>
+            <a:contourClr>
+              <a:srgbClr val="FFFFFF"/>
+            </a:contourClr>
+          </a:sp3d>
+        </p:spPr>
+      </p:pic>
+      <p:pic>
+        <p:nvPicPr>
+          <p:cNvPr id="13" name="Picture 12">
+            <a:extLst>
+              <a:ext uri="{FF2B5EF4-FFF2-40B4-BE49-F238E27FC236}">
+                <a16:creationId xmlns:a16="http://schemas.microsoft.com/office/drawing/2014/main" id="{E52AC83F-3371-47C2-8A24-1B33B4F6DA48}"/>
+              </a:ext>
+            </a:extLst>
+          </p:cNvPr>
+          <p:cNvPicPr>
+            <a:picLocks noChangeAspect="1"/>
+          </p:cNvPicPr>
+          <p:nvPr/>
+        </p:nvPicPr>
+        <p:blipFill>
+          <a:blip r:embed="rId4"/>
+          <a:stretch>
+            <a:fillRect/>
+          </a:stretch>
+        </p:blipFill>
+        <p:spPr>
+          <a:xfrm>
+            <a:off x="5728509" y="4915369"/>
+            <a:ext cx="4146122" cy="1319487"/>
+          </a:xfrm>
+          <a:prstGeom prst="rect">
+            <a:avLst/>
+          </a:prstGeom>
+        </p:spPr>
+      </p:pic>
+      <p:pic>
+        <p:nvPicPr>
+          <p:cNvPr id="15" name="Picture 14">
+            <a:extLst>
+              <a:ext uri="{FF2B5EF4-FFF2-40B4-BE49-F238E27FC236}">
+                <a16:creationId xmlns:a16="http://schemas.microsoft.com/office/drawing/2014/main" id="{AEEA05B5-7E33-4303-8D07-9D0D66575412}"/>
+              </a:ext>
+            </a:extLst>
+          </p:cNvPr>
+          <p:cNvPicPr>
+            <a:picLocks noChangeAspect="1"/>
+          </p:cNvPicPr>
+          <p:nvPr/>
+        </p:nvPicPr>
+        <p:blipFill>
+          <a:blip r:embed="rId5"/>
+          <a:stretch>
+            <a:fillRect/>
+          </a:stretch>
+        </p:blipFill>
+        <p:spPr>
+          <a:xfrm>
+            <a:off x="985421" y="4940068"/>
+            <a:ext cx="3691120" cy="1319487"/>
+          </a:xfrm>
+          <a:prstGeom prst="rect">
+            <a:avLst/>
+          </a:prstGeom>
+          <a:solidFill>
+            <a:srgbClr val="FFFFFF">
+              <a:shade val="85000"/>
+            </a:srgbClr>
+          </a:solidFill>
+          <a:ln w="88900" cap="sq">
+            <a:solidFill>
+              <a:srgbClr val="FFFFFF"/>
+            </a:solidFill>
+            <a:miter lim="800000"/>
+          </a:ln>
+          <a:effectLst>
+            <a:outerShdw blurRad="55000" dist="18000" dir="5400000" algn="tl" rotWithShape="0">
+              <a:srgbClr val="000000">
+                <a:alpha val="40000"/>
+              </a:srgbClr>
+            </a:outerShdw>
+          </a:effectLst>
+          <a:scene3d>
+            <a:camera prst="orthographicFront"/>
+            <a:lightRig rig="twoPt" dir="t">
+              <a:rot lat="0" lon="0" rev="7200000"/>
+            </a:lightRig>
+          </a:scene3d>
+          <a:sp3d>
+            <a:bevelT w="25400" h="19050"/>
+            <a:contourClr>
+              <a:srgbClr val="FFFFFF"/>
+            </a:contourClr>
+          </a:sp3d>
+        </p:spPr>
+      </p:pic>
+      <p:sp>
+        <p:nvSpPr>
+          <p:cNvPr id="16" name="Arrow: Right 15">
+            <a:extLst>
+              <a:ext uri="{FF2B5EF4-FFF2-40B4-BE49-F238E27FC236}">
+                <a16:creationId xmlns:a16="http://schemas.microsoft.com/office/drawing/2014/main" id="{84D02D5E-A820-4B92-AD20-A7314F9FB60A}"/>
+              </a:ext>
+            </a:extLst>
+          </p:cNvPr>
+          <p:cNvSpPr/>
+          <p:nvPr/>
+        </p:nvSpPr>
+        <p:spPr>
+          <a:xfrm>
+            <a:off x="4929809" y="2546250"/>
+            <a:ext cx="583224" cy="321237"/>
+          </a:xfrm>
+          <a:prstGeom prst="rightArrow">
+            <a:avLst/>
+          </a:prstGeom>
+        </p:spPr>
+        <p:style>
+          <a:lnRef idx="2">
+            <a:schemeClr val="accent1">
+              <a:shade val="50000"/>
+            </a:schemeClr>
+          </a:lnRef>
+          <a:fillRef idx="1">
+            <a:schemeClr val="accent1"/>
+          </a:fillRef>
+          <a:effectRef idx="0">
+            <a:schemeClr val="accent1"/>
+          </a:effectRef>
+          <a:fontRef idx="minor">
+            <a:schemeClr val="lt1"/>
+          </a:fontRef>
+        </p:style>
+        <p:txBody>
+          <a:bodyPr rtlCol="0" anchor="ctr"/>
+          <a:lstStyle/>
+          <a:p>
+            <a:pPr algn="ctr"/>
+            <a:endParaRPr lang="en-US"/>
+          </a:p>
+        </p:txBody>
+      </p:sp>
+      <p:sp>
+        <p:nvSpPr>
+          <p:cNvPr id="17" name="Arrow: Right 16">
+            <a:extLst>
+              <a:ext uri="{FF2B5EF4-FFF2-40B4-BE49-F238E27FC236}">
+                <a16:creationId xmlns:a16="http://schemas.microsoft.com/office/drawing/2014/main" id="{9EA72001-188F-49D6-B042-5F48F4E718D4}"/>
+              </a:ext>
+            </a:extLst>
+          </p:cNvPr>
+          <p:cNvSpPr/>
+          <p:nvPr/>
+        </p:nvSpPr>
+        <p:spPr>
+          <a:xfrm>
+            <a:off x="4910913" y="5414493"/>
+            <a:ext cx="583224" cy="321237"/>
+          </a:xfrm>
+          <a:prstGeom prst="rightArrow">
+            <a:avLst/>
+          </a:prstGeom>
+        </p:spPr>
+        <p:style>
+          <a:lnRef idx="2">
+            <a:schemeClr val="accent1">
+              <a:shade val="50000"/>
+            </a:schemeClr>
+          </a:lnRef>
+          <a:fillRef idx="1">
+            <a:schemeClr val="accent1"/>
+          </a:fillRef>
+          <a:effectRef idx="0">
+            <a:schemeClr val="accent1"/>
+          </a:effectRef>
+          <a:fontRef idx="minor">
+            <a:schemeClr val="lt1"/>
+          </a:fontRef>
+        </p:style>
+        <p:txBody>
+          <a:bodyPr rtlCol="0" anchor="ctr"/>
+          <a:lstStyle/>
+          <a:p>
+            <a:pPr algn="ctr"/>
+            <a:endParaRPr lang="en-US"/>
+          </a:p>
+        </p:txBody>
+      </p:sp>
+    </p:spTree>
+    <p:extLst>
+      <p:ext uri="{BB962C8B-B14F-4D97-AF65-F5344CB8AC3E}">
+        <p14:creationId xmlns:p14="http://schemas.microsoft.com/office/powerpoint/2010/main" val="2034792979"/>
+      </p:ext>
+    </p:extLst>
+  </p:cSld>
+  <p:clrMapOvr>
+    <a:masterClrMapping/>
+  </p:clrMapOvr>
+</p:sld>
+</file>
+
+<file path=ppt/slides/slide12.xml><?xml version="1.0" encoding="utf-8"?>
+<p:sld xmlns:a="http://schemas.openxmlformats.org/drawingml/2006/main" xmlns:r="http://schemas.openxmlformats.org/officeDocument/2006/relationships" xmlns:p="http://schemas.openxmlformats.org/presentationml/2006/main">
+  <p:cSld>
+    <p:spTree>
+      <p:nvGrpSpPr>
+        <p:cNvPr id="1" name=""/>
+        <p:cNvGrpSpPr/>
+        <p:nvPr/>
+      </p:nvGrpSpPr>
+      <p:grpSpPr>
+        <a:xfrm>
+          <a:off x="0" y="0"/>
+          <a:ext cx="0" cy="0"/>
+          <a:chOff x="0" y="0"/>
+          <a:chExt cx="0" cy="0"/>
+        </a:xfrm>
+      </p:grpSpPr>
+      <p:sp>
+        <p:nvSpPr>
+          <p:cNvPr id="4" name="Slide Number Placeholder 3">
+            <a:extLst>
+              <a:ext uri="{FF2B5EF4-FFF2-40B4-BE49-F238E27FC236}">
+                <a16:creationId xmlns:a16="http://schemas.microsoft.com/office/drawing/2014/main" id="{4ACE1668-2AD2-466F-8911-3392CE9C8A5A}"/>
+              </a:ext>
+            </a:extLst>
+          </p:cNvPr>
+          <p:cNvSpPr>
+            <a:spLocks noGrp="1"/>
+          </p:cNvSpPr>
+          <p:nvPr>
+            <p:ph type="sldNum" sz="quarter" idx="12"/>
+          </p:nvPr>
+        </p:nvSpPr>
+        <p:spPr/>
+        <p:txBody>
+          <a:bodyPr/>
+          <a:lstStyle/>
+          <a:p>
+            <a:fld id="{A65A5C87-DF58-40C8-B092-1DE63DB4547E}" type="slidenum">
+              <a:rPr lang="en-US" smtClean="0"/>
+              <a:t>12</a:t>
+            </a:fld>
+            <a:endParaRPr lang="en-US" dirty="0"/>
+          </a:p>
+        </p:txBody>
+      </p:sp>
+    </p:spTree>
+    <p:extLst>
+      <p:ext uri="{BB962C8B-B14F-4D97-AF65-F5344CB8AC3E}">
+        <p14:creationId xmlns:p14="http://schemas.microsoft.com/office/powerpoint/2010/main" val="3162459860"/>
+      </p:ext>
+    </p:extLst>
+  </p:cSld>
+  <p:clrMapOvr>
+    <a:masterClrMapping/>
+  </p:clrMapOvr>
+</p:sld>
+</file>
+
+<file path=ppt/slides/slide13.xml><?xml version="1.0" encoding="utf-8"?>
+<p:sld xmlns:a="http://schemas.openxmlformats.org/drawingml/2006/main" xmlns:r="http://schemas.openxmlformats.org/officeDocument/2006/relationships" xmlns:p="http://schemas.openxmlformats.org/presentationml/2006/main">
+  <p:cSld>
+    <p:spTree>
+      <p:nvGrpSpPr>
+        <p:cNvPr id="1" name=""/>
+        <p:cNvGrpSpPr/>
+        <p:nvPr/>
+      </p:nvGrpSpPr>
+      <p:grpSpPr>
+        <a:xfrm>
+          <a:off x="0" y="0"/>
+          <a:ext cx="0" cy="0"/>
+          <a:chOff x="0" y="0"/>
+          <a:chExt cx="0" cy="0"/>
+        </a:xfrm>
+      </p:grpSpPr>
+      <p:sp>
+        <p:nvSpPr>
+          <p:cNvPr id="4" name="Slide Number Placeholder 3">
+            <a:extLst>
+              <a:ext uri="{FF2B5EF4-FFF2-40B4-BE49-F238E27FC236}">
+                <a16:creationId xmlns:a16="http://schemas.microsoft.com/office/drawing/2014/main" id="{C6205CD8-47A3-474F-BFF6-841BA02DBE81}"/>
+              </a:ext>
+            </a:extLst>
+          </p:cNvPr>
+          <p:cNvSpPr>
+            <a:spLocks noGrp="1"/>
+          </p:cNvSpPr>
+          <p:nvPr>
+            <p:ph type="sldNum" sz="quarter" idx="12"/>
+          </p:nvPr>
+        </p:nvSpPr>
+        <p:spPr/>
+        <p:txBody>
+          <a:bodyPr/>
+          <a:lstStyle/>
+          <a:p>
+            <a:fld id="{A65A5C87-DF58-40C8-B092-1DE63DB4547E}" type="slidenum">
+              <a:rPr lang="en-US" smtClean="0"/>
+              <a:t>13</a:t>
             </a:fld>
             <a:endParaRPr lang="en-US" dirty="0"/>
           </a:p>
@@ -12388,6 +13056,12 @@
 </file>
 
 <file path=customXml/item2.xml><?xml version="1.0" encoding="utf-8"?>
+<p:properties xmlns:p="http://schemas.microsoft.com/office/2006/metadata/properties" xmlns:xsi="http://www.w3.org/2001/XMLSchema-instance" xmlns:pc="http://schemas.microsoft.com/office/infopath/2007/PartnerControls">
+  <documentManagement/>
+</p:properties>
+</file>
+
+<file path=customXml/item3.xml><?xml version="1.0" encoding="utf-8"?>
 <ct:contentTypeSchema xmlns:ct="http://schemas.microsoft.com/office/2006/metadata/contentType" xmlns:ma="http://schemas.microsoft.com/office/2006/metadata/properties/metaAttributes" ct:_="" ma:_="" ma:contentTypeName="Document" ma:contentTypeID="0x010100362E7DE9800D3E4DAF9E6FDB77C66D4F" ma:contentTypeVersion="2" ma:contentTypeDescription="Create a new document." ma:contentTypeScope="" ma:versionID="fde469d7099b8e1913bbecfba46b0503">
   <xsd:schema xmlns:xsd="http://www.w3.org/2001/XMLSchema" xmlns:xs="http://www.w3.org/2001/XMLSchema" xmlns:p="http://schemas.microsoft.com/office/2006/metadata/properties" xmlns:ns3="4f634407-a31f-4228-a44c-3f4b0f7e433d" targetNamespace="http://schemas.microsoft.com/office/2006/metadata/properties" ma:root="true" ma:fieldsID="061e18f90e9f678f4817325be62bfb4a" ns3:_="">
     <xsd:import namespace="4f634407-a31f-4228-a44c-3f4b0f7e433d"/>
@@ -12519,12 +13193,6 @@
 </ct:contentTypeSchema>
 </file>
 
-<file path=customXml/item3.xml><?xml version="1.0" encoding="utf-8"?>
-<p:properties xmlns:p="http://schemas.microsoft.com/office/2006/metadata/properties" xmlns:xsi="http://www.w3.org/2001/XMLSchema-instance" xmlns:pc="http://schemas.microsoft.com/office/infopath/2007/PartnerControls">
-  <documentManagement/>
-</p:properties>
-</file>
-
 <file path=customXml/itemProps1.xml><?xml version="1.0" encoding="utf-8"?>
 <ds:datastoreItem xmlns:ds="http://schemas.openxmlformats.org/officeDocument/2006/customXml" ds:itemID="{B927DC71-2909-427C-BDB0-3E47E2101517}">
   <ds:schemaRefs>
@@ -12534,6 +13202,22 @@
 </file>
 
 <file path=customXml/itemProps2.xml><?xml version="1.0" encoding="utf-8"?>
+<ds:datastoreItem xmlns:ds="http://schemas.openxmlformats.org/officeDocument/2006/customXml" ds:itemID="{290D7697-8E53-4EA8-8CBB-9C19575257BF}">
+  <ds:schemaRefs>
+    <ds:schemaRef ds:uri="http://purl.org/dc/dcmitype/"/>
+    <ds:schemaRef ds:uri="http://schemas.microsoft.com/office/2006/documentManagement/types"/>
+    <ds:schemaRef ds:uri="http://www.w3.org/XML/1998/namespace"/>
+    <ds:schemaRef ds:uri="http://schemas.openxmlformats.org/package/2006/metadata/core-properties"/>
+    <ds:schemaRef ds:uri="http://schemas.microsoft.com/office/2006/metadata/properties"/>
+    <ds:schemaRef ds:uri="4f634407-a31f-4228-a44c-3f4b0f7e433d"/>
+    <ds:schemaRef ds:uri="http://purl.org/dc/terms/"/>
+    <ds:schemaRef ds:uri="http://schemas.microsoft.com/office/infopath/2007/PartnerControls"/>
+    <ds:schemaRef ds:uri="http://purl.org/dc/elements/1.1/"/>
+  </ds:schemaRefs>
+</ds:datastoreItem>
+</file>
+
+<file path=customXml/itemProps3.xml><?xml version="1.0" encoding="utf-8"?>
 <ds:datastoreItem xmlns:ds="http://schemas.openxmlformats.org/officeDocument/2006/customXml" ds:itemID="{69A467A9-47B3-48BC-BF02-09B9DD43B80C}">
   <ds:schemaRefs>
     <ds:schemaRef ds:uri="http://schemas.microsoft.com/office/2006/metadata/contentType"/>
@@ -12549,20 +13233,4 @@
     <ds:schemaRef ds:uri="http://schemas.microsoft.com/internal/obd"/>
   </ds:schemaRefs>
 </ds:datastoreItem>
-</file>
-
-<file path=customXml/itemProps3.xml><?xml version="1.0" encoding="utf-8"?>
-<ds:datastoreItem xmlns:ds="http://schemas.openxmlformats.org/officeDocument/2006/customXml" ds:itemID="{290D7697-8E53-4EA8-8CBB-9C19575257BF}">
-  <ds:schemaRefs>
-    <ds:schemaRef ds:uri="http://purl.org/dc/dcmitype/"/>
-    <ds:schemaRef ds:uri="http://schemas.microsoft.com/office/2006/documentManagement/types"/>
-    <ds:schemaRef ds:uri="http://www.w3.org/XML/1998/namespace"/>
-    <ds:schemaRef ds:uri="http://schemas.openxmlformats.org/package/2006/metadata/core-properties"/>
-    <ds:schemaRef ds:uri="http://schemas.microsoft.com/office/2006/metadata/properties"/>
-    <ds:schemaRef ds:uri="4f634407-a31f-4228-a44c-3f4b0f7e433d"/>
-    <ds:schemaRef ds:uri="http://purl.org/dc/terms/"/>
-    <ds:schemaRef ds:uri="http://schemas.microsoft.com/office/infopath/2007/PartnerControls"/>
-    <ds:schemaRef ds:uri="http://purl.org/dc/elements/1.1/"/>
-  </ds:schemaRefs>
-</ds:datastoreItem>
 </file>
--- a/Presentation/GIỚI THIỆU ĐỀ TÀI.pptx
+++ b/Presentation/GIỚI THIỆU ĐỀ TÀI.pptx
@@ -5,10 +5,10 @@
     <p:sldMasterId id="2147483720" r:id="rId4"/>
   </p:sldMasterIdLst>
   <p:notesMasterIdLst>
-    <p:notesMasterId r:id="rId18"/>
+    <p:notesMasterId r:id="rId25"/>
   </p:notesMasterIdLst>
   <p:handoutMasterIdLst>
-    <p:handoutMasterId r:id="rId19"/>
+    <p:handoutMasterId r:id="rId26"/>
   </p:handoutMasterIdLst>
   <p:sldIdLst>
     <p:sldId id="281" r:id="rId5"/>
@@ -23,7 +23,14 @@
     <p:sldId id="366" r:id="rId14"/>
     <p:sldId id="367" r:id="rId15"/>
     <p:sldId id="368" r:id="rId16"/>
-    <p:sldId id="362" r:id="rId17"/>
+    <p:sldId id="373" r:id="rId17"/>
+    <p:sldId id="369" r:id="rId18"/>
+    <p:sldId id="370" r:id="rId19"/>
+    <p:sldId id="374" r:id="rId20"/>
+    <p:sldId id="375" r:id="rId21"/>
+    <p:sldId id="376" r:id="rId22"/>
+    <p:sldId id="378" r:id="rId23"/>
+    <p:sldId id="362" r:id="rId24"/>
   </p:sldIdLst>
   <p:sldSz cx="12192000" cy="6858000"/>
   <p:notesSz cx="6858000" cy="9144000"/>
@@ -249,7 +256,7 @@
           <a:p>
             <a:fld id="{28647F05-0506-494A-8060-3F395B947DF9}" type="datetimeFigureOut">
               <a:rPr lang="en-US" smtClean="0"/>
-              <a:t>11/9/2021</a:t>
+              <a:t>11/15/2021</a:t>
             </a:fld>
             <a:endParaRPr lang="en-US" dirty="0"/>
           </a:p>
@@ -426,7 +433,7 @@
           <a:p>
             <a:fld id="{08BC0A13-3F3D-45D4-B17C-1E0ACF36A6FB}" type="datetimeFigureOut">
               <a:rPr lang="en-US" smtClean="0"/>
-              <a:t>11/9/2021</a:t>
+              <a:t>11/15/2021</a:t>
             </a:fld>
             <a:endParaRPr lang="en-US" dirty="0"/>
           </a:p>
@@ -9112,8 +9119,28 @@
           <a:p>
             <a:pPr algn="ctr"/>
             <a:r>
-              <a:rPr lang="en-US" sz="6000"/>
-              <a:t>KHÁM PHÁ DỮ LIỆU</a:t>
+              <a:rPr lang="en-US" sz="6600"/>
+              <a:t>KHÁM PHÁ D</a:t>
+            </a:r>
+            <a:r>
+              <a:rPr lang="en-US" sz="6600">
+                <a:latin typeface="Bahnschrift Light" panose="020B0502040204020203" pitchFamily="34" charset="0"/>
+              </a:rPr>
+              <a:t>Ữ</a:t>
+            </a:r>
+            <a:r>
+              <a:rPr lang="en-US" sz="6600"/>
+              <a:t> LI</a:t>
+            </a:r>
+            <a:r>
+              <a:rPr lang="en-US" sz="6600">
+                <a:latin typeface="Bahnschrift Light" panose="020B0502040204020203" pitchFamily="34" charset="0"/>
+              </a:rPr>
+              <a:t>Ệ</a:t>
+            </a:r>
+            <a:r>
+              <a:rPr lang="en-US" sz="6600"/>
+              <a:t>U</a:t>
             </a:r>
           </a:p>
         </p:txBody>
@@ -9220,8 +9247,8 @@
         </p:nvSpPr>
         <p:spPr>
           <a:xfrm>
-            <a:off x="338831" y="250795"/>
-            <a:ext cx="11335305" cy="5862567"/>
+            <a:off x="796031" y="1435783"/>
+            <a:ext cx="10876565" cy="4200574"/>
           </a:xfrm>
           <a:prstGeom prst="rect">
             <a:avLst/>
@@ -9299,71 +9326,6 @@
               </a:lnSpc>
             </a:pPr>
             <a:endParaRPr lang="en-US"/>
-          </a:p>
-          <a:p>
-            <a:pPr>
-              <a:lnSpc>
-                <a:spcPct val="150000"/>
-              </a:lnSpc>
-            </a:pPr>
-            <a:endParaRPr lang="en-US"/>
-          </a:p>
-          <a:p>
-            <a:pPr>
-              <a:lnSpc>
-                <a:spcPct val="150000"/>
-              </a:lnSpc>
-            </a:pPr>
-            <a:r>
-              <a:rPr lang="en-US"/>
-              <a:t>Trong file </a:t>
-            </a:r>
-            <a:r>
-              <a:rPr lang="en-US" b="1"/>
-              <a:t>date_info.csv </a:t>
-            </a:r>
-            <a:r>
-              <a:rPr lang="en-US"/>
-              <a:t>liên quan đến dữ liệu các ngày lễ</a:t>
-            </a:r>
-          </a:p>
-          <a:p>
-            <a:pPr>
-              <a:lnSpc>
-                <a:spcPct val="150000"/>
-              </a:lnSpc>
-            </a:pPr>
-            <a:r>
-              <a:rPr lang="en-US"/>
-              <a:t>- Ta </a:t>
-            </a:r>
-            <a:r>
-              <a:rPr lang="vi-VN"/>
-              <a:t>thêm hai tính năng cho biết ngày hôm trước </a:t>
-            </a:r>
-            <a:r>
-              <a:rPr lang="en-US"/>
-              <a:t>và </a:t>
-            </a:r>
-            <a:r>
-              <a:rPr lang="vi-VN"/>
-              <a:t>ngày hôm sau là ngày </a:t>
-            </a:r>
-            <a:r>
-              <a:rPr lang="en-US"/>
-              <a:t>lễ hay không?</a:t>
-            </a:r>
-          </a:p>
-          <a:p>
-            <a:pPr>
-              <a:lnSpc>
-                <a:spcPct val="150000"/>
-              </a:lnSpc>
-            </a:pPr>
-            <a:r>
-              <a:rPr lang="en-US"/>
-              <a:t>-&gt; Điều này giúp ta biết được ngày đó là ngày lễ đơn hay là kỳ nghỉ lễ dài ngày</a:t>
-            </a:r>
           </a:p>
           <a:p>
             <a:pPr>
@@ -9413,13 +9375,27 @@
         </p:blipFill>
         <p:spPr>
           <a:xfrm>
-            <a:off x="5897217" y="1979507"/>
+            <a:off x="5953200" y="3864290"/>
             <a:ext cx="3167270" cy="1489691"/>
           </a:xfrm>
           <a:prstGeom prst="rect">
             <a:avLst/>
           </a:prstGeom>
         </p:spPr>
+        <p:style>
+          <a:lnRef idx="2">
+            <a:schemeClr val="dk1"/>
+          </a:lnRef>
+          <a:fillRef idx="1">
+            <a:schemeClr val="lt1"/>
+          </a:fillRef>
+          <a:effectRef idx="0">
+            <a:schemeClr val="dk1"/>
+          </a:effectRef>
+          <a:fontRef idx="minor">
+            <a:schemeClr val="dk1"/>
+          </a:fontRef>
+        </p:style>
       </p:pic>
       <p:pic>
         <p:nvPicPr>
@@ -9443,133 +9419,28 @@
         </p:blipFill>
         <p:spPr>
           <a:xfrm>
-            <a:off x="2006096" y="1979507"/>
+            <a:off x="2062079" y="3864290"/>
             <a:ext cx="2466874" cy="1449493"/>
           </a:xfrm>
           <a:prstGeom prst="rect">
             <a:avLst/>
           </a:prstGeom>
-          <a:solidFill>
-            <a:srgbClr val="FFFFFF">
-              <a:shade val="85000"/>
-            </a:srgbClr>
-          </a:solidFill>
-          <a:ln w="88900" cap="sq">
-            <a:solidFill>
-              <a:srgbClr val="FFFFFF"/>
-            </a:solidFill>
-            <a:miter lim="800000"/>
-          </a:ln>
-          <a:effectLst>
-            <a:outerShdw blurRad="55000" dist="18000" dir="5400000" algn="tl" rotWithShape="0">
-              <a:srgbClr val="000000">
-                <a:alpha val="40000"/>
-              </a:srgbClr>
-            </a:outerShdw>
-          </a:effectLst>
-          <a:scene3d>
-            <a:camera prst="orthographicFront"/>
-            <a:lightRig rig="twoPt" dir="t">
-              <a:rot lat="0" lon="0" rev="7200000"/>
-            </a:lightRig>
-          </a:scene3d>
-          <a:sp3d>
-            <a:bevelT w="25400" h="19050"/>
-            <a:contourClr>
-              <a:srgbClr val="FFFFFF"/>
-            </a:contourClr>
-          </a:sp3d>
-        </p:spPr>
-      </p:pic>
-      <p:pic>
-        <p:nvPicPr>
-          <p:cNvPr id="13" name="Picture 12">
-            <a:extLst>
-              <a:ext uri="{FF2B5EF4-FFF2-40B4-BE49-F238E27FC236}">
-                <a16:creationId xmlns:a16="http://schemas.microsoft.com/office/drawing/2014/main" id="{E52AC83F-3371-47C2-8A24-1B33B4F6DA48}"/>
-              </a:ext>
-            </a:extLst>
-          </p:cNvPr>
-          <p:cNvPicPr>
-            <a:picLocks noChangeAspect="1"/>
-          </p:cNvPicPr>
-          <p:nvPr/>
-        </p:nvPicPr>
-        <p:blipFill>
-          <a:blip r:embed="rId4"/>
-          <a:stretch>
-            <a:fillRect/>
-          </a:stretch>
-        </p:blipFill>
-        <p:spPr>
-          <a:xfrm>
-            <a:off x="5728509" y="4915369"/>
-            <a:ext cx="4146122" cy="1319487"/>
-          </a:xfrm>
-          <a:prstGeom prst="rect">
-            <a:avLst/>
-          </a:prstGeom>
-        </p:spPr>
-      </p:pic>
-      <p:pic>
-        <p:nvPicPr>
-          <p:cNvPr id="15" name="Picture 14">
-            <a:extLst>
-              <a:ext uri="{FF2B5EF4-FFF2-40B4-BE49-F238E27FC236}">
-                <a16:creationId xmlns:a16="http://schemas.microsoft.com/office/drawing/2014/main" id="{AEEA05B5-7E33-4303-8D07-9D0D66575412}"/>
-              </a:ext>
-            </a:extLst>
-          </p:cNvPr>
-          <p:cNvPicPr>
-            <a:picLocks noChangeAspect="1"/>
-          </p:cNvPicPr>
-          <p:nvPr/>
-        </p:nvPicPr>
-        <p:blipFill>
-          <a:blip r:embed="rId5"/>
-          <a:stretch>
-            <a:fillRect/>
-          </a:stretch>
-        </p:blipFill>
-        <p:spPr>
-          <a:xfrm>
-            <a:off x="985421" y="4940068"/>
-            <a:ext cx="3691120" cy="1319487"/>
-          </a:xfrm>
-          <a:prstGeom prst="rect">
-            <a:avLst/>
-          </a:prstGeom>
-          <a:solidFill>
-            <a:srgbClr val="FFFFFF">
-              <a:shade val="85000"/>
-            </a:srgbClr>
-          </a:solidFill>
-          <a:ln w="88900" cap="sq">
-            <a:solidFill>
-              <a:srgbClr val="FFFFFF"/>
-            </a:solidFill>
-            <a:miter lim="800000"/>
-          </a:ln>
-          <a:effectLst>
-            <a:outerShdw blurRad="55000" dist="18000" dir="5400000" algn="tl" rotWithShape="0">
-              <a:srgbClr val="000000">
-                <a:alpha val="40000"/>
-              </a:srgbClr>
-            </a:outerShdw>
-          </a:effectLst>
-          <a:scene3d>
-            <a:camera prst="orthographicFront"/>
-            <a:lightRig rig="twoPt" dir="t">
-              <a:rot lat="0" lon="0" rev="7200000"/>
-            </a:lightRig>
-          </a:scene3d>
-          <a:sp3d>
-            <a:bevelT w="25400" h="19050"/>
-            <a:contourClr>
-              <a:srgbClr val="FFFFFF"/>
-            </a:contourClr>
-          </a:sp3d>
-        </p:spPr>
+          <a:ln/>
+        </p:spPr>
+        <p:style>
+          <a:lnRef idx="2">
+            <a:schemeClr val="dk1"/>
+          </a:lnRef>
+          <a:fillRef idx="1">
+            <a:schemeClr val="lt1"/>
+          </a:fillRef>
+          <a:effectRef idx="0">
+            <a:schemeClr val="dk1"/>
+          </a:effectRef>
+          <a:fontRef idx="minor">
+            <a:schemeClr val="dk1"/>
+          </a:fontRef>
+        </p:style>
       </p:pic>
       <p:sp>
         <p:nvSpPr>
@@ -9585,7 +9456,7 @@
         </p:nvSpPr>
         <p:spPr>
           <a:xfrm>
-            <a:off x="4929809" y="2546250"/>
+            <a:off x="4985792" y="4431033"/>
             <a:ext cx="583224" cy="321237"/>
           </a:xfrm>
           <a:prstGeom prst="rightArrow">
@@ -9594,64 +9465,16 @@
         </p:spPr>
         <p:style>
           <a:lnRef idx="2">
-            <a:schemeClr val="accent1">
-              <a:shade val="50000"/>
-            </a:schemeClr>
+            <a:schemeClr val="dk1"/>
           </a:lnRef>
           <a:fillRef idx="1">
-            <a:schemeClr val="accent1"/>
+            <a:schemeClr val="lt1"/>
           </a:fillRef>
           <a:effectRef idx="0">
-            <a:schemeClr val="accent1"/>
+            <a:schemeClr val="dk1"/>
           </a:effectRef>
           <a:fontRef idx="minor">
-            <a:schemeClr val="lt1"/>
-          </a:fontRef>
-        </p:style>
-        <p:txBody>
-          <a:bodyPr rtlCol="0" anchor="ctr"/>
-          <a:lstStyle/>
-          <a:p>
-            <a:pPr algn="ctr"/>
-            <a:endParaRPr lang="en-US"/>
-          </a:p>
-        </p:txBody>
-      </p:sp>
-      <p:sp>
-        <p:nvSpPr>
-          <p:cNvPr id="17" name="Arrow: Right 16">
-            <a:extLst>
-              <a:ext uri="{FF2B5EF4-FFF2-40B4-BE49-F238E27FC236}">
-                <a16:creationId xmlns:a16="http://schemas.microsoft.com/office/drawing/2014/main" id="{9EA72001-188F-49D6-B042-5F48F4E718D4}"/>
-              </a:ext>
-            </a:extLst>
-          </p:cNvPr>
-          <p:cNvSpPr/>
-          <p:nvPr/>
-        </p:nvSpPr>
-        <p:spPr>
-          <a:xfrm>
-            <a:off x="4910913" y="5414493"/>
-            <a:ext cx="583224" cy="321237"/>
-          </a:xfrm>
-          <a:prstGeom prst="rightArrow">
-            <a:avLst/>
-          </a:prstGeom>
-        </p:spPr>
-        <p:style>
-          <a:lnRef idx="2">
-            <a:schemeClr val="accent1">
-              <a:shade val="50000"/>
-            </a:schemeClr>
-          </a:lnRef>
-          <a:fillRef idx="1">
-            <a:schemeClr val="accent1"/>
-          </a:fillRef>
-          <a:effectRef idx="0">
-            <a:schemeClr val="accent1"/>
-          </a:effectRef>
-          <a:fontRef idx="minor">
-            <a:schemeClr val="lt1"/>
+            <a:schemeClr val="dk1"/>
           </a:fontRef>
         </p:style>
         <p:txBody>
@@ -9722,6 +9545,243 @@
           </a:p>
         </p:txBody>
       </p:sp>
+      <p:sp>
+        <p:nvSpPr>
+          <p:cNvPr id="5" name="TextBox 4">
+            <a:extLst>
+              <a:ext uri="{FF2B5EF4-FFF2-40B4-BE49-F238E27FC236}">
+                <a16:creationId xmlns:a16="http://schemas.microsoft.com/office/drawing/2014/main" id="{A5325F50-053B-4045-BBEE-FB11F1DF2E73}"/>
+              </a:ext>
+            </a:extLst>
+          </p:cNvPr>
+          <p:cNvSpPr txBox="1"/>
+          <p:nvPr/>
+        </p:nvSpPr>
+        <p:spPr>
+          <a:xfrm>
+            <a:off x="1042695" y="890420"/>
+            <a:ext cx="9491565" cy="2123082"/>
+          </a:xfrm>
+          <a:prstGeom prst="rect">
+            <a:avLst/>
+          </a:prstGeom>
+          <a:noFill/>
+        </p:spPr>
+        <p:txBody>
+          <a:bodyPr wrap="square">
+            <a:spAutoFit/>
+          </a:bodyPr>
+          <a:lstStyle/>
+          <a:p>
+            <a:pPr>
+              <a:lnSpc>
+                <a:spcPct val="150000"/>
+              </a:lnSpc>
+            </a:pPr>
+            <a:r>
+              <a:rPr lang="en-US"/>
+              <a:t>Trong file </a:t>
+            </a:r>
+            <a:r>
+              <a:rPr lang="en-US" b="1"/>
+              <a:t>date_info.csv </a:t>
+            </a:r>
+            <a:r>
+              <a:rPr lang="en-US"/>
+              <a:t>liên quan đến dữ liệu các ngày lễ</a:t>
+            </a:r>
+          </a:p>
+          <a:p>
+            <a:pPr marL="285750" indent="-285750">
+              <a:lnSpc>
+                <a:spcPct val="150000"/>
+              </a:lnSpc>
+              <a:buFontTx/>
+              <a:buChar char="-"/>
+            </a:pPr>
+            <a:r>
+              <a:rPr lang="en-US"/>
+              <a:t>Ta </a:t>
+            </a:r>
+            <a:r>
+              <a:rPr lang="vi-VN"/>
+              <a:t>thêm hai tính năng cho biết ngày hôm trước </a:t>
+            </a:r>
+            <a:r>
+              <a:rPr lang="en-US"/>
+              <a:t>và </a:t>
+            </a:r>
+            <a:r>
+              <a:rPr lang="vi-VN"/>
+              <a:t>ngày hôm sau là ngày </a:t>
+            </a:r>
+            <a:r>
+              <a:rPr lang="en-US"/>
+              <a:t>lễ hay không?</a:t>
+            </a:r>
+          </a:p>
+          <a:p>
+            <a:pPr>
+              <a:lnSpc>
+                <a:spcPct val="150000"/>
+              </a:lnSpc>
+            </a:pPr>
+            <a:endParaRPr lang="en-US"/>
+          </a:p>
+          <a:p>
+            <a:pPr>
+              <a:lnSpc>
+                <a:spcPct val="150000"/>
+              </a:lnSpc>
+            </a:pPr>
+            <a:r>
+              <a:rPr lang="en-US"/>
+              <a:t>-&gt; Điều này giúp ta biết được ngày đó là ngày lễ đơn hay là kỳ nghỉ lễ dài ngày</a:t>
+            </a:r>
+          </a:p>
+          <a:p>
+            <a:pPr>
+              <a:lnSpc>
+                <a:spcPct val="150000"/>
+              </a:lnSpc>
+            </a:pPr>
+            <a:endParaRPr lang="en-US"/>
+          </a:p>
+        </p:txBody>
+      </p:sp>
+      <p:pic>
+        <p:nvPicPr>
+          <p:cNvPr id="6" name="Picture 5">
+            <a:extLst>
+              <a:ext uri="{FF2B5EF4-FFF2-40B4-BE49-F238E27FC236}">
+                <a16:creationId xmlns:a16="http://schemas.microsoft.com/office/drawing/2014/main" id="{3A1022C7-CC44-4051-9142-9527EF4B8A00}"/>
+              </a:ext>
+            </a:extLst>
+          </p:cNvPr>
+          <p:cNvPicPr>
+            <a:picLocks noChangeAspect="1"/>
+          </p:cNvPicPr>
+          <p:nvPr/>
+        </p:nvPicPr>
+        <p:blipFill>
+          <a:blip r:embed="rId2"/>
+          <a:stretch>
+            <a:fillRect/>
+          </a:stretch>
+        </p:blipFill>
+        <p:spPr>
+          <a:xfrm>
+            <a:off x="6157717" y="3823688"/>
+            <a:ext cx="4146122" cy="1319487"/>
+          </a:xfrm>
+          <a:prstGeom prst="rect">
+            <a:avLst/>
+          </a:prstGeom>
+        </p:spPr>
+        <p:style>
+          <a:lnRef idx="2">
+            <a:schemeClr val="dk1"/>
+          </a:lnRef>
+          <a:fillRef idx="1">
+            <a:schemeClr val="lt1"/>
+          </a:fillRef>
+          <a:effectRef idx="0">
+            <a:schemeClr val="dk1"/>
+          </a:effectRef>
+          <a:fontRef idx="minor">
+            <a:schemeClr val="dk1"/>
+          </a:fontRef>
+        </p:style>
+      </p:pic>
+      <p:pic>
+        <p:nvPicPr>
+          <p:cNvPr id="7" name="Picture 6">
+            <a:extLst>
+              <a:ext uri="{FF2B5EF4-FFF2-40B4-BE49-F238E27FC236}">
+                <a16:creationId xmlns:a16="http://schemas.microsoft.com/office/drawing/2014/main" id="{5D0848CF-5B19-47CF-BB7B-2BD6772A0942}"/>
+              </a:ext>
+            </a:extLst>
+          </p:cNvPr>
+          <p:cNvPicPr>
+            <a:picLocks noChangeAspect="1"/>
+          </p:cNvPicPr>
+          <p:nvPr/>
+        </p:nvPicPr>
+        <p:blipFill>
+          <a:blip r:embed="rId3"/>
+          <a:stretch>
+            <a:fillRect/>
+          </a:stretch>
+        </p:blipFill>
+        <p:spPr>
+          <a:xfrm>
+            <a:off x="1414629" y="3848387"/>
+            <a:ext cx="3691120" cy="1319487"/>
+          </a:xfrm>
+          <a:prstGeom prst="rect">
+            <a:avLst/>
+          </a:prstGeom>
+          <a:ln/>
+        </p:spPr>
+        <p:style>
+          <a:lnRef idx="2">
+            <a:schemeClr val="dk1"/>
+          </a:lnRef>
+          <a:fillRef idx="1">
+            <a:schemeClr val="lt1"/>
+          </a:fillRef>
+          <a:effectRef idx="0">
+            <a:schemeClr val="dk1"/>
+          </a:effectRef>
+          <a:fontRef idx="minor">
+            <a:schemeClr val="dk1"/>
+          </a:fontRef>
+        </p:style>
+      </p:pic>
+      <p:sp>
+        <p:nvSpPr>
+          <p:cNvPr id="8" name="Arrow: Right 7">
+            <a:extLst>
+              <a:ext uri="{FF2B5EF4-FFF2-40B4-BE49-F238E27FC236}">
+                <a16:creationId xmlns:a16="http://schemas.microsoft.com/office/drawing/2014/main" id="{FC30A812-0D3A-449B-BA0C-65A0A305CBD1}"/>
+              </a:ext>
+            </a:extLst>
+          </p:cNvPr>
+          <p:cNvSpPr/>
+          <p:nvPr/>
+        </p:nvSpPr>
+        <p:spPr>
+          <a:xfrm>
+            <a:off x="5340121" y="4322812"/>
+            <a:ext cx="583224" cy="321237"/>
+          </a:xfrm>
+          <a:prstGeom prst="rightArrow">
+            <a:avLst/>
+          </a:prstGeom>
+        </p:spPr>
+        <p:style>
+          <a:lnRef idx="2">
+            <a:schemeClr val="dk1"/>
+          </a:lnRef>
+          <a:fillRef idx="1">
+            <a:schemeClr val="lt1"/>
+          </a:fillRef>
+          <a:effectRef idx="0">
+            <a:schemeClr val="dk1"/>
+          </a:effectRef>
+          <a:fontRef idx="minor">
+            <a:schemeClr val="dk1"/>
+          </a:fontRef>
+        </p:style>
+        <p:txBody>
+          <a:bodyPr rtlCol="0" anchor="ctr"/>
+          <a:lstStyle/>
+          <a:p>
+            <a:pPr algn="ctr"/>
+            <a:endParaRPr lang="en-US"/>
+          </a:p>
+        </p:txBody>
+      </p:sp>
     </p:spTree>
     <p:extLst>
       <p:ext uri="{BB962C8B-B14F-4D97-AF65-F5344CB8AC3E}">
@@ -9754,10 +9814,68 @@
       </p:grpSpPr>
       <p:sp>
         <p:nvSpPr>
+          <p:cNvPr id="2" name="Date Placeholder 1">
+            <a:extLst>
+              <a:ext uri="{FF2B5EF4-FFF2-40B4-BE49-F238E27FC236}">
+                <a16:creationId xmlns:a16="http://schemas.microsoft.com/office/drawing/2014/main" id="{64FFCB96-E504-426D-ABC1-A7C65A14C43E}"/>
+              </a:ext>
+            </a:extLst>
+          </p:cNvPr>
+          <p:cNvSpPr>
+            <a:spLocks noGrp="1"/>
+          </p:cNvSpPr>
+          <p:nvPr>
+            <p:ph type="dt" sz="half" idx="10"/>
+          </p:nvPr>
+        </p:nvSpPr>
+        <p:spPr/>
+        <p:txBody>
+          <a:bodyPr/>
+          <a:lstStyle/>
+          <a:p>
+            <a:r>
+              <a:rPr lang="en-US"/>
+              <a:t>9/4/20XX</a:t>
+            </a:r>
+            <a:endParaRPr lang="en-US" dirty="0"/>
+          </a:p>
+        </p:txBody>
+      </p:sp>
+      <p:sp>
+        <p:nvSpPr>
+          <p:cNvPr id="3" name="Footer Placeholder 2">
+            <a:extLst>
+              <a:ext uri="{FF2B5EF4-FFF2-40B4-BE49-F238E27FC236}">
+                <a16:creationId xmlns:a16="http://schemas.microsoft.com/office/drawing/2014/main" id="{59ACACB8-83FF-42C4-BF1A-930443B7F601}"/>
+              </a:ext>
+            </a:extLst>
+          </p:cNvPr>
+          <p:cNvSpPr>
+            <a:spLocks noGrp="1"/>
+          </p:cNvSpPr>
+          <p:nvPr>
+            <p:ph type="ftr" sz="quarter" idx="11"/>
+          </p:nvPr>
+        </p:nvSpPr>
+        <p:spPr/>
+        <p:txBody>
+          <a:bodyPr/>
+          <a:lstStyle/>
+          <a:p>
+            <a:r>
+              <a:rPr lang="en-US"/>
+              <a:t>Presentation Title</a:t>
+            </a:r>
+            <a:endParaRPr lang="en-US" dirty="0"/>
+          </a:p>
+        </p:txBody>
+      </p:sp>
+      <p:sp>
+        <p:nvSpPr>
           <p:cNvPr id="4" name="Slide Number Placeholder 3">
             <a:extLst>
               <a:ext uri="{FF2B5EF4-FFF2-40B4-BE49-F238E27FC236}">
-                <a16:creationId xmlns:a16="http://schemas.microsoft.com/office/drawing/2014/main" id="{C6205CD8-47A3-474F-BFF6-841BA02DBE81}"/>
+                <a16:creationId xmlns:a16="http://schemas.microsoft.com/office/drawing/2014/main" id="{491FA163-3CCE-4BDD-8BF8-AA69B23D9BD6}"/>
               </a:ext>
             </a:extLst>
           </p:cNvPr>
@@ -9781,12 +9899,71 @@
           </a:p>
         </p:txBody>
       </p:sp>
+    </p:spTree>
+    <p:extLst>
+      <p:ext uri="{BB962C8B-B14F-4D97-AF65-F5344CB8AC3E}">
+        <p14:creationId xmlns:p14="http://schemas.microsoft.com/office/powerpoint/2010/main" val="2868607708"/>
+      </p:ext>
+    </p:extLst>
+  </p:cSld>
+  <p:clrMapOvr>
+    <a:masterClrMapping/>
+  </p:clrMapOvr>
+</p:sld>
+</file>
+
+<file path=ppt/slides/slide14.xml><?xml version="1.0" encoding="utf-8"?>
+<p:sld xmlns:a="http://schemas.openxmlformats.org/drawingml/2006/main" xmlns:r="http://schemas.openxmlformats.org/officeDocument/2006/relationships" xmlns:p="http://schemas.openxmlformats.org/presentationml/2006/main">
+  <p:cSld>
+    <p:spTree>
+      <p:nvGrpSpPr>
+        <p:cNvPr id="1" name=""/>
+        <p:cNvGrpSpPr/>
+        <p:nvPr/>
+      </p:nvGrpSpPr>
+      <p:grpSpPr>
+        <a:xfrm>
+          <a:off x="0" y="0"/>
+          <a:ext cx="0" cy="0"/>
+          <a:chOff x="0" y="0"/>
+          <a:chExt cx="0" cy="0"/>
+        </a:xfrm>
+      </p:grpSpPr>
+      <p:sp>
+        <p:nvSpPr>
+          <p:cNvPr id="4" name="Slide Number Placeholder 3">
+            <a:extLst>
+              <a:ext uri="{FF2B5EF4-FFF2-40B4-BE49-F238E27FC236}">
+                <a16:creationId xmlns:a16="http://schemas.microsoft.com/office/drawing/2014/main" id="{FE611D16-2162-4A7F-A86D-9AC6575A819A}"/>
+              </a:ext>
+            </a:extLst>
+          </p:cNvPr>
+          <p:cNvSpPr>
+            <a:spLocks noGrp="1"/>
+          </p:cNvSpPr>
+          <p:nvPr>
+            <p:ph type="sldNum" sz="quarter" idx="12"/>
+          </p:nvPr>
+        </p:nvSpPr>
+        <p:spPr/>
+        <p:txBody>
+          <a:bodyPr/>
+          <a:lstStyle/>
+          <a:p>
+            <a:fld id="{A65A5C87-DF58-40C8-B092-1DE63DB4547E}" type="slidenum">
+              <a:rPr lang="en-US" smtClean="0"/>
+              <a:t>14</a:t>
+            </a:fld>
+            <a:endParaRPr lang="en-US" dirty="0"/>
+          </a:p>
+        </p:txBody>
+      </p:sp>
       <p:sp>
         <p:nvSpPr>
           <p:cNvPr id="5" name="TextBox 4">
             <a:extLst>
               <a:ext uri="{FF2B5EF4-FFF2-40B4-BE49-F238E27FC236}">
-                <a16:creationId xmlns:a16="http://schemas.microsoft.com/office/drawing/2014/main" id="{BEE70CA4-C52B-48B7-9EE1-219E87859A3C}"/>
+                <a16:creationId xmlns:a16="http://schemas.microsoft.com/office/drawing/2014/main" id="{20F0DCAC-9C90-4038-8EAB-5F521ED44DD6}"/>
               </a:ext>
             </a:extLst>
           </p:cNvPr>
@@ -9795,8 +9972,8 @@
         </p:nvSpPr>
         <p:spPr>
           <a:xfrm>
-            <a:off x="0" y="2644170"/>
-            <a:ext cx="12192000" cy="1569660"/>
+            <a:off x="724944" y="1011942"/>
+            <a:ext cx="10628856" cy="2031325"/>
           </a:xfrm>
           <a:prstGeom prst="rect">
             <a:avLst/>
@@ -9809,29 +9986,2409 @@
           </a:bodyPr>
           <a:lstStyle/>
           <a:p>
+            <a:pPr marL="285750" indent="-285750">
+              <a:buFontTx/>
+              <a:buChar char="-"/>
+            </a:pPr>
+            <a:r>
+              <a:rPr lang="en-US">
+                <a:cs typeface="Times New Roman" panose="02020603050405020304" pitchFamily="18" charset="0"/>
+              </a:rPr>
+              <a:t>Tiếp </a:t>
+            </a:r>
+            <a:r>
+              <a:rPr lang="en-US" dirty="0" err="1">
+                <a:cs typeface="Times New Roman" panose="02020603050405020304" pitchFamily="18" charset="0"/>
+              </a:rPr>
+              <a:t>theo</a:t>
+            </a:r>
+            <a:r>
+              <a:rPr lang="en-US" dirty="0">
+                <a:cs typeface="Times New Roman" panose="02020603050405020304" pitchFamily="18" charset="0"/>
+              </a:rPr>
+              <a:t> </a:t>
+            </a:r>
+            <a:r>
+              <a:rPr lang="en-US" dirty="0" err="1">
+                <a:cs typeface="Times New Roman" panose="02020603050405020304" pitchFamily="18" charset="0"/>
+              </a:rPr>
+              <a:t>chúng</a:t>
+            </a:r>
+            <a:r>
+              <a:rPr lang="en-US" dirty="0">
+                <a:cs typeface="Times New Roman" panose="02020603050405020304" pitchFamily="18" charset="0"/>
+              </a:rPr>
+              <a:t> </a:t>
+            </a:r>
+            <a:r>
+              <a:rPr lang="en-US">
+                <a:cs typeface="Times New Roman" panose="02020603050405020304" pitchFamily="18" charset="0"/>
+              </a:rPr>
+              <a:t>ta xử </a:t>
+            </a:r>
+            <a:r>
+              <a:rPr lang="en-US" dirty="0" err="1">
+                <a:cs typeface="Times New Roman" panose="02020603050405020304" pitchFamily="18" charset="0"/>
+              </a:rPr>
+              <a:t>lý</a:t>
+            </a:r>
+            <a:r>
+              <a:rPr lang="en-US" dirty="0">
+                <a:cs typeface="Times New Roman" panose="02020603050405020304" pitchFamily="18" charset="0"/>
+              </a:rPr>
+              <a:t> </a:t>
+            </a:r>
+            <a:r>
+              <a:rPr lang="en-US" dirty="0" err="1">
+                <a:cs typeface="Times New Roman" panose="02020603050405020304" pitchFamily="18" charset="0"/>
+              </a:rPr>
+              <a:t>tập</a:t>
+            </a:r>
+            <a:r>
+              <a:rPr lang="en-US" dirty="0">
+                <a:cs typeface="Times New Roman" panose="02020603050405020304" pitchFamily="18" charset="0"/>
+              </a:rPr>
+              <a:t> </a:t>
+            </a:r>
+            <a:r>
+              <a:rPr lang="en-US" b="1" dirty="0">
+                <a:cs typeface="Times New Roman" panose="02020603050405020304" pitchFamily="18" charset="0"/>
+              </a:rPr>
+              <a:t>test</a:t>
+            </a:r>
+            <a:r>
+              <a:rPr lang="en-US" dirty="0">
+                <a:cs typeface="Times New Roman" panose="02020603050405020304" pitchFamily="18" charset="0"/>
+              </a:rPr>
+              <a:t>, ở </a:t>
+            </a:r>
+            <a:r>
+              <a:rPr lang="en-US" dirty="0" err="1">
+                <a:cs typeface="Times New Roman" panose="02020603050405020304" pitchFamily="18" charset="0"/>
+              </a:rPr>
+              <a:t>đây</a:t>
+            </a:r>
+            <a:r>
+              <a:rPr lang="en-US" dirty="0">
+                <a:cs typeface="Times New Roman" panose="02020603050405020304" pitchFamily="18" charset="0"/>
+              </a:rPr>
+              <a:t> </a:t>
+            </a:r>
+            <a:r>
+              <a:rPr lang="en-US" dirty="0" err="1">
+                <a:cs typeface="Times New Roman" panose="02020603050405020304" pitchFamily="18" charset="0"/>
+              </a:rPr>
+              <a:t>chúng</a:t>
+            </a:r>
+            <a:r>
+              <a:rPr lang="en-US" dirty="0">
+                <a:cs typeface="Times New Roman" panose="02020603050405020304" pitchFamily="18" charset="0"/>
+              </a:rPr>
+              <a:t> </a:t>
+            </a:r>
+            <a:r>
+              <a:rPr lang="en-US">
+                <a:cs typeface="Times New Roman" panose="02020603050405020304" pitchFamily="18" charset="0"/>
+              </a:rPr>
+              <a:t>ta sử </a:t>
+            </a:r>
+            <a:r>
+              <a:rPr lang="en-US" dirty="0" err="1">
+                <a:cs typeface="Times New Roman" panose="02020603050405020304" pitchFamily="18" charset="0"/>
+              </a:rPr>
+              <a:t>dụng</a:t>
+            </a:r>
+            <a:r>
+              <a:rPr lang="en-US" dirty="0">
+                <a:cs typeface="Times New Roman" panose="02020603050405020304" pitchFamily="18" charset="0"/>
+              </a:rPr>
+              <a:t> file </a:t>
+            </a:r>
+            <a:r>
+              <a:rPr lang="en-US" b="1" dirty="0" err="1">
+                <a:cs typeface="Times New Roman" panose="02020603050405020304" pitchFamily="18" charset="0"/>
+              </a:rPr>
+              <a:t>sample</a:t>
+            </a:r>
+            <a:r>
+              <a:rPr lang="en-US" b="1" err="1">
+                <a:cs typeface="Times New Roman" panose="02020603050405020304" pitchFamily="18" charset="0"/>
+              </a:rPr>
+              <a:t>_</a:t>
+            </a:r>
+            <a:r>
+              <a:rPr lang="en-US" b="1">
+                <a:cs typeface="Times New Roman" panose="02020603050405020304" pitchFamily="18" charset="0"/>
+              </a:rPr>
+              <a:t>submission.csv</a:t>
+            </a:r>
+            <a:r>
+              <a:rPr lang="en-US">
+                <a:cs typeface="Times New Roman" panose="02020603050405020304" pitchFamily="18" charset="0"/>
+              </a:rPr>
+              <a:t> </a:t>
+            </a:r>
+            <a:r>
+              <a:rPr lang="en-US" dirty="0" err="1">
+                <a:cs typeface="Times New Roman" panose="02020603050405020304" pitchFamily="18" charset="0"/>
+              </a:rPr>
+              <a:t>để</a:t>
+            </a:r>
+            <a:r>
+              <a:rPr lang="en-US" dirty="0">
+                <a:cs typeface="Times New Roman" panose="02020603050405020304" pitchFamily="18" charset="0"/>
+              </a:rPr>
+              <a:t> </a:t>
+            </a:r>
+            <a:r>
+              <a:rPr lang="en-US" dirty="0" err="1">
+                <a:cs typeface="Times New Roman" panose="02020603050405020304" pitchFamily="18" charset="0"/>
+              </a:rPr>
+              <a:t>lấy</a:t>
+            </a:r>
+            <a:r>
+              <a:rPr lang="en-US" dirty="0">
+                <a:cs typeface="Times New Roman" panose="02020603050405020304" pitchFamily="18" charset="0"/>
+              </a:rPr>
+              <a:t> </a:t>
+            </a:r>
+            <a:r>
+              <a:rPr lang="en-US" dirty="0" err="1">
+                <a:cs typeface="Times New Roman" panose="02020603050405020304" pitchFamily="18" charset="0"/>
+              </a:rPr>
+              <a:t>dữ</a:t>
+            </a:r>
+            <a:r>
+              <a:rPr lang="en-US" dirty="0">
+                <a:cs typeface="Times New Roman" panose="02020603050405020304" pitchFamily="18" charset="0"/>
+              </a:rPr>
+              <a:t> </a:t>
+            </a:r>
+            <a:r>
+              <a:rPr lang="en-US" dirty="0" err="1">
+                <a:cs typeface="Times New Roman" panose="02020603050405020304" pitchFamily="18" charset="0"/>
+              </a:rPr>
+              <a:t>liệu</a:t>
+            </a:r>
+            <a:r>
+              <a:rPr lang="en-US" dirty="0">
+                <a:cs typeface="Times New Roman" panose="02020603050405020304" pitchFamily="18" charset="0"/>
+              </a:rPr>
+              <a:t> </a:t>
+            </a:r>
+            <a:r>
+              <a:rPr lang="en-US">
+                <a:cs typeface="Times New Roman" panose="02020603050405020304" pitchFamily="18" charset="0"/>
+              </a:rPr>
+              <a:t>test. Ta </a:t>
+            </a:r>
+            <a:r>
+              <a:rPr lang="en-US" dirty="0" err="1">
+                <a:cs typeface="Times New Roman" panose="02020603050405020304" pitchFamily="18" charset="0"/>
+              </a:rPr>
+              <a:t>trích</a:t>
+            </a:r>
+            <a:r>
+              <a:rPr lang="en-US" dirty="0">
+                <a:cs typeface="Times New Roman" panose="02020603050405020304" pitchFamily="18" charset="0"/>
+              </a:rPr>
+              <a:t> </a:t>
+            </a:r>
+            <a:r>
+              <a:rPr lang="en-US" dirty="0" err="1">
+                <a:cs typeface="Times New Roman" panose="02020603050405020304" pitchFamily="18" charset="0"/>
+              </a:rPr>
+              <a:t>xuất</a:t>
+            </a:r>
+            <a:r>
+              <a:rPr lang="en-US" dirty="0">
+                <a:cs typeface="Times New Roman" panose="02020603050405020304" pitchFamily="18" charset="0"/>
+              </a:rPr>
+              <a:t> id </a:t>
+            </a:r>
+            <a:r>
+              <a:rPr lang="en-US" dirty="0" err="1">
+                <a:cs typeface="Times New Roman" panose="02020603050405020304" pitchFamily="18" charset="0"/>
+              </a:rPr>
+              <a:t>của</a:t>
+            </a:r>
+            <a:r>
+              <a:rPr lang="en-US" dirty="0">
+                <a:cs typeface="Times New Roman" panose="02020603050405020304" pitchFamily="18" charset="0"/>
+              </a:rPr>
+              <a:t> </a:t>
+            </a:r>
+            <a:r>
+              <a:rPr lang="en-US" dirty="0" err="1">
+                <a:cs typeface="Times New Roman" panose="02020603050405020304" pitchFamily="18" charset="0"/>
+              </a:rPr>
+              <a:t>nhà</a:t>
+            </a:r>
+            <a:r>
+              <a:rPr lang="en-US" dirty="0">
+                <a:cs typeface="Times New Roman" panose="02020603050405020304" pitchFamily="18" charset="0"/>
+              </a:rPr>
+              <a:t> </a:t>
+            </a:r>
+            <a:r>
+              <a:rPr lang="en-US" dirty="0" err="1">
+                <a:cs typeface="Times New Roman" panose="02020603050405020304" pitchFamily="18" charset="0"/>
+              </a:rPr>
+              <a:t>hàng</a:t>
+            </a:r>
+            <a:r>
+              <a:rPr lang="en-US" dirty="0">
+                <a:cs typeface="Times New Roman" panose="02020603050405020304" pitchFamily="18" charset="0"/>
+              </a:rPr>
+              <a:t> </a:t>
+            </a:r>
+            <a:r>
+              <a:rPr lang="en-US" dirty="0" err="1">
+                <a:cs typeface="Times New Roman" panose="02020603050405020304" pitchFamily="18" charset="0"/>
+              </a:rPr>
+              <a:t>và</a:t>
+            </a:r>
+            <a:r>
+              <a:rPr lang="en-US" dirty="0">
+                <a:cs typeface="Times New Roman" panose="02020603050405020304" pitchFamily="18" charset="0"/>
+              </a:rPr>
+              <a:t> </a:t>
+            </a:r>
+            <a:r>
+              <a:rPr lang="en-US" dirty="0" err="1">
+                <a:cs typeface="Times New Roman" panose="02020603050405020304" pitchFamily="18" charset="0"/>
+              </a:rPr>
+              <a:t>ngày</a:t>
+            </a:r>
+            <a:r>
+              <a:rPr lang="en-US" dirty="0">
+                <a:cs typeface="Times New Roman" panose="02020603050405020304" pitchFamily="18" charset="0"/>
+              </a:rPr>
+              <a:t> </a:t>
+            </a:r>
+            <a:r>
+              <a:rPr lang="en-US" dirty="0" err="1">
+                <a:cs typeface="Times New Roman" panose="02020603050405020304" pitchFamily="18" charset="0"/>
+              </a:rPr>
+              <a:t>tháng</a:t>
+            </a:r>
+            <a:r>
+              <a:rPr lang="en-US" dirty="0">
+                <a:cs typeface="Times New Roman" panose="02020603050405020304" pitchFamily="18" charset="0"/>
+              </a:rPr>
+              <a:t> </a:t>
+            </a:r>
+            <a:r>
+              <a:rPr lang="en-US" dirty="0" err="1">
+                <a:cs typeface="Times New Roman" panose="02020603050405020304" pitchFamily="18" charset="0"/>
+              </a:rPr>
+              <a:t>từ</a:t>
+            </a:r>
+            <a:r>
+              <a:rPr lang="en-US" dirty="0">
+                <a:cs typeface="Times New Roman" panose="02020603050405020304" pitchFamily="18" charset="0"/>
+              </a:rPr>
+              <a:t> </a:t>
+            </a:r>
+            <a:r>
+              <a:rPr lang="en-US" err="1">
+                <a:cs typeface="Times New Roman" panose="02020603050405020304" pitchFamily="18" charset="0"/>
+              </a:rPr>
+              <a:t>cột</a:t>
+            </a:r>
+            <a:r>
+              <a:rPr lang="en-US">
+                <a:cs typeface="Times New Roman" panose="02020603050405020304" pitchFamily="18" charset="0"/>
+              </a:rPr>
+              <a:t> id. Vì id trong sample là chuỗi gồm id + visit_date</a:t>
+            </a:r>
+          </a:p>
+          <a:p>
+            <a:r>
+              <a:rPr lang="en-US">
+                <a:cs typeface="Times New Roman" panose="02020603050405020304" pitchFamily="18" charset="0"/>
+              </a:rPr>
+              <a:t>-&gt; Ta cần tách ra id riêng và visit_date riêng</a:t>
+            </a:r>
+          </a:p>
+          <a:p>
+            <a:r>
+              <a:rPr lang="en-US">
+                <a:cs typeface="Times New Roman" panose="02020603050405020304" pitchFamily="18" charset="0"/>
+              </a:rPr>
+              <a:t>-   Cột </a:t>
+            </a:r>
+            <a:r>
+              <a:rPr lang="en-US" b="1">
+                <a:cs typeface="Times New Roman" panose="02020603050405020304" pitchFamily="18" charset="0"/>
+              </a:rPr>
+              <a:t>test_number </a:t>
+            </a:r>
+            <a:r>
+              <a:rPr lang="en-US">
+                <a:cs typeface="Times New Roman" panose="02020603050405020304" pitchFamily="18" charset="0"/>
+              </a:rPr>
+              <a:t>nhằm để các kết quả dự đoán (bài nộp)</a:t>
+            </a:r>
+            <a:r>
+              <a:rPr lang="vi-VN">
+                <a:cs typeface="Times New Roman" panose="02020603050405020304" pitchFamily="18" charset="0"/>
+              </a:rPr>
+              <a:t> được sắp xếp theo đúng thứ tự</a:t>
+            </a:r>
+            <a:endParaRPr lang="en-US">
+              <a:cs typeface="Times New Roman" panose="02020603050405020304" pitchFamily="18" charset="0"/>
+            </a:endParaRPr>
+          </a:p>
+          <a:p>
+            <a:pPr marL="285750" indent="-285750">
+              <a:buFont typeface="Wingdings" panose="05000000000000000000" pitchFamily="2" charset="2"/>
+              <a:buChar char="q"/>
+            </a:pPr>
+            <a:endParaRPr lang="en-US" dirty="0"/>
+          </a:p>
+          <a:p>
+            <a:endParaRPr lang="en-US" dirty="0"/>
+          </a:p>
+        </p:txBody>
+      </p:sp>
+      <p:pic>
+        <p:nvPicPr>
+          <p:cNvPr id="6" name="Picture 5">
+            <a:extLst>
+              <a:ext uri="{FF2B5EF4-FFF2-40B4-BE49-F238E27FC236}">
+                <a16:creationId xmlns:a16="http://schemas.microsoft.com/office/drawing/2014/main" id="{10BAA5F9-3BF1-4ADF-991B-B5FBE89B92EF}"/>
+              </a:ext>
+            </a:extLst>
+          </p:cNvPr>
+          <p:cNvPicPr>
+            <a:picLocks noChangeAspect="1"/>
+          </p:cNvPicPr>
+          <p:nvPr/>
+        </p:nvPicPr>
+        <p:blipFill>
+          <a:blip r:embed="rId2"/>
+          <a:stretch>
+            <a:fillRect/>
+          </a:stretch>
+        </p:blipFill>
+        <p:spPr>
+          <a:xfrm>
+            <a:off x="2478706" y="5227946"/>
+            <a:ext cx="7121332" cy="982602"/>
+          </a:xfrm>
+          <a:prstGeom prst="rect">
+            <a:avLst/>
+          </a:prstGeom>
+        </p:spPr>
+      </p:pic>
+      <p:pic>
+        <p:nvPicPr>
+          <p:cNvPr id="7" name="Picture 6">
+            <a:extLst>
+              <a:ext uri="{FF2B5EF4-FFF2-40B4-BE49-F238E27FC236}">
+                <a16:creationId xmlns:a16="http://schemas.microsoft.com/office/drawing/2014/main" id="{E8A45845-3392-442A-B742-B9C616724144}"/>
+              </a:ext>
+            </a:extLst>
+          </p:cNvPr>
+          <p:cNvPicPr>
+            <a:picLocks noChangeAspect="1"/>
+          </p:cNvPicPr>
+          <p:nvPr/>
+        </p:nvPicPr>
+        <p:blipFill>
+          <a:blip r:embed="rId3"/>
+          <a:stretch>
+            <a:fillRect/>
+          </a:stretch>
+        </p:blipFill>
+        <p:spPr>
+          <a:xfrm>
+            <a:off x="3928164" y="2908561"/>
+            <a:ext cx="3060485" cy="1200863"/>
+          </a:xfrm>
+          <a:prstGeom prst="rect">
+            <a:avLst/>
+          </a:prstGeom>
+        </p:spPr>
+      </p:pic>
+      <p:sp>
+        <p:nvSpPr>
+          <p:cNvPr id="8" name="Arrow: Right 7">
+            <a:extLst>
+              <a:ext uri="{FF2B5EF4-FFF2-40B4-BE49-F238E27FC236}">
+                <a16:creationId xmlns:a16="http://schemas.microsoft.com/office/drawing/2014/main" id="{DE6B51C5-1EA6-434E-BB59-2CFA25D8C84E}"/>
+              </a:ext>
+            </a:extLst>
+          </p:cNvPr>
+          <p:cNvSpPr/>
+          <p:nvPr/>
+        </p:nvSpPr>
+        <p:spPr>
+          <a:xfrm rot="5400000">
+            <a:off x="5198654" y="4486775"/>
+            <a:ext cx="326937" cy="192567"/>
+          </a:xfrm>
+          <a:prstGeom prst="rightArrow">
+            <a:avLst/>
+          </a:prstGeom>
+        </p:spPr>
+        <p:style>
+          <a:lnRef idx="2">
+            <a:schemeClr val="accent1">
+              <a:shade val="50000"/>
+            </a:schemeClr>
+          </a:lnRef>
+          <a:fillRef idx="1">
+            <a:schemeClr val="accent1"/>
+          </a:fillRef>
+          <a:effectRef idx="0">
+            <a:schemeClr val="accent1"/>
+          </a:effectRef>
+          <a:fontRef idx="minor">
+            <a:schemeClr val="lt1"/>
+          </a:fontRef>
+        </p:style>
+        <p:txBody>
+          <a:bodyPr rtlCol="0" anchor="ctr"/>
+          <a:lstStyle/>
+          <a:p>
             <a:pPr algn="ctr"/>
-            <a:r>
-              <a:rPr lang="en-US" sz="4800" dirty="0" err="1"/>
-              <a:t>Nhóm</a:t>
-            </a:r>
-            <a:r>
-              <a:rPr lang="en-US" sz="4800" dirty="0"/>
-              <a:t> 12</a:t>
-            </a:r>
-          </a:p>
-          <a:p>
-            <a:pPr algn="ctr"/>
-            <a:r>
-              <a:rPr lang="en-US" sz="4800" dirty="0"/>
-              <a:t>THANKS FOR WATCHING</a:t>
-            </a:r>
+            <a:endParaRPr lang="en-US"/>
           </a:p>
         </p:txBody>
       </p:sp>
     </p:spTree>
     <p:extLst>
       <p:ext uri="{BB962C8B-B14F-4D97-AF65-F5344CB8AC3E}">
-        <p14:creationId xmlns:p14="http://schemas.microsoft.com/office/powerpoint/2010/main" val="768273910"/>
+        <p14:creationId xmlns:p14="http://schemas.microsoft.com/office/powerpoint/2010/main" val="3732519099"/>
+      </p:ext>
+    </p:extLst>
+  </p:cSld>
+  <p:clrMapOvr>
+    <a:masterClrMapping/>
+  </p:clrMapOvr>
+</p:sld>
+</file>
+
+<file path=ppt/slides/slide15.xml><?xml version="1.0" encoding="utf-8"?>
+<p:sld xmlns:a="http://schemas.openxmlformats.org/drawingml/2006/main" xmlns:r="http://schemas.openxmlformats.org/officeDocument/2006/relationships" xmlns:p="http://schemas.openxmlformats.org/presentationml/2006/main">
+  <p:cSld>
+    <p:spTree>
+      <p:nvGrpSpPr>
+        <p:cNvPr id="1" name=""/>
+        <p:cNvGrpSpPr/>
+        <p:nvPr/>
+      </p:nvGrpSpPr>
+      <p:grpSpPr>
+        <a:xfrm>
+          <a:off x="0" y="0"/>
+          <a:ext cx="0" cy="0"/>
+          <a:chOff x="0" y="0"/>
+          <a:chExt cx="0" cy="0"/>
+        </a:xfrm>
+      </p:grpSpPr>
+      <p:sp>
+        <p:nvSpPr>
+          <p:cNvPr id="4" name="Slide Number Placeholder 3">
+            <a:extLst>
+              <a:ext uri="{FF2B5EF4-FFF2-40B4-BE49-F238E27FC236}">
+                <a16:creationId xmlns:a16="http://schemas.microsoft.com/office/drawing/2014/main" id="{605F2D3F-D821-4A29-A143-9AE09B16F89A}"/>
+              </a:ext>
+            </a:extLst>
+          </p:cNvPr>
+          <p:cNvSpPr>
+            <a:spLocks noGrp="1"/>
+          </p:cNvSpPr>
+          <p:nvPr>
+            <p:ph type="sldNum" sz="quarter" idx="12"/>
+          </p:nvPr>
+        </p:nvSpPr>
+        <p:spPr/>
+        <p:txBody>
+          <a:bodyPr/>
+          <a:lstStyle/>
+          <a:p>
+            <a:fld id="{A65A5C87-DF58-40C8-B092-1DE63DB4547E}" type="slidenum">
+              <a:rPr lang="en-US" smtClean="0"/>
+              <a:t>15</a:t>
+            </a:fld>
+            <a:endParaRPr lang="en-US" dirty="0"/>
+          </a:p>
+        </p:txBody>
+      </p:sp>
+      <p:sp>
+        <p:nvSpPr>
+          <p:cNvPr id="5" name="TextBox 4">
+            <a:extLst>
+              <a:ext uri="{FF2B5EF4-FFF2-40B4-BE49-F238E27FC236}">
+                <a16:creationId xmlns:a16="http://schemas.microsoft.com/office/drawing/2014/main" id="{9D61A879-CBA2-4418-97FC-087BE193CFE9}"/>
+              </a:ext>
+            </a:extLst>
+          </p:cNvPr>
+          <p:cNvSpPr txBox="1"/>
+          <p:nvPr/>
+        </p:nvSpPr>
+        <p:spPr>
+          <a:xfrm>
+            <a:off x="907615" y="826717"/>
+            <a:ext cx="10628856" cy="4816703"/>
+          </a:xfrm>
+          <a:prstGeom prst="rect">
+            <a:avLst/>
+          </a:prstGeom>
+          <a:noFill/>
+        </p:spPr>
+        <p:txBody>
+          <a:bodyPr wrap="square" rtlCol="0">
+            <a:spAutoFit/>
+          </a:bodyPr>
+          <a:lstStyle/>
+          <a:p>
+            <a:pPr marL="285750" indent="-285750">
+              <a:spcBef>
+                <a:spcPts val="600"/>
+              </a:spcBef>
+              <a:buFont typeface="Wingdings" panose="05000000000000000000" pitchFamily="2" charset="2"/>
+              <a:buChar char="q"/>
+            </a:pPr>
+            <a:r>
+              <a:rPr lang="en-US" dirty="0">
+                <a:cs typeface="Times New Roman" panose="02020603050405020304" pitchFamily="18" charset="0"/>
+              </a:rPr>
+              <a:t>Sau </a:t>
+            </a:r>
+            <a:r>
+              <a:rPr lang="en-US" dirty="0" err="1">
+                <a:cs typeface="Times New Roman" panose="02020603050405020304" pitchFamily="18" charset="0"/>
+              </a:rPr>
+              <a:t>khi</a:t>
+            </a:r>
+            <a:r>
+              <a:rPr lang="en-US" dirty="0">
+                <a:cs typeface="Times New Roman" panose="02020603050405020304" pitchFamily="18" charset="0"/>
+              </a:rPr>
+              <a:t> </a:t>
+            </a:r>
+            <a:r>
+              <a:rPr lang="en-US" dirty="0" err="1">
+                <a:cs typeface="Times New Roman" panose="02020603050405020304" pitchFamily="18" charset="0"/>
+              </a:rPr>
+              <a:t>hoàn</a:t>
+            </a:r>
+            <a:r>
+              <a:rPr lang="en-US" dirty="0">
+                <a:cs typeface="Times New Roman" panose="02020603050405020304" pitchFamily="18" charset="0"/>
+              </a:rPr>
+              <a:t> </a:t>
+            </a:r>
+            <a:r>
+              <a:rPr lang="en-US" dirty="0" err="1">
+                <a:cs typeface="Times New Roman" panose="02020603050405020304" pitchFamily="18" charset="0"/>
+              </a:rPr>
+              <a:t>thành</a:t>
+            </a:r>
+            <a:r>
+              <a:rPr lang="en-US" dirty="0">
+                <a:cs typeface="Times New Roman" panose="02020603050405020304" pitchFamily="18" charset="0"/>
+              </a:rPr>
+              <a:t> </a:t>
+            </a:r>
+            <a:r>
+              <a:rPr lang="en-US" dirty="0" err="1">
+                <a:cs typeface="Times New Roman" panose="02020603050405020304" pitchFamily="18" charset="0"/>
+              </a:rPr>
+              <a:t>trích</a:t>
+            </a:r>
+            <a:r>
+              <a:rPr lang="en-US" dirty="0">
+                <a:cs typeface="Times New Roman" panose="02020603050405020304" pitchFamily="18" charset="0"/>
+              </a:rPr>
+              <a:t> </a:t>
+            </a:r>
+            <a:r>
+              <a:rPr lang="en-US" dirty="0" err="1">
+                <a:cs typeface="Times New Roman" panose="02020603050405020304" pitchFamily="18" charset="0"/>
+              </a:rPr>
+              <a:t>xuất</a:t>
+            </a:r>
+            <a:r>
+              <a:rPr lang="en-US" dirty="0">
+                <a:cs typeface="Times New Roman" panose="02020603050405020304" pitchFamily="18" charset="0"/>
+              </a:rPr>
+              <a:t> 2 tập train và test </a:t>
+            </a:r>
+            <a:r>
+              <a:rPr lang="en-US" dirty="0" err="1">
+                <a:cs typeface="Times New Roman" panose="02020603050405020304" pitchFamily="18" charset="0"/>
+              </a:rPr>
+              <a:t>theo</a:t>
+            </a:r>
+            <a:r>
+              <a:rPr lang="en-US" dirty="0">
+                <a:cs typeface="Times New Roman" panose="02020603050405020304" pitchFamily="18" charset="0"/>
+              </a:rPr>
+              <a:t> </a:t>
+            </a:r>
+            <a:r>
+              <a:rPr lang="en-US" dirty="0" err="1">
+                <a:cs typeface="Times New Roman" panose="02020603050405020304" pitchFamily="18" charset="0"/>
+              </a:rPr>
+              <a:t>cùng</a:t>
+            </a:r>
+            <a:r>
+              <a:rPr lang="en-US" dirty="0">
+                <a:cs typeface="Times New Roman" panose="02020603050405020304" pitchFamily="18" charset="0"/>
+              </a:rPr>
+              <a:t> 1 format.</a:t>
+            </a:r>
+          </a:p>
+          <a:p>
+            <a:pPr marL="285750" indent="-285750">
+              <a:spcBef>
+                <a:spcPts val="600"/>
+              </a:spcBef>
+              <a:buFont typeface="Wingdings" panose="05000000000000000000" pitchFamily="2" charset="2"/>
+              <a:buChar char="q"/>
+            </a:pPr>
+            <a:r>
+              <a:rPr lang="en-US" dirty="0" err="1">
+                <a:cs typeface="Times New Roman" panose="02020603050405020304" pitchFamily="18" charset="0"/>
+              </a:rPr>
+              <a:t>Nhờ</a:t>
+            </a:r>
+            <a:r>
+              <a:rPr lang="en-US" dirty="0">
+                <a:cs typeface="Times New Roman" panose="02020603050405020304" pitchFamily="18" charset="0"/>
+              </a:rPr>
+              <a:t> </a:t>
+            </a:r>
+            <a:r>
+              <a:rPr lang="en-US" dirty="0" err="1">
+                <a:cs typeface="Times New Roman" panose="02020603050405020304" pitchFamily="18" charset="0"/>
+              </a:rPr>
+              <a:t>vào</a:t>
+            </a:r>
+            <a:r>
+              <a:rPr lang="en-US" dirty="0">
+                <a:cs typeface="Times New Roman" panose="02020603050405020304" pitchFamily="18" charset="0"/>
+              </a:rPr>
+              <a:t> </a:t>
+            </a:r>
+            <a:r>
+              <a:rPr lang="en-US" dirty="0" err="1">
+                <a:cs typeface="Times New Roman" panose="02020603050405020304" pitchFamily="18" charset="0"/>
+              </a:rPr>
+              <a:t>lượng</a:t>
+            </a:r>
+            <a:r>
+              <a:rPr lang="en-US" dirty="0">
+                <a:cs typeface="Times New Roman" panose="02020603050405020304" pitchFamily="18" charset="0"/>
+              </a:rPr>
+              <a:t> </a:t>
+            </a:r>
+            <a:r>
+              <a:rPr lang="en-US" dirty="0" err="1">
+                <a:cs typeface="Times New Roman" panose="02020603050405020304" pitchFamily="18" charset="0"/>
+              </a:rPr>
+              <a:t>dữ</a:t>
+            </a:r>
+            <a:r>
+              <a:rPr lang="en-US" dirty="0">
+                <a:cs typeface="Times New Roman" panose="02020603050405020304" pitchFamily="18" charset="0"/>
+              </a:rPr>
+              <a:t> </a:t>
+            </a:r>
+            <a:r>
+              <a:rPr lang="en-US" dirty="0" err="1">
+                <a:cs typeface="Times New Roman" panose="02020603050405020304" pitchFamily="18" charset="0"/>
+              </a:rPr>
+              <a:t>liệu</a:t>
+            </a:r>
+            <a:r>
+              <a:rPr lang="en-US" dirty="0">
+                <a:cs typeface="Times New Roman" panose="02020603050405020304" pitchFamily="18" charset="0"/>
+              </a:rPr>
+              <a:t> </a:t>
+            </a:r>
+            <a:r>
+              <a:rPr lang="en-US" dirty="0" err="1">
+                <a:cs typeface="Times New Roman" panose="02020603050405020304" pitchFamily="18" charset="0"/>
+              </a:rPr>
+              <a:t>hơn</a:t>
+            </a:r>
+            <a:r>
+              <a:rPr lang="en-US" dirty="0">
+                <a:cs typeface="Times New Roman" panose="02020603050405020304" pitchFamily="18" charset="0"/>
+              </a:rPr>
+              <a:t> so </a:t>
+            </a:r>
+            <a:r>
+              <a:rPr lang="en-US" dirty="0" err="1">
+                <a:cs typeface="Times New Roman" panose="02020603050405020304" pitchFamily="18" charset="0"/>
+              </a:rPr>
+              <a:t>với</a:t>
+            </a:r>
+            <a:r>
+              <a:rPr lang="en-US" dirty="0">
+                <a:cs typeface="Times New Roman" panose="02020603050405020304" pitchFamily="18" charset="0"/>
+              </a:rPr>
+              <a:t> </a:t>
+            </a:r>
+            <a:r>
+              <a:rPr lang="en-US" dirty="0" err="1">
+                <a:cs typeface="Times New Roman" panose="02020603050405020304" pitchFamily="18" charset="0"/>
+              </a:rPr>
+              <a:t>phiên</a:t>
+            </a:r>
+            <a:r>
+              <a:rPr lang="en-US" dirty="0">
+                <a:cs typeface="Times New Roman" panose="02020603050405020304" pitchFamily="18" charset="0"/>
+              </a:rPr>
+              <a:t> bản </a:t>
+            </a:r>
+            <a:r>
+              <a:rPr lang="en-US" dirty="0" err="1">
+                <a:cs typeface="Times New Roman" panose="02020603050405020304" pitchFamily="18" charset="0"/>
+              </a:rPr>
+              <a:t>chính</a:t>
+            </a:r>
+            <a:r>
+              <a:rPr lang="en-US" dirty="0">
+                <a:cs typeface="Times New Roman" panose="02020603050405020304" pitchFamily="18" charset="0"/>
+              </a:rPr>
+              <a:t> thức của Kaggle. Việc </a:t>
+            </a:r>
+            <a:r>
+              <a:rPr lang="en-US" dirty="0" err="1">
+                <a:cs typeface="Times New Roman" panose="02020603050405020304" pitchFamily="18" charset="0"/>
+              </a:rPr>
+              <a:t>hợp</a:t>
+            </a:r>
+            <a:r>
+              <a:rPr lang="en-US" dirty="0">
+                <a:cs typeface="Times New Roman" panose="02020603050405020304" pitchFamily="18" charset="0"/>
+              </a:rPr>
+              <a:t> </a:t>
+            </a:r>
+            <a:r>
+              <a:rPr lang="en-US" dirty="0" err="1">
+                <a:cs typeface="Times New Roman" panose="02020603050405020304" pitchFamily="18" charset="0"/>
+              </a:rPr>
+              <a:t>nhất</a:t>
+            </a:r>
+            <a:r>
+              <a:rPr lang="en-US" dirty="0">
+                <a:cs typeface="Times New Roman" panose="02020603050405020304" pitchFamily="18" charset="0"/>
+              </a:rPr>
+              <a:t> 2 file data test và train </a:t>
+            </a:r>
+            <a:r>
+              <a:rPr lang="en-US" dirty="0" err="1">
+                <a:cs typeface="Times New Roman" panose="02020603050405020304" pitchFamily="18" charset="0"/>
+              </a:rPr>
+              <a:t>sẽ</a:t>
+            </a:r>
+            <a:r>
+              <a:rPr lang="en-US" dirty="0">
+                <a:cs typeface="Times New Roman" panose="02020603050405020304" pitchFamily="18" charset="0"/>
+              </a:rPr>
+              <a:t> </a:t>
+            </a:r>
+            <a:r>
+              <a:rPr lang="en-US" dirty="0" err="1">
+                <a:cs typeface="Times New Roman" panose="02020603050405020304" pitchFamily="18" charset="0"/>
+              </a:rPr>
+              <a:t>cho</a:t>
+            </a:r>
+            <a:r>
+              <a:rPr lang="en-US" dirty="0">
+                <a:cs typeface="Times New Roman" panose="02020603050405020304" pitchFamily="18" charset="0"/>
+              </a:rPr>
+              <a:t> ta </a:t>
+            </a:r>
+            <a:r>
+              <a:rPr lang="en-US" dirty="0" err="1">
+                <a:cs typeface="Times New Roman" panose="02020603050405020304" pitchFamily="18" charset="0"/>
+              </a:rPr>
+              <a:t>bộ</a:t>
+            </a:r>
+            <a:r>
+              <a:rPr lang="en-US" dirty="0">
+                <a:cs typeface="Times New Roman" panose="02020603050405020304" pitchFamily="18" charset="0"/>
+              </a:rPr>
+              <a:t> </a:t>
+            </a:r>
+            <a:r>
+              <a:rPr lang="en-US" dirty="0" err="1">
+                <a:cs typeface="Times New Roman" panose="02020603050405020304" pitchFamily="18" charset="0"/>
+              </a:rPr>
+              <a:t>dữ</a:t>
+            </a:r>
+            <a:r>
+              <a:rPr lang="en-US" dirty="0">
+                <a:cs typeface="Times New Roman" panose="02020603050405020304" pitchFamily="18" charset="0"/>
+              </a:rPr>
+              <a:t> </a:t>
+            </a:r>
+            <a:r>
+              <a:rPr lang="en-US" dirty="0" err="1">
+                <a:cs typeface="Times New Roman" panose="02020603050405020304" pitchFamily="18" charset="0"/>
+              </a:rPr>
+              <a:t>liệu</a:t>
+            </a:r>
+            <a:r>
+              <a:rPr lang="en-US" dirty="0">
+                <a:cs typeface="Times New Roman" panose="02020603050405020304" pitchFamily="18" charset="0"/>
+              </a:rPr>
+              <a:t> </a:t>
+            </a:r>
+            <a:r>
+              <a:rPr lang="en-US" dirty="0" err="1">
+                <a:cs typeface="Times New Roman" panose="02020603050405020304" pitchFamily="18" charset="0"/>
+              </a:rPr>
+              <a:t>tốt</a:t>
+            </a:r>
+            <a:r>
+              <a:rPr lang="en-US" dirty="0">
+                <a:cs typeface="Times New Roman" panose="02020603050405020304" pitchFamily="18" charset="0"/>
+              </a:rPr>
+              <a:t> </a:t>
+            </a:r>
+            <a:r>
+              <a:rPr lang="en-US" dirty="0" err="1">
+                <a:cs typeface="Times New Roman" panose="02020603050405020304" pitchFamily="18" charset="0"/>
+              </a:rPr>
+              <a:t>nhất</a:t>
+            </a:r>
+            <a:r>
+              <a:rPr lang="en-US" dirty="0">
+                <a:cs typeface="Times New Roman" panose="02020603050405020304" pitchFamily="18" charset="0"/>
+              </a:rPr>
+              <a:t> có </a:t>
+            </a:r>
+            <a:r>
+              <a:rPr lang="en-US" dirty="0" err="1">
+                <a:cs typeface="Times New Roman" panose="02020603050405020304" pitchFamily="18" charset="0"/>
+              </a:rPr>
+              <a:t>thể</a:t>
+            </a:r>
+            <a:r>
+              <a:rPr lang="en-US" dirty="0">
+                <a:cs typeface="Times New Roman" panose="02020603050405020304" pitchFamily="18" charset="0"/>
+              </a:rPr>
+              <a:t> trong </a:t>
+            </a:r>
+            <a:r>
+              <a:rPr lang="en-US" dirty="0" err="1">
+                <a:cs typeface="Times New Roman" panose="02020603050405020304" pitchFamily="18" charset="0"/>
+              </a:rPr>
+              <a:t>khâu</a:t>
+            </a:r>
+            <a:r>
+              <a:rPr lang="en-US" dirty="0">
+                <a:cs typeface="Times New Roman" panose="02020603050405020304" pitchFamily="18" charset="0"/>
+              </a:rPr>
+              <a:t> </a:t>
+            </a:r>
+            <a:r>
+              <a:rPr lang="en-US" dirty="0" err="1">
+                <a:cs typeface="Times New Roman" panose="02020603050405020304" pitchFamily="18" charset="0"/>
+              </a:rPr>
+              <a:t>chuẩn</a:t>
+            </a:r>
+            <a:r>
+              <a:rPr lang="en-US" dirty="0">
+                <a:cs typeface="Times New Roman" panose="02020603050405020304" pitchFamily="18" charset="0"/>
+              </a:rPr>
+              <a:t> </a:t>
+            </a:r>
+            <a:r>
+              <a:rPr lang="en-US" dirty="0" err="1">
+                <a:cs typeface="Times New Roman" panose="02020603050405020304" pitchFamily="18" charset="0"/>
+              </a:rPr>
+              <a:t>bị</a:t>
+            </a:r>
+            <a:r>
+              <a:rPr lang="en-US" dirty="0">
+                <a:cs typeface="Times New Roman" panose="02020603050405020304" pitchFamily="18" charset="0"/>
+              </a:rPr>
+              <a:t> </a:t>
+            </a:r>
+            <a:r>
+              <a:rPr lang="en-US" dirty="0" err="1">
+                <a:cs typeface="Times New Roman" panose="02020603050405020304" pitchFamily="18" charset="0"/>
+              </a:rPr>
+              <a:t>dữ</a:t>
+            </a:r>
+            <a:r>
+              <a:rPr lang="en-US" dirty="0">
+                <a:cs typeface="Times New Roman" panose="02020603050405020304" pitchFamily="18" charset="0"/>
+              </a:rPr>
+              <a:t> </a:t>
+            </a:r>
+            <a:r>
+              <a:rPr lang="en-US" dirty="0" err="1">
+                <a:cs typeface="Times New Roman" panose="02020603050405020304" pitchFamily="18" charset="0"/>
+              </a:rPr>
+              <a:t>liệu</a:t>
+            </a:r>
+            <a:r>
+              <a:rPr lang="en-US" dirty="0">
+                <a:cs typeface="Times New Roman" panose="02020603050405020304" pitchFamily="18" charset="0"/>
+              </a:rPr>
+              <a:t>.</a:t>
+            </a:r>
+          </a:p>
+          <a:p>
+            <a:pPr marL="285750" indent="-285750">
+              <a:buFont typeface="Wingdings" panose="05000000000000000000" pitchFamily="2" charset="2"/>
+              <a:buChar char="q"/>
+            </a:pPr>
+            <a:endParaRPr lang="en-US" dirty="0">
+              <a:cs typeface="Times New Roman" panose="02020603050405020304" pitchFamily="18" charset="0"/>
+            </a:endParaRPr>
+          </a:p>
+          <a:p>
+            <a:pPr marL="285750" indent="-285750">
+              <a:buFont typeface="Wingdings" panose="05000000000000000000" pitchFamily="2" charset="2"/>
+              <a:buChar char="q"/>
+            </a:pPr>
+            <a:endParaRPr lang="en-US" dirty="0">
+              <a:cs typeface="Times New Roman" panose="02020603050405020304" pitchFamily="18" charset="0"/>
+            </a:endParaRPr>
+          </a:p>
+          <a:p>
+            <a:pPr marL="285750" indent="-285750">
+              <a:buFont typeface="Wingdings" panose="05000000000000000000" pitchFamily="2" charset="2"/>
+              <a:buChar char="q"/>
+            </a:pPr>
+            <a:endParaRPr lang="en-US" dirty="0">
+              <a:cs typeface="Times New Roman" panose="02020603050405020304" pitchFamily="18" charset="0"/>
+            </a:endParaRPr>
+          </a:p>
+          <a:p>
+            <a:pPr marL="285750" indent="-285750">
+              <a:buFont typeface="Wingdings" panose="05000000000000000000" pitchFamily="2" charset="2"/>
+              <a:buChar char="q"/>
+            </a:pPr>
+            <a:endParaRPr lang="en-US" dirty="0">
+              <a:cs typeface="Times New Roman" panose="02020603050405020304" pitchFamily="18" charset="0"/>
+            </a:endParaRPr>
+          </a:p>
+          <a:p>
+            <a:pPr marL="285750" indent="-285750">
+              <a:buFont typeface="Wingdings" panose="05000000000000000000" pitchFamily="2" charset="2"/>
+              <a:buChar char="q"/>
+            </a:pPr>
+            <a:endParaRPr lang="en-US" dirty="0">
+              <a:cs typeface="Times New Roman" panose="02020603050405020304" pitchFamily="18" charset="0"/>
+            </a:endParaRPr>
+          </a:p>
+          <a:p>
+            <a:pPr marL="285750" indent="-285750">
+              <a:buFont typeface="Wingdings" panose="05000000000000000000" pitchFamily="2" charset="2"/>
+              <a:buChar char="q"/>
+            </a:pPr>
+            <a:endParaRPr lang="en-US" dirty="0">
+              <a:cs typeface="Times New Roman" panose="02020603050405020304" pitchFamily="18" charset="0"/>
+            </a:endParaRPr>
+          </a:p>
+          <a:p>
+            <a:pPr marL="285750" indent="-285750">
+              <a:buFont typeface="Wingdings" panose="05000000000000000000" pitchFamily="2" charset="2"/>
+              <a:buChar char="q"/>
+            </a:pPr>
+            <a:endParaRPr lang="en-US" dirty="0">
+              <a:cs typeface="Times New Roman" panose="02020603050405020304" pitchFamily="18" charset="0"/>
+            </a:endParaRPr>
+          </a:p>
+          <a:p>
+            <a:pPr marL="285750" indent="-285750">
+              <a:buFont typeface="Wingdings" panose="05000000000000000000" pitchFamily="2" charset="2"/>
+              <a:buChar char="q"/>
+            </a:pPr>
+            <a:endParaRPr lang="en-US" dirty="0">
+              <a:cs typeface="Times New Roman" panose="02020603050405020304" pitchFamily="18" charset="0"/>
+            </a:endParaRPr>
+          </a:p>
+          <a:p>
+            <a:pPr marL="285750" indent="-285750">
+              <a:buFont typeface="Wingdings" panose="05000000000000000000" pitchFamily="2" charset="2"/>
+              <a:buChar char="q"/>
+            </a:pPr>
+            <a:endParaRPr lang="en-US" dirty="0">
+              <a:cs typeface="Times New Roman" panose="02020603050405020304" pitchFamily="18" charset="0"/>
+            </a:endParaRPr>
+          </a:p>
+          <a:p>
+            <a:pPr marL="285750" indent="-285750">
+              <a:buFont typeface="Wingdings" panose="05000000000000000000" pitchFamily="2" charset="2"/>
+              <a:buChar char="q"/>
+            </a:pPr>
+            <a:endParaRPr lang="en-US" dirty="0">
+              <a:cs typeface="Times New Roman" panose="02020603050405020304" pitchFamily="18" charset="0"/>
+            </a:endParaRPr>
+          </a:p>
+          <a:p>
+            <a:pPr lvl="6" algn="ctr">
+              <a:tabLst>
+                <a:tab pos="2743200" algn="l"/>
+              </a:tabLst>
+            </a:pPr>
+            <a:endParaRPr lang="en-US" dirty="0">
+              <a:cs typeface="Times New Roman" panose="02020603050405020304" pitchFamily="18" charset="0"/>
+            </a:endParaRPr>
+          </a:p>
+          <a:p>
+            <a:pPr lvl="6" algn="ctr">
+              <a:tabLst>
+                <a:tab pos="2743200" algn="l"/>
+              </a:tabLst>
+            </a:pPr>
+            <a:endParaRPr lang="en-US" sz="1600" i="1">
+              <a:cs typeface="Times New Roman" panose="02020603050405020304" pitchFamily="18" charset="0"/>
+            </a:endParaRPr>
+          </a:p>
+          <a:p>
+            <a:pPr lvl="6" algn="ctr">
+              <a:tabLst>
+                <a:tab pos="2743200" algn="l"/>
+              </a:tabLst>
+            </a:pPr>
+            <a:r>
+              <a:rPr lang="en-US" sz="1600" i="1">
+                <a:cs typeface="Times New Roman" panose="02020603050405020304" pitchFamily="18" charset="0"/>
+              </a:rPr>
+              <a:t>(11 </a:t>
+            </a:r>
+            <a:r>
+              <a:rPr lang="en-US" sz="1600" i="1" dirty="0" err="1">
+                <a:cs typeface="Times New Roman" panose="02020603050405020304" pitchFamily="18" charset="0"/>
+              </a:rPr>
+              <a:t>loại</a:t>
+            </a:r>
+            <a:r>
+              <a:rPr lang="en-US" sz="1600" i="1" dirty="0">
+                <a:cs typeface="Times New Roman" panose="02020603050405020304" pitchFamily="18" charset="0"/>
+              </a:rPr>
+              <a:t> </a:t>
+            </a:r>
+            <a:r>
+              <a:rPr lang="en-US" sz="1600" i="1" dirty="0" err="1">
+                <a:cs typeface="Times New Roman" panose="02020603050405020304" pitchFamily="18" charset="0"/>
+              </a:rPr>
+              <a:t>dữ</a:t>
+            </a:r>
+            <a:r>
+              <a:rPr lang="en-US" sz="1600" i="1" dirty="0">
+                <a:cs typeface="Times New Roman" panose="02020603050405020304" pitchFamily="18" charset="0"/>
+              </a:rPr>
+              <a:t> </a:t>
+            </a:r>
+            <a:r>
+              <a:rPr lang="en-US" sz="1600" i="1" dirty="0" err="1">
+                <a:cs typeface="Times New Roman" panose="02020603050405020304" pitchFamily="18" charset="0"/>
+              </a:rPr>
+              <a:t>liệu</a:t>
+            </a:r>
+            <a:r>
+              <a:rPr lang="en-US" sz="1600" i="1" dirty="0">
+                <a:cs typeface="Times New Roman" panose="02020603050405020304" pitchFamily="18" charset="0"/>
+              </a:rPr>
+              <a:t> </a:t>
+            </a:r>
+            <a:r>
+              <a:rPr lang="en-US" sz="1600" i="1" dirty="0" err="1">
+                <a:cs typeface="Times New Roman" panose="02020603050405020304" pitchFamily="18" charset="0"/>
+              </a:rPr>
+              <a:t>sau</a:t>
+            </a:r>
+            <a:r>
+              <a:rPr lang="en-US" sz="1600" i="1" dirty="0">
+                <a:cs typeface="Times New Roman" panose="02020603050405020304" pitchFamily="18" charset="0"/>
+              </a:rPr>
+              <a:t> </a:t>
+            </a:r>
+            <a:r>
+              <a:rPr lang="en-US" sz="1600" i="1" dirty="0" err="1">
+                <a:cs typeface="Times New Roman" panose="02020603050405020304" pitchFamily="18" charset="0"/>
+              </a:rPr>
+              <a:t>khi</a:t>
+            </a:r>
+            <a:r>
+              <a:rPr lang="en-US" sz="1600" i="1" dirty="0">
+                <a:cs typeface="Times New Roman" panose="02020603050405020304" pitchFamily="18" charset="0"/>
+              </a:rPr>
+              <a:t> </a:t>
+            </a:r>
+            <a:r>
+              <a:rPr lang="en-US" sz="1600" i="1" dirty="0" err="1">
+                <a:cs typeface="Times New Roman" panose="02020603050405020304" pitchFamily="18" charset="0"/>
+              </a:rPr>
+              <a:t>hợp</a:t>
+            </a:r>
+            <a:r>
+              <a:rPr lang="en-US" sz="1600" i="1" dirty="0">
+                <a:cs typeface="Times New Roman" panose="02020603050405020304" pitchFamily="18" charset="0"/>
+              </a:rPr>
+              <a:t> </a:t>
+            </a:r>
+            <a:r>
+              <a:rPr lang="en-US" sz="1600" i="1" dirty="0" err="1">
+                <a:cs typeface="Times New Roman" panose="02020603050405020304" pitchFamily="18" charset="0"/>
+              </a:rPr>
+              <a:t>nhất</a:t>
+            </a:r>
+            <a:r>
+              <a:rPr lang="en-US" sz="1600" i="1" dirty="0">
+                <a:cs typeface="Times New Roman" panose="02020603050405020304" pitchFamily="18" charset="0"/>
+              </a:rPr>
+              <a:t> ( </a:t>
+            </a:r>
+            <a:r>
+              <a:rPr lang="en-US" sz="1600" i="1" dirty="0" err="1">
+                <a:cs typeface="Times New Roman" panose="02020603050405020304" pitchFamily="18" charset="0"/>
+              </a:rPr>
+              <a:t>tổng</a:t>
+            </a:r>
+            <a:r>
+              <a:rPr lang="en-US" sz="1600" i="1" dirty="0">
+                <a:cs typeface="Times New Roman" panose="02020603050405020304" pitchFamily="18" charset="0"/>
+              </a:rPr>
+              <a:t> 20 </a:t>
+            </a:r>
+            <a:r>
+              <a:rPr lang="en-US" sz="1600" i="1" err="1">
+                <a:cs typeface="Times New Roman" panose="02020603050405020304" pitchFamily="18" charset="0"/>
+              </a:rPr>
+              <a:t>loại</a:t>
+            </a:r>
+            <a:r>
+              <a:rPr lang="en-US" sz="1600" i="1">
+                <a:cs typeface="Times New Roman" panose="02020603050405020304" pitchFamily="18" charset="0"/>
+              </a:rPr>
+              <a:t> </a:t>
+            </a:r>
+            <a:r>
+              <a:rPr lang="en-US" sz="1600">
+                <a:cs typeface="Times New Roman" panose="02020603050405020304" pitchFamily="18" charset="0"/>
+              </a:rPr>
+              <a:t>))</a:t>
+            </a:r>
+            <a:endParaRPr lang="en-US" sz="1600" dirty="0">
+              <a:cs typeface="Times New Roman" panose="02020603050405020304" pitchFamily="18" charset="0"/>
+            </a:endParaRPr>
+          </a:p>
+          <a:p>
+            <a:endParaRPr lang="en-US" dirty="0">
+              <a:cs typeface="Times New Roman" panose="02020603050405020304" pitchFamily="18" charset="0"/>
+            </a:endParaRPr>
+          </a:p>
+        </p:txBody>
+      </p:sp>
+      <p:pic>
+        <p:nvPicPr>
+          <p:cNvPr id="6" name="Hình ảnh 8">
+            <a:extLst>
+              <a:ext uri="{FF2B5EF4-FFF2-40B4-BE49-F238E27FC236}">
+                <a16:creationId xmlns:a16="http://schemas.microsoft.com/office/drawing/2014/main" id="{546D2ACC-0897-4C7C-B310-C27071FEAC80}"/>
+              </a:ext>
+            </a:extLst>
+          </p:cNvPr>
+          <p:cNvPicPr>
+            <a:picLocks noChangeAspect="1"/>
+          </p:cNvPicPr>
+          <p:nvPr/>
+        </p:nvPicPr>
+        <p:blipFill>
+          <a:blip r:embed="rId2"/>
+          <a:stretch>
+            <a:fillRect/>
+          </a:stretch>
+        </p:blipFill>
+        <p:spPr>
+          <a:xfrm>
+            <a:off x="1575071" y="2206187"/>
+            <a:ext cx="8472949" cy="2669559"/>
+          </a:xfrm>
+          <a:prstGeom prst="rect">
+            <a:avLst/>
+          </a:prstGeom>
+        </p:spPr>
+      </p:pic>
+    </p:spTree>
+    <p:extLst>
+      <p:ext uri="{BB962C8B-B14F-4D97-AF65-F5344CB8AC3E}">
+        <p14:creationId xmlns:p14="http://schemas.microsoft.com/office/powerpoint/2010/main" val="1528699884"/>
+      </p:ext>
+    </p:extLst>
+  </p:cSld>
+  <p:clrMapOvr>
+    <a:masterClrMapping/>
+  </p:clrMapOvr>
+</p:sld>
+</file>
+
+<file path=ppt/slides/slide16.xml><?xml version="1.0" encoding="utf-8"?>
+<p:sld xmlns:a="http://schemas.openxmlformats.org/drawingml/2006/main" xmlns:r="http://schemas.openxmlformats.org/officeDocument/2006/relationships" xmlns:p="http://schemas.openxmlformats.org/presentationml/2006/main">
+  <p:cSld>
+    <p:spTree>
+      <p:nvGrpSpPr>
+        <p:cNvPr id="1" name=""/>
+        <p:cNvGrpSpPr/>
+        <p:nvPr/>
+      </p:nvGrpSpPr>
+      <p:grpSpPr>
+        <a:xfrm>
+          <a:off x="0" y="0"/>
+          <a:ext cx="0" cy="0"/>
+          <a:chOff x="0" y="0"/>
+          <a:chExt cx="0" cy="0"/>
+        </a:xfrm>
+      </p:grpSpPr>
+      <p:sp>
+        <p:nvSpPr>
+          <p:cNvPr id="4" name="Slide Number Placeholder 3">
+            <a:extLst>
+              <a:ext uri="{FF2B5EF4-FFF2-40B4-BE49-F238E27FC236}">
+                <a16:creationId xmlns:a16="http://schemas.microsoft.com/office/drawing/2014/main" id="{03AEA7F0-6B2C-404A-B237-D9F1C434B930}"/>
+              </a:ext>
+            </a:extLst>
+          </p:cNvPr>
+          <p:cNvSpPr>
+            <a:spLocks noGrp="1"/>
+          </p:cNvSpPr>
+          <p:nvPr>
+            <p:ph type="sldNum" sz="quarter" idx="12"/>
+          </p:nvPr>
+        </p:nvSpPr>
+        <p:spPr/>
+        <p:txBody>
+          <a:bodyPr/>
+          <a:lstStyle/>
+          <a:p>
+            <a:fld id="{A65A5C87-DF58-40C8-B092-1DE63DB4547E}" type="slidenum">
+              <a:rPr lang="en-US" smtClean="0"/>
+              <a:t>16</a:t>
+            </a:fld>
+            <a:endParaRPr lang="en-US" dirty="0"/>
+          </a:p>
+        </p:txBody>
+      </p:sp>
+      <p:sp>
+        <p:nvSpPr>
+          <p:cNvPr id="5" name="TextBox 4">
+            <a:extLst>
+              <a:ext uri="{FF2B5EF4-FFF2-40B4-BE49-F238E27FC236}">
+                <a16:creationId xmlns:a16="http://schemas.microsoft.com/office/drawing/2014/main" id="{A15BEAAE-42AA-4DD6-A6EB-39D33477BFDC}"/>
+              </a:ext>
+            </a:extLst>
+          </p:cNvPr>
+          <p:cNvSpPr txBox="1"/>
+          <p:nvPr/>
+        </p:nvSpPr>
+        <p:spPr>
+          <a:xfrm>
+            <a:off x="907615" y="826717"/>
+            <a:ext cx="10886279" cy="5355312"/>
+          </a:xfrm>
+          <a:prstGeom prst="rect">
+            <a:avLst/>
+          </a:prstGeom>
+          <a:noFill/>
+        </p:spPr>
+        <p:txBody>
+          <a:bodyPr wrap="square" rtlCol="0">
+            <a:spAutoFit/>
+          </a:bodyPr>
+          <a:lstStyle/>
+          <a:p>
+            <a:pPr marL="285750" indent="-285750">
+              <a:buFont typeface="Wingdings" panose="05000000000000000000" pitchFamily="2" charset="2"/>
+              <a:buChar char="q"/>
+            </a:pPr>
+            <a:r>
+              <a:rPr lang="en-US" dirty="0" err="1">
+                <a:cs typeface="Times New Roman" panose="02020603050405020304" pitchFamily="18" charset="0"/>
+              </a:rPr>
+              <a:t>Chuẩn</a:t>
+            </a:r>
+            <a:r>
+              <a:rPr lang="en-US" dirty="0">
+                <a:cs typeface="Times New Roman" panose="02020603050405020304" pitchFamily="18" charset="0"/>
+              </a:rPr>
+              <a:t> </a:t>
+            </a:r>
+            <a:r>
+              <a:rPr lang="en-US" dirty="0" err="1">
+                <a:cs typeface="Times New Roman" panose="02020603050405020304" pitchFamily="18" charset="0"/>
+              </a:rPr>
+              <a:t>bị</a:t>
+            </a:r>
+            <a:r>
+              <a:rPr lang="en-US" dirty="0">
+                <a:cs typeface="Times New Roman" panose="02020603050405020304" pitchFamily="18" charset="0"/>
+              </a:rPr>
+              <a:t> </a:t>
+            </a:r>
+            <a:r>
+              <a:rPr lang="en-US" dirty="0" err="1">
+                <a:cs typeface="Times New Roman" panose="02020603050405020304" pitchFamily="18" charset="0"/>
+              </a:rPr>
+              <a:t>dữ</a:t>
+            </a:r>
+            <a:r>
+              <a:rPr lang="en-US" dirty="0">
+                <a:cs typeface="Times New Roman" panose="02020603050405020304" pitchFamily="18" charset="0"/>
+              </a:rPr>
+              <a:t> </a:t>
+            </a:r>
+            <a:r>
+              <a:rPr lang="en-US" dirty="0" err="1">
+                <a:cs typeface="Times New Roman" panose="02020603050405020304" pitchFamily="18" charset="0"/>
+              </a:rPr>
+              <a:t>liệu</a:t>
+            </a:r>
+            <a:r>
+              <a:rPr lang="en-US" dirty="0">
+                <a:cs typeface="Times New Roman" panose="02020603050405020304" pitchFamily="18" charset="0"/>
+              </a:rPr>
+              <a:t> </a:t>
+            </a:r>
+            <a:r>
+              <a:rPr lang="en-US" dirty="0" err="1">
+                <a:cs typeface="Times New Roman" panose="02020603050405020304" pitchFamily="18" charset="0"/>
+              </a:rPr>
+              <a:t>thời</a:t>
+            </a:r>
+            <a:r>
+              <a:rPr lang="en-US" dirty="0">
+                <a:cs typeface="Times New Roman" panose="02020603050405020304" pitchFamily="18" charset="0"/>
+              </a:rPr>
+              <a:t> </a:t>
+            </a:r>
+            <a:r>
+              <a:rPr lang="en-US" dirty="0" err="1">
+                <a:cs typeface="Times New Roman" panose="02020603050405020304" pitchFamily="18" charset="0"/>
+              </a:rPr>
+              <a:t>tiết</a:t>
+            </a:r>
+            <a:r>
+              <a:rPr lang="en-US" dirty="0">
+                <a:cs typeface="Times New Roman" panose="02020603050405020304" pitchFamily="18" charset="0"/>
+              </a:rPr>
+              <a:t> – </a:t>
+            </a:r>
+            <a:r>
+              <a:rPr lang="en-US" dirty="0" err="1">
+                <a:cs typeface="Times New Roman" panose="02020603050405020304" pitchFamily="18" charset="0"/>
+              </a:rPr>
+              <a:t>bởi</a:t>
+            </a:r>
+            <a:r>
+              <a:rPr lang="en-US" dirty="0">
+                <a:cs typeface="Times New Roman" panose="02020603050405020304" pitchFamily="18" charset="0"/>
+              </a:rPr>
+              <a:t> được </a:t>
+            </a:r>
+            <a:r>
+              <a:rPr lang="en-US" dirty="0" err="1">
+                <a:cs typeface="Times New Roman" panose="02020603050405020304" pitchFamily="18" charset="0"/>
+              </a:rPr>
+              <a:t>lưu</a:t>
+            </a:r>
+            <a:r>
+              <a:rPr lang="en-US" dirty="0">
+                <a:cs typeface="Times New Roman" panose="02020603050405020304" pitchFamily="18" charset="0"/>
+              </a:rPr>
+              <a:t> </a:t>
+            </a:r>
+            <a:r>
+              <a:rPr lang="en-US" dirty="0" err="1">
+                <a:cs typeface="Times New Roman" panose="02020603050405020304" pitchFamily="18" charset="0"/>
+              </a:rPr>
+              <a:t>trữ</a:t>
+            </a:r>
+            <a:r>
+              <a:rPr lang="en-US" dirty="0">
+                <a:cs typeface="Times New Roman" panose="02020603050405020304" pitchFamily="18" charset="0"/>
+              </a:rPr>
+              <a:t> ở </a:t>
+            </a:r>
+            <a:r>
+              <a:rPr lang="en-US" dirty="0" err="1">
+                <a:cs typeface="Times New Roman" panose="02020603050405020304" pitchFamily="18" charset="0"/>
+              </a:rPr>
+              <a:t>nhiều</a:t>
+            </a:r>
+            <a:r>
+              <a:rPr lang="en-US" dirty="0">
+                <a:cs typeface="Times New Roman" panose="02020603050405020304" pitchFamily="18" charset="0"/>
+              </a:rPr>
+              <a:t> file </a:t>
+            </a:r>
+            <a:r>
+              <a:rPr lang="en-US" dirty="0" err="1">
+                <a:cs typeface="Times New Roman" panose="02020603050405020304" pitchFamily="18" charset="0"/>
+              </a:rPr>
+              <a:t>ứng</a:t>
+            </a:r>
+            <a:r>
+              <a:rPr lang="en-US" dirty="0">
+                <a:cs typeface="Times New Roman" panose="02020603050405020304" pitchFamily="18" charset="0"/>
+              </a:rPr>
+              <a:t> </a:t>
+            </a:r>
+            <a:r>
+              <a:rPr lang="en-US" dirty="0" err="1">
+                <a:cs typeface="Times New Roman" panose="02020603050405020304" pitchFamily="18" charset="0"/>
+              </a:rPr>
+              <a:t>với</a:t>
+            </a:r>
+            <a:r>
+              <a:rPr lang="en-US" dirty="0">
+                <a:cs typeface="Times New Roman" panose="02020603050405020304" pitchFamily="18" charset="0"/>
+              </a:rPr>
+              <a:t> </a:t>
+            </a:r>
+            <a:r>
+              <a:rPr lang="en-US" dirty="0" err="1">
+                <a:cs typeface="Times New Roman" panose="02020603050405020304" pitchFamily="18" charset="0"/>
+              </a:rPr>
+              <a:t>mỗi</a:t>
+            </a:r>
+            <a:r>
+              <a:rPr lang="en-US" dirty="0">
+                <a:cs typeface="Times New Roman" panose="02020603050405020304" pitchFamily="18" charset="0"/>
+              </a:rPr>
+              <a:t> </a:t>
+            </a:r>
+            <a:r>
+              <a:rPr lang="en-US" dirty="0" err="1">
+                <a:cs typeface="Times New Roman" panose="02020603050405020304" pitchFamily="18" charset="0"/>
+              </a:rPr>
+              <a:t>trạm</a:t>
+            </a:r>
+            <a:r>
+              <a:rPr lang="en-US" dirty="0">
+                <a:cs typeface="Times New Roman" panose="02020603050405020304" pitchFamily="18" charset="0"/>
+              </a:rPr>
+              <a:t> </a:t>
+            </a:r>
+            <a:r>
+              <a:rPr lang="en-US" dirty="0" err="1">
+                <a:cs typeface="Times New Roman" panose="02020603050405020304" pitchFamily="18" charset="0"/>
+              </a:rPr>
+              <a:t>thời</a:t>
+            </a:r>
+            <a:r>
+              <a:rPr lang="en-US" dirty="0">
+                <a:cs typeface="Times New Roman" panose="02020603050405020304" pitchFamily="18" charset="0"/>
+              </a:rPr>
+              <a:t> </a:t>
+            </a:r>
+            <a:r>
+              <a:rPr lang="en-US" dirty="0" err="1">
+                <a:cs typeface="Times New Roman" panose="02020603050405020304" pitchFamily="18" charset="0"/>
+              </a:rPr>
+              <a:t>tiết</a:t>
+            </a:r>
+            <a:r>
+              <a:rPr lang="en-US" dirty="0">
+                <a:cs typeface="Times New Roman" panose="02020603050405020304" pitchFamily="18" charset="0"/>
+              </a:rPr>
+              <a:t>. </a:t>
+            </a:r>
+            <a:r>
+              <a:rPr lang="en-US" dirty="0" err="1">
+                <a:cs typeface="Times New Roman" panose="02020603050405020304" pitchFamily="18" charset="0"/>
+              </a:rPr>
+              <a:t>Nên</a:t>
+            </a:r>
+            <a:r>
+              <a:rPr lang="en-US" dirty="0">
+                <a:cs typeface="Times New Roman" panose="02020603050405020304" pitchFamily="18" charset="0"/>
+              </a:rPr>
+              <a:t> </a:t>
+            </a:r>
+            <a:r>
+              <a:rPr lang="en-US" dirty="0" err="1">
+                <a:cs typeface="Times New Roman" panose="02020603050405020304" pitchFamily="18" charset="0"/>
+              </a:rPr>
+              <a:t>dữ</a:t>
+            </a:r>
+            <a:r>
+              <a:rPr lang="en-US" dirty="0">
+                <a:cs typeface="Times New Roman" panose="02020603050405020304" pitchFamily="18" charset="0"/>
+              </a:rPr>
+              <a:t> </a:t>
+            </a:r>
+            <a:r>
+              <a:rPr lang="en-US" dirty="0" err="1">
+                <a:cs typeface="Times New Roman" panose="02020603050405020304" pitchFamily="18" charset="0"/>
+              </a:rPr>
+              <a:t>liệu</a:t>
+            </a:r>
+            <a:r>
+              <a:rPr lang="en-US" dirty="0">
+                <a:cs typeface="Times New Roman" panose="02020603050405020304" pitchFamily="18" charset="0"/>
+              </a:rPr>
+              <a:t> </a:t>
+            </a:r>
+            <a:r>
+              <a:rPr lang="en-US" dirty="0" err="1">
+                <a:cs typeface="Times New Roman" panose="02020603050405020304" pitchFamily="18" charset="0"/>
+              </a:rPr>
+              <a:t>này</a:t>
+            </a:r>
+            <a:r>
+              <a:rPr lang="en-US" dirty="0">
+                <a:cs typeface="Times New Roman" panose="02020603050405020304" pitchFamily="18" charset="0"/>
+              </a:rPr>
+              <a:t>  có </a:t>
+            </a:r>
+            <a:r>
+              <a:rPr lang="en-US" dirty="0" err="1">
+                <a:cs typeface="Times New Roman" panose="02020603050405020304" pitchFamily="18" charset="0"/>
+              </a:rPr>
+              <a:t>nhiều</a:t>
+            </a:r>
+            <a:r>
+              <a:rPr lang="en-US" dirty="0">
+                <a:cs typeface="Times New Roman" panose="02020603050405020304" pitchFamily="18" charset="0"/>
+              </a:rPr>
+              <a:t> </a:t>
+            </a:r>
+            <a:r>
+              <a:rPr lang="en-US" dirty="0" err="1">
+                <a:cs typeface="Times New Roman" panose="02020603050405020304" pitchFamily="18" charset="0"/>
+              </a:rPr>
+              <a:t>phần</a:t>
+            </a:r>
+            <a:r>
+              <a:rPr lang="en-US" dirty="0">
+                <a:cs typeface="Times New Roman" panose="02020603050405020304" pitchFamily="18" charset="0"/>
+              </a:rPr>
+              <a:t> </a:t>
+            </a:r>
+            <a:r>
+              <a:rPr lang="en-US" err="1">
+                <a:cs typeface="Times New Roman" panose="02020603050405020304" pitchFamily="18" charset="0"/>
+              </a:rPr>
+              <a:t>thiếu</a:t>
+            </a:r>
+            <a:r>
+              <a:rPr lang="en-US">
+                <a:cs typeface="Times New Roman" panose="02020603050405020304" pitchFamily="18" charset="0"/>
+              </a:rPr>
+              <a:t> (do </a:t>
+            </a:r>
+            <a:r>
+              <a:rPr lang="en-US" dirty="0" err="1">
+                <a:cs typeface="Times New Roman" panose="02020603050405020304" pitchFamily="18" charset="0"/>
+              </a:rPr>
+              <a:t>tính</a:t>
+            </a:r>
+            <a:r>
+              <a:rPr lang="en-US" dirty="0">
+                <a:cs typeface="Times New Roman" panose="02020603050405020304" pitchFamily="18" charset="0"/>
+              </a:rPr>
+              <a:t> chất </a:t>
+            </a:r>
+            <a:r>
+              <a:rPr lang="en-US" dirty="0" err="1">
+                <a:cs typeface="Times New Roman" panose="02020603050405020304" pitchFamily="18" charset="0"/>
+              </a:rPr>
+              <a:t>không</a:t>
+            </a:r>
+            <a:r>
+              <a:rPr lang="en-US" dirty="0">
+                <a:cs typeface="Times New Roman" panose="02020603050405020304" pitchFamily="18" charset="0"/>
+              </a:rPr>
+              <a:t> </a:t>
+            </a:r>
+            <a:r>
+              <a:rPr lang="en-US" dirty="0" err="1">
+                <a:cs typeface="Times New Roman" panose="02020603050405020304" pitchFamily="18" charset="0"/>
+              </a:rPr>
+              <a:t>cần</a:t>
+            </a:r>
+            <a:r>
+              <a:rPr lang="en-US" dirty="0">
+                <a:cs typeface="Times New Roman" panose="02020603050405020304" pitchFamily="18" charset="0"/>
+              </a:rPr>
+              <a:t> </a:t>
+            </a:r>
+            <a:r>
+              <a:rPr lang="en-US" dirty="0" err="1">
+                <a:cs typeface="Times New Roman" panose="02020603050405020304" pitchFamily="18" charset="0"/>
+              </a:rPr>
+              <a:t>thiết</a:t>
+            </a:r>
+            <a:r>
+              <a:rPr lang="en-US" dirty="0">
+                <a:cs typeface="Times New Roman" panose="02020603050405020304" pitchFamily="18" charset="0"/>
+              </a:rPr>
+              <a:t>  của </a:t>
+            </a:r>
+            <a:r>
+              <a:rPr lang="en-US" dirty="0" err="1">
+                <a:cs typeface="Times New Roman" panose="02020603050405020304" pitchFamily="18" charset="0"/>
+              </a:rPr>
+              <a:t>thời</a:t>
+            </a:r>
+            <a:r>
+              <a:rPr lang="en-US" dirty="0">
+                <a:cs typeface="Times New Roman" panose="02020603050405020304" pitchFamily="18" charset="0"/>
+              </a:rPr>
+              <a:t> </a:t>
+            </a:r>
+            <a:r>
+              <a:rPr lang="en-US" dirty="0" err="1">
+                <a:cs typeface="Times New Roman" panose="02020603050405020304" pitchFamily="18" charset="0"/>
+              </a:rPr>
+              <a:t>tiết</a:t>
+            </a:r>
+            <a:r>
+              <a:rPr lang="en-US" dirty="0">
+                <a:cs typeface="Times New Roman" panose="02020603050405020304" pitchFamily="18" charset="0"/>
+              </a:rPr>
+              <a:t> </a:t>
+            </a:r>
+            <a:r>
+              <a:rPr lang="en-US" dirty="0" err="1">
+                <a:cs typeface="Times New Roman" panose="02020603050405020304" pitchFamily="18" charset="0"/>
+              </a:rPr>
+              <a:t>khu</a:t>
+            </a:r>
+            <a:r>
+              <a:rPr lang="en-US" dirty="0">
+                <a:cs typeface="Times New Roman" panose="02020603050405020304" pitchFamily="18" charset="0"/>
+              </a:rPr>
+              <a:t> </a:t>
+            </a:r>
+            <a:r>
+              <a:rPr lang="en-US" dirty="0" err="1">
+                <a:cs typeface="Times New Roman" panose="02020603050405020304" pitchFamily="18" charset="0"/>
+              </a:rPr>
+              <a:t>vực</a:t>
+            </a:r>
+            <a:r>
+              <a:rPr lang="en-US" dirty="0">
+                <a:cs typeface="Times New Roman" panose="02020603050405020304" pitchFamily="18" charset="0"/>
+              </a:rPr>
+              <a:t> tại </a:t>
+            </a:r>
+            <a:r>
+              <a:rPr lang="en-US" dirty="0" err="1">
+                <a:cs typeface="Times New Roman" panose="02020603050405020304" pitchFamily="18" charset="0"/>
+              </a:rPr>
+              <a:t>từng</a:t>
+            </a:r>
+            <a:r>
+              <a:rPr lang="en-US" dirty="0">
+                <a:cs typeface="Times New Roman" panose="02020603050405020304" pitchFamily="18" charset="0"/>
+              </a:rPr>
+              <a:t> </a:t>
+            </a:r>
+            <a:r>
+              <a:rPr lang="en-US" dirty="0" err="1">
+                <a:cs typeface="Times New Roman" panose="02020603050405020304" pitchFamily="18" charset="0"/>
+              </a:rPr>
+              <a:t>trạm</a:t>
+            </a:r>
+            <a:r>
+              <a:rPr lang="en-US" dirty="0">
+                <a:cs typeface="Times New Roman" panose="02020603050405020304" pitchFamily="18" charset="0"/>
+              </a:rPr>
+              <a:t> </a:t>
+            </a:r>
+            <a:r>
+              <a:rPr lang="en-US" dirty="0" err="1">
+                <a:cs typeface="Times New Roman" panose="02020603050405020304" pitchFamily="18" charset="0"/>
+              </a:rPr>
+              <a:t>hoặc</a:t>
+            </a:r>
+            <a:r>
+              <a:rPr lang="en-US" dirty="0">
+                <a:cs typeface="Times New Roman" panose="02020603050405020304" pitchFamily="18" charset="0"/>
+              </a:rPr>
+              <a:t> </a:t>
+            </a:r>
+            <a:r>
+              <a:rPr lang="en-US" dirty="0" err="1">
+                <a:cs typeface="Times New Roman" panose="02020603050405020304" pitchFamily="18" charset="0"/>
+              </a:rPr>
+              <a:t>lí</a:t>
+            </a:r>
+            <a:r>
+              <a:rPr lang="en-US" dirty="0">
+                <a:cs typeface="Times New Roman" panose="02020603050405020304" pitchFamily="18" charset="0"/>
+              </a:rPr>
+              <a:t> do khác ).</a:t>
+            </a:r>
+          </a:p>
+          <a:p>
+            <a:endParaRPr lang="en-US" dirty="0">
+              <a:cs typeface="Times New Roman" panose="02020603050405020304" pitchFamily="18" charset="0"/>
+            </a:endParaRPr>
+          </a:p>
+          <a:p>
+            <a:pPr marL="285750" indent="-285750">
+              <a:buFont typeface="Wingdings" panose="05000000000000000000" pitchFamily="2" charset="2"/>
+              <a:buChar char="q"/>
+            </a:pPr>
+            <a:endParaRPr lang="en-US" dirty="0">
+              <a:cs typeface="Times New Roman" panose="02020603050405020304" pitchFamily="18" charset="0"/>
+            </a:endParaRPr>
+          </a:p>
+          <a:p>
+            <a:pPr marL="285750" indent="-285750">
+              <a:buFont typeface="Wingdings" panose="05000000000000000000" pitchFamily="2" charset="2"/>
+              <a:buChar char="q"/>
+            </a:pPr>
+            <a:endParaRPr lang="en-US" dirty="0">
+              <a:cs typeface="Times New Roman" panose="02020603050405020304" pitchFamily="18" charset="0"/>
+            </a:endParaRPr>
+          </a:p>
+          <a:p>
+            <a:pPr marL="285750" indent="-285750">
+              <a:buFont typeface="Wingdings" panose="05000000000000000000" pitchFamily="2" charset="2"/>
+              <a:buChar char="q"/>
+            </a:pPr>
+            <a:endParaRPr lang="en-US" dirty="0">
+              <a:cs typeface="Times New Roman" panose="02020603050405020304" pitchFamily="18" charset="0"/>
+            </a:endParaRPr>
+          </a:p>
+          <a:p>
+            <a:pPr marL="285750" indent="-285750">
+              <a:buFont typeface="Wingdings" panose="05000000000000000000" pitchFamily="2" charset="2"/>
+              <a:buChar char="q"/>
+            </a:pPr>
+            <a:endParaRPr lang="en-US" dirty="0">
+              <a:cs typeface="Times New Roman" panose="02020603050405020304" pitchFamily="18" charset="0"/>
+            </a:endParaRPr>
+          </a:p>
+          <a:p>
+            <a:pPr marL="285750" indent="-285750">
+              <a:buFont typeface="Wingdings" panose="05000000000000000000" pitchFamily="2" charset="2"/>
+              <a:buChar char="q"/>
+            </a:pPr>
+            <a:endParaRPr lang="en-US" dirty="0">
+              <a:cs typeface="Times New Roman" panose="02020603050405020304" pitchFamily="18" charset="0"/>
+            </a:endParaRPr>
+          </a:p>
+          <a:p>
+            <a:pPr marL="285750" indent="-285750">
+              <a:buFont typeface="Wingdings" panose="05000000000000000000" pitchFamily="2" charset="2"/>
+              <a:buChar char="q"/>
+            </a:pPr>
+            <a:endParaRPr lang="en-US" dirty="0">
+              <a:cs typeface="Times New Roman" panose="02020603050405020304" pitchFamily="18" charset="0"/>
+            </a:endParaRPr>
+          </a:p>
+          <a:p>
+            <a:pPr marL="285750" indent="-285750">
+              <a:buFont typeface="Wingdings" panose="05000000000000000000" pitchFamily="2" charset="2"/>
+              <a:buChar char="q"/>
+            </a:pPr>
+            <a:endParaRPr lang="en-US" dirty="0">
+              <a:cs typeface="Times New Roman" panose="02020603050405020304" pitchFamily="18" charset="0"/>
+            </a:endParaRPr>
+          </a:p>
+          <a:p>
+            <a:pPr marL="285750" indent="-285750">
+              <a:buFont typeface="Wingdings" panose="05000000000000000000" pitchFamily="2" charset="2"/>
+              <a:buChar char="q"/>
+            </a:pPr>
+            <a:endParaRPr lang="en-US" dirty="0">
+              <a:cs typeface="Times New Roman" panose="02020603050405020304" pitchFamily="18" charset="0"/>
+            </a:endParaRPr>
+          </a:p>
+          <a:p>
+            <a:pPr marL="285750" indent="-285750">
+              <a:buFont typeface="Wingdings" panose="05000000000000000000" pitchFamily="2" charset="2"/>
+              <a:buChar char="q"/>
+            </a:pPr>
+            <a:endParaRPr lang="en-US" dirty="0">
+              <a:cs typeface="Times New Roman" panose="02020603050405020304" pitchFamily="18" charset="0"/>
+            </a:endParaRPr>
+          </a:p>
+          <a:p>
+            <a:pPr marL="285750" indent="-285750">
+              <a:buFont typeface="Wingdings" panose="05000000000000000000" pitchFamily="2" charset="2"/>
+              <a:buChar char="q"/>
+            </a:pPr>
+            <a:endParaRPr lang="en-US" dirty="0">
+              <a:cs typeface="Times New Roman" panose="02020603050405020304" pitchFamily="18" charset="0"/>
+            </a:endParaRPr>
+          </a:p>
+          <a:p>
+            <a:pPr lvl="6"/>
+            <a:endParaRPr lang="en-US" dirty="0">
+              <a:cs typeface="Times New Roman" panose="02020603050405020304" pitchFamily="18" charset="0"/>
+            </a:endParaRPr>
+          </a:p>
+          <a:p>
+            <a:pPr lvl="6"/>
+            <a:endParaRPr lang="en-US" dirty="0">
+              <a:cs typeface="Times New Roman" panose="02020603050405020304" pitchFamily="18" charset="0"/>
+            </a:endParaRPr>
+          </a:p>
+          <a:p>
+            <a:pPr lvl="6"/>
+            <a:endParaRPr lang="en-US" dirty="0">
+              <a:cs typeface="Times New Roman" panose="02020603050405020304" pitchFamily="18" charset="0"/>
+            </a:endParaRPr>
+          </a:p>
+          <a:p>
+            <a:pPr lvl="6"/>
+            <a:endParaRPr lang="en-US" dirty="0">
+              <a:cs typeface="Times New Roman" panose="02020603050405020304" pitchFamily="18" charset="0"/>
+            </a:endParaRPr>
+          </a:p>
+          <a:p>
+            <a:pPr lvl="6"/>
+            <a:endParaRPr lang="en-US" dirty="0">
+              <a:cs typeface="Times New Roman" panose="02020603050405020304" pitchFamily="18" charset="0"/>
+            </a:endParaRPr>
+          </a:p>
+          <a:p>
+            <a:r>
+              <a:rPr lang="en-US" dirty="0">
+                <a:cs typeface="Times New Roman" panose="02020603050405020304" pitchFamily="18" charset="0"/>
+              </a:rPr>
+              <a:t>		</a:t>
+            </a:r>
+            <a:r>
+              <a:rPr lang="en-US">
+                <a:cs typeface="Times New Roman" panose="02020603050405020304" pitchFamily="18" charset="0"/>
+              </a:rPr>
+              <a:t>	</a:t>
+            </a:r>
+            <a:r>
+              <a:rPr lang="en-US" sz="1400" i="1">
+                <a:cs typeface="Times New Roman" panose="02020603050405020304" pitchFamily="18" charset="0"/>
+              </a:rPr>
+              <a:t>(8 </a:t>
+            </a:r>
+            <a:r>
+              <a:rPr lang="en-US" sz="1400" i="1" dirty="0" err="1">
+                <a:cs typeface="Times New Roman" panose="02020603050405020304" pitchFamily="18" charset="0"/>
+              </a:rPr>
+              <a:t>loại</a:t>
+            </a:r>
+            <a:r>
+              <a:rPr lang="en-US" sz="1400" i="1" dirty="0">
+                <a:cs typeface="Times New Roman" panose="02020603050405020304" pitchFamily="18" charset="0"/>
+              </a:rPr>
+              <a:t> </a:t>
+            </a:r>
+            <a:r>
+              <a:rPr lang="en-US" sz="1400" i="1" dirty="0" err="1">
+                <a:cs typeface="Times New Roman" panose="02020603050405020304" pitchFamily="18" charset="0"/>
+              </a:rPr>
+              <a:t>dữ</a:t>
+            </a:r>
+            <a:r>
+              <a:rPr lang="en-US" sz="1400" i="1" dirty="0">
+                <a:cs typeface="Times New Roman" panose="02020603050405020304" pitchFamily="18" charset="0"/>
+              </a:rPr>
+              <a:t> </a:t>
+            </a:r>
+            <a:r>
+              <a:rPr lang="en-US" sz="1400" i="1" dirty="0" err="1">
+                <a:cs typeface="Times New Roman" panose="02020603050405020304" pitchFamily="18" charset="0"/>
+              </a:rPr>
+              <a:t>liệu</a:t>
+            </a:r>
+            <a:r>
+              <a:rPr lang="en-US" sz="1400" i="1" dirty="0">
+                <a:cs typeface="Times New Roman" panose="02020603050405020304" pitchFamily="18" charset="0"/>
+              </a:rPr>
+              <a:t> </a:t>
+            </a:r>
+            <a:r>
+              <a:rPr lang="en-US" sz="1400" i="1" dirty="0" err="1">
+                <a:cs typeface="Times New Roman" panose="02020603050405020304" pitchFamily="18" charset="0"/>
+              </a:rPr>
+              <a:t>sau</a:t>
+            </a:r>
+            <a:r>
+              <a:rPr lang="en-US" sz="1400" i="1" dirty="0">
+                <a:cs typeface="Times New Roman" panose="02020603050405020304" pitchFamily="18" charset="0"/>
+              </a:rPr>
+              <a:t> </a:t>
+            </a:r>
+            <a:r>
+              <a:rPr lang="en-US" sz="1400" i="1" dirty="0" err="1">
+                <a:cs typeface="Times New Roman" panose="02020603050405020304" pitchFamily="18" charset="0"/>
+              </a:rPr>
+              <a:t>khi</a:t>
+            </a:r>
+            <a:r>
+              <a:rPr lang="en-US" sz="1400" i="1" dirty="0">
+                <a:cs typeface="Times New Roman" panose="02020603050405020304" pitchFamily="18" charset="0"/>
+              </a:rPr>
+              <a:t> </a:t>
+            </a:r>
+            <a:r>
+              <a:rPr lang="en-US" sz="1400" i="1" dirty="0" err="1">
+                <a:cs typeface="Times New Roman" panose="02020603050405020304" pitchFamily="18" charset="0"/>
+              </a:rPr>
+              <a:t>chuẩn</a:t>
+            </a:r>
+            <a:r>
+              <a:rPr lang="en-US" sz="1400" i="1" dirty="0">
+                <a:cs typeface="Times New Roman" panose="02020603050405020304" pitchFamily="18" charset="0"/>
+              </a:rPr>
+              <a:t> </a:t>
+            </a:r>
+            <a:r>
+              <a:rPr lang="en-US" sz="1400" i="1" dirty="0" err="1">
+                <a:cs typeface="Times New Roman" panose="02020603050405020304" pitchFamily="18" charset="0"/>
+              </a:rPr>
+              <a:t>bị</a:t>
+            </a:r>
+            <a:r>
+              <a:rPr lang="en-US" sz="1400" i="1" dirty="0">
+                <a:cs typeface="Times New Roman" panose="02020603050405020304" pitchFamily="18" charset="0"/>
+              </a:rPr>
+              <a:t> file </a:t>
+            </a:r>
+            <a:r>
+              <a:rPr lang="en-US" sz="1400" i="1" dirty="0" err="1">
+                <a:cs typeface="Times New Roman" panose="02020603050405020304" pitchFamily="18" charset="0"/>
+              </a:rPr>
+              <a:t>thời</a:t>
+            </a:r>
+            <a:r>
+              <a:rPr lang="en-US" sz="1400" i="1" dirty="0">
+                <a:cs typeface="Times New Roman" panose="02020603050405020304" pitchFamily="18" charset="0"/>
+              </a:rPr>
+              <a:t> </a:t>
+            </a:r>
+            <a:r>
+              <a:rPr lang="en-US" sz="1400" i="1" dirty="0" err="1">
+                <a:cs typeface="Times New Roman" panose="02020603050405020304" pitchFamily="18" charset="0"/>
+              </a:rPr>
+              <a:t>tiết</a:t>
+            </a:r>
+            <a:r>
+              <a:rPr lang="en-US" sz="1400" i="1" dirty="0">
+                <a:cs typeface="Times New Roman" panose="02020603050405020304" pitchFamily="18" charset="0"/>
+              </a:rPr>
+              <a:t> ( </a:t>
+            </a:r>
+            <a:r>
+              <a:rPr lang="en-US" sz="1400" i="1" dirty="0" err="1">
+                <a:cs typeface="Times New Roman" panose="02020603050405020304" pitchFamily="18" charset="0"/>
+              </a:rPr>
+              <a:t>tổng</a:t>
+            </a:r>
+            <a:r>
+              <a:rPr lang="en-US" sz="1400" i="1" dirty="0">
+                <a:cs typeface="Times New Roman" panose="02020603050405020304" pitchFamily="18" charset="0"/>
+              </a:rPr>
+              <a:t> 17 </a:t>
+            </a:r>
+            <a:r>
+              <a:rPr lang="en-US" sz="1400" i="1" err="1">
+                <a:cs typeface="Times New Roman" panose="02020603050405020304" pitchFamily="18" charset="0"/>
+              </a:rPr>
+              <a:t>loại</a:t>
+            </a:r>
+            <a:r>
+              <a:rPr lang="en-US" sz="1400" i="1">
+                <a:cs typeface="Times New Roman" panose="02020603050405020304" pitchFamily="18" charset="0"/>
+              </a:rPr>
+              <a:t> ))</a:t>
+            </a:r>
+            <a:endParaRPr lang="en-US" i="1" dirty="0">
+              <a:cs typeface="Times New Roman" panose="02020603050405020304" pitchFamily="18" charset="0"/>
+            </a:endParaRPr>
+          </a:p>
+        </p:txBody>
+      </p:sp>
+      <p:pic>
+        <p:nvPicPr>
+          <p:cNvPr id="6" name="Hình ảnh 6">
+            <a:extLst>
+              <a:ext uri="{FF2B5EF4-FFF2-40B4-BE49-F238E27FC236}">
+                <a16:creationId xmlns:a16="http://schemas.microsoft.com/office/drawing/2014/main" id="{3F7989D3-E502-4E22-B319-076970556971}"/>
+              </a:ext>
+            </a:extLst>
+          </p:cNvPr>
+          <p:cNvPicPr>
+            <a:picLocks noChangeAspect="1"/>
+          </p:cNvPicPr>
+          <p:nvPr/>
+        </p:nvPicPr>
+        <p:blipFill>
+          <a:blip r:embed="rId2"/>
+          <a:stretch>
+            <a:fillRect/>
+          </a:stretch>
+        </p:blipFill>
+        <p:spPr>
+          <a:xfrm>
+            <a:off x="2141780" y="1812767"/>
+            <a:ext cx="8070575" cy="4218516"/>
+          </a:xfrm>
+          <a:prstGeom prst="rect">
+            <a:avLst/>
+          </a:prstGeom>
+        </p:spPr>
+      </p:pic>
+    </p:spTree>
+    <p:extLst>
+      <p:ext uri="{BB962C8B-B14F-4D97-AF65-F5344CB8AC3E}">
+        <p14:creationId xmlns:p14="http://schemas.microsoft.com/office/powerpoint/2010/main" val="3242646573"/>
+      </p:ext>
+    </p:extLst>
+  </p:cSld>
+  <p:clrMapOvr>
+    <a:masterClrMapping/>
+  </p:clrMapOvr>
+</p:sld>
+</file>
+
+<file path=ppt/slides/slide17.xml><?xml version="1.0" encoding="utf-8"?>
+<p:sld xmlns:a="http://schemas.openxmlformats.org/drawingml/2006/main" xmlns:r="http://schemas.openxmlformats.org/officeDocument/2006/relationships" xmlns:p="http://schemas.openxmlformats.org/presentationml/2006/main">
+  <p:cSld>
+    <p:spTree>
+      <p:nvGrpSpPr>
+        <p:cNvPr id="1" name=""/>
+        <p:cNvGrpSpPr/>
+        <p:nvPr/>
+      </p:nvGrpSpPr>
+      <p:grpSpPr>
+        <a:xfrm>
+          <a:off x="0" y="0"/>
+          <a:ext cx="0" cy="0"/>
+          <a:chOff x="0" y="0"/>
+          <a:chExt cx="0" cy="0"/>
+        </a:xfrm>
+      </p:grpSpPr>
+      <p:sp>
+        <p:nvSpPr>
+          <p:cNvPr id="2" name="Date Placeholder 1">
+            <a:extLst>
+              <a:ext uri="{FF2B5EF4-FFF2-40B4-BE49-F238E27FC236}">
+                <a16:creationId xmlns:a16="http://schemas.microsoft.com/office/drawing/2014/main" id="{2E3727B0-F9DE-4C8E-A191-C5BF0AFA474F}"/>
+              </a:ext>
+            </a:extLst>
+          </p:cNvPr>
+          <p:cNvSpPr>
+            <a:spLocks noGrp="1"/>
+          </p:cNvSpPr>
+          <p:nvPr>
+            <p:ph type="dt" sz="half" idx="10"/>
+          </p:nvPr>
+        </p:nvSpPr>
+        <p:spPr/>
+        <p:txBody>
+          <a:bodyPr/>
+          <a:lstStyle/>
+          <a:p>
+            <a:r>
+              <a:rPr lang="en-US"/>
+              <a:t>9/4/20XX</a:t>
+            </a:r>
+            <a:endParaRPr lang="en-US" dirty="0"/>
+          </a:p>
+        </p:txBody>
+      </p:sp>
+      <p:sp>
+        <p:nvSpPr>
+          <p:cNvPr id="3" name="Footer Placeholder 2">
+            <a:extLst>
+              <a:ext uri="{FF2B5EF4-FFF2-40B4-BE49-F238E27FC236}">
+                <a16:creationId xmlns:a16="http://schemas.microsoft.com/office/drawing/2014/main" id="{69E93801-8C4C-4C3F-90FB-1CC2CC2BD227}"/>
+              </a:ext>
+            </a:extLst>
+          </p:cNvPr>
+          <p:cNvSpPr>
+            <a:spLocks noGrp="1"/>
+          </p:cNvSpPr>
+          <p:nvPr>
+            <p:ph type="ftr" sz="quarter" idx="11"/>
+          </p:nvPr>
+        </p:nvSpPr>
+        <p:spPr/>
+        <p:txBody>
+          <a:bodyPr/>
+          <a:lstStyle/>
+          <a:p>
+            <a:r>
+              <a:rPr lang="en-US"/>
+              <a:t>Presentation Title</a:t>
+            </a:r>
+            <a:endParaRPr lang="en-US" dirty="0"/>
+          </a:p>
+        </p:txBody>
+      </p:sp>
+      <p:sp>
+        <p:nvSpPr>
+          <p:cNvPr id="4" name="Slide Number Placeholder 3">
+            <a:extLst>
+              <a:ext uri="{FF2B5EF4-FFF2-40B4-BE49-F238E27FC236}">
+                <a16:creationId xmlns:a16="http://schemas.microsoft.com/office/drawing/2014/main" id="{6EC327D2-01BC-4850-BD5E-831EFDC3494A}"/>
+              </a:ext>
+            </a:extLst>
+          </p:cNvPr>
+          <p:cNvSpPr>
+            <a:spLocks noGrp="1"/>
+          </p:cNvSpPr>
+          <p:nvPr>
+            <p:ph type="sldNum" sz="quarter" idx="12"/>
+          </p:nvPr>
+        </p:nvSpPr>
+        <p:spPr/>
+        <p:txBody>
+          <a:bodyPr/>
+          <a:lstStyle/>
+          <a:p>
+            <a:fld id="{A65A5C87-DF58-40C8-B092-1DE63DB4547E}" type="slidenum">
+              <a:rPr lang="en-US" smtClean="0"/>
+              <a:t>17</a:t>
+            </a:fld>
+            <a:endParaRPr lang="en-US" dirty="0"/>
+          </a:p>
+        </p:txBody>
+      </p:sp>
+    </p:spTree>
+    <p:extLst>
+      <p:ext uri="{BB962C8B-B14F-4D97-AF65-F5344CB8AC3E}">
+        <p14:creationId xmlns:p14="http://schemas.microsoft.com/office/powerpoint/2010/main" val="2750055497"/>
+      </p:ext>
+    </p:extLst>
+  </p:cSld>
+  <p:clrMapOvr>
+    <a:masterClrMapping/>
+  </p:clrMapOvr>
+</p:sld>
+</file>
+
+<file path=ppt/slides/slide18.xml><?xml version="1.0" encoding="utf-8"?>
+<p:sld xmlns:a="http://schemas.openxmlformats.org/drawingml/2006/main" xmlns:r="http://schemas.openxmlformats.org/officeDocument/2006/relationships" xmlns:p="http://schemas.openxmlformats.org/presentationml/2006/main">
+  <p:cSld>
+    <p:spTree>
+      <p:nvGrpSpPr>
+        <p:cNvPr id="1" name=""/>
+        <p:cNvGrpSpPr/>
+        <p:nvPr/>
+      </p:nvGrpSpPr>
+      <p:grpSpPr>
+        <a:xfrm>
+          <a:off x="0" y="0"/>
+          <a:ext cx="0" cy="0"/>
+          <a:chOff x="0" y="0"/>
+          <a:chExt cx="0" cy="0"/>
+        </a:xfrm>
+      </p:grpSpPr>
+      <p:sp>
+        <p:nvSpPr>
+          <p:cNvPr id="2" name="Date Placeholder 1">
+            <a:extLst>
+              <a:ext uri="{FF2B5EF4-FFF2-40B4-BE49-F238E27FC236}">
+                <a16:creationId xmlns:a16="http://schemas.microsoft.com/office/drawing/2014/main" id="{A17F2F21-F155-44F1-BFEF-6AE472C21279}"/>
+              </a:ext>
+            </a:extLst>
+          </p:cNvPr>
+          <p:cNvSpPr>
+            <a:spLocks noGrp="1"/>
+          </p:cNvSpPr>
+          <p:nvPr>
+            <p:ph type="dt" sz="half" idx="10"/>
+          </p:nvPr>
+        </p:nvSpPr>
+        <p:spPr/>
+        <p:txBody>
+          <a:bodyPr/>
+          <a:lstStyle/>
+          <a:p>
+            <a:r>
+              <a:rPr lang="en-US"/>
+              <a:t>9/4/20XX</a:t>
+            </a:r>
+            <a:endParaRPr lang="en-US" dirty="0"/>
+          </a:p>
+        </p:txBody>
+      </p:sp>
+      <p:sp>
+        <p:nvSpPr>
+          <p:cNvPr id="3" name="Footer Placeholder 2">
+            <a:extLst>
+              <a:ext uri="{FF2B5EF4-FFF2-40B4-BE49-F238E27FC236}">
+                <a16:creationId xmlns:a16="http://schemas.microsoft.com/office/drawing/2014/main" id="{2A228A17-F53D-4AD0-89BD-7A72BF5E54A5}"/>
+              </a:ext>
+            </a:extLst>
+          </p:cNvPr>
+          <p:cNvSpPr>
+            <a:spLocks noGrp="1"/>
+          </p:cNvSpPr>
+          <p:nvPr>
+            <p:ph type="ftr" sz="quarter" idx="11"/>
+          </p:nvPr>
+        </p:nvSpPr>
+        <p:spPr/>
+        <p:txBody>
+          <a:bodyPr/>
+          <a:lstStyle/>
+          <a:p>
+            <a:r>
+              <a:rPr lang="en-US"/>
+              <a:t>Presentation Title</a:t>
+            </a:r>
+            <a:endParaRPr lang="en-US" dirty="0"/>
+          </a:p>
+        </p:txBody>
+      </p:sp>
+      <p:sp>
+        <p:nvSpPr>
+          <p:cNvPr id="4" name="Slide Number Placeholder 3">
+            <a:extLst>
+              <a:ext uri="{FF2B5EF4-FFF2-40B4-BE49-F238E27FC236}">
+                <a16:creationId xmlns:a16="http://schemas.microsoft.com/office/drawing/2014/main" id="{A82AD8E2-0A4C-4A96-B7C1-A53EC004EF34}"/>
+              </a:ext>
+            </a:extLst>
+          </p:cNvPr>
+          <p:cNvSpPr>
+            <a:spLocks noGrp="1"/>
+          </p:cNvSpPr>
+          <p:nvPr>
+            <p:ph type="sldNum" sz="quarter" idx="12"/>
+          </p:nvPr>
+        </p:nvSpPr>
+        <p:spPr/>
+        <p:txBody>
+          <a:bodyPr/>
+          <a:lstStyle/>
+          <a:p>
+            <a:fld id="{A65A5C87-DF58-40C8-B092-1DE63DB4547E}" type="slidenum">
+              <a:rPr lang="en-US" smtClean="0"/>
+              <a:t>18</a:t>
+            </a:fld>
+            <a:endParaRPr lang="en-US" dirty="0"/>
+          </a:p>
+        </p:txBody>
+      </p:sp>
+    </p:spTree>
+    <p:extLst>
+      <p:ext uri="{BB962C8B-B14F-4D97-AF65-F5344CB8AC3E}">
+        <p14:creationId xmlns:p14="http://schemas.microsoft.com/office/powerpoint/2010/main" val="2762217798"/>
+      </p:ext>
+    </p:extLst>
+  </p:cSld>
+  <p:clrMapOvr>
+    <a:masterClrMapping/>
+  </p:clrMapOvr>
+</p:sld>
+</file>
+
+<file path=ppt/slides/slide19.xml><?xml version="1.0" encoding="utf-8"?>
+<p:sld xmlns:a="http://schemas.openxmlformats.org/drawingml/2006/main" xmlns:r="http://schemas.openxmlformats.org/officeDocument/2006/relationships" xmlns:p="http://schemas.openxmlformats.org/presentationml/2006/main">
+  <p:cSld>
+    <p:spTree>
+      <p:nvGrpSpPr>
+        <p:cNvPr id="1" name=""/>
+        <p:cNvGrpSpPr/>
+        <p:nvPr/>
+      </p:nvGrpSpPr>
+      <p:grpSpPr>
+        <a:xfrm>
+          <a:off x="0" y="0"/>
+          <a:ext cx="0" cy="0"/>
+          <a:chOff x="0" y="0"/>
+          <a:chExt cx="0" cy="0"/>
+        </a:xfrm>
+      </p:grpSpPr>
+      <p:sp>
+        <p:nvSpPr>
+          <p:cNvPr id="2" name="Title 1">
+            <a:extLst>
+              <a:ext uri="{FF2B5EF4-FFF2-40B4-BE49-F238E27FC236}">
+                <a16:creationId xmlns:a16="http://schemas.microsoft.com/office/drawing/2014/main" id="{B42E019A-9E15-4FFD-AC81-582EE377F82D}"/>
+              </a:ext>
+            </a:extLst>
+          </p:cNvPr>
+          <p:cNvSpPr>
+            <a:spLocks noGrp="1"/>
+          </p:cNvSpPr>
+          <p:nvPr>
+            <p:ph type="title"/>
+          </p:nvPr>
+        </p:nvSpPr>
+        <p:spPr/>
+        <p:txBody>
+          <a:bodyPr>
+            <a:normAutofit/>
+          </a:bodyPr>
+          <a:lstStyle/>
+          <a:p>
+            <a:pPr algn="ctr"/>
+            <a:r>
+              <a:rPr lang="en-US" sz="7200"/>
+              <a:t>TI</a:t>
+            </a:r>
+            <a:r>
+              <a:rPr lang="en-US" sz="7200">
+                <a:latin typeface="Bahnschrift Light" panose="020B0502040204020203" pitchFamily="34" charset="0"/>
+              </a:rPr>
+              <a:t>Ề</a:t>
+            </a:r>
+            <a:r>
+              <a:rPr lang="en-US" sz="7200"/>
+              <a:t>N X</a:t>
+            </a:r>
+            <a:r>
+              <a:rPr lang="en-US" sz="7200">
+                <a:latin typeface="Bahnschrift Light" panose="020B0502040204020203" pitchFamily="34" charset="0"/>
+              </a:rPr>
+              <a:t>Ử</a:t>
+            </a:r>
+            <a:r>
+              <a:rPr lang="en-US" sz="7200"/>
+              <a:t> LÝ</a:t>
+            </a:r>
+          </a:p>
+        </p:txBody>
+      </p:sp>
+      <p:sp>
+        <p:nvSpPr>
+          <p:cNvPr id="5" name="Slide Number Placeholder 4">
+            <a:extLst>
+              <a:ext uri="{FF2B5EF4-FFF2-40B4-BE49-F238E27FC236}">
+                <a16:creationId xmlns:a16="http://schemas.microsoft.com/office/drawing/2014/main" id="{5136780D-141B-4199-B3CD-B521676E24E8}"/>
+              </a:ext>
+            </a:extLst>
+          </p:cNvPr>
+          <p:cNvSpPr>
+            <a:spLocks noGrp="1"/>
+          </p:cNvSpPr>
+          <p:nvPr>
+            <p:ph type="sldNum" sz="quarter" idx="12"/>
+          </p:nvPr>
+        </p:nvSpPr>
+        <p:spPr/>
+        <p:txBody>
+          <a:bodyPr/>
+          <a:lstStyle/>
+          <a:p>
+            <a:fld id="{A65A5C87-DF58-40C8-B092-1DE63DB4547E}" type="slidenum">
+              <a:rPr lang="en-US" smtClean="0"/>
+              <a:t>19</a:t>
+            </a:fld>
+            <a:endParaRPr lang="en-US" dirty="0"/>
+          </a:p>
+        </p:txBody>
+      </p:sp>
+    </p:spTree>
+    <p:extLst>
+      <p:ext uri="{BB962C8B-B14F-4D97-AF65-F5344CB8AC3E}">
+        <p14:creationId xmlns:p14="http://schemas.microsoft.com/office/powerpoint/2010/main" val="3798880781"/>
       </p:ext>
     </p:extLst>
   </p:cSld>
@@ -10240,7 +12797,17 @@
           <a:p>
             <a:r>
               <a:rPr lang="en-US"/>
-              <a:t>NỘI DUNG CHÍNH</a:t>
+              <a:t>N</a:t>
+            </a:r>
+            <a:r>
+              <a:rPr lang="en-US">
+                <a:latin typeface="Bahnschrift Light" panose="020B0502040204020203" pitchFamily="34" charset="0"/>
+              </a:rPr>
+              <a:t>Ộ</a:t>
+            </a:r>
+            <a:r>
+              <a:rPr lang="en-US"/>
+              <a:t>I DUNG CHÍNH</a:t>
             </a:r>
             <a:endParaRPr lang="en-US" dirty="0"/>
           </a:p>
@@ -10605,6 +13172,112 @@
     <p:extLst>
       <p:ext uri="{BB962C8B-B14F-4D97-AF65-F5344CB8AC3E}">
         <p14:creationId xmlns:p14="http://schemas.microsoft.com/office/powerpoint/2010/main" val="41678316"/>
+      </p:ext>
+    </p:extLst>
+  </p:cSld>
+  <p:clrMapOvr>
+    <a:masterClrMapping/>
+  </p:clrMapOvr>
+</p:sld>
+</file>
+
+<file path=ppt/slides/slide20.xml><?xml version="1.0" encoding="utf-8"?>
+<p:sld xmlns:a="http://schemas.openxmlformats.org/drawingml/2006/main" xmlns:r="http://schemas.openxmlformats.org/officeDocument/2006/relationships" xmlns:p="http://schemas.openxmlformats.org/presentationml/2006/main">
+  <p:cSld>
+    <p:spTree>
+      <p:nvGrpSpPr>
+        <p:cNvPr id="1" name=""/>
+        <p:cNvGrpSpPr/>
+        <p:nvPr/>
+      </p:nvGrpSpPr>
+      <p:grpSpPr>
+        <a:xfrm>
+          <a:off x="0" y="0"/>
+          <a:ext cx="0" cy="0"/>
+          <a:chOff x="0" y="0"/>
+          <a:chExt cx="0" cy="0"/>
+        </a:xfrm>
+      </p:grpSpPr>
+      <p:sp>
+        <p:nvSpPr>
+          <p:cNvPr id="4" name="Slide Number Placeholder 3">
+            <a:extLst>
+              <a:ext uri="{FF2B5EF4-FFF2-40B4-BE49-F238E27FC236}">
+                <a16:creationId xmlns:a16="http://schemas.microsoft.com/office/drawing/2014/main" id="{C6205CD8-47A3-474F-BFF6-841BA02DBE81}"/>
+              </a:ext>
+            </a:extLst>
+          </p:cNvPr>
+          <p:cNvSpPr>
+            <a:spLocks noGrp="1"/>
+          </p:cNvSpPr>
+          <p:nvPr>
+            <p:ph type="sldNum" sz="quarter" idx="12"/>
+          </p:nvPr>
+        </p:nvSpPr>
+        <p:spPr/>
+        <p:txBody>
+          <a:bodyPr/>
+          <a:lstStyle/>
+          <a:p>
+            <a:fld id="{A65A5C87-DF58-40C8-B092-1DE63DB4547E}" type="slidenum">
+              <a:rPr lang="en-US" smtClean="0"/>
+              <a:t>20</a:t>
+            </a:fld>
+            <a:endParaRPr lang="en-US" dirty="0"/>
+          </a:p>
+        </p:txBody>
+      </p:sp>
+      <p:sp>
+        <p:nvSpPr>
+          <p:cNvPr id="5" name="TextBox 4">
+            <a:extLst>
+              <a:ext uri="{FF2B5EF4-FFF2-40B4-BE49-F238E27FC236}">
+                <a16:creationId xmlns:a16="http://schemas.microsoft.com/office/drawing/2014/main" id="{BEE70CA4-C52B-48B7-9EE1-219E87859A3C}"/>
+              </a:ext>
+            </a:extLst>
+          </p:cNvPr>
+          <p:cNvSpPr txBox="1"/>
+          <p:nvPr/>
+        </p:nvSpPr>
+        <p:spPr>
+          <a:xfrm>
+            <a:off x="0" y="2644170"/>
+            <a:ext cx="12192000" cy="1569660"/>
+          </a:xfrm>
+          <a:prstGeom prst="rect">
+            <a:avLst/>
+          </a:prstGeom>
+          <a:noFill/>
+        </p:spPr>
+        <p:txBody>
+          <a:bodyPr wrap="square" rtlCol="0">
+            <a:spAutoFit/>
+          </a:bodyPr>
+          <a:lstStyle/>
+          <a:p>
+            <a:pPr algn="ctr"/>
+            <a:r>
+              <a:rPr lang="en-US" sz="4800" dirty="0" err="1"/>
+              <a:t>Nhóm</a:t>
+            </a:r>
+            <a:r>
+              <a:rPr lang="en-US" sz="4800" dirty="0"/>
+              <a:t> 12</a:t>
+            </a:r>
+          </a:p>
+          <a:p>
+            <a:pPr algn="ctr"/>
+            <a:r>
+              <a:rPr lang="en-US" sz="4800" dirty="0"/>
+              <a:t>THANKS FOR WATCHING</a:t>
+            </a:r>
+          </a:p>
+        </p:txBody>
+      </p:sp>
+    </p:spTree>
+    <p:extLst>
+      <p:ext uri="{BB962C8B-B14F-4D97-AF65-F5344CB8AC3E}">
+        <p14:creationId xmlns:p14="http://schemas.microsoft.com/office/powerpoint/2010/main" val="768273910"/>
       </p:ext>
     </p:extLst>
   </p:cSld>
@@ -10659,7 +13332,37 @@
           <a:p>
             <a:r>
               <a:rPr lang="en-US"/>
-              <a:t>VẤN ĐỀ ĐẶT RA</a:t>
+              <a:t>V</a:t>
+            </a:r>
+            <a:r>
+              <a:rPr lang="en-US">
+                <a:latin typeface="Bahnschrift Light" panose="020B0502040204020203" pitchFamily="34" charset="0"/>
+              </a:rPr>
+              <a:t>Ấ</a:t>
+            </a:r>
+            <a:r>
+              <a:rPr lang="en-US"/>
+              <a:t>N Đ</a:t>
+            </a:r>
+            <a:r>
+              <a:rPr lang="en-US">
+                <a:latin typeface="Bahnschrift Light" panose="020B0502040204020203" pitchFamily="34" charset="0"/>
+              </a:rPr>
+              <a:t>Ề</a:t>
+            </a:r>
+            <a:r>
+              <a:rPr lang="en-US"/>
+              <a:t> Đ</a:t>
+            </a:r>
+            <a:r>
+              <a:rPr lang="en-US">
+                <a:latin typeface="Bahnschrift Light" panose="020B0502040204020203" pitchFamily="34" charset="0"/>
+              </a:rPr>
+              <a:t>Ặ</a:t>
+            </a:r>
+            <a:r>
+              <a:rPr lang="en-US"/>
+              <a:t>T RA</a:t>
             </a:r>
             <a:endParaRPr lang="en-US" dirty="0"/>
           </a:p>
@@ -10877,7 +13580,27 @@
           <a:p>
             <a:r>
               <a:rPr lang="en-US" sz="4400"/>
-              <a:t>TỔNG QUAN CUỘC THI</a:t>
+              <a:t>T</a:t>
+            </a:r>
+            <a:r>
+              <a:rPr lang="en-US" sz="4400">
+                <a:latin typeface="Bahnschrift Light" panose="020B0502040204020203" pitchFamily="34" charset="0"/>
+              </a:rPr>
+              <a:t>Ổ</a:t>
+            </a:r>
+            <a:r>
+              <a:rPr lang="en-US" sz="4400"/>
+              <a:t>NG QUAN CU</a:t>
+            </a:r>
+            <a:r>
+              <a:rPr lang="en-US" sz="4400">
+                <a:latin typeface="Bahnschrift Light" panose="020B0502040204020203" pitchFamily="34" charset="0"/>
+              </a:rPr>
+              <a:t>Ộ</a:t>
+            </a:r>
+            <a:r>
+              <a:rPr lang="en-US" sz="4400"/>
+              <a:t>C THI</a:t>
             </a:r>
             <a:endParaRPr lang="en-US" sz="4400" dirty="0"/>
           </a:p>
@@ -13047,21 +15770,12 @@
 </file>
 
 <file path=customXml/item1.xml><?xml version="1.0" encoding="utf-8"?>
-<?mso-contentType ?>
-<FormTemplates xmlns="http://schemas.microsoft.com/sharepoint/v3/contenttype/forms">
-  <Display>DocumentLibraryForm</Display>
-  <Edit>DocumentLibraryForm</Edit>
-  <New>DocumentLibraryForm</New>
-</FormTemplates>
-</file>
-
-<file path=customXml/item2.xml><?xml version="1.0" encoding="utf-8"?>
 <p:properties xmlns:p="http://schemas.microsoft.com/office/2006/metadata/properties" xmlns:xsi="http://www.w3.org/2001/XMLSchema-instance" xmlns:pc="http://schemas.microsoft.com/office/infopath/2007/PartnerControls">
   <documentManagement/>
 </p:properties>
 </file>
 
-<file path=customXml/item3.xml><?xml version="1.0" encoding="utf-8"?>
+<file path=customXml/item2.xml><?xml version="1.0" encoding="utf-8"?>
 <ct:contentTypeSchema xmlns:ct="http://schemas.microsoft.com/office/2006/metadata/contentType" xmlns:ma="http://schemas.microsoft.com/office/2006/metadata/properties/metaAttributes" ct:_="" ma:_="" ma:contentTypeName="Document" ma:contentTypeID="0x010100362E7DE9800D3E4DAF9E6FDB77C66D4F" ma:contentTypeVersion="2" ma:contentTypeDescription="Create a new document." ma:contentTypeScope="" ma:versionID="fde469d7099b8e1913bbecfba46b0503">
   <xsd:schema xmlns:xsd="http://www.w3.org/2001/XMLSchema" xmlns:xs="http://www.w3.org/2001/XMLSchema" xmlns:p="http://schemas.microsoft.com/office/2006/metadata/properties" xmlns:ns3="4f634407-a31f-4228-a44c-3f4b0f7e433d" targetNamespace="http://schemas.microsoft.com/office/2006/metadata/properties" ma:root="true" ma:fieldsID="061e18f90e9f678f4817325be62bfb4a" ns3:_="">
     <xsd:import namespace="4f634407-a31f-4228-a44c-3f4b0f7e433d"/>
@@ -13193,15 +15907,16 @@
 </ct:contentTypeSchema>
 </file>
 
-<file path=customXml/itemProps1.xml><?xml version="1.0" encoding="utf-8"?>
-<ds:datastoreItem xmlns:ds="http://schemas.openxmlformats.org/officeDocument/2006/customXml" ds:itemID="{B927DC71-2909-427C-BDB0-3E47E2101517}">
-  <ds:schemaRefs>
-    <ds:schemaRef ds:uri="http://schemas.microsoft.com/sharepoint/v3/contenttype/forms"/>
-  </ds:schemaRefs>
-</ds:datastoreItem>
+<file path=customXml/item3.xml><?xml version="1.0" encoding="utf-8"?>
+<?mso-contentType ?>
+<FormTemplates xmlns="http://schemas.microsoft.com/sharepoint/v3/contenttype/forms">
+  <Display>DocumentLibraryForm</Display>
+  <Edit>DocumentLibraryForm</Edit>
+  <New>DocumentLibraryForm</New>
+</FormTemplates>
 </file>
 
-<file path=customXml/itemProps2.xml><?xml version="1.0" encoding="utf-8"?>
+<file path=customXml/itemProps1.xml><?xml version="1.0" encoding="utf-8"?>
 <ds:datastoreItem xmlns:ds="http://schemas.openxmlformats.org/officeDocument/2006/customXml" ds:itemID="{290D7697-8E53-4EA8-8CBB-9C19575257BF}">
   <ds:schemaRefs>
     <ds:schemaRef ds:uri="http://purl.org/dc/dcmitype/"/>
@@ -13217,7 +15932,7 @@
 </ds:datastoreItem>
 </file>
 
-<file path=customXml/itemProps3.xml><?xml version="1.0" encoding="utf-8"?>
+<file path=customXml/itemProps2.xml><?xml version="1.0" encoding="utf-8"?>
 <ds:datastoreItem xmlns:ds="http://schemas.openxmlformats.org/officeDocument/2006/customXml" ds:itemID="{69A467A9-47B3-48BC-BF02-09B9DD43B80C}">
   <ds:schemaRefs>
     <ds:schemaRef ds:uri="http://schemas.microsoft.com/office/2006/metadata/contentType"/>
@@ -13233,4 +15948,12 @@
     <ds:schemaRef ds:uri="http://schemas.microsoft.com/internal/obd"/>
   </ds:schemaRefs>
 </ds:datastoreItem>
+</file>
+
+<file path=customXml/itemProps3.xml><?xml version="1.0" encoding="utf-8"?>
+<ds:datastoreItem xmlns:ds="http://schemas.openxmlformats.org/officeDocument/2006/customXml" ds:itemID="{B927DC71-2909-427C-BDB0-3E47E2101517}">
+  <ds:schemaRefs>
+    <ds:schemaRef ds:uri="http://schemas.microsoft.com/sharepoint/v3/contenttype/forms"/>
+  </ds:schemaRefs>
+</ds:datastoreItem>
 </file>
--- a/Presentation/GIỚI THIỆU ĐỀ TÀI.pptx
+++ b/Presentation/GIỚI THIỆU ĐỀ TÀI.pptx
@@ -256,7 +256,7 @@
           <a:p>
             <a:fld id="{28647F05-0506-494A-8060-3F395B947DF9}" type="datetimeFigureOut">
               <a:rPr lang="en-US" smtClean="0"/>
-              <a:t>11/15/2021</a:t>
+              <a:t>11/16/2021</a:t>
             </a:fld>
             <a:endParaRPr lang="en-US" dirty="0"/>
           </a:p>
@@ -433,7 +433,7 @@
           <a:p>
             <a:fld id="{08BC0A13-3F3D-45D4-B17C-1E0ACF36A6FB}" type="datetimeFigureOut">
               <a:rPr lang="en-US" smtClean="0"/>
-              <a:t>11/15/2021</a:t>
+              <a:t>11/16/2021</a:t>
             </a:fld>
             <a:endParaRPr lang="en-US" dirty="0"/>
           </a:p>
@@ -9174,6 +9174,40 @@
           </a:p>
         </p:txBody>
       </p:sp>
+      <p:sp>
+        <p:nvSpPr>
+          <p:cNvPr id="4" name="Date Placeholder 1">
+            <a:extLst>
+              <a:ext uri="{FF2B5EF4-FFF2-40B4-BE49-F238E27FC236}">
+                <a16:creationId xmlns:a16="http://schemas.microsoft.com/office/drawing/2014/main" id="{F1F42CB3-50C6-42B3-A332-21A5B772AE0C}"/>
+              </a:ext>
+            </a:extLst>
+          </p:cNvPr>
+          <p:cNvSpPr>
+            <a:spLocks noGrp="1"/>
+          </p:cNvSpPr>
+          <p:nvPr>
+            <p:ph type="dt" sz="half" idx="10"/>
+          </p:nvPr>
+        </p:nvSpPr>
+        <p:spPr>
+          <a:xfrm>
+            <a:off x="838200" y="6356350"/>
+            <a:ext cx="981269" cy="365125"/>
+          </a:xfrm>
+        </p:spPr>
+        <p:txBody>
+          <a:bodyPr/>
+          <a:lstStyle/>
+          <a:p>
+            <a:r>
+              <a:rPr lang="en-US"/>
+              <a:t>Nhóm 12</a:t>
+            </a:r>
+            <a:endParaRPr lang="en-US" dirty="0"/>
+          </a:p>
+        </p:txBody>
+      </p:sp>
     </p:spTree>
     <p:extLst>
       <p:ext uri="{BB962C8B-B14F-4D97-AF65-F5344CB8AC3E}">
@@ -9486,6 +9520,40 @@
           </a:p>
         </p:txBody>
       </p:sp>
+      <p:sp>
+        <p:nvSpPr>
+          <p:cNvPr id="8" name="Date Placeholder 1">
+            <a:extLst>
+              <a:ext uri="{FF2B5EF4-FFF2-40B4-BE49-F238E27FC236}">
+                <a16:creationId xmlns:a16="http://schemas.microsoft.com/office/drawing/2014/main" id="{589E13BB-F2E5-4000-9194-B708594E0956}"/>
+              </a:ext>
+            </a:extLst>
+          </p:cNvPr>
+          <p:cNvSpPr>
+            <a:spLocks noGrp="1"/>
+          </p:cNvSpPr>
+          <p:nvPr>
+            <p:ph type="dt" sz="half" idx="10"/>
+          </p:nvPr>
+        </p:nvSpPr>
+        <p:spPr>
+          <a:xfrm>
+            <a:off x="838200" y="6356350"/>
+            <a:ext cx="981269" cy="365125"/>
+          </a:xfrm>
+        </p:spPr>
+        <p:txBody>
+          <a:bodyPr/>
+          <a:lstStyle/>
+          <a:p>
+            <a:r>
+              <a:rPr lang="en-US"/>
+              <a:t>Nhóm 12</a:t>
+            </a:r>
+            <a:endParaRPr lang="en-US" dirty="0"/>
+          </a:p>
+        </p:txBody>
+      </p:sp>
     </p:spTree>
     <p:extLst>
       <p:ext uri="{BB962C8B-B14F-4D97-AF65-F5344CB8AC3E}">
@@ -9782,6 +9850,40 @@
           </a:p>
         </p:txBody>
       </p:sp>
+      <p:sp>
+        <p:nvSpPr>
+          <p:cNvPr id="9" name="Date Placeholder 1">
+            <a:extLst>
+              <a:ext uri="{FF2B5EF4-FFF2-40B4-BE49-F238E27FC236}">
+                <a16:creationId xmlns:a16="http://schemas.microsoft.com/office/drawing/2014/main" id="{6D1E0721-1016-4997-BD50-65619643F9F9}"/>
+              </a:ext>
+            </a:extLst>
+          </p:cNvPr>
+          <p:cNvSpPr>
+            <a:spLocks noGrp="1"/>
+          </p:cNvSpPr>
+          <p:nvPr>
+            <p:ph type="dt" sz="half" idx="10"/>
+          </p:nvPr>
+        </p:nvSpPr>
+        <p:spPr>
+          <a:xfrm>
+            <a:off x="838200" y="6356350"/>
+            <a:ext cx="981269" cy="365125"/>
+          </a:xfrm>
+        </p:spPr>
+        <p:txBody>
+          <a:bodyPr/>
+          <a:lstStyle/>
+          <a:p>
+            <a:r>
+              <a:rPr lang="en-US"/>
+              <a:t>Nhóm 12</a:t>
+            </a:r>
+            <a:endParaRPr lang="en-US" dirty="0"/>
+          </a:p>
+        </p:txBody>
+      </p:sp>
     </p:spTree>
     <p:extLst>
       <p:ext uri="{BB962C8B-B14F-4D97-AF65-F5344CB8AC3E}">
@@ -9828,43 +9930,19 @@
             <p:ph type="dt" sz="half" idx="10"/>
           </p:nvPr>
         </p:nvSpPr>
-        <p:spPr/>
+        <p:spPr>
+          <a:xfrm>
+            <a:off x="838200" y="6356350"/>
+            <a:ext cx="981269" cy="365125"/>
+          </a:xfrm>
+        </p:spPr>
         <p:txBody>
           <a:bodyPr/>
           <a:lstStyle/>
           <a:p>
             <a:r>
               <a:rPr lang="en-US"/>
-              <a:t>9/4/20XX</a:t>
-            </a:r>
-            <a:endParaRPr lang="en-US" dirty="0"/>
-          </a:p>
-        </p:txBody>
-      </p:sp>
-      <p:sp>
-        <p:nvSpPr>
-          <p:cNvPr id="3" name="Footer Placeholder 2">
-            <a:extLst>
-              <a:ext uri="{FF2B5EF4-FFF2-40B4-BE49-F238E27FC236}">
-                <a16:creationId xmlns:a16="http://schemas.microsoft.com/office/drawing/2014/main" id="{59ACACB8-83FF-42C4-BF1A-930443B7F601}"/>
-              </a:ext>
-            </a:extLst>
-          </p:cNvPr>
-          <p:cNvSpPr>
-            <a:spLocks noGrp="1"/>
-          </p:cNvSpPr>
-          <p:nvPr>
-            <p:ph type="ftr" sz="quarter" idx="11"/>
-          </p:nvPr>
-        </p:nvSpPr>
-        <p:spPr/>
-        <p:txBody>
-          <a:bodyPr/>
-          <a:lstStyle/>
-          <a:p>
-            <a:r>
-              <a:rPr lang="en-US"/>
-              <a:t>Presentation Title</a:t>
+              <a:t>Nhóm 12</a:t>
             </a:r>
             <a:endParaRPr lang="en-US" dirty="0"/>
           </a:p>
@@ -10458,6 +10536,40 @@
           </a:p>
         </p:txBody>
       </p:sp>
+      <p:sp>
+        <p:nvSpPr>
+          <p:cNvPr id="9" name="Date Placeholder 1">
+            <a:extLst>
+              <a:ext uri="{FF2B5EF4-FFF2-40B4-BE49-F238E27FC236}">
+                <a16:creationId xmlns:a16="http://schemas.microsoft.com/office/drawing/2014/main" id="{23D545AA-71AF-490B-9CC5-4EE64C43B25D}"/>
+              </a:ext>
+            </a:extLst>
+          </p:cNvPr>
+          <p:cNvSpPr>
+            <a:spLocks noGrp="1"/>
+          </p:cNvSpPr>
+          <p:nvPr>
+            <p:ph type="dt" sz="half" idx="10"/>
+          </p:nvPr>
+        </p:nvSpPr>
+        <p:spPr>
+          <a:xfrm>
+            <a:off x="838200" y="6356350"/>
+            <a:ext cx="981269" cy="365125"/>
+          </a:xfrm>
+        </p:spPr>
+        <p:txBody>
+          <a:bodyPr/>
+          <a:lstStyle/>
+          <a:p>
+            <a:r>
+              <a:rPr lang="en-US"/>
+              <a:t>Nhóm 12</a:t>
+            </a:r>
+            <a:endParaRPr lang="en-US" dirty="0"/>
+          </a:p>
+        </p:txBody>
+      </p:sp>
     </p:spTree>
     <p:extLst>
       <p:ext uri="{BB962C8B-B14F-4D97-AF65-F5344CB8AC3E}">
@@ -11217,6 +11329,40 @@
           </a:prstGeom>
         </p:spPr>
       </p:pic>
+      <p:sp>
+        <p:nvSpPr>
+          <p:cNvPr id="7" name="Date Placeholder 1">
+            <a:extLst>
+              <a:ext uri="{FF2B5EF4-FFF2-40B4-BE49-F238E27FC236}">
+                <a16:creationId xmlns:a16="http://schemas.microsoft.com/office/drawing/2014/main" id="{079D3279-85C2-4A78-A04C-B1A8B3694C26}"/>
+              </a:ext>
+            </a:extLst>
+          </p:cNvPr>
+          <p:cNvSpPr>
+            <a:spLocks noGrp="1"/>
+          </p:cNvSpPr>
+          <p:nvPr>
+            <p:ph type="dt" sz="half" idx="10"/>
+          </p:nvPr>
+        </p:nvSpPr>
+        <p:spPr>
+          <a:xfrm>
+            <a:off x="838200" y="6356350"/>
+            <a:ext cx="981269" cy="365125"/>
+          </a:xfrm>
+        </p:spPr>
+        <p:txBody>
+          <a:bodyPr/>
+          <a:lstStyle/>
+          <a:p>
+            <a:r>
+              <a:rPr lang="en-US"/>
+              <a:t>Nhóm 12</a:t>
+            </a:r>
+            <a:endParaRPr lang="en-US" dirty="0"/>
+          </a:p>
+        </p:txBody>
+      </p:sp>
     </p:spTree>
     <p:extLst>
       <p:ext uri="{BB962C8B-B14F-4D97-AF65-F5344CB8AC3E}">
@@ -12033,7 +12179,7 @@
         </p:blipFill>
         <p:spPr>
           <a:xfrm>
-            <a:off x="2141780" y="1812767"/>
+            <a:off x="2216424" y="1467534"/>
             <a:ext cx="8070575" cy="4218516"/>
           </a:xfrm>
           <a:prstGeom prst="rect">
@@ -12041,6 +12187,40 @@
           </a:prstGeom>
         </p:spPr>
       </p:pic>
+      <p:sp>
+        <p:nvSpPr>
+          <p:cNvPr id="7" name="Date Placeholder 1">
+            <a:extLst>
+              <a:ext uri="{FF2B5EF4-FFF2-40B4-BE49-F238E27FC236}">
+                <a16:creationId xmlns:a16="http://schemas.microsoft.com/office/drawing/2014/main" id="{9D49624B-D752-4C04-A060-FC6CABEB1778}"/>
+              </a:ext>
+            </a:extLst>
+          </p:cNvPr>
+          <p:cNvSpPr>
+            <a:spLocks noGrp="1"/>
+          </p:cNvSpPr>
+          <p:nvPr>
+            <p:ph type="dt" sz="half" idx="10"/>
+          </p:nvPr>
+        </p:nvSpPr>
+        <p:spPr>
+          <a:xfrm>
+            <a:off x="838200" y="6356350"/>
+            <a:ext cx="981269" cy="365125"/>
+          </a:xfrm>
+        </p:spPr>
+        <p:txBody>
+          <a:bodyPr/>
+          <a:lstStyle/>
+          <a:p>
+            <a:r>
+              <a:rPr lang="en-US"/>
+              <a:t>Nhóm 12</a:t>
+            </a:r>
+            <a:endParaRPr lang="en-US" dirty="0"/>
+          </a:p>
+        </p:txBody>
+      </p:sp>
     </p:spTree>
     <p:extLst>
       <p:ext uri="{BB962C8B-B14F-4D97-AF65-F5344CB8AC3E}">
@@ -12073,64 +12253,6 @@
       </p:grpSpPr>
       <p:sp>
         <p:nvSpPr>
-          <p:cNvPr id="2" name="Date Placeholder 1">
-            <a:extLst>
-              <a:ext uri="{FF2B5EF4-FFF2-40B4-BE49-F238E27FC236}">
-                <a16:creationId xmlns:a16="http://schemas.microsoft.com/office/drawing/2014/main" id="{2E3727B0-F9DE-4C8E-A191-C5BF0AFA474F}"/>
-              </a:ext>
-            </a:extLst>
-          </p:cNvPr>
-          <p:cNvSpPr>
-            <a:spLocks noGrp="1"/>
-          </p:cNvSpPr>
-          <p:nvPr>
-            <p:ph type="dt" sz="half" idx="10"/>
-          </p:nvPr>
-        </p:nvSpPr>
-        <p:spPr/>
-        <p:txBody>
-          <a:bodyPr/>
-          <a:lstStyle/>
-          <a:p>
-            <a:r>
-              <a:rPr lang="en-US"/>
-              <a:t>9/4/20XX</a:t>
-            </a:r>
-            <a:endParaRPr lang="en-US" dirty="0"/>
-          </a:p>
-        </p:txBody>
-      </p:sp>
-      <p:sp>
-        <p:nvSpPr>
-          <p:cNvPr id="3" name="Footer Placeholder 2">
-            <a:extLst>
-              <a:ext uri="{FF2B5EF4-FFF2-40B4-BE49-F238E27FC236}">
-                <a16:creationId xmlns:a16="http://schemas.microsoft.com/office/drawing/2014/main" id="{69E93801-8C4C-4C3F-90FB-1CC2CC2BD227}"/>
-              </a:ext>
-            </a:extLst>
-          </p:cNvPr>
-          <p:cNvSpPr>
-            <a:spLocks noGrp="1"/>
-          </p:cNvSpPr>
-          <p:nvPr>
-            <p:ph type="ftr" sz="quarter" idx="11"/>
-          </p:nvPr>
-        </p:nvSpPr>
-        <p:spPr/>
-        <p:txBody>
-          <a:bodyPr/>
-          <a:lstStyle/>
-          <a:p>
-            <a:r>
-              <a:rPr lang="en-US"/>
-              <a:t>Presentation Title</a:t>
-            </a:r>
-            <a:endParaRPr lang="en-US" dirty="0"/>
-          </a:p>
-        </p:txBody>
-      </p:sp>
-      <p:sp>
-        <p:nvSpPr>
           <p:cNvPr id="4" name="Slide Number Placeholder 3">
             <a:extLst>
               <a:ext uri="{FF2B5EF4-FFF2-40B4-BE49-F238E27FC236}">
@@ -12154,6 +12276,40 @@
               <a:rPr lang="en-US" smtClean="0"/>
               <a:t>17</a:t>
             </a:fld>
+            <a:endParaRPr lang="en-US" dirty="0"/>
+          </a:p>
+        </p:txBody>
+      </p:sp>
+      <p:sp>
+        <p:nvSpPr>
+          <p:cNvPr id="6" name="Date Placeholder 1">
+            <a:extLst>
+              <a:ext uri="{FF2B5EF4-FFF2-40B4-BE49-F238E27FC236}">
+                <a16:creationId xmlns:a16="http://schemas.microsoft.com/office/drawing/2014/main" id="{34EB4D52-3906-4357-B8AE-95A52A679D13}"/>
+              </a:ext>
+            </a:extLst>
+          </p:cNvPr>
+          <p:cNvSpPr>
+            <a:spLocks noGrp="1"/>
+          </p:cNvSpPr>
+          <p:nvPr>
+            <p:ph type="dt" sz="half" idx="10"/>
+          </p:nvPr>
+        </p:nvSpPr>
+        <p:spPr>
+          <a:xfrm>
+            <a:off x="838200" y="6356350"/>
+            <a:ext cx="981269" cy="365125"/>
+          </a:xfrm>
+        </p:spPr>
+        <p:txBody>
+          <a:bodyPr/>
+          <a:lstStyle/>
+          <a:p>
+            <a:r>
+              <a:rPr lang="en-US"/>
+              <a:t>Nhóm 12</a:t>
+            </a:r>
             <a:endParaRPr lang="en-US" dirty="0"/>
           </a:p>
         </p:txBody>
@@ -12190,64 +12346,6 @@
       </p:grpSpPr>
       <p:sp>
         <p:nvSpPr>
-          <p:cNvPr id="2" name="Date Placeholder 1">
-            <a:extLst>
-              <a:ext uri="{FF2B5EF4-FFF2-40B4-BE49-F238E27FC236}">
-                <a16:creationId xmlns:a16="http://schemas.microsoft.com/office/drawing/2014/main" id="{A17F2F21-F155-44F1-BFEF-6AE472C21279}"/>
-              </a:ext>
-            </a:extLst>
-          </p:cNvPr>
-          <p:cNvSpPr>
-            <a:spLocks noGrp="1"/>
-          </p:cNvSpPr>
-          <p:nvPr>
-            <p:ph type="dt" sz="half" idx="10"/>
-          </p:nvPr>
-        </p:nvSpPr>
-        <p:spPr/>
-        <p:txBody>
-          <a:bodyPr/>
-          <a:lstStyle/>
-          <a:p>
-            <a:r>
-              <a:rPr lang="en-US"/>
-              <a:t>9/4/20XX</a:t>
-            </a:r>
-            <a:endParaRPr lang="en-US" dirty="0"/>
-          </a:p>
-        </p:txBody>
-      </p:sp>
-      <p:sp>
-        <p:nvSpPr>
-          <p:cNvPr id="3" name="Footer Placeholder 2">
-            <a:extLst>
-              <a:ext uri="{FF2B5EF4-FFF2-40B4-BE49-F238E27FC236}">
-                <a16:creationId xmlns:a16="http://schemas.microsoft.com/office/drawing/2014/main" id="{2A228A17-F53D-4AD0-89BD-7A72BF5E54A5}"/>
-              </a:ext>
-            </a:extLst>
-          </p:cNvPr>
-          <p:cNvSpPr>
-            <a:spLocks noGrp="1"/>
-          </p:cNvSpPr>
-          <p:nvPr>
-            <p:ph type="ftr" sz="quarter" idx="11"/>
-          </p:nvPr>
-        </p:nvSpPr>
-        <p:spPr/>
-        <p:txBody>
-          <a:bodyPr/>
-          <a:lstStyle/>
-          <a:p>
-            <a:r>
-              <a:rPr lang="en-US"/>
-              <a:t>Presentation Title</a:t>
-            </a:r>
-            <a:endParaRPr lang="en-US" dirty="0"/>
-          </a:p>
-        </p:txBody>
-      </p:sp>
-      <p:sp>
-        <p:nvSpPr>
           <p:cNvPr id="4" name="Slide Number Placeholder 3">
             <a:extLst>
               <a:ext uri="{FF2B5EF4-FFF2-40B4-BE49-F238E27FC236}">
@@ -12271,6 +12369,40 @@
               <a:rPr lang="en-US" smtClean="0"/>
               <a:t>18</a:t>
             </a:fld>
+            <a:endParaRPr lang="en-US" dirty="0"/>
+          </a:p>
+        </p:txBody>
+      </p:sp>
+      <p:sp>
+        <p:nvSpPr>
+          <p:cNvPr id="5" name="Date Placeholder 1">
+            <a:extLst>
+              <a:ext uri="{FF2B5EF4-FFF2-40B4-BE49-F238E27FC236}">
+                <a16:creationId xmlns:a16="http://schemas.microsoft.com/office/drawing/2014/main" id="{144FA5CA-C40C-449F-BCFF-2E4CEED2B139}"/>
+              </a:ext>
+            </a:extLst>
+          </p:cNvPr>
+          <p:cNvSpPr>
+            <a:spLocks noGrp="1"/>
+          </p:cNvSpPr>
+          <p:nvPr>
+            <p:ph type="dt" sz="half" idx="10"/>
+          </p:nvPr>
+        </p:nvSpPr>
+        <p:spPr>
+          <a:xfrm>
+            <a:off x="838200" y="6356350"/>
+            <a:ext cx="981269" cy="365125"/>
+          </a:xfrm>
+        </p:spPr>
+        <p:txBody>
+          <a:bodyPr/>
+          <a:lstStyle/>
+          <a:p>
+            <a:r>
+              <a:rPr lang="en-US"/>
+              <a:t>Nhóm 12</a:t>
+            </a:r>
             <a:endParaRPr lang="en-US" dirty="0"/>
           </a:p>
         </p:txBody>
@@ -12381,6 +12513,40 @@
               <a:rPr lang="en-US" smtClean="0"/>
               <a:t>19</a:t>
             </a:fld>
+            <a:endParaRPr lang="en-US" dirty="0"/>
+          </a:p>
+        </p:txBody>
+      </p:sp>
+      <p:sp>
+        <p:nvSpPr>
+          <p:cNvPr id="4" name="Date Placeholder 1">
+            <a:extLst>
+              <a:ext uri="{FF2B5EF4-FFF2-40B4-BE49-F238E27FC236}">
+                <a16:creationId xmlns:a16="http://schemas.microsoft.com/office/drawing/2014/main" id="{4E78C005-6006-4467-A7AD-45023E8E4B2B}"/>
+              </a:ext>
+            </a:extLst>
+          </p:cNvPr>
+          <p:cNvSpPr>
+            <a:spLocks noGrp="1"/>
+          </p:cNvSpPr>
+          <p:nvPr>
+            <p:ph type="dt" sz="half" idx="10"/>
+          </p:nvPr>
+        </p:nvSpPr>
+        <p:spPr>
+          <a:xfrm>
+            <a:off x="838200" y="6356350"/>
+            <a:ext cx="981269" cy="365125"/>
+          </a:xfrm>
+        </p:spPr>
+        <p:txBody>
+          <a:bodyPr/>
+          <a:lstStyle/>
+          <a:p>
+            <a:r>
+              <a:rPr lang="en-US"/>
+              <a:t>Nhóm 12</a:t>
+            </a:r>
             <a:endParaRPr lang="en-US" dirty="0"/>
           </a:p>
         </p:txBody>
@@ -13274,6 +13440,40 @@
           </a:p>
         </p:txBody>
       </p:sp>
+      <p:sp>
+        <p:nvSpPr>
+          <p:cNvPr id="6" name="Date Placeholder 1">
+            <a:extLst>
+              <a:ext uri="{FF2B5EF4-FFF2-40B4-BE49-F238E27FC236}">
+                <a16:creationId xmlns:a16="http://schemas.microsoft.com/office/drawing/2014/main" id="{D6B62693-E0E9-43D5-A0E5-1989CD84F99A}"/>
+              </a:ext>
+            </a:extLst>
+          </p:cNvPr>
+          <p:cNvSpPr>
+            <a:spLocks noGrp="1"/>
+          </p:cNvSpPr>
+          <p:nvPr>
+            <p:ph type="dt" sz="half" idx="10"/>
+          </p:nvPr>
+        </p:nvSpPr>
+        <p:spPr>
+          <a:xfrm>
+            <a:off x="838200" y="6356350"/>
+            <a:ext cx="981269" cy="365125"/>
+          </a:xfrm>
+        </p:spPr>
+        <p:txBody>
+          <a:bodyPr/>
+          <a:lstStyle/>
+          <a:p>
+            <a:r>
+              <a:rPr lang="en-US"/>
+              <a:t>Nhóm 12</a:t>
+            </a:r>
+            <a:endParaRPr lang="en-US" dirty="0"/>
+          </a:p>
+        </p:txBody>
+      </p:sp>
     </p:spTree>
     <p:extLst>
       <p:ext uri="{BB962C8B-B14F-4D97-AF65-F5344CB8AC3E}">
@@ -13525,6 +13725,36 @@
           </a:p>
         </p:txBody>
       </p:sp>
+      <p:pic>
+        <p:nvPicPr>
+          <p:cNvPr id="6" name="Picture 5">
+            <a:extLst>
+              <a:ext uri="{FF2B5EF4-FFF2-40B4-BE49-F238E27FC236}">
+                <a16:creationId xmlns:a16="http://schemas.microsoft.com/office/drawing/2014/main" id="{3D62EE7E-EE49-4232-94B9-D71F42B900E7}"/>
+              </a:ext>
+            </a:extLst>
+          </p:cNvPr>
+          <p:cNvPicPr>
+            <a:picLocks noChangeAspect="1"/>
+          </p:cNvPicPr>
+          <p:nvPr/>
+        </p:nvPicPr>
+        <p:blipFill>
+          <a:blip r:embed="rId2"/>
+          <a:stretch>
+            <a:fillRect/>
+          </a:stretch>
+        </p:blipFill>
+        <p:spPr>
+          <a:xfrm>
+            <a:off x="612648" y="6356350"/>
+            <a:ext cx="981541" cy="365792"/>
+          </a:xfrm>
+          <a:prstGeom prst="rect">
+            <a:avLst/>
+          </a:prstGeom>
+        </p:spPr>
+      </p:pic>
     </p:spTree>
     <p:extLst>
       <p:ext uri="{BB962C8B-B14F-4D97-AF65-F5344CB8AC3E}">
@@ -13752,6 +13982,40 @@
               <a:rPr lang="en-US"/>
               <a:t>2148 teams</a:t>
             </a:r>
+          </a:p>
+        </p:txBody>
+      </p:sp>
+      <p:sp>
+        <p:nvSpPr>
+          <p:cNvPr id="7" name="Date Placeholder 1">
+            <a:extLst>
+              <a:ext uri="{FF2B5EF4-FFF2-40B4-BE49-F238E27FC236}">
+                <a16:creationId xmlns:a16="http://schemas.microsoft.com/office/drawing/2014/main" id="{21E22ACF-6F59-455D-9AE8-E7842867144E}"/>
+              </a:ext>
+            </a:extLst>
+          </p:cNvPr>
+          <p:cNvSpPr>
+            <a:spLocks noGrp="1"/>
+          </p:cNvSpPr>
+          <p:nvPr>
+            <p:ph type="dt" sz="half" idx="10"/>
+          </p:nvPr>
+        </p:nvSpPr>
+        <p:spPr>
+          <a:xfrm>
+            <a:off x="838200" y="6356350"/>
+            <a:ext cx="981269" cy="365125"/>
+          </a:xfrm>
+        </p:spPr>
+        <p:txBody>
+          <a:bodyPr/>
+          <a:lstStyle/>
+          <a:p>
+            <a:r>
+              <a:rPr lang="en-US"/>
+              <a:t>Nhóm 12</a:t>
+            </a:r>
+            <a:endParaRPr lang="en-US" dirty="0"/>
           </a:p>
         </p:txBody>
       </p:sp>
@@ -14276,6 +14540,40 @@
           </a:prstGeom>
         </p:spPr>
       </p:pic>
+      <p:sp>
+        <p:nvSpPr>
+          <p:cNvPr id="11" name="Date Placeholder 1">
+            <a:extLst>
+              <a:ext uri="{FF2B5EF4-FFF2-40B4-BE49-F238E27FC236}">
+                <a16:creationId xmlns:a16="http://schemas.microsoft.com/office/drawing/2014/main" id="{7B7C7E86-CE72-4FDA-84AC-7B50B53EE1B4}"/>
+              </a:ext>
+            </a:extLst>
+          </p:cNvPr>
+          <p:cNvSpPr>
+            <a:spLocks noGrp="1"/>
+          </p:cNvSpPr>
+          <p:nvPr>
+            <p:ph type="dt" sz="half" idx="10"/>
+          </p:nvPr>
+        </p:nvSpPr>
+        <p:spPr>
+          <a:xfrm>
+            <a:off x="838200" y="6365681"/>
+            <a:ext cx="981269" cy="365125"/>
+          </a:xfrm>
+        </p:spPr>
+        <p:txBody>
+          <a:bodyPr/>
+          <a:lstStyle/>
+          <a:p>
+            <a:r>
+              <a:rPr lang="en-US"/>
+              <a:t>Nhóm 12</a:t>
+            </a:r>
+            <a:endParaRPr lang="en-US" dirty="0"/>
+          </a:p>
+        </p:txBody>
+      </p:sp>
     </p:spTree>
     <p:extLst>
       <p:ext uri="{BB962C8B-B14F-4D97-AF65-F5344CB8AC3E}">
@@ -14395,6 +14693,40 @@
           </a:prstGeom>
         </p:spPr>
       </p:pic>
+      <p:sp>
+        <p:nvSpPr>
+          <p:cNvPr id="5" name="Date Placeholder 1">
+            <a:extLst>
+              <a:ext uri="{FF2B5EF4-FFF2-40B4-BE49-F238E27FC236}">
+                <a16:creationId xmlns:a16="http://schemas.microsoft.com/office/drawing/2014/main" id="{977A8965-24ED-41A4-95A1-F6C44D24441D}"/>
+              </a:ext>
+            </a:extLst>
+          </p:cNvPr>
+          <p:cNvSpPr>
+            <a:spLocks noGrp="1"/>
+          </p:cNvSpPr>
+          <p:nvPr>
+            <p:ph type="dt" sz="half" idx="10"/>
+          </p:nvPr>
+        </p:nvSpPr>
+        <p:spPr>
+          <a:xfrm>
+            <a:off x="838200" y="6356350"/>
+            <a:ext cx="981269" cy="365125"/>
+          </a:xfrm>
+        </p:spPr>
+        <p:txBody>
+          <a:bodyPr/>
+          <a:lstStyle/>
+          <a:p>
+            <a:r>
+              <a:rPr lang="en-US"/>
+              <a:t>Nhóm 12</a:t>
+            </a:r>
+            <a:endParaRPr lang="en-US" dirty="0"/>
+          </a:p>
+        </p:txBody>
+      </p:sp>
     </p:spTree>
     <p:extLst>
       <p:ext uri="{BB962C8B-B14F-4D97-AF65-F5344CB8AC3E}">
@@ -14544,6 +14876,40 @@
           </a:prstGeom>
         </p:spPr>
       </p:pic>
+      <p:sp>
+        <p:nvSpPr>
+          <p:cNvPr id="7" name="Date Placeholder 1">
+            <a:extLst>
+              <a:ext uri="{FF2B5EF4-FFF2-40B4-BE49-F238E27FC236}">
+                <a16:creationId xmlns:a16="http://schemas.microsoft.com/office/drawing/2014/main" id="{C4A17B31-C843-4A49-955E-7ED33673559E}"/>
+              </a:ext>
+            </a:extLst>
+          </p:cNvPr>
+          <p:cNvSpPr>
+            <a:spLocks noGrp="1"/>
+          </p:cNvSpPr>
+          <p:nvPr>
+            <p:ph type="dt" sz="half" idx="10"/>
+          </p:nvPr>
+        </p:nvSpPr>
+        <p:spPr>
+          <a:xfrm>
+            <a:off x="838200" y="6356350"/>
+            <a:ext cx="981269" cy="365125"/>
+          </a:xfrm>
+        </p:spPr>
+        <p:txBody>
+          <a:bodyPr/>
+          <a:lstStyle/>
+          <a:p>
+            <a:r>
+              <a:rPr lang="en-US"/>
+              <a:t>Nhóm 12</a:t>
+            </a:r>
+            <a:endParaRPr lang="en-US" dirty="0"/>
+          </a:p>
+        </p:txBody>
+      </p:sp>
     </p:spTree>
     <p:extLst>
       <p:ext uri="{BB962C8B-B14F-4D97-AF65-F5344CB8AC3E}">
@@ -14746,6 +15112,40 @@
           </a:prstGeom>
         </p:spPr>
       </p:pic>
+      <p:sp>
+        <p:nvSpPr>
+          <p:cNvPr id="9" name="Date Placeholder 1">
+            <a:extLst>
+              <a:ext uri="{FF2B5EF4-FFF2-40B4-BE49-F238E27FC236}">
+                <a16:creationId xmlns:a16="http://schemas.microsoft.com/office/drawing/2014/main" id="{67CCB9CE-7E4C-4057-B984-462F54527D11}"/>
+              </a:ext>
+            </a:extLst>
+          </p:cNvPr>
+          <p:cNvSpPr>
+            <a:spLocks noGrp="1"/>
+          </p:cNvSpPr>
+          <p:nvPr>
+            <p:ph type="dt" sz="half" idx="10"/>
+          </p:nvPr>
+        </p:nvSpPr>
+        <p:spPr>
+          <a:xfrm>
+            <a:off x="838200" y="6356350"/>
+            <a:ext cx="981269" cy="365125"/>
+          </a:xfrm>
+        </p:spPr>
+        <p:txBody>
+          <a:bodyPr/>
+          <a:lstStyle/>
+          <a:p>
+            <a:r>
+              <a:rPr lang="en-US"/>
+              <a:t>Nhóm 12</a:t>
+            </a:r>
+            <a:endParaRPr lang="en-US" dirty="0"/>
+          </a:p>
+        </p:txBody>
+      </p:sp>
     </p:spTree>
     <p:extLst>
       <p:ext uri="{BB962C8B-B14F-4D97-AF65-F5344CB8AC3E}">
@@ -14965,6 +15365,40 @@
           </a:extLst>
         </p:spPr>
       </p:pic>
+      <p:sp>
+        <p:nvSpPr>
+          <p:cNvPr id="7" name="Date Placeholder 1">
+            <a:extLst>
+              <a:ext uri="{FF2B5EF4-FFF2-40B4-BE49-F238E27FC236}">
+                <a16:creationId xmlns:a16="http://schemas.microsoft.com/office/drawing/2014/main" id="{58A6E960-F823-4AA1-AC48-80BF8E0FEC66}"/>
+              </a:ext>
+            </a:extLst>
+          </p:cNvPr>
+          <p:cNvSpPr>
+            <a:spLocks noGrp="1"/>
+          </p:cNvSpPr>
+          <p:nvPr>
+            <p:ph type="dt" sz="half" idx="10"/>
+          </p:nvPr>
+        </p:nvSpPr>
+        <p:spPr>
+          <a:xfrm>
+            <a:off x="838200" y="6356350"/>
+            <a:ext cx="981269" cy="365125"/>
+          </a:xfrm>
+        </p:spPr>
+        <p:txBody>
+          <a:bodyPr/>
+          <a:lstStyle/>
+          <a:p>
+            <a:r>
+              <a:rPr lang="en-US"/>
+              <a:t>Nhóm 12</a:t>
+            </a:r>
+            <a:endParaRPr lang="en-US" dirty="0"/>
+          </a:p>
+        </p:txBody>
+      </p:sp>
     </p:spTree>
     <p:extLst>
       <p:ext uri="{BB962C8B-B14F-4D97-AF65-F5344CB8AC3E}">
@@ -15770,12 +16204,6 @@
 </file>
 
 <file path=customXml/item1.xml><?xml version="1.0" encoding="utf-8"?>
-<p:properties xmlns:p="http://schemas.microsoft.com/office/2006/metadata/properties" xmlns:xsi="http://www.w3.org/2001/XMLSchema-instance" xmlns:pc="http://schemas.microsoft.com/office/infopath/2007/PartnerControls">
-  <documentManagement/>
-</p:properties>
-</file>
-
-<file path=customXml/item2.xml><?xml version="1.0" encoding="utf-8"?>
 <ct:contentTypeSchema xmlns:ct="http://schemas.microsoft.com/office/2006/metadata/contentType" xmlns:ma="http://schemas.microsoft.com/office/2006/metadata/properties/metaAttributes" ct:_="" ma:_="" ma:contentTypeName="Document" ma:contentTypeID="0x010100362E7DE9800D3E4DAF9E6FDB77C66D4F" ma:contentTypeVersion="2" ma:contentTypeDescription="Create a new document." ma:contentTypeScope="" ma:versionID="fde469d7099b8e1913bbecfba46b0503">
   <xsd:schema xmlns:xsd="http://www.w3.org/2001/XMLSchema" xmlns:xs="http://www.w3.org/2001/XMLSchema" xmlns:p="http://schemas.microsoft.com/office/2006/metadata/properties" xmlns:ns3="4f634407-a31f-4228-a44c-3f4b0f7e433d" targetNamespace="http://schemas.microsoft.com/office/2006/metadata/properties" ma:root="true" ma:fieldsID="061e18f90e9f678f4817325be62bfb4a" ns3:_="">
     <xsd:import namespace="4f634407-a31f-4228-a44c-3f4b0f7e433d"/>
@@ -15907,6 +16335,12 @@
 </ct:contentTypeSchema>
 </file>
 
+<file path=customXml/item2.xml><?xml version="1.0" encoding="utf-8"?>
+<p:properties xmlns:p="http://schemas.microsoft.com/office/2006/metadata/properties" xmlns:xsi="http://www.w3.org/2001/XMLSchema-instance" xmlns:pc="http://schemas.microsoft.com/office/infopath/2007/PartnerControls">
+  <documentManagement/>
+</p:properties>
+</file>
+
 <file path=customXml/item3.xml><?xml version="1.0" encoding="utf-8"?>
 <?mso-contentType ?>
 <FormTemplates xmlns="http://schemas.microsoft.com/sharepoint/v3/contenttype/forms">
@@ -15917,22 +16351,6 @@
 </file>
 
 <file path=customXml/itemProps1.xml><?xml version="1.0" encoding="utf-8"?>
-<ds:datastoreItem xmlns:ds="http://schemas.openxmlformats.org/officeDocument/2006/customXml" ds:itemID="{290D7697-8E53-4EA8-8CBB-9C19575257BF}">
-  <ds:schemaRefs>
-    <ds:schemaRef ds:uri="http://purl.org/dc/dcmitype/"/>
-    <ds:schemaRef ds:uri="http://schemas.microsoft.com/office/2006/documentManagement/types"/>
-    <ds:schemaRef ds:uri="http://www.w3.org/XML/1998/namespace"/>
-    <ds:schemaRef ds:uri="http://schemas.openxmlformats.org/package/2006/metadata/core-properties"/>
-    <ds:schemaRef ds:uri="http://schemas.microsoft.com/office/2006/metadata/properties"/>
-    <ds:schemaRef ds:uri="4f634407-a31f-4228-a44c-3f4b0f7e433d"/>
-    <ds:schemaRef ds:uri="http://purl.org/dc/terms/"/>
-    <ds:schemaRef ds:uri="http://schemas.microsoft.com/office/infopath/2007/PartnerControls"/>
-    <ds:schemaRef ds:uri="http://purl.org/dc/elements/1.1/"/>
-  </ds:schemaRefs>
-</ds:datastoreItem>
-</file>
-
-<file path=customXml/itemProps2.xml><?xml version="1.0" encoding="utf-8"?>
 <ds:datastoreItem xmlns:ds="http://schemas.openxmlformats.org/officeDocument/2006/customXml" ds:itemID="{69A467A9-47B3-48BC-BF02-09B9DD43B80C}">
   <ds:schemaRefs>
     <ds:schemaRef ds:uri="http://schemas.microsoft.com/office/2006/metadata/contentType"/>
@@ -15950,6 +16368,22 @@
 </ds:datastoreItem>
 </file>
 
+<file path=customXml/itemProps2.xml><?xml version="1.0" encoding="utf-8"?>
+<ds:datastoreItem xmlns:ds="http://schemas.openxmlformats.org/officeDocument/2006/customXml" ds:itemID="{290D7697-8E53-4EA8-8CBB-9C19575257BF}">
+  <ds:schemaRefs>
+    <ds:schemaRef ds:uri="http://purl.org/dc/dcmitype/"/>
+    <ds:schemaRef ds:uri="http://schemas.microsoft.com/office/2006/documentManagement/types"/>
+    <ds:schemaRef ds:uri="http://www.w3.org/XML/1998/namespace"/>
+    <ds:schemaRef ds:uri="http://schemas.openxmlformats.org/package/2006/metadata/core-properties"/>
+    <ds:schemaRef ds:uri="http://schemas.microsoft.com/office/2006/metadata/properties"/>
+    <ds:schemaRef ds:uri="4f634407-a31f-4228-a44c-3f4b0f7e433d"/>
+    <ds:schemaRef ds:uri="http://purl.org/dc/terms/"/>
+    <ds:schemaRef ds:uri="http://schemas.microsoft.com/office/infopath/2007/PartnerControls"/>
+    <ds:schemaRef ds:uri="http://purl.org/dc/elements/1.1/"/>
+  </ds:schemaRefs>
+</ds:datastoreItem>
+</file>
+
 <file path=customXml/itemProps3.xml><?xml version="1.0" encoding="utf-8"?>
 <ds:datastoreItem xmlns:ds="http://schemas.openxmlformats.org/officeDocument/2006/customXml" ds:itemID="{B927DC71-2909-427C-BDB0-3E47E2101517}">
   <ds:schemaRefs>

--- a/Presentation/GIỚI THIỆU ĐỀ TÀI.pptx
+++ b/Presentation/GIỚI THIỆU ĐỀ TÀI.pptx
@@ -9977,6 +9977,950 @@
           </a:p>
         </p:txBody>
       </p:sp>
+      <p:sp>
+        <p:nvSpPr>
+          <p:cNvPr id="5" name="TextBox 1">
+            <a:extLst>
+              <a:ext uri="{FF2B5EF4-FFF2-40B4-BE49-F238E27FC236}">
+                <a16:creationId xmlns:a16="http://schemas.microsoft.com/office/drawing/2014/main" id="{4A8D3DE9-570F-4876-8443-327ECB9ECFD4}"/>
+              </a:ext>
+            </a:extLst>
+          </p:cNvPr>
+          <p:cNvSpPr txBox="1"/>
+          <p:nvPr/>
+        </p:nvSpPr>
+        <p:spPr>
+          <a:xfrm>
+            <a:off x="781572" y="1299067"/>
+            <a:ext cx="10628856" cy="1754326"/>
+          </a:xfrm>
+          <a:prstGeom prst="rect">
+            <a:avLst/>
+          </a:prstGeom>
+          <a:noFill/>
+        </p:spPr>
+        <p:txBody>
+          <a:bodyPr wrap="square" rtlCol="0">
+            <a:spAutoFit/>
+          </a:bodyPr>
+          <a:lstStyle>
+            <a:defPPr>
+              <a:defRPr lang="en-US"/>
+            </a:defPPr>
+            <a:lvl1pPr marL="0" algn="l" defTabSz="914400" rtl="0" eaLnBrk="1" latinLnBrk="0" hangingPunct="1">
+              <a:defRPr sz="1800" kern="1200">
+                <a:solidFill>
+                  <a:schemeClr val="tx1"/>
+                </a:solidFill>
+                <a:latin typeface="+mn-lt"/>
+                <a:ea typeface="+mn-ea"/>
+                <a:cs typeface="+mn-cs"/>
+              </a:defRPr>
+            </a:lvl1pPr>
+            <a:lvl2pPr marL="457200" algn="l" defTabSz="914400" rtl="0" eaLnBrk="1" latinLnBrk="0" hangingPunct="1">
+              <a:defRPr sz="1800" kern="1200">
+                <a:solidFill>
+                  <a:schemeClr val="tx1"/>
+                </a:solidFill>
+                <a:latin typeface="+mn-lt"/>
+                <a:ea typeface="+mn-ea"/>
+                <a:cs typeface="+mn-cs"/>
+              </a:defRPr>
+            </a:lvl2pPr>
+            <a:lvl3pPr marL="914400" algn="l" defTabSz="914400" rtl="0" eaLnBrk="1" latinLnBrk="0" hangingPunct="1">
+              <a:defRPr sz="1800" kern="1200">
+                <a:solidFill>
+                  <a:schemeClr val="tx1"/>
+                </a:solidFill>
+                <a:latin typeface="+mn-lt"/>
+                <a:ea typeface="+mn-ea"/>
+                <a:cs typeface="+mn-cs"/>
+              </a:defRPr>
+            </a:lvl3pPr>
+            <a:lvl4pPr marL="1371600" algn="l" defTabSz="914400" rtl="0" eaLnBrk="1" latinLnBrk="0" hangingPunct="1">
+              <a:defRPr sz="1800" kern="1200">
+                <a:solidFill>
+                  <a:schemeClr val="tx1"/>
+                </a:solidFill>
+                <a:latin typeface="+mn-lt"/>
+                <a:ea typeface="+mn-ea"/>
+                <a:cs typeface="+mn-cs"/>
+              </a:defRPr>
+            </a:lvl4pPr>
+            <a:lvl5pPr marL="1828800" algn="l" defTabSz="914400" rtl="0" eaLnBrk="1" latinLnBrk="0" hangingPunct="1">
+              <a:defRPr sz="1800" kern="1200">
+                <a:solidFill>
+                  <a:schemeClr val="tx1"/>
+                </a:solidFill>
+                <a:latin typeface="+mn-lt"/>
+                <a:ea typeface="+mn-ea"/>
+                <a:cs typeface="+mn-cs"/>
+              </a:defRPr>
+            </a:lvl5pPr>
+            <a:lvl6pPr marL="2286000" algn="l" defTabSz="914400" rtl="0" eaLnBrk="1" latinLnBrk="0" hangingPunct="1">
+              <a:defRPr sz="1800" kern="1200">
+                <a:solidFill>
+                  <a:schemeClr val="tx1"/>
+                </a:solidFill>
+                <a:latin typeface="+mn-lt"/>
+                <a:ea typeface="+mn-ea"/>
+                <a:cs typeface="+mn-cs"/>
+              </a:defRPr>
+            </a:lvl6pPr>
+            <a:lvl7pPr marL="2743200" algn="l" defTabSz="914400" rtl="0" eaLnBrk="1" latinLnBrk="0" hangingPunct="1">
+              <a:defRPr sz="1800" kern="1200">
+                <a:solidFill>
+                  <a:schemeClr val="tx1"/>
+                </a:solidFill>
+                <a:latin typeface="+mn-lt"/>
+                <a:ea typeface="+mn-ea"/>
+                <a:cs typeface="+mn-cs"/>
+              </a:defRPr>
+            </a:lvl7pPr>
+            <a:lvl8pPr marL="3200400" algn="l" defTabSz="914400" rtl="0" eaLnBrk="1" latinLnBrk="0" hangingPunct="1">
+              <a:defRPr sz="1800" kern="1200">
+                <a:solidFill>
+                  <a:schemeClr val="tx1"/>
+                </a:solidFill>
+                <a:latin typeface="+mn-lt"/>
+                <a:ea typeface="+mn-ea"/>
+                <a:cs typeface="+mn-cs"/>
+              </a:defRPr>
+            </a:lvl8pPr>
+            <a:lvl9pPr marL="3657600" algn="l" defTabSz="914400" rtl="0" eaLnBrk="1" latinLnBrk="0" hangingPunct="1">
+              <a:defRPr sz="1800" kern="1200">
+                <a:solidFill>
+                  <a:schemeClr val="tx1"/>
+                </a:solidFill>
+                <a:latin typeface="+mn-lt"/>
+                <a:ea typeface="+mn-ea"/>
+                <a:cs typeface="+mn-cs"/>
+              </a:defRPr>
+            </a:lvl9pPr>
+          </a:lstStyle>
+          <a:p>
+            <a:pPr marL="285750" indent="-285750">
+              <a:buFont typeface="Wingdings" panose="05000000000000000000" pitchFamily="2" charset="2"/>
+              <a:buChar char="q"/>
+            </a:pPr>
+            <a:r>
+              <a:rPr lang="en-US" dirty="0" err="1">
+                <a:cs typeface="Times New Roman" panose="02020603050405020304" pitchFamily="18" charset="0"/>
+              </a:rPr>
+              <a:t>Đối</a:t>
+            </a:r>
+            <a:r>
+              <a:rPr lang="en-US" dirty="0">
+                <a:cs typeface="Times New Roman" panose="02020603050405020304" pitchFamily="18" charset="0"/>
+              </a:rPr>
+              <a:t> </a:t>
+            </a:r>
+            <a:r>
+              <a:rPr lang="en-US" dirty="0" err="1">
+                <a:cs typeface="Times New Roman" panose="02020603050405020304" pitchFamily="18" charset="0"/>
+              </a:rPr>
+              <a:t>với</a:t>
+            </a:r>
+            <a:r>
+              <a:rPr lang="en-US" dirty="0">
+                <a:cs typeface="Times New Roman" panose="02020603050405020304" pitchFamily="18" charset="0"/>
+              </a:rPr>
+              <a:t> </a:t>
+            </a:r>
+            <a:r>
+              <a:rPr lang="en-US" dirty="0" err="1">
+                <a:cs typeface="Times New Roman" panose="02020603050405020304" pitchFamily="18" charset="0"/>
+              </a:rPr>
+              <a:t>thông</a:t>
+            </a:r>
+            <a:r>
+              <a:rPr lang="en-US" dirty="0">
+                <a:cs typeface="Times New Roman" panose="02020603050405020304" pitchFamily="18" charset="0"/>
+              </a:rPr>
+              <a:t> tin </a:t>
+            </a:r>
+            <a:r>
+              <a:rPr lang="en-US" dirty="0" err="1">
+                <a:cs typeface="Times New Roman" panose="02020603050405020304" pitchFamily="18" charset="0"/>
+              </a:rPr>
+              <a:t>của</a:t>
+            </a:r>
+            <a:r>
+              <a:rPr lang="en-US" dirty="0">
+                <a:cs typeface="Times New Roman" panose="02020603050405020304" pitchFamily="18" charset="0"/>
+              </a:rPr>
+              <a:t> </a:t>
+            </a:r>
+            <a:r>
+              <a:rPr lang="en-US" dirty="0" err="1">
+                <a:cs typeface="Times New Roman" panose="02020603050405020304" pitchFamily="18" charset="0"/>
+              </a:rPr>
+              <a:t>nhà</a:t>
+            </a:r>
+            <a:r>
+              <a:rPr lang="en-US" dirty="0">
+                <a:cs typeface="Times New Roman" panose="02020603050405020304" pitchFamily="18" charset="0"/>
+              </a:rPr>
+              <a:t> </a:t>
+            </a:r>
+            <a:r>
+              <a:rPr lang="en-US" dirty="0" err="1">
+                <a:cs typeface="Times New Roman" panose="02020603050405020304" pitchFamily="18" charset="0"/>
+              </a:rPr>
+              <a:t>hàng</a:t>
+            </a:r>
+            <a:r>
+              <a:rPr lang="en-US" dirty="0">
+                <a:cs typeface="Times New Roman" panose="02020603050405020304" pitchFamily="18" charset="0"/>
+              </a:rPr>
+              <a:t> ở </a:t>
+            </a:r>
+            <a:r>
+              <a:rPr lang="en-US" dirty="0" err="1">
+                <a:cs typeface="Times New Roman" panose="02020603050405020304" pitchFamily="18" charset="0"/>
+              </a:rPr>
+              <a:t>đây</a:t>
+            </a:r>
+            <a:r>
+              <a:rPr lang="en-US" dirty="0">
+                <a:cs typeface="Times New Roman" panose="02020603050405020304" pitchFamily="18" charset="0"/>
+              </a:rPr>
+              <a:t> </a:t>
+            </a:r>
+            <a:r>
+              <a:rPr lang="en-US" dirty="0" err="1">
+                <a:cs typeface="Times New Roman" panose="02020603050405020304" pitchFamily="18" charset="0"/>
+              </a:rPr>
+              <a:t>chúng</a:t>
+            </a:r>
+            <a:r>
+              <a:rPr lang="en-US" dirty="0">
+                <a:cs typeface="Times New Roman" panose="02020603050405020304" pitchFamily="18" charset="0"/>
+              </a:rPr>
+              <a:t> </a:t>
+            </a:r>
+            <a:r>
+              <a:rPr lang="en-US">
+                <a:cs typeface="Times New Roman" panose="02020603050405020304" pitchFamily="18" charset="0"/>
+              </a:rPr>
+              <a:t>ta sử dụng </a:t>
+            </a:r>
+            <a:r>
+              <a:rPr lang="en-US" err="1">
+                <a:cs typeface="Times New Roman" panose="02020603050405020304" pitchFamily="18" charset="0"/>
+              </a:rPr>
+              <a:t>phiên</a:t>
+            </a:r>
+            <a:r>
+              <a:rPr lang="en-US">
+                <a:cs typeface="Times New Roman" panose="02020603050405020304" pitchFamily="18" charset="0"/>
+              </a:rPr>
+              <a:t> bản xử </a:t>
+            </a:r>
+            <a:r>
+              <a:rPr lang="en-US" dirty="0" err="1">
+                <a:cs typeface="Times New Roman" panose="02020603050405020304" pitchFamily="18" charset="0"/>
+              </a:rPr>
+              <a:t>lý</a:t>
+            </a:r>
+            <a:r>
+              <a:rPr lang="en-US" dirty="0">
+                <a:cs typeface="Times New Roman" panose="02020603050405020304" pitchFamily="18" charset="0"/>
+              </a:rPr>
+              <a:t> </a:t>
+            </a:r>
+            <a:r>
+              <a:rPr lang="en-US" dirty="0" err="1">
+                <a:cs typeface="Times New Roman" panose="02020603050405020304" pitchFamily="18" charset="0"/>
+              </a:rPr>
+              <a:t>trước</a:t>
+            </a:r>
+            <a:r>
+              <a:rPr lang="en-US" dirty="0">
+                <a:cs typeface="Times New Roman" panose="02020603050405020304" pitchFamily="18" charset="0"/>
+              </a:rPr>
+              <a:t> </a:t>
+            </a:r>
+            <a:r>
+              <a:rPr lang="en-US" dirty="0" err="1">
+                <a:cs typeface="Times New Roman" panose="02020603050405020304" pitchFamily="18" charset="0"/>
+              </a:rPr>
+              <a:t>thay</a:t>
+            </a:r>
+            <a:r>
+              <a:rPr lang="en-US" dirty="0">
+                <a:cs typeface="Times New Roman" panose="02020603050405020304" pitchFamily="18" charset="0"/>
+              </a:rPr>
+              <a:t> vì </a:t>
+            </a:r>
+            <a:r>
+              <a:rPr lang="en-US" err="1">
+                <a:cs typeface="Times New Roman" panose="02020603050405020304" pitchFamily="18" charset="0"/>
+              </a:rPr>
+              <a:t>phiên</a:t>
+            </a:r>
+            <a:r>
+              <a:rPr lang="en-US">
+                <a:cs typeface="Times New Roman" panose="02020603050405020304" pitchFamily="18" charset="0"/>
+              </a:rPr>
+              <a:t> bản </a:t>
+            </a:r>
+            <a:r>
+              <a:rPr lang="en-US" dirty="0" err="1">
+                <a:cs typeface="Times New Roman" panose="02020603050405020304" pitchFamily="18" charset="0"/>
+              </a:rPr>
+              <a:t>hiện</a:t>
+            </a:r>
+            <a:r>
+              <a:rPr lang="en-US" dirty="0">
+                <a:cs typeface="Times New Roman" panose="02020603050405020304" pitchFamily="18" charset="0"/>
+              </a:rPr>
+              <a:t> </a:t>
+            </a:r>
+            <a:r>
+              <a:rPr lang="en-US" dirty="0" err="1">
+                <a:cs typeface="Times New Roman" panose="02020603050405020304" pitchFamily="18" charset="0"/>
+              </a:rPr>
+              <a:t>tại</a:t>
+            </a:r>
+            <a:r>
+              <a:rPr lang="en-US" dirty="0">
+                <a:cs typeface="Times New Roman" panose="02020603050405020304" pitchFamily="18" charset="0"/>
+              </a:rPr>
+              <a:t> </a:t>
+            </a:r>
+            <a:r>
+              <a:rPr lang="en-US" dirty="0" err="1">
+                <a:cs typeface="Times New Roman" panose="02020603050405020304" pitchFamily="18" charset="0"/>
+              </a:rPr>
+              <a:t>của</a:t>
+            </a:r>
+            <a:r>
+              <a:rPr lang="en-US" dirty="0">
+                <a:cs typeface="Times New Roman" panose="02020603050405020304" pitchFamily="18" charset="0"/>
+              </a:rPr>
+              <a:t> </a:t>
+            </a:r>
+            <a:r>
+              <a:rPr lang="en-US" err="1">
+                <a:cs typeface="Times New Roman" panose="02020603050405020304" pitchFamily="18" charset="0"/>
+              </a:rPr>
+              <a:t>cuộc</a:t>
+            </a:r>
+            <a:r>
+              <a:rPr lang="en-US">
+                <a:cs typeface="Times New Roman" panose="02020603050405020304" pitchFamily="18" charset="0"/>
+              </a:rPr>
+              <a:t> thi (</a:t>
+            </a:r>
+            <a:r>
+              <a:rPr lang="en-US" dirty="0">
+                <a:cs typeface="Times New Roman" panose="02020603050405020304" pitchFamily="18" charset="0"/>
+              </a:rPr>
+              <a:t>vì </a:t>
+            </a:r>
+            <a:r>
+              <a:rPr lang="en-US" err="1">
+                <a:cs typeface="Times New Roman" panose="02020603050405020304" pitchFamily="18" charset="0"/>
+              </a:rPr>
+              <a:t>nó</a:t>
+            </a:r>
+            <a:r>
+              <a:rPr lang="en-US">
+                <a:cs typeface="Times New Roman" panose="02020603050405020304" pitchFamily="18" charset="0"/>
+              </a:rPr>
+              <a:t> chứa </a:t>
+            </a:r>
+            <a:r>
+              <a:rPr lang="en-US" dirty="0" err="1">
+                <a:cs typeface="Times New Roman" panose="02020603050405020304" pitchFamily="18" charset="0"/>
+              </a:rPr>
+              <a:t>dữ</a:t>
+            </a:r>
+            <a:r>
+              <a:rPr lang="en-US" dirty="0">
+                <a:cs typeface="Times New Roman" panose="02020603050405020304" pitchFamily="18" charset="0"/>
+              </a:rPr>
+              <a:t> </a:t>
+            </a:r>
+            <a:r>
+              <a:rPr lang="en-US" dirty="0" err="1">
+                <a:cs typeface="Times New Roman" panose="02020603050405020304" pitchFamily="18" charset="0"/>
+              </a:rPr>
+              <a:t>liệu</a:t>
+            </a:r>
+            <a:r>
+              <a:rPr lang="en-US" dirty="0">
+                <a:cs typeface="Times New Roman" panose="02020603050405020304" pitchFamily="18" charset="0"/>
+              </a:rPr>
+              <a:t> </a:t>
+            </a:r>
+            <a:r>
+              <a:rPr lang="en-US" dirty="0" err="1">
+                <a:cs typeface="Times New Roman" panose="02020603050405020304" pitchFamily="18" charset="0"/>
+              </a:rPr>
+              <a:t>quan</a:t>
+            </a:r>
+            <a:r>
+              <a:rPr lang="en-US" dirty="0">
+                <a:cs typeface="Times New Roman" panose="02020603050405020304" pitchFamily="18" charset="0"/>
+              </a:rPr>
+              <a:t> </a:t>
+            </a:r>
+            <a:r>
+              <a:rPr lang="en-US" dirty="0" err="1">
+                <a:cs typeface="Times New Roman" panose="02020603050405020304" pitchFamily="18" charset="0"/>
+              </a:rPr>
+              <a:t>trong</a:t>
+            </a:r>
+            <a:r>
+              <a:rPr lang="en-US" dirty="0">
+                <a:cs typeface="Times New Roman" panose="02020603050405020304" pitchFamily="18" charset="0"/>
+              </a:rPr>
+              <a:t> </a:t>
+            </a:r>
+            <a:r>
+              <a:rPr lang="en-US" dirty="0" err="1">
+                <a:cs typeface="Times New Roman" panose="02020603050405020304" pitchFamily="18" charset="0"/>
+              </a:rPr>
+              <a:t>của</a:t>
+            </a:r>
+            <a:r>
+              <a:rPr lang="en-US" dirty="0">
+                <a:cs typeface="Times New Roman" panose="02020603050405020304" pitchFamily="18" charset="0"/>
+              </a:rPr>
+              <a:t> </a:t>
+            </a:r>
+            <a:r>
+              <a:rPr lang="en-US" dirty="0" err="1">
+                <a:cs typeface="Times New Roman" panose="02020603050405020304" pitchFamily="18" charset="0"/>
+              </a:rPr>
+              <a:t>các</a:t>
+            </a:r>
+            <a:r>
+              <a:rPr lang="en-US" dirty="0">
+                <a:cs typeface="Times New Roman" panose="02020603050405020304" pitchFamily="18" charset="0"/>
+              </a:rPr>
+              <a:t> </a:t>
+            </a:r>
+            <a:r>
+              <a:rPr lang="en-US" dirty="0" err="1">
+                <a:cs typeface="Times New Roman" panose="02020603050405020304" pitchFamily="18" charset="0"/>
+              </a:rPr>
+              <a:t>trạm</a:t>
+            </a:r>
+            <a:r>
+              <a:rPr lang="en-US" dirty="0">
+                <a:cs typeface="Times New Roman" panose="02020603050405020304" pitchFamily="18" charset="0"/>
+              </a:rPr>
+              <a:t> </a:t>
+            </a:r>
+            <a:r>
+              <a:rPr lang="en-US" dirty="0" err="1">
+                <a:cs typeface="Times New Roman" panose="02020603050405020304" pitchFamily="18" charset="0"/>
+              </a:rPr>
+              <a:t>quan</a:t>
+            </a:r>
+            <a:r>
+              <a:rPr lang="en-US" dirty="0">
+                <a:cs typeface="Times New Roman" panose="02020603050405020304" pitchFamily="18" charset="0"/>
+              </a:rPr>
+              <a:t> </a:t>
+            </a:r>
+            <a:r>
+              <a:rPr lang="en-US" dirty="0" err="1">
+                <a:cs typeface="Times New Roman" panose="02020603050405020304" pitchFamily="18" charset="0"/>
+              </a:rPr>
+              <a:t>sát</a:t>
+            </a:r>
+            <a:r>
+              <a:rPr lang="en-US" dirty="0">
+                <a:cs typeface="Times New Roman" panose="02020603050405020304" pitchFamily="18" charset="0"/>
+              </a:rPr>
+              <a:t> </a:t>
+            </a:r>
+            <a:r>
+              <a:rPr lang="en-US" dirty="0" err="1">
+                <a:cs typeface="Times New Roman" panose="02020603050405020304" pitchFamily="18" charset="0"/>
+              </a:rPr>
+              <a:t>thời</a:t>
+            </a:r>
+            <a:r>
+              <a:rPr lang="en-US" dirty="0">
+                <a:cs typeface="Times New Roman" panose="02020603050405020304" pitchFamily="18" charset="0"/>
+              </a:rPr>
+              <a:t> </a:t>
+            </a:r>
+            <a:r>
+              <a:rPr lang="en-US" dirty="0" err="1">
+                <a:cs typeface="Times New Roman" panose="02020603050405020304" pitchFamily="18" charset="0"/>
+              </a:rPr>
+              <a:t>tiết</a:t>
+            </a:r>
+            <a:r>
+              <a:rPr lang="en-US" dirty="0">
+                <a:cs typeface="Times New Roman" panose="02020603050405020304" pitchFamily="18" charset="0"/>
+              </a:rPr>
+              <a:t>). </a:t>
+            </a:r>
+            <a:r>
+              <a:rPr lang="en-US" dirty="0" err="1">
+                <a:cs typeface="Times New Roman" panose="02020603050405020304" pitchFamily="18" charset="0"/>
+              </a:rPr>
+              <a:t>Bạn</a:t>
+            </a:r>
+            <a:r>
+              <a:rPr lang="en-US" dirty="0">
+                <a:cs typeface="Times New Roman" panose="02020603050405020304" pitchFamily="18" charset="0"/>
+              </a:rPr>
+              <a:t> </a:t>
+            </a:r>
+            <a:r>
+              <a:rPr lang="en-US" dirty="0" err="1">
+                <a:cs typeface="Times New Roman" panose="02020603050405020304" pitchFamily="18" charset="0"/>
+              </a:rPr>
+              <a:t>có</a:t>
+            </a:r>
+            <a:r>
+              <a:rPr lang="en-US" dirty="0">
+                <a:cs typeface="Times New Roman" panose="02020603050405020304" pitchFamily="18" charset="0"/>
+              </a:rPr>
+              <a:t> </a:t>
+            </a:r>
+            <a:r>
+              <a:rPr lang="en-US" dirty="0" err="1">
+                <a:cs typeface="Times New Roman" panose="02020603050405020304" pitchFamily="18" charset="0"/>
+              </a:rPr>
+              <a:t>thể</a:t>
+            </a:r>
+            <a:r>
+              <a:rPr lang="en-US" dirty="0">
+                <a:cs typeface="Times New Roman" panose="02020603050405020304" pitchFamily="18" charset="0"/>
+              </a:rPr>
+              <a:t> </a:t>
+            </a:r>
+            <a:r>
+              <a:rPr lang="en-US" dirty="0" err="1">
+                <a:cs typeface="Times New Roman" panose="02020603050405020304" pitchFamily="18" charset="0"/>
+              </a:rPr>
+              <a:t>truy</a:t>
+            </a:r>
+            <a:r>
+              <a:rPr lang="en-US" dirty="0">
+                <a:cs typeface="Times New Roman" panose="02020603050405020304" pitchFamily="18" charset="0"/>
+              </a:rPr>
+              <a:t> </a:t>
+            </a:r>
+            <a:r>
+              <a:rPr lang="en-US" dirty="0" err="1">
+                <a:cs typeface="Times New Roman" panose="02020603050405020304" pitchFamily="18" charset="0"/>
+              </a:rPr>
+              <a:t>cập</a:t>
+            </a:r>
+            <a:r>
+              <a:rPr lang="en-US" dirty="0">
+                <a:cs typeface="Times New Roman" panose="02020603050405020304" pitchFamily="18" charset="0"/>
+              </a:rPr>
+              <a:t> </a:t>
+            </a:r>
+            <a:r>
+              <a:rPr lang="en-US" dirty="0" err="1">
+                <a:cs typeface="Times New Roman" panose="02020603050405020304" pitchFamily="18" charset="0"/>
+              </a:rPr>
+              <a:t>dữ</a:t>
+            </a:r>
+            <a:r>
+              <a:rPr lang="en-US" dirty="0">
+                <a:cs typeface="Times New Roman" panose="02020603050405020304" pitchFamily="18" charset="0"/>
+              </a:rPr>
+              <a:t> </a:t>
+            </a:r>
+            <a:r>
+              <a:rPr lang="en-US" dirty="0" err="1">
+                <a:cs typeface="Times New Roman" panose="02020603050405020304" pitchFamily="18" charset="0"/>
+              </a:rPr>
+              <a:t>liệu</a:t>
+            </a:r>
+            <a:r>
+              <a:rPr lang="en-US" dirty="0">
+                <a:cs typeface="Times New Roman" panose="02020603050405020304" pitchFamily="18" charset="0"/>
+              </a:rPr>
+              <a:t> </a:t>
+            </a:r>
+            <a:r>
+              <a:rPr lang="en-US" dirty="0" err="1">
+                <a:cs typeface="Times New Roman" panose="02020603050405020304" pitchFamily="18" charset="0"/>
+              </a:rPr>
+              <a:t>này</a:t>
+            </a:r>
+            <a:r>
+              <a:rPr lang="en-US" dirty="0">
+                <a:cs typeface="Times New Roman" panose="02020603050405020304" pitchFamily="18" charset="0"/>
+              </a:rPr>
+              <a:t> ở </a:t>
+            </a:r>
+            <a:r>
+              <a:rPr lang="en-US" dirty="0" err="1">
+                <a:cs typeface="Times New Roman" panose="02020603050405020304" pitchFamily="18" charset="0"/>
+                <a:hlinkClick r:id="rId2"/>
+              </a:rPr>
+              <a:t>đây</a:t>
+            </a:r>
+            <a:r>
+              <a:rPr lang="en-US" dirty="0">
+                <a:cs typeface="Times New Roman" panose="02020603050405020304" pitchFamily="18" charset="0"/>
+              </a:rPr>
+              <a:t>.</a:t>
+            </a:r>
+          </a:p>
+          <a:p>
+            <a:pPr marL="285750" indent="-285750">
+              <a:buFont typeface="Wingdings" panose="05000000000000000000" pitchFamily="2" charset="2"/>
+              <a:buChar char="q"/>
+            </a:pPr>
+            <a:r>
+              <a:rPr lang="en-US" dirty="0" err="1">
+                <a:cs typeface="Times New Roman" panose="02020603050405020304" pitchFamily="18" charset="0"/>
+              </a:rPr>
+              <a:t>Dữ</a:t>
+            </a:r>
+            <a:r>
+              <a:rPr lang="en-US" dirty="0">
+                <a:cs typeface="Times New Roman" panose="02020603050405020304" pitchFamily="18" charset="0"/>
+              </a:rPr>
+              <a:t> </a:t>
+            </a:r>
+            <a:r>
+              <a:rPr lang="en-US" dirty="0" err="1">
+                <a:cs typeface="Times New Roman" panose="02020603050405020304" pitchFamily="18" charset="0"/>
+              </a:rPr>
+              <a:t>liệu</a:t>
+            </a:r>
+            <a:r>
+              <a:rPr lang="en-US" dirty="0">
+                <a:cs typeface="Times New Roman" panose="02020603050405020304" pitchFamily="18" charset="0"/>
+              </a:rPr>
+              <a:t> </a:t>
+            </a:r>
+            <a:r>
+              <a:rPr lang="en-US" dirty="0" err="1">
+                <a:cs typeface="Times New Roman" panose="02020603050405020304" pitchFamily="18" charset="0"/>
+              </a:rPr>
+              <a:t>này</a:t>
+            </a:r>
+            <a:r>
+              <a:rPr lang="en-US" dirty="0">
+                <a:cs typeface="Times New Roman" panose="02020603050405020304" pitchFamily="18" charset="0"/>
+              </a:rPr>
+              <a:t> </a:t>
+            </a:r>
+            <a:r>
+              <a:rPr lang="en-US" dirty="0" err="1">
+                <a:cs typeface="Times New Roman" panose="02020603050405020304" pitchFamily="18" charset="0"/>
+              </a:rPr>
+              <a:t>chứa</a:t>
+            </a:r>
+            <a:r>
+              <a:rPr lang="en-US" dirty="0">
+                <a:cs typeface="Times New Roman" panose="02020603050405020304" pitchFamily="18" charset="0"/>
+              </a:rPr>
+              <a:t> </a:t>
+            </a:r>
+            <a:r>
+              <a:rPr lang="en-US" dirty="0" err="1">
+                <a:cs typeface="Times New Roman" panose="02020603050405020304" pitchFamily="18" charset="0"/>
+              </a:rPr>
+              <a:t>thêm</a:t>
+            </a:r>
+            <a:r>
+              <a:rPr lang="en-US" dirty="0">
+                <a:cs typeface="Times New Roman" panose="02020603050405020304" pitchFamily="18" charset="0"/>
+              </a:rPr>
+              <a:t> </a:t>
+            </a:r>
+            <a:r>
+              <a:rPr lang="en-US" dirty="0" err="1">
+                <a:cs typeface="Times New Roman" panose="02020603050405020304" pitchFamily="18" charset="0"/>
+              </a:rPr>
+              <a:t>các</a:t>
+            </a:r>
+            <a:r>
+              <a:rPr lang="en-US" dirty="0">
+                <a:cs typeface="Times New Roman" panose="02020603050405020304" pitchFamily="18" charset="0"/>
+              </a:rPr>
+              <a:t> </a:t>
+            </a:r>
+            <a:r>
+              <a:rPr lang="en-US" dirty="0" err="1">
+                <a:cs typeface="Times New Roman" panose="02020603050405020304" pitchFamily="18" charset="0"/>
+              </a:rPr>
+              <a:t>đặc</a:t>
+            </a:r>
+            <a:r>
+              <a:rPr lang="en-US" dirty="0">
+                <a:cs typeface="Times New Roman" panose="02020603050405020304" pitchFamily="18" charset="0"/>
+              </a:rPr>
+              <a:t> </a:t>
+            </a:r>
+            <a:r>
+              <a:rPr lang="en-US" dirty="0" err="1">
+                <a:cs typeface="Times New Roman" panose="02020603050405020304" pitchFamily="18" charset="0"/>
+              </a:rPr>
+              <a:t>trưng</a:t>
+            </a:r>
+            <a:r>
+              <a:rPr lang="en-US" dirty="0">
+                <a:cs typeface="Times New Roman" panose="02020603050405020304" pitchFamily="18" charset="0"/>
+              </a:rPr>
+              <a:t> </a:t>
+            </a:r>
+            <a:r>
+              <a:rPr lang="en-US" dirty="0" err="1">
+                <a:cs typeface="Times New Roman" panose="02020603050405020304" pitchFamily="18" charset="0"/>
+              </a:rPr>
+              <a:t>như</a:t>
+            </a:r>
+            <a:r>
+              <a:rPr lang="en-US" dirty="0">
+                <a:cs typeface="Times New Roman" panose="02020603050405020304" pitchFamily="18" charset="0"/>
+              </a:rPr>
+              <a:t>: </a:t>
+            </a:r>
+            <a:r>
+              <a:rPr lang="en-US" dirty="0" err="1">
+                <a:cs typeface="Times New Roman" panose="02020603050405020304" pitchFamily="18" charset="0"/>
+              </a:rPr>
+              <a:t>station_id</a:t>
+            </a:r>
+            <a:r>
+              <a:rPr lang="en-US" dirty="0">
+                <a:cs typeface="Times New Roman" panose="02020603050405020304" pitchFamily="18" charset="0"/>
+              </a:rPr>
+              <a:t> (id </a:t>
+            </a:r>
+            <a:r>
+              <a:rPr lang="en-US" dirty="0" err="1">
+                <a:cs typeface="Times New Roman" panose="02020603050405020304" pitchFamily="18" charset="0"/>
+              </a:rPr>
+              <a:t>của</a:t>
+            </a:r>
+            <a:r>
+              <a:rPr lang="en-US" dirty="0">
+                <a:cs typeface="Times New Roman" panose="02020603050405020304" pitchFamily="18" charset="0"/>
+              </a:rPr>
+              <a:t> </a:t>
+            </a:r>
+            <a:r>
+              <a:rPr lang="en-US" dirty="0" err="1">
+                <a:cs typeface="Times New Roman" panose="02020603050405020304" pitchFamily="18" charset="0"/>
+              </a:rPr>
+              <a:t>các</a:t>
+            </a:r>
+            <a:r>
+              <a:rPr lang="en-US" dirty="0">
+                <a:cs typeface="Times New Roman" panose="02020603050405020304" pitchFamily="18" charset="0"/>
+              </a:rPr>
+              <a:t> </a:t>
+            </a:r>
+            <a:r>
+              <a:rPr lang="en-US" dirty="0" err="1">
+                <a:cs typeface="Times New Roman" panose="02020603050405020304" pitchFamily="18" charset="0"/>
+              </a:rPr>
+              <a:t>trạm</a:t>
+            </a:r>
+            <a:r>
+              <a:rPr lang="en-US" dirty="0">
+                <a:cs typeface="Times New Roman" panose="02020603050405020304" pitchFamily="18" charset="0"/>
+              </a:rPr>
+              <a:t> </a:t>
+            </a:r>
+            <a:r>
+              <a:rPr lang="en-US" dirty="0" err="1">
+                <a:cs typeface="Times New Roman" panose="02020603050405020304" pitchFamily="18" charset="0"/>
+              </a:rPr>
+              <a:t>gần</a:t>
+            </a:r>
+            <a:r>
+              <a:rPr lang="en-US" dirty="0">
+                <a:cs typeface="Times New Roman" panose="02020603050405020304" pitchFamily="18" charset="0"/>
+              </a:rPr>
+              <a:t> </a:t>
+            </a:r>
+            <a:r>
+              <a:rPr lang="en-US" err="1">
+                <a:cs typeface="Times New Roman" panose="02020603050405020304" pitchFamily="18" charset="0"/>
+              </a:rPr>
+              <a:t>nhà</a:t>
+            </a:r>
+            <a:r>
+              <a:rPr lang="en-US">
+                <a:cs typeface="Times New Roman" panose="02020603050405020304" pitchFamily="18" charset="0"/>
+              </a:rPr>
+              <a:t> hàng </a:t>
+            </a:r>
+            <a:r>
+              <a:rPr lang="en-US" dirty="0" err="1">
+                <a:cs typeface="Times New Roman" panose="02020603050405020304" pitchFamily="18" charset="0"/>
+              </a:rPr>
+              <a:t>nhất</a:t>
+            </a:r>
+            <a:r>
+              <a:rPr lang="en-US" dirty="0">
+                <a:cs typeface="Times New Roman" panose="02020603050405020304" pitchFamily="18" charset="0"/>
+              </a:rPr>
+              <a:t>), </a:t>
+            </a:r>
+            <a:r>
+              <a:rPr lang="en-US" dirty="0" err="1">
+                <a:cs typeface="Times New Roman" panose="02020603050405020304" pitchFamily="18" charset="0"/>
+              </a:rPr>
+              <a:t>station</a:t>
+            </a:r>
+            <a:r>
+              <a:rPr lang="en-US" err="1">
+                <a:cs typeface="Times New Roman" panose="02020603050405020304" pitchFamily="18" charset="0"/>
+              </a:rPr>
+              <a:t>_</a:t>
+            </a:r>
+            <a:r>
+              <a:rPr lang="en-US">
+                <a:cs typeface="Times New Roman" panose="02020603050405020304" pitchFamily="18" charset="0"/>
+              </a:rPr>
+              <a:t>latitude (</a:t>
+            </a:r>
+            <a:r>
+              <a:rPr lang="en-US" dirty="0" err="1">
+                <a:cs typeface="Times New Roman" panose="02020603050405020304" pitchFamily="18" charset="0"/>
+              </a:rPr>
+              <a:t>vĩ</a:t>
+            </a:r>
+            <a:r>
+              <a:rPr lang="en-US" dirty="0">
+                <a:cs typeface="Times New Roman" panose="02020603050405020304" pitchFamily="18" charset="0"/>
+              </a:rPr>
+              <a:t> </a:t>
+            </a:r>
+            <a:r>
+              <a:rPr lang="en-US" dirty="0" err="1">
+                <a:cs typeface="Times New Roman" panose="02020603050405020304" pitchFamily="18" charset="0"/>
+              </a:rPr>
+              <a:t>độ</a:t>
+            </a:r>
+            <a:r>
+              <a:rPr lang="en-US" dirty="0">
+                <a:cs typeface="Times New Roman" panose="02020603050405020304" pitchFamily="18" charset="0"/>
+              </a:rPr>
+              <a:t> </a:t>
+            </a:r>
+            <a:r>
+              <a:rPr lang="en-US" dirty="0" err="1">
+                <a:cs typeface="Times New Roman" panose="02020603050405020304" pitchFamily="18" charset="0"/>
+              </a:rPr>
+              <a:t>của</a:t>
+            </a:r>
+            <a:r>
+              <a:rPr lang="en-US" dirty="0">
+                <a:cs typeface="Times New Roman" panose="02020603050405020304" pitchFamily="18" charset="0"/>
+              </a:rPr>
+              <a:t> </a:t>
+            </a:r>
+            <a:r>
+              <a:rPr lang="en-US" dirty="0" err="1">
+                <a:cs typeface="Times New Roman" panose="02020603050405020304" pitchFamily="18" charset="0"/>
+              </a:rPr>
+              <a:t>trạm</a:t>
+            </a:r>
+            <a:r>
+              <a:rPr lang="en-US" dirty="0">
+                <a:cs typeface="Times New Roman" panose="02020603050405020304" pitchFamily="18" charset="0"/>
+              </a:rPr>
+              <a:t>), </a:t>
+            </a:r>
+            <a:r>
+              <a:rPr lang="en-US" dirty="0" err="1">
+                <a:cs typeface="Times New Roman" panose="02020603050405020304" pitchFamily="18" charset="0"/>
+              </a:rPr>
+              <a:t>station</a:t>
+            </a:r>
+            <a:r>
+              <a:rPr lang="en-US" err="1">
+                <a:cs typeface="Times New Roman" panose="02020603050405020304" pitchFamily="18" charset="0"/>
+              </a:rPr>
+              <a:t>_</a:t>
+            </a:r>
+            <a:r>
+              <a:rPr lang="en-US">
+                <a:cs typeface="Times New Roman" panose="02020603050405020304" pitchFamily="18" charset="0"/>
+              </a:rPr>
+              <a:t>longitude (</a:t>
+            </a:r>
+            <a:r>
+              <a:rPr lang="en-US" dirty="0" err="1">
+                <a:cs typeface="Times New Roman" panose="02020603050405020304" pitchFamily="18" charset="0"/>
+              </a:rPr>
+              <a:t>kinh</a:t>
+            </a:r>
+            <a:r>
+              <a:rPr lang="en-US" dirty="0">
+                <a:cs typeface="Times New Roman" panose="02020603050405020304" pitchFamily="18" charset="0"/>
+              </a:rPr>
+              <a:t> </a:t>
+            </a:r>
+            <a:r>
+              <a:rPr lang="en-US" dirty="0" err="1">
+                <a:cs typeface="Times New Roman" panose="02020603050405020304" pitchFamily="18" charset="0"/>
+              </a:rPr>
+              <a:t>độ</a:t>
+            </a:r>
+            <a:r>
+              <a:rPr lang="en-US" dirty="0">
+                <a:cs typeface="Times New Roman" panose="02020603050405020304" pitchFamily="18" charset="0"/>
+              </a:rPr>
+              <a:t>),…</a:t>
+            </a:r>
+          </a:p>
+          <a:p>
+            <a:endParaRPr lang="en-US" dirty="0">
+              <a:cs typeface="Times New Roman" panose="02020603050405020304" pitchFamily="18" charset="0"/>
+            </a:endParaRPr>
+          </a:p>
+        </p:txBody>
+      </p:sp>
+      <p:pic>
+        <p:nvPicPr>
+          <p:cNvPr id="7" name="Picture 6">
+            <a:extLst>
+              <a:ext uri="{FF2B5EF4-FFF2-40B4-BE49-F238E27FC236}">
+                <a16:creationId xmlns:a16="http://schemas.microsoft.com/office/drawing/2014/main" id="{9F6DB5D3-7A84-4226-AFEF-5AC1B64A0785}"/>
+              </a:ext>
+            </a:extLst>
+          </p:cNvPr>
+          <p:cNvPicPr>
+            <a:picLocks noChangeAspect="1"/>
+          </p:cNvPicPr>
+          <p:nvPr/>
+        </p:nvPicPr>
+        <p:blipFill>
+          <a:blip r:embed="rId3"/>
+          <a:stretch>
+            <a:fillRect/>
+          </a:stretch>
+        </p:blipFill>
+        <p:spPr>
+          <a:xfrm>
+            <a:off x="1188098" y="3193532"/>
+            <a:ext cx="9815804" cy="2242151"/>
+          </a:xfrm>
+          <a:prstGeom prst="rect">
+            <a:avLst/>
+          </a:prstGeom>
+          <a:ln>
+            <a:solidFill>
+              <a:schemeClr val="tx1"/>
+            </a:solidFill>
+          </a:ln>
+        </p:spPr>
+      </p:pic>
     </p:spTree>
     <p:extLst>
       <p:ext uri="{BB962C8B-B14F-4D97-AF65-F5344CB8AC3E}">
@@ -10050,7 +10994,7 @@
         </p:nvSpPr>
         <p:spPr>
           <a:xfrm>
-            <a:off x="724944" y="1011942"/>
+            <a:off x="648744" y="742607"/>
             <a:ext cx="10628856" cy="2031325"/>
           </a:xfrm>
           <a:prstGeom prst="rect">
@@ -10432,10 +11376,10 @@
       </p:sp>
       <p:pic>
         <p:nvPicPr>
-          <p:cNvPr id="6" name="Picture 5">
-            <a:extLst>
-              <a:ext uri="{FF2B5EF4-FFF2-40B4-BE49-F238E27FC236}">
-                <a16:creationId xmlns:a16="http://schemas.microsoft.com/office/drawing/2014/main" id="{10BAA5F9-3BF1-4ADF-991B-B5FBE89B92EF}"/>
+          <p:cNvPr id="7" name="Picture 6">
+            <a:extLst>
+              <a:ext uri="{FF2B5EF4-FFF2-40B4-BE49-F238E27FC236}">
+                <a16:creationId xmlns:a16="http://schemas.microsoft.com/office/drawing/2014/main" id="{E8A45845-3392-442A-B742-B9C616724144}"/>
               </a:ext>
             </a:extLst>
           </p:cNvPr>
@@ -10444,50 +11388,24 @@
           </p:cNvPicPr>
           <p:nvPr/>
         </p:nvPicPr>
-        <p:blipFill>
+        <p:blipFill rotWithShape="1">
           <a:blip r:embed="rId2"/>
-          <a:stretch>
-            <a:fillRect/>
-          </a:stretch>
+          <a:srcRect l="1243" t="2093" r="1"/>
+          <a:stretch/>
         </p:blipFill>
         <p:spPr>
           <a:xfrm>
-            <a:off x="2478706" y="5227946"/>
-            <a:ext cx="7121332" cy="982602"/>
+            <a:off x="3966840" y="2576238"/>
+            <a:ext cx="3022439" cy="1175724"/>
           </a:xfrm>
           <a:prstGeom prst="rect">
             <a:avLst/>
           </a:prstGeom>
-        </p:spPr>
-      </p:pic>
-      <p:pic>
-        <p:nvPicPr>
-          <p:cNvPr id="7" name="Picture 6">
-            <a:extLst>
-              <a:ext uri="{FF2B5EF4-FFF2-40B4-BE49-F238E27FC236}">
-                <a16:creationId xmlns:a16="http://schemas.microsoft.com/office/drawing/2014/main" id="{E8A45845-3392-442A-B742-B9C616724144}"/>
-              </a:ext>
-            </a:extLst>
-          </p:cNvPr>
-          <p:cNvPicPr>
-            <a:picLocks noChangeAspect="1"/>
-          </p:cNvPicPr>
-          <p:nvPr/>
-        </p:nvPicPr>
-        <p:blipFill>
-          <a:blip r:embed="rId3"/>
-          <a:stretch>
-            <a:fillRect/>
-          </a:stretch>
-        </p:blipFill>
-        <p:spPr>
-          <a:xfrm>
-            <a:off x="3928164" y="2908561"/>
-            <a:ext cx="3060485" cy="1200863"/>
-          </a:xfrm>
-          <a:prstGeom prst="rect">
-            <a:avLst/>
-          </a:prstGeom>
+          <a:ln>
+            <a:solidFill>
+              <a:schemeClr val="tx1"/>
+            </a:solidFill>
+          </a:ln>
         </p:spPr>
       </p:pic>
       <p:sp>
@@ -10504,7 +11422,7 @@
         </p:nvSpPr>
         <p:spPr>
           <a:xfrm rot="5400000">
-            <a:off x="5198654" y="4486775"/>
+            <a:off x="5218307" y="3894412"/>
             <a:ext cx="326937" cy="192567"/>
           </a:xfrm>
           <a:prstGeom prst="rightArrow">
@@ -10570,6 +11488,41 @@
           </a:p>
         </p:txBody>
       </p:sp>
+      <p:pic>
+        <p:nvPicPr>
+          <p:cNvPr id="3" name="Picture 2">
+            <a:extLst>
+              <a:ext uri="{FF2B5EF4-FFF2-40B4-BE49-F238E27FC236}">
+                <a16:creationId xmlns:a16="http://schemas.microsoft.com/office/drawing/2014/main" id="{839CDB3A-A26A-4EF8-B7FD-24304789035A}"/>
+              </a:ext>
+            </a:extLst>
+          </p:cNvPr>
+          <p:cNvPicPr>
+            <a:picLocks noChangeAspect="1"/>
+          </p:cNvPicPr>
+          <p:nvPr/>
+        </p:nvPicPr>
+        <p:blipFill>
+          <a:blip r:embed="rId3"/>
+          <a:stretch>
+            <a:fillRect/>
+          </a:stretch>
+        </p:blipFill>
+        <p:spPr>
+          <a:xfrm>
+            <a:off x="2041016" y="4229429"/>
+            <a:ext cx="7297168" cy="2000529"/>
+          </a:xfrm>
+          <a:prstGeom prst="rect">
+            <a:avLst/>
+          </a:prstGeom>
+          <a:ln>
+            <a:solidFill>
+              <a:schemeClr val="tx1"/>
+            </a:solidFill>
+          </a:ln>
+        </p:spPr>
+      </p:pic>
     </p:spTree>
     <p:extLst>
       <p:ext uri="{BB962C8B-B14F-4D97-AF65-F5344CB8AC3E}">
@@ -10644,7 +11597,7 @@
         <p:spPr>
           <a:xfrm>
             <a:off x="907615" y="826717"/>
-            <a:ext cx="10628856" cy="4816703"/>
+            <a:ext cx="10628856" cy="5370701"/>
           </a:xfrm>
           <a:prstGeom prst="rect">
             <a:avLst/>
@@ -10752,8 +11705,53 @@
               <a:rPr lang="en-US" dirty="0">
                 <a:cs typeface="Times New Roman" panose="02020603050405020304" pitchFamily="18" charset="0"/>
               </a:rPr>
-              <a:t> 1 format.</a:t>
-            </a:r>
+              <a:t> 1 </a:t>
+            </a:r>
+            <a:r>
+              <a:rPr lang="en-US">
+                <a:cs typeface="Times New Roman" panose="02020603050405020304" pitchFamily="18" charset="0"/>
+              </a:rPr>
+              <a:t>format. </a:t>
+            </a:r>
+            <a:r>
+              <a:rPr lang="vi-VN">
+                <a:cs typeface="Times New Roman" panose="02020603050405020304" pitchFamily="18" charset="0"/>
+              </a:rPr>
+              <a:t>Hợp nhất </a:t>
+            </a:r>
+            <a:r>
+              <a:rPr lang="en-US">
+                <a:cs typeface="Times New Roman" panose="02020603050405020304" pitchFamily="18" charset="0"/>
+              </a:rPr>
+              <a:t>train set </a:t>
+            </a:r>
+            <a:r>
+              <a:rPr lang="vi-VN">
+                <a:cs typeface="Times New Roman" panose="02020603050405020304" pitchFamily="18" charset="0"/>
+              </a:rPr>
+              <a:t>và </a:t>
+            </a:r>
+            <a:r>
+              <a:rPr lang="en-US">
+                <a:cs typeface="Times New Roman" panose="02020603050405020304" pitchFamily="18" charset="0"/>
+              </a:rPr>
+              <a:t>test set</a:t>
+            </a:r>
+            <a:r>
+              <a:rPr lang="vi-VN">
+                <a:cs typeface="Times New Roman" panose="02020603050405020304" pitchFamily="18" charset="0"/>
+              </a:rPr>
+              <a:t> là một ý tưởng hay để trích xuất các tính</a:t>
+            </a:r>
+            <a:r>
+              <a:rPr lang="en-US">
+                <a:cs typeface="Times New Roman" panose="02020603050405020304" pitchFamily="18" charset="0"/>
+              </a:rPr>
+              <a:t> năng.</a:t>
+            </a:r>
+            <a:endParaRPr lang="en-US" dirty="0">
+              <a:cs typeface="Times New Roman" panose="02020603050405020304" pitchFamily="18" charset="0"/>
+            </a:endParaRPr>
           </a:p>
           <a:p>
             <a:pPr marL="285750" indent="-285750">
@@ -10872,10 +11870,22 @@
               <a:t> thức của Kaggle. Việc </a:t>
             </a:r>
             <a:r>
+              <a:rPr lang="en-US" err="1">
+                <a:cs typeface="Times New Roman" panose="02020603050405020304" pitchFamily="18" charset="0"/>
+              </a:rPr>
+              <a:t>hợp</a:t>
+            </a:r>
+            <a:r>
+              <a:rPr lang="en-US">
+                <a:cs typeface="Times New Roman" panose="02020603050405020304" pitchFamily="18" charset="0"/>
+              </a:rPr>
+              <a:t> nhất test set và train set </a:t>
+            </a:r>
+            <a:r>
               <a:rPr lang="en-US" dirty="0" err="1">
                 <a:cs typeface="Times New Roman" panose="02020603050405020304" pitchFamily="18" charset="0"/>
               </a:rPr>
-              <a:t>hợp</a:t>
+              <a:t>sẽ</a:t>
             </a:r>
             <a:r>
               <a:rPr lang="en-US" dirty="0">
@@ -10887,43 +11897,115 @@
               <a:rPr lang="en-US" dirty="0" err="1">
                 <a:cs typeface="Times New Roman" panose="02020603050405020304" pitchFamily="18" charset="0"/>
               </a:rPr>
+              <a:t>cho</a:t>
+            </a:r>
+            <a:r>
+              <a:rPr lang="en-US" dirty="0">
+                <a:cs typeface="Times New Roman" panose="02020603050405020304" pitchFamily="18" charset="0"/>
+              </a:rPr>
+              <a:t> ta </a:t>
+            </a:r>
+            <a:r>
+              <a:rPr lang="en-US" dirty="0" err="1">
+                <a:cs typeface="Times New Roman" panose="02020603050405020304" pitchFamily="18" charset="0"/>
+              </a:rPr>
+              <a:t>bộ</a:t>
+            </a:r>
+            <a:r>
+              <a:rPr lang="en-US" dirty="0">
+                <a:cs typeface="Times New Roman" panose="02020603050405020304" pitchFamily="18" charset="0"/>
+              </a:rPr>
+              <a:t> </a:t>
+            </a:r>
+            <a:r>
+              <a:rPr lang="en-US" dirty="0" err="1">
+                <a:cs typeface="Times New Roman" panose="02020603050405020304" pitchFamily="18" charset="0"/>
+              </a:rPr>
+              <a:t>dữ</a:t>
+            </a:r>
+            <a:r>
+              <a:rPr lang="en-US" dirty="0">
+                <a:cs typeface="Times New Roman" panose="02020603050405020304" pitchFamily="18" charset="0"/>
+              </a:rPr>
+              <a:t> </a:t>
+            </a:r>
+            <a:r>
+              <a:rPr lang="en-US" dirty="0" err="1">
+                <a:cs typeface="Times New Roman" panose="02020603050405020304" pitchFamily="18" charset="0"/>
+              </a:rPr>
+              <a:t>liệu</a:t>
+            </a:r>
+            <a:r>
+              <a:rPr lang="en-US" dirty="0">
+                <a:cs typeface="Times New Roman" panose="02020603050405020304" pitchFamily="18" charset="0"/>
+              </a:rPr>
+              <a:t> </a:t>
+            </a:r>
+            <a:r>
+              <a:rPr lang="en-US" dirty="0" err="1">
+                <a:cs typeface="Times New Roman" panose="02020603050405020304" pitchFamily="18" charset="0"/>
+              </a:rPr>
+              <a:t>tốt</a:t>
+            </a:r>
+            <a:r>
+              <a:rPr lang="en-US" dirty="0">
+                <a:cs typeface="Times New Roman" panose="02020603050405020304" pitchFamily="18" charset="0"/>
+              </a:rPr>
+              <a:t> </a:t>
+            </a:r>
+            <a:r>
+              <a:rPr lang="en-US" dirty="0" err="1">
+                <a:cs typeface="Times New Roman" panose="02020603050405020304" pitchFamily="18" charset="0"/>
+              </a:rPr>
               <a:t>nhất</a:t>
             </a:r>
             <a:r>
               <a:rPr lang="en-US" dirty="0">
                 <a:cs typeface="Times New Roman" panose="02020603050405020304" pitchFamily="18" charset="0"/>
               </a:rPr>
-              <a:t> 2 file data test và train </a:t>
+              <a:t> có </a:t>
             </a:r>
             <a:r>
               <a:rPr lang="en-US" dirty="0" err="1">
                 <a:cs typeface="Times New Roman" panose="02020603050405020304" pitchFamily="18" charset="0"/>
               </a:rPr>
-              <a:t>sẽ</a:t>
+              <a:t>thể</a:t>
             </a:r>
             <a:r>
               <a:rPr lang="en-US" dirty="0">
                 <a:cs typeface="Times New Roman" panose="02020603050405020304" pitchFamily="18" charset="0"/>
               </a:rPr>
+              <a:t> trong </a:t>
+            </a:r>
+            <a:r>
+              <a:rPr lang="en-US" dirty="0" err="1">
+                <a:cs typeface="Times New Roman" panose="02020603050405020304" pitchFamily="18" charset="0"/>
+              </a:rPr>
+              <a:t>khâu</a:t>
+            </a:r>
+            <a:r>
+              <a:rPr lang="en-US" dirty="0">
+                <a:cs typeface="Times New Roman" panose="02020603050405020304" pitchFamily="18" charset="0"/>
+              </a:rPr>
               <a:t> </a:t>
             </a:r>
             <a:r>
               <a:rPr lang="en-US" dirty="0" err="1">
                 <a:cs typeface="Times New Roman" panose="02020603050405020304" pitchFamily="18" charset="0"/>
               </a:rPr>
-              <a:t>cho</a:t>
+              <a:t>chuẩn</a:t>
             </a:r>
             <a:r>
               <a:rPr lang="en-US" dirty="0">
                 <a:cs typeface="Times New Roman" panose="02020603050405020304" pitchFamily="18" charset="0"/>
               </a:rPr>
-              <a:t> ta </a:t>
+              <a:t> </a:t>
             </a:r>
             <a:r>
               <a:rPr lang="en-US" dirty="0" err="1">
                 <a:cs typeface="Times New Roman" panose="02020603050405020304" pitchFamily="18" charset="0"/>
               </a:rPr>
-              <a:t>bộ</a:t>
+              <a:t>bị</a:t>
             </a:r>
             <a:r>
               <a:rPr lang="en-US" dirty="0">
@@ -10932,125 +12014,32 @@
               <a:t> </a:t>
             </a:r>
             <a:r>
-              <a:rPr lang="en-US" dirty="0" err="1">
+              <a:rPr lang="en-US" err="1">
                 <a:cs typeface="Times New Roman" panose="02020603050405020304" pitchFamily="18" charset="0"/>
               </a:rPr>
               <a:t>dữ</a:t>
             </a:r>
             <a:r>
-              <a:rPr lang="en-US" dirty="0">
-                <a:cs typeface="Times New Roman" panose="02020603050405020304" pitchFamily="18" charset="0"/>
-              </a:rPr>
-              <a:t> </a:t>
-            </a:r>
-            <a:r>
-              <a:rPr lang="en-US" dirty="0" err="1">
-                <a:cs typeface="Times New Roman" panose="02020603050405020304" pitchFamily="18" charset="0"/>
-              </a:rPr>
-              <a:t>liệu</a:t>
-            </a:r>
-            <a:r>
-              <a:rPr lang="en-US" dirty="0">
-                <a:cs typeface="Times New Roman" panose="02020603050405020304" pitchFamily="18" charset="0"/>
-              </a:rPr>
-              <a:t> </a:t>
-            </a:r>
-            <a:r>
-              <a:rPr lang="en-US" dirty="0" err="1">
-                <a:cs typeface="Times New Roman" panose="02020603050405020304" pitchFamily="18" charset="0"/>
-              </a:rPr>
-              <a:t>tốt</a:t>
-            </a:r>
-            <a:r>
-              <a:rPr lang="en-US" dirty="0">
-                <a:cs typeface="Times New Roman" panose="02020603050405020304" pitchFamily="18" charset="0"/>
-              </a:rPr>
-              <a:t> </a:t>
-            </a:r>
-            <a:r>
-              <a:rPr lang="en-US" dirty="0" err="1">
-                <a:cs typeface="Times New Roman" panose="02020603050405020304" pitchFamily="18" charset="0"/>
-              </a:rPr>
-              <a:t>nhất</a:t>
-            </a:r>
-            <a:r>
-              <a:rPr lang="en-US" dirty="0">
-                <a:cs typeface="Times New Roman" panose="02020603050405020304" pitchFamily="18" charset="0"/>
-              </a:rPr>
-              <a:t> có </a:t>
-            </a:r>
-            <a:r>
-              <a:rPr lang="en-US" dirty="0" err="1">
-                <a:cs typeface="Times New Roman" panose="02020603050405020304" pitchFamily="18" charset="0"/>
-              </a:rPr>
-              <a:t>thể</a:t>
-            </a:r>
-            <a:r>
-              <a:rPr lang="en-US" dirty="0">
-                <a:cs typeface="Times New Roman" panose="02020603050405020304" pitchFamily="18" charset="0"/>
-              </a:rPr>
-              <a:t> trong </a:t>
-            </a:r>
-            <a:r>
-              <a:rPr lang="en-US" dirty="0" err="1">
-                <a:cs typeface="Times New Roman" panose="02020603050405020304" pitchFamily="18" charset="0"/>
-              </a:rPr>
-              <a:t>khâu</a:t>
-            </a:r>
-            <a:r>
-              <a:rPr lang="en-US" dirty="0">
-                <a:cs typeface="Times New Roman" panose="02020603050405020304" pitchFamily="18" charset="0"/>
-              </a:rPr>
-              <a:t> </a:t>
-            </a:r>
-            <a:r>
-              <a:rPr lang="en-US" dirty="0" err="1">
-                <a:cs typeface="Times New Roman" panose="02020603050405020304" pitchFamily="18" charset="0"/>
-              </a:rPr>
-              <a:t>chuẩn</a:t>
-            </a:r>
-            <a:r>
-              <a:rPr lang="en-US" dirty="0">
-                <a:cs typeface="Times New Roman" panose="02020603050405020304" pitchFamily="18" charset="0"/>
-              </a:rPr>
-              <a:t> </a:t>
-            </a:r>
-            <a:r>
-              <a:rPr lang="en-US" dirty="0" err="1">
-                <a:cs typeface="Times New Roman" panose="02020603050405020304" pitchFamily="18" charset="0"/>
-              </a:rPr>
-              <a:t>bị</a:t>
-            </a:r>
-            <a:r>
-              <a:rPr lang="en-US" dirty="0">
-                <a:cs typeface="Times New Roman" panose="02020603050405020304" pitchFamily="18" charset="0"/>
-              </a:rPr>
-              <a:t> </a:t>
-            </a:r>
-            <a:r>
-              <a:rPr lang="en-US" dirty="0" err="1">
-                <a:cs typeface="Times New Roman" panose="02020603050405020304" pitchFamily="18" charset="0"/>
-              </a:rPr>
-              <a:t>dữ</a:t>
-            </a:r>
-            <a:r>
-              <a:rPr lang="en-US" dirty="0">
-                <a:cs typeface="Times New Roman" panose="02020603050405020304" pitchFamily="18" charset="0"/>
-              </a:rPr>
-              <a:t> </a:t>
-            </a:r>
-            <a:r>
-              <a:rPr lang="en-US" dirty="0" err="1">
-                <a:cs typeface="Times New Roman" panose="02020603050405020304" pitchFamily="18" charset="0"/>
-              </a:rPr>
-              <a:t>liệu</a:t>
-            </a:r>
-            <a:r>
-              <a:rPr lang="en-US" dirty="0">
+              <a:rPr lang="en-US">
+                <a:cs typeface="Times New Roman" panose="02020603050405020304" pitchFamily="18" charset="0"/>
+              </a:rPr>
+              <a:t> liệu </a:t>
+            </a:r>
+            <a:r>
+              <a:rPr lang="vi-VN">
+                <a:cs typeface="Times New Roman" panose="02020603050405020304" pitchFamily="18" charset="0"/>
+              </a:rPr>
+              <a:t>với thông tin lịch và thông tin cửa hàng đã trích xuất trước đó.</a:t>
+            </a:r>
+            <a:r>
+              <a:rPr lang="en-US">
                 <a:cs typeface="Times New Roman" panose="02020603050405020304" pitchFamily="18" charset="0"/>
               </a:rPr>
               <a:t>.</a:t>
             </a:r>
+            <a:endParaRPr lang="en-US" dirty="0">
+              <a:cs typeface="Times New Roman" panose="02020603050405020304" pitchFamily="18" charset="0"/>
+            </a:endParaRPr>
           </a:p>
           <a:p>
             <a:pPr marL="285750" indent="-285750">
@@ -11321,7 +12310,7 @@
         </p:blipFill>
         <p:spPr>
           <a:xfrm>
-            <a:off x="1575071" y="2206187"/>
+            <a:off x="1509251" y="2697254"/>
             <a:ext cx="8472949" cy="2669559"/>
           </a:xfrm>
           <a:prstGeom prst="rect">
@@ -12179,8 +13168,8 @@
         </p:blipFill>
         <p:spPr>
           <a:xfrm>
-            <a:off x="2216424" y="1467534"/>
-            <a:ext cx="8070575" cy="4218516"/>
+            <a:off x="2285079" y="1727488"/>
+            <a:ext cx="7621842" cy="3983962"/>
           </a:xfrm>
           <a:prstGeom prst="rect">
             <a:avLst/>
@@ -12314,6 +13303,605 @@
           </a:p>
         </p:txBody>
       </p:sp>
+      <p:pic>
+        <p:nvPicPr>
+          <p:cNvPr id="5" name="Picture 4">
+            <a:extLst>
+              <a:ext uri="{FF2B5EF4-FFF2-40B4-BE49-F238E27FC236}">
+                <a16:creationId xmlns:a16="http://schemas.microsoft.com/office/drawing/2014/main" id="{142D18A7-AA78-4F3B-8D3B-513ABCC94BE5}"/>
+              </a:ext>
+            </a:extLst>
+          </p:cNvPr>
+          <p:cNvPicPr>
+            <a:picLocks noChangeAspect="1"/>
+          </p:cNvPicPr>
+          <p:nvPr/>
+        </p:nvPicPr>
+        <p:blipFill>
+          <a:blip r:embed="rId2"/>
+          <a:stretch>
+            <a:fillRect/>
+          </a:stretch>
+        </p:blipFill>
+        <p:spPr>
+          <a:xfrm>
+            <a:off x="2824650" y="2581273"/>
+            <a:ext cx="5785950" cy="2866273"/>
+          </a:xfrm>
+          <a:prstGeom prst="rect">
+            <a:avLst/>
+          </a:prstGeom>
+        </p:spPr>
+      </p:pic>
+      <p:sp>
+        <p:nvSpPr>
+          <p:cNvPr id="7" name="TextBox 10">
+            <a:extLst>
+              <a:ext uri="{FF2B5EF4-FFF2-40B4-BE49-F238E27FC236}">
+                <a16:creationId xmlns:a16="http://schemas.microsoft.com/office/drawing/2014/main" id="{F2801D81-D060-4F50-8321-95A1601B4408}"/>
+              </a:ext>
+            </a:extLst>
+          </p:cNvPr>
+          <p:cNvSpPr txBox="1"/>
+          <p:nvPr/>
+        </p:nvSpPr>
+        <p:spPr>
+          <a:xfrm>
+            <a:off x="781572" y="585637"/>
+            <a:ext cx="10628856" cy="3847207"/>
+          </a:xfrm>
+          <a:prstGeom prst="rect">
+            <a:avLst/>
+          </a:prstGeom>
+          <a:noFill/>
+        </p:spPr>
+        <p:txBody>
+          <a:bodyPr wrap="square" rtlCol="0">
+            <a:spAutoFit/>
+          </a:bodyPr>
+          <a:lstStyle>
+            <a:defPPr>
+              <a:defRPr lang="en-US"/>
+            </a:defPPr>
+            <a:lvl1pPr marL="0" algn="l" defTabSz="914400" rtl="0" eaLnBrk="1" latinLnBrk="0" hangingPunct="1">
+              <a:defRPr sz="1800" kern="1200">
+                <a:solidFill>
+                  <a:schemeClr val="tx1"/>
+                </a:solidFill>
+                <a:latin typeface="+mn-lt"/>
+                <a:ea typeface="+mn-ea"/>
+                <a:cs typeface="+mn-cs"/>
+              </a:defRPr>
+            </a:lvl1pPr>
+            <a:lvl2pPr marL="457200" algn="l" defTabSz="914400" rtl="0" eaLnBrk="1" latinLnBrk="0" hangingPunct="1">
+              <a:defRPr sz="1800" kern="1200">
+                <a:solidFill>
+                  <a:schemeClr val="tx1"/>
+                </a:solidFill>
+                <a:latin typeface="+mn-lt"/>
+                <a:ea typeface="+mn-ea"/>
+                <a:cs typeface="+mn-cs"/>
+              </a:defRPr>
+            </a:lvl2pPr>
+            <a:lvl3pPr marL="914400" algn="l" defTabSz="914400" rtl="0" eaLnBrk="1" latinLnBrk="0" hangingPunct="1">
+              <a:defRPr sz="1800" kern="1200">
+                <a:solidFill>
+                  <a:schemeClr val="tx1"/>
+                </a:solidFill>
+                <a:latin typeface="+mn-lt"/>
+                <a:ea typeface="+mn-ea"/>
+                <a:cs typeface="+mn-cs"/>
+              </a:defRPr>
+            </a:lvl3pPr>
+            <a:lvl4pPr marL="1371600" algn="l" defTabSz="914400" rtl="0" eaLnBrk="1" latinLnBrk="0" hangingPunct="1">
+              <a:defRPr sz="1800" kern="1200">
+                <a:solidFill>
+                  <a:schemeClr val="tx1"/>
+                </a:solidFill>
+                <a:latin typeface="+mn-lt"/>
+                <a:ea typeface="+mn-ea"/>
+                <a:cs typeface="+mn-cs"/>
+              </a:defRPr>
+            </a:lvl4pPr>
+            <a:lvl5pPr marL="1828800" algn="l" defTabSz="914400" rtl="0" eaLnBrk="1" latinLnBrk="0" hangingPunct="1">
+              <a:defRPr sz="1800" kern="1200">
+                <a:solidFill>
+                  <a:schemeClr val="tx1"/>
+                </a:solidFill>
+                <a:latin typeface="+mn-lt"/>
+                <a:ea typeface="+mn-ea"/>
+                <a:cs typeface="+mn-cs"/>
+              </a:defRPr>
+            </a:lvl5pPr>
+            <a:lvl6pPr marL="2286000" algn="l" defTabSz="914400" rtl="0" eaLnBrk="1" latinLnBrk="0" hangingPunct="1">
+              <a:defRPr sz="1800" kern="1200">
+                <a:solidFill>
+                  <a:schemeClr val="tx1"/>
+                </a:solidFill>
+                <a:latin typeface="+mn-lt"/>
+                <a:ea typeface="+mn-ea"/>
+                <a:cs typeface="+mn-cs"/>
+              </a:defRPr>
+            </a:lvl6pPr>
+            <a:lvl7pPr marL="2743200" algn="l" defTabSz="914400" rtl="0" eaLnBrk="1" latinLnBrk="0" hangingPunct="1">
+              <a:defRPr sz="1800" kern="1200">
+                <a:solidFill>
+                  <a:schemeClr val="tx1"/>
+                </a:solidFill>
+                <a:latin typeface="+mn-lt"/>
+                <a:ea typeface="+mn-ea"/>
+                <a:cs typeface="+mn-cs"/>
+              </a:defRPr>
+            </a:lvl7pPr>
+            <a:lvl8pPr marL="3200400" algn="l" defTabSz="914400" rtl="0" eaLnBrk="1" latinLnBrk="0" hangingPunct="1">
+              <a:defRPr sz="1800" kern="1200">
+                <a:solidFill>
+                  <a:schemeClr val="tx1"/>
+                </a:solidFill>
+                <a:latin typeface="+mn-lt"/>
+                <a:ea typeface="+mn-ea"/>
+                <a:cs typeface="+mn-cs"/>
+              </a:defRPr>
+            </a:lvl8pPr>
+            <a:lvl9pPr marL="3657600" algn="l" defTabSz="914400" rtl="0" eaLnBrk="1" latinLnBrk="0" hangingPunct="1">
+              <a:defRPr sz="1800" kern="1200">
+                <a:solidFill>
+                  <a:schemeClr val="tx1"/>
+                </a:solidFill>
+                <a:latin typeface="+mn-lt"/>
+                <a:ea typeface="+mn-ea"/>
+                <a:cs typeface="+mn-cs"/>
+              </a:defRPr>
+            </a:lvl9pPr>
+          </a:lstStyle>
+          <a:p>
+            <a:pPr marL="285750" indent="-285750">
+              <a:buFont typeface="Wingdings" panose="05000000000000000000" pitchFamily="2" charset="2"/>
+              <a:buChar char="q"/>
+            </a:pPr>
+            <a:endParaRPr lang="en-US" dirty="0">
+              <a:cs typeface="Times New Roman" panose="02020603050405020304" pitchFamily="18" charset="0"/>
+            </a:endParaRPr>
+          </a:p>
+          <a:p>
+            <a:pPr marL="285750" indent="-285750">
+              <a:spcBef>
+                <a:spcPts val="600"/>
+              </a:spcBef>
+              <a:buFont typeface="Wingdings" panose="05000000000000000000" pitchFamily="2" charset="2"/>
+              <a:buChar char="q"/>
+            </a:pPr>
+            <a:r>
+              <a:rPr lang="en-US">
+                <a:cs typeface="Times New Roman" panose="02020603050405020304" pitchFamily="18" charset="0"/>
+              </a:rPr>
+              <a:t>Ta sẽ </a:t>
+            </a:r>
+            <a:r>
+              <a:rPr lang="en-US" dirty="0">
+                <a:cs typeface="Times New Roman" panose="02020603050405020304" pitchFamily="18" charset="0"/>
+              </a:rPr>
+              <a:t>s</a:t>
+            </a:r>
+            <a:r>
+              <a:rPr lang="vi-VN" dirty="0">
+                <a:cs typeface="Times New Roman" panose="02020603050405020304" pitchFamily="18" charset="0"/>
+              </a:rPr>
+              <a:t>ử dụng các </a:t>
+            </a:r>
+            <a:r>
+              <a:rPr lang="en-US" dirty="0" err="1">
+                <a:cs typeface="Times New Roman" panose="02020603050405020304" pitchFamily="18" charset="0"/>
+              </a:rPr>
+              <a:t>dữ</a:t>
+            </a:r>
+            <a:r>
+              <a:rPr lang="en-US" dirty="0">
+                <a:cs typeface="Times New Roman" panose="02020603050405020304" pitchFamily="18" charset="0"/>
+              </a:rPr>
+              <a:t> </a:t>
+            </a:r>
+            <a:r>
+              <a:rPr lang="en-US" dirty="0" err="1">
+                <a:cs typeface="Times New Roman" panose="02020603050405020304" pitchFamily="18" charset="0"/>
+              </a:rPr>
+              <a:t>liệu</a:t>
+            </a:r>
+            <a:r>
+              <a:rPr lang="vi-VN" dirty="0">
+                <a:cs typeface="Times New Roman" panose="02020603050405020304" pitchFamily="18" charset="0"/>
+              </a:rPr>
+              <a:t> về lượng mưa và </a:t>
+            </a:r>
+            <a:r>
+              <a:rPr lang="vi-VN">
+                <a:cs typeface="Times New Roman" panose="02020603050405020304" pitchFamily="18" charset="0"/>
+              </a:rPr>
+              <a:t>nhiệt độ</a:t>
+            </a:r>
+            <a:r>
+              <a:rPr lang="en-US">
+                <a:cs typeface="Times New Roman" panose="02020603050405020304" pitchFamily="18" charset="0"/>
+              </a:rPr>
+              <a:t> (lượt bỏ các giá trị khác).</a:t>
+            </a:r>
+            <a:endParaRPr lang="en-US" dirty="0">
+              <a:cs typeface="Times New Roman" panose="02020603050405020304" pitchFamily="18" charset="0"/>
+            </a:endParaRPr>
+          </a:p>
+          <a:p>
+            <a:pPr marL="285750" indent="-285750">
+              <a:spcBef>
+                <a:spcPts val="600"/>
+              </a:spcBef>
+              <a:buFont typeface="Wingdings" panose="05000000000000000000" pitchFamily="2" charset="2"/>
+              <a:buChar char="q"/>
+            </a:pPr>
+            <a:r>
+              <a:rPr lang="en-US" dirty="0" err="1">
+                <a:cs typeface="Times New Roman" panose="02020603050405020304" pitchFamily="18" charset="0"/>
+              </a:rPr>
+              <a:t>Tiến</a:t>
+            </a:r>
+            <a:r>
+              <a:rPr lang="en-US" dirty="0">
+                <a:cs typeface="Times New Roman" panose="02020603050405020304" pitchFamily="18" charset="0"/>
+              </a:rPr>
+              <a:t> </a:t>
+            </a:r>
+            <a:r>
+              <a:rPr lang="en-US" dirty="0" err="1">
+                <a:cs typeface="Times New Roman" panose="02020603050405020304" pitchFamily="18" charset="0"/>
+              </a:rPr>
+              <a:t>hành</a:t>
+            </a:r>
+            <a:r>
+              <a:rPr lang="en-US" dirty="0">
+                <a:cs typeface="Times New Roman" panose="02020603050405020304" pitchFamily="18" charset="0"/>
+              </a:rPr>
+              <a:t> </a:t>
+            </a:r>
+            <a:r>
+              <a:rPr lang="en-US" dirty="0" err="1">
+                <a:cs typeface="Times New Roman" panose="02020603050405020304" pitchFamily="18" charset="0"/>
+              </a:rPr>
+              <a:t>xử</a:t>
+            </a:r>
+            <a:r>
+              <a:rPr lang="en-US" dirty="0">
+                <a:cs typeface="Times New Roman" panose="02020603050405020304" pitchFamily="18" charset="0"/>
+              </a:rPr>
+              <a:t> </a:t>
+            </a:r>
+            <a:r>
+              <a:rPr lang="en-US" dirty="0" err="1">
+                <a:cs typeface="Times New Roman" panose="02020603050405020304" pitchFamily="18" charset="0"/>
+              </a:rPr>
+              <a:t>lý</a:t>
+            </a:r>
+            <a:r>
+              <a:rPr lang="en-US" dirty="0">
+                <a:cs typeface="Times New Roman" panose="02020603050405020304" pitchFamily="18" charset="0"/>
+              </a:rPr>
+              <a:t> </a:t>
+            </a:r>
+            <a:r>
+              <a:rPr lang="en-US" dirty="0" err="1">
+                <a:cs typeface="Times New Roman" panose="02020603050405020304" pitchFamily="18" charset="0"/>
+              </a:rPr>
+              <a:t>các</a:t>
+            </a:r>
+            <a:r>
+              <a:rPr lang="en-US" dirty="0">
+                <a:cs typeface="Times New Roman" panose="02020603050405020304" pitchFamily="18" charset="0"/>
+              </a:rPr>
+              <a:t> </a:t>
+            </a:r>
+            <a:r>
+              <a:rPr lang="en-US" dirty="0" err="1">
+                <a:cs typeface="Times New Roman" panose="02020603050405020304" pitchFamily="18" charset="0"/>
+              </a:rPr>
+              <a:t>giá</a:t>
+            </a:r>
+            <a:r>
+              <a:rPr lang="en-US" dirty="0">
+                <a:cs typeface="Times New Roman" panose="02020603050405020304" pitchFamily="18" charset="0"/>
+              </a:rPr>
+              <a:t> </a:t>
+            </a:r>
+            <a:r>
+              <a:rPr lang="en-US" dirty="0" err="1">
+                <a:cs typeface="Times New Roman" panose="02020603050405020304" pitchFamily="18" charset="0"/>
+              </a:rPr>
+              <a:t>trị</a:t>
+            </a:r>
+            <a:r>
+              <a:rPr lang="en-US" dirty="0">
+                <a:cs typeface="Times New Roman" panose="02020603050405020304" pitchFamily="18" charset="0"/>
+              </a:rPr>
+              <a:t> </a:t>
+            </a:r>
+            <a:r>
+              <a:rPr lang="en-US" dirty="0" err="1">
+                <a:cs typeface="Times New Roman" panose="02020603050405020304" pitchFamily="18" charset="0"/>
+              </a:rPr>
+              <a:t>bị</a:t>
+            </a:r>
+            <a:r>
+              <a:rPr lang="en-US" dirty="0">
+                <a:cs typeface="Times New Roman" panose="02020603050405020304" pitchFamily="18" charset="0"/>
+              </a:rPr>
+              <a:t> </a:t>
+            </a:r>
+            <a:r>
+              <a:rPr lang="en-US" dirty="0" err="1">
+                <a:cs typeface="Times New Roman" panose="02020603050405020304" pitchFamily="18" charset="0"/>
+              </a:rPr>
+              <a:t>thiếu</a:t>
+            </a:r>
+            <a:r>
+              <a:rPr lang="en-US" dirty="0">
+                <a:cs typeface="Times New Roman" panose="02020603050405020304" pitchFamily="18" charset="0"/>
+              </a:rPr>
+              <a:t> </a:t>
+            </a:r>
+            <a:r>
+              <a:rPr lang="en-US" dirty="0" err="1">
+                <a:cs typeface="Times New Roman" panose="02020603050405020304" pitchFamily="18" charset="0"/>
+              </a:rPr>
+              <a:t>bằng</a:t>
+            </a:r>
+            <a:r>
+              <a:rPr lang="en-US" dirty="0">
+                <a:cs typeface="Times New Roman" panose="02020603050405020304" pitchFamily="18" charset="0"/>
+              </a:rPr>
+              <a:t> </a:t>
+            </a:r>
+            <a:r>
+              <a:rPr lang="en-US" dirty="0" err="1">
+                <a:cs typeface="Times New Roman" panose="02020603050405020304" pitchFamily="18" charset="0"/>
+              </a:rPr>
+              <a:t>cách</a:t>
+            </a:r>
+            <a:r>
+              <a:rPr lang="en-US" dirty="0">
+                <a:cs typeface="Times New Roman" panose="02020603050405020304" pitchFamily="18" charset="0"/>
+              </a:rPr>
+              <a:t> </a:t>
+            </a:r>
+            <a:r>
+              <a:rPr lang="en-US" dirty="0" err="1">
+                <a:cs typeface="Times New Roman" panose="02020603050405020304" pitchFamily="18" charset="0"/>
+              </a:rPr>
+              <a:t>thay</a:t>
+            </a:r>
+            <a:r>
+              <a:rPr lang="en-US" dirty="0">
+                <a:cs typeface="Times New Roman" panose="02020603050405020304" pitchFamily="18" charset="0"/>
+              </a:rPr>
+              <a:t> </a:t>
+            </a:r>
+            <a:r>
+              <a:rPr lang="en-US" dirty="0" err="1">
+                <a:cs typeface="Times New Roman" panose="02020603050405020304" pitchFamily="18" charset="0"/>
+              </a:rPr>
+              <a:t>thế</a:t>
+            </a:r>
+            <a:r>
+              <a:rPr lang="en-US" dirty="0">
+                <a:cs typeface="Times New Roman" panose="02020603050405020304" pitchFamily="18" charset="0"/>
+              </a:rPr>
+              <a:t> </a:t>
+            </a:r>
+            <a:r>
+              <a:rPr lang="en-US" dirty="0" err="1">
+                <a:cs typeface="Times New Roman" panose="02020603050405020304" pitchFamily="18" charset="0"/>
+              </a:rPr>
+              <a:t>chúng</a:t>
+            </a:r>
+            <a:r>
+              <a:rPr lang="en-US" dirty="0">
+                <a:cs typeface="Times New Roman" panose="02020603050405020304" pitchFamily="18" charset="0"/>
+              </a:rPr>
+              <a:t> </a:t>
+            </a:r>
+            <a:r>
+              <a:rPr lang="en-US" dirty="0" err="1">
+                <a:cs typeface="Times New Roman" panose="02020603050405020304" pitchFamily="18" charset="0"/>
+              </a:rPr>
+              <a:t>bằng</a:t>
+            </a:r>
+            <a:r>
+              <a:rPr lang="en-US" dirty="0">
+                <a:cs typeface="Times New Roman" panose="02020603050405020304" pitchFamily="18" charset="0"/>
+              </a:rPr>
+              <a:t> </a:t>
+            </a:r>
+            <a:r>
+              <a:rPr lang="en-US" dirty="0" err="1">
+                <a:cs typeface="Times New Roman" panose="02020603050405020304" pitchFamily="18" charset="0"/>
+              </a:rPr>
+              <a:t>giá</a:t>
+            </a:r>
+            <a:r>
+              <a:rPr lang="en-US" dirty="0">
+                <a:cs typeface="Times New Roman" panose="02020603050405020304" pitchFamily="18" charset="0"/>
+              </a:rPr>
+              <a:t> </a:t>
+            </a:r>
+            <a:r>
+              <a:rPr lang="en-US" dirty="0" err="1">
+                <a:cs typeface="Times New Roman" panose="02020603050405020304" pitchFamily="18" charset="0"/>
+              </a:rPr>
+              <a:t>trị</a:t>
+            </a:r>
+            <a:r>
+              <a:rPr lang="en-US" dirty="0">
+                <a:cs typeface="Times New Roman" panose="02020603050405020304" pitchFamily="18" charset="0"/>
+              </a:rPr>
+              <a:t> </a:t>
+            </a:r>
+            <a:r>
+              <a:rPr lang="en-US" dirty="0" err="1">
+                <a:cs typeface="Times New Roman" panose="02020603050405020304" pitchFamily="18" charset="0"/>
+              </a:rPr>
+              <a:t>trung</a:t>
+            </a:r>
+            <a:r>
+              <a:rPr lang="en-US" dirty="0">
+                <a:cs typeface="Times New Roman" panose="02020603050405020304" pitchFamily="18" charset="0"/>
+              </a:rPr>
+              <a:t> </a:t>
+            </a:r>
+            <a:r>
+              <a:rPr lang="en-US" dirty="0" err="1">
+                <a:cs typeface="Times New Roman" panose="02020603050405020304" pitchFamily="18" charset="0"/>
+              </a:rPr>
+              <a:t>bình</a:t>
+            </a:r>
+            <a:r>
+              <a:rPr lang="en-US" dirty="0">
+                <a:cs typeface="Times New Roman" panose="02020603050405020304" pitchFamily="18" charset="0"/>
+              </a:rPr>
+              <a:t> </a:t>
+            </a:r>
+            <a:r>
+              <a:rPr lang="en-US" dirty="0" err="1">
+                <a:cs typeface="Times New Roman" panose="02020603050405020304" pitchFamily="18" charset="0"/>
+              </a:rPr>
+              <a:t>hàng</a:t>
+            </a:r>
+            <a:r>
+              <a:rPr lang="en-US" dirty="0">
+                <a:cs typeface="Times New Roman" panose="02020603050405020304" pitchFamily="18" charset="0"/>
+              </a:rPr>
+              <a:t> </a:t>
+            </a:r>
+            <a:r>
+              <a:rPr lang="en-US" dirty="0" err="1">
+                <a:cs typeface="Times New Roman" panose="02020603050405020304" pitchFamily="18" charset="0"/>
+              </a:rPr>
+              <a:t>ngày</a:t>
+            </a:r>
+            <a:r>
+              <a:rPr lang="en-US" dirty="0">
+                <a:cs typeface="Times New Roman" panose="02020603050405020304" pitchFamily="18" charset="0"/>
+              </a:rPr>
+              <a:t> </a:t>
+            </a:r>
+            <a:r>
+              <a:rPr lang="en-US" dirty="0" err="1">
+                <a:cs typeface="Times New Roman" panose="02020603050405020304" pitchFamily="18" charset="0"/>
+              </a:rPr>
+              <a:t>trên</a:t>
+            </a:r>
+            <a:r>
+              <a:rPr lang="en-US" dirty="0">
+                <a:cs typeface="Times New Roman" panose="02020603050405020304" pitchFamily="18" charset="0"/>
+              </a:rPr>
+              <a:t> </a:t>
+            </a:r>
+            <a:r>
+              <a:rPr lang="en-US" dirty="0" err="1">
+                <a:cs typeface="Times New Roman" panose="02020603050405020304" pitchFamily="18" charset="0"/>
+              </a:rPr>
+              <a:t>toàn</a:t>
+            </a:r>
+            <a:r>
+              <a:rPr lang="en-US" dirty="0">
+                <a:cs typeface="Times New Roman" panose="02020603050405020304" pitchFamily="18" charset="0"/>
+              </a:rPr>
+              <a:t> </a:t>
+            </a:r>
+            <a:r>
+              <a:rPr lang="en-US" dirty="0" err="1">
+                <a:cs typeface="Times New Roman" panose="02020603050405020304" pitchFamily="18" charset="0"/>
+              </a:rPr>
+              <a:t>cầu</a:t>
+            </a:r>
+            <a:endParaRPr lang="en-US" dirty="0">
+              <a:cs typeface="Times New Roman" panose="02020603050405020304" pitchFamily="18" charset="0"/>
+            </a:endParaRPr>
+          </a:p>
+          <a:p>
+            <a:pPr marL="285750" indent="-285750">
+              <a:buFont typeface="Wingdings" panose="05000000000000000000" pitchFamily="2" charset="2"/>
+              <a:buChar char="q"/>
+            </a:pPr>
+            <a:endParaRPr lang="en-US" dirty="0">
+              <a:cs typeface="Times New Roman" panose="02020603050405020304" pitchFamily="18" charset="0"/>
+            </a:endParaRPr>
+          </a:p>
+          <a:p>
+            <a:pPr marL="285750" indent="-285750">
+              <a:buFont typeface="Wingdings" panose="05000000000000000000" pitchFamily="2" charset="2"/>
+              <a:buChar char="q"/>
+            </a:pPr>
+            <a:endParaRPr lang="en-US" dirty="0">
+              <a:cs typeface="Times New Roman" panose="02020603050405020304" pitchFamily="18" charset="0"/>
+            </a:endParaRPr>
+          </a:p>
+          <a:p>
+            <a:pPr marL="285750" indent="-285750">
+              <a:buFont typeface="Wingdings" panose="05000000000000000000" pitchFamily="2" charset="2"/>
+              <a:buChar char="q"/>
+            </a:pPr>
+            <a:endParaRPr lang="en-US" dirty="0">
+              <a:cs typeface="Times New Roman" panose="02020603050405020304" pitchFamily="18" charset="0"/>
+            </a:endParaRPr>
+          </a:p>
+          <a:p>
+            <a:pPr marL="285750" indent="-285750">
+              <a:buFont typeface="Wingdings" panose="05000000000000000000" pitchFamily="2" charset="2"/>
+              <a:buChar char="q"/>
+            </a:pPr>
+            <a:endParaRPr lang="en-US" dirty="0">
+              <a:cs typeface="Times New Roman" panose="02020603050405020304" pitchFamily="18" charset="0"/>
+            </a:endParaRPr>
+          </a:p>
+          <a:p>
+            <a:pPr marL="285750" indent="-285750">
+              <a:buFont typeface="Wingdings" panose="05000000000000000000" pitchFamily="2" charset="2"/>
+              <a:buChar char="q"/>
+            </a:pPr>
+            <a:endParaRPr lang="en-US" dirty="0">
+              <a:cs typeface="Times New Roman" panose="02020603050405020304" pitchFamily="18" charset="0"/>
+            </a:endParaRPr>
+          </a:p>
+          <a:p>
+            <a:pPr marL="285750" indent="-285750">
+              <a:buFont typeface="Wingdings" panose="05000000000000000000" pitchFamily="2" charset="2"/>
+              <a:buChar char="q"/>
+            </a:pPr>
+            <a:endParaRPr lang="en-US" u="sng" dirty="0">
+              <a:cs typeface="Times New Roman" panose="02020603050405020304" pitchFamily="18" charset="0"/>
+            </a:endParaRPr>
+          </a:p>
+          <a:p>
+            <a:pPr marL="285750" indent="-285750">
+              <a:buFont typeface="Wingdings" panose="05000000000000000000" pitchFamily="2" charset="2"/>
+              <a:buChar char="q"/>
+            </a:pPr>
+            <a:endParaRPr lang="en-US" dirty="0">
+              <a:cs typeface="Times New Roman" panose="02020603050405020304" pitchFamily="18" charset="0"/>
+            </a:endParaRPr>
+          </a:p>
+          <a:p>
+            <a:pPr marL="285750" indent="-285750">
+              <a:buFont typeface="Wingdings" panose="05000000000000000000" pitchFamily="2" charset="2"/>
+              <a:buChar char="q"/>
+            </a:pPr>
+            <a:endParaRPr lang="en-US" dirty="0">
+              <a:cs typeface="Times New Roman" panose="02020603050405020304" pitchFamily="18" charset="0"/>
+            </a:endParaRPr>
+          </a:p>
+          <a:p>
+            <a:endParaRPr lang="en-US" dirty="0">
+              <a:cs typeface="Times New Roman" panose="02020603050405020304" pitchFamily="18" charset="0"/>
+            </a:endParaRPr>
+          </a:p>
+        </p:txBody>
+      </p:sp>
     </p:spTree>
     <p:extLst>
       <p:ext uri="{BB962C8B-B14F-4D97-AF65-F5344CB8AC3E}">
@@ -12404,6 +13992,76 @@
               <a:t>Nhóm 12</a:t>
             </a:r>
             <a:endParaRPr lang="en-US" dirty="0"/>
+          </a:p>
+        </p:txBody>
+      </p:sp>
+      <p:pic>
+        <p:nvPicPr>
+          <p:cNvPr id="3" name="Picture 2">
+            <a:extLst>
+              <a:ext uri="{FF2B5EF4-FFF2-40B4-BE49-F238E27FC236}">
+                <a16:creationId xmlns:a16="http://schemas.microsoft.com/office/drawing/2014/main" id="{C76D48CE-5D7F-4BB5-9144-86AD3E305AC1}"/>
+              </a:ext>
+            </a:extLst>
+          </p:cNvPr>
+          <p:cNvPicPr>
+            <a:picLocks noChangeAspect="1"/>
+          </p:cNvPicPr>
+          <p:nvPr/>
+        </p:nvPicPr>
+        <p:blipFill>
+          <a:blip r:embed="rId2"/>
+          <a:stretch>
+            <a:fillRect/>
+          </a:stretch>
+        </p:blipFill>
+        <p:spPr>
+          <a:xfrm>
+            <a:off x="1219200" y="2209328"/>
+            <a:ext cx="10271087" cy="3624205"/>
+          </a:xfrm>
+          <a:prstGeom prst="rect">
+            <a:avLst/>
+          </a:prstGeom>
+          <a:ln>
+            <a:solidFill>
+              <a:schemeClr val="tx1"/>
+            </a:solidFill>
+          </a:ln>
+        </p:spPr>
+      </p:pic>
+      <p:sp>
+        <p:nvSpPr>
+          <p:cNvPr id="7" name="TextBox 6">
+            <a:extLst>
+              <a:ext uri="{FF2B5EF4-FFF2-40B4-BE49-F238E27FC236}">
+                <a16:creationId xmlns:a16="http://schemas.microsoft.com/office/drawing/2014/main" id="{B298128A-44E5-41CA-93B5-7491DFE97C7C}"/>
+              </a:ext>
+            </a:extLst>
+          </p:cNvPr>
+          <p:cNvSpPr txBox="1"/>
+          <p:nvPr/>
+        </p:nvSpPr>
+        <p:spPr>
+          <a:xfrm>
+            <a:off x="1397000" y="1101725"/>
+            <a:ext cx="8602133" cy="369332"/>
+          </a:xfrm>
+          <a:prstGeom prst="rect">
+            <a:avLst/>
+          </a:prstGeom>
+          <a:noFill/>
+        </p:spPr>
+        <p:txBody>
+          <a:bodyPr wrap="square" rtlCol="0">
+            <a:spAutoFit/>
+          </a:bodyPr>
+          <a:lstStyle/>
+          <a:p>
+            <a:r>
+              <a:rPr lang="en-US"/>
+              <a:t>Sau quá trình khám phá dữ liệu, ta thu được bộ dữ liệu như sau:</a:t>
+            </a:r>
           </a:p>
         </p:txBody>
       </p:sp>
@@ -16204,6 +17862,12 @@
 </file>
 
 <file path=customXml/item1.xml><?xml version="1.0" encoding="utf-8"?>
+<p:properties xmlns:p="http://schemas.microsoft.com/office/2006/metadata/properties" xmlns:xsi="http://www.w3.org/2001/XMLSchema-instance" xmlns:pc="http://schemas.microsoft.com/office/infopath/2007/PartnerControls">
+  <documentManagement/>
+</p:properties>
+</file>
+
+<file path=customXml/item2.xml><?xml version="1.0" encoding="utf-8"?>
 <ct:contentTypeSchema xmlns:ct="http://schemas.microsoft.com/office/2006/metadata/contentType" xmlns:ma="http://schemas.microsoft.com/office/2006/metadata/properties/metaAttributes" ct:_="" ma:_="" ma:contentTypeName="Document" ma:contentTypeID="0x010100362E7DE9800D3E4DAF9E6FDB77C66D4F" ma:contentTypeVersion="2" ma:contentTypeDescription="Create a new document." ma:contentTypeScope="" ma:versionID="fde469d7099b8e1913bbecfba46b0503">
   <xsd:schema xmlns:xsd="http://www.w3.org/2001/XMLSchema" xmlns:xs="http://www.w3.org/2001/XMLSchema" xmlns:p="http://schemas.microsoft.com/office/2006/metadata/properties" xmlns:ns3="4f634407-a31f-4228-a44c-3f4b0f7e433d" targetNamespace="http://schemas.microsoft.com/office/2006/metadata/properties" ma:root="true" ma:fieldsID="061e18f90e9f678f4817325be62bfb4a" ns3:_="">
     <xsd:import namespace="4f634407-a31f-4228-a44c-3f4b0f7e433d"/>
@@ -16335,12 +17999,6 @@
 </ct:contentTypeSchema>
 </file>
 
-<file path=customXml/item2.xml><?xml version="1.0" encoding="utf-8"?>
-<p:properties xmlns:p="http://schemas.microsoft.com/office/2006/metadata/properties" xmlns:xsi="http://www.w3.org/2001/XMLSchema-instance" xmlns:pc="http://schemas.microsoft.com/office/infopath/2007/PartnerControls">
-  <documentManagement/>
-</p:properties>
-</file>
-
 <file path=customXml/item3.xml><?xml version="1.0" encoding="utf-8"?>
 <?mso-contentType ?>
 <FormTemplates xmlns="http://schemas.microsoft.com/sharepoint/v3/contenttype/forms">
@@ -16351,6 +18009,22 @@
 </file>
 
 <file path=customXml/itemProps1.xml><?xml version="1.0" encoding="utf-8"?>
+<ds:datastoreItem xmlns:ds="http://schemas.openxmlformats.org/officeDocument/2006/customXml" ds:itemID="{290D7697-8E53-4EA8-8CBB-9C19575257BF}">
+  <ds:schemaRefs>
+    <ds:schemaRef ds:uri="http://purl.org/dc/dcmitype/"/>
+    <ds:schemaRef ds:uri="http://schemas.microsoft.com/office/2006/documentManagement/types"/>
+    <ds:schemaRef ds:uri="http://www.w3.org/XML/1998/namespace"/>
+    <ds:schemaRef ds:uri="http://schemas.openxmlformats.org/package/2006/metadata/core-properties"/>
+    <ds:schemaRef ds:uri="http://schemas.microsoft.com/office/2006/metadata/properties"/>
+    <ds:schemaRef ds:uri="4f634407-a31f-4228-a44c-3f4b0f7e433d"/>
+    <ds:schemaRef ds:uri="http://purl.org/dc/terms/"/>
+    <ds:schemaRef ds:uri="http://schemas.microsoft.com/office/infopath/2007/PartnerControls"/>
+    <ds:schemaRef ds:uri="http://purl.org/dc/elements/1.1/"/>
+  </ds:schemaRefs>
+</ds:datastoreItem>
+</file>
+
+<file path=customXml/itemProps2.xml><?xml version="1.0" encoding="utf-8"?>
 <ds:datastoreItem xmlns:ds="http://schemas.openxmlformats.org/officeDocument/2006/customXml" ds:itemID="{69A467A9-47B3-48BC-BF02-09B9DD43B80C}">
   <ds:schemaRefs>
     <ds:schemaRef ds:uri="http://schemas.microsoft.com/office/2006/metadata/contentType"/>
@@ -16368,22 +18042,6 @@
 </ds:datastoreItem>
 </file>
 
-<file path=customXml/itemProps2.xml><?xml version="1.0" encoding="utf-8"?>
-<ds:datastoreItem xmlns:ds="http://schemas.openxmlformats.org/officeDocument/2006/customXml" ds:itemID="{290D7697-8E53-4EA8-8CBB-9C19575257BF}">
-  <ds:schemaRefs>
-    <ds:schemaRef ds:uri="http://purl.org/dc/dcmitype/"/>
-    <ds:schemaRef ds:uri="http://schemas.microsoft.com/office/2006/documentManagement/types"/>
-    <ds:schemaRef ds:uri="http://www.w3.org/XML/1998/namespace"/>
-    <ds:schemaRef ds:uri="http://schemas.openxmlformats.org/package/2006/metadata/core-properties"/>
-    <ds:schemaRef ds:uri="http://schemas.microsoft.com/office/2006/metadata/properties"/>
-    <ds:schemaRef ds:uri="4f634407-a31f-4228-a44c-3f4b0f7e433d"/>
-    <ds:schemaRef ds:uri="http://purl.org/dc/terms/"/>
-    <ds:schemaRef ds:uri="http://schemas.microsoft.com/office/infopath/2007/PartnerControls"/>
-    <ds:schemaRef ds:uri="http://purl.org/dc/elements/1.1/"/>
-  </ds:schemaRefs>
-</ds:datastoreItem>
-</file>
-
 <file path=customXml/itemProps3.xml><?xml version="1.0" encoding="utf-8"?>
 <ds:datastoreItem xmlns:ds="http://schemas.openxmlformats.org/officeDocument/2006/customXml" ds:itemID="{B927DC71-2909-427C-BDB0-3E47E2101517}">
   <ds:schemaRefs>

--- a/Presentation/GIỚI THIỆU ĐỀ TÀI.pptx
+++ b/Presentation/GIỚI THIỆU ĐỀ TÀI.pptx
@@ -5,10 +5,10 @@
     <p:sldMasterId id="2147483720" r:id="rId4"/>
   </p:sldMasterIdLst>
   <p:notesMasterIdLst>
-    <p:notesMasterId r:id="rId25"/>
+    <p:notesMasterId r:id="rId27"/>
   </p:notesMasterIdLst>
   <p:handoutMasterIdLst>
-    <p:handoutMasterId r:id="rId26"/>
+    <p:handoutMasterId r:id="rId28"/>
   </p:handoutMasterIdLst>
   <p:sldIdLst>
     <p:sldId id="281" r:id="rId5"/>
@@ -30,7 +30,9 @@
     <p:sldId id="375" r:id="rId21"/>
     <p:sldId id="376" r:id="rId22"/>
     <p:sldId id="378" r:id="rId23"/>
-    <p:sldId id="362" r:id="rId24"/>
+    <p:sldId id="379" r:id="rId24"/>
+    <p:sldId id="380" r:id="rId25"/>
+    <p:sldId id="362" r:id="rId26"/>
   </p:sldIdLst>
   <p:sldSz cx="12192000" cy="6858000"/>
   <p:notesSz cx="6858000" cy="9144000"/>
@@ -256,7 +258,7 @@
           <a:p>
             <a:fld id="{28647F05-0506-494A-8060-3F395B947DF9}" type="datetimeFigureOut">
               <a:rPr lang="en-US" smtClean="0"/>
-              <a:t>11/16/2021</a:t>
+              <a:t>11/17/2021</a:t>
             </a:fld>
             <a:endParaRPr lang="en-US" dirty="0"/>
           </a:p>
@@ -433,7 +435,7 @@
           <a:p>
             <a:fld id="{08BC0A13-3F3D-45D4-B17C-1E0ACF36A6FB}" type="datetimeFigureOut">
               <a:rPr lang="en-US" smtClean="0"/>
-              <a:t>11/16/2021</a:t>
+              <a:t>11/17/2021</a:t>
             </a:fld>
             <a:endParaRPr lang="en-US" dirty="0"/>
           </a:p>
@@ -13325,7 +13327,7 @@
         </p:blipFill>
         <p:spPr>
           <a:xfrm>
-            <a:off x="2824650" y="2581273"/>
+            <a:off x="2824650" y="2656224"/>
             <a:ext cx="5785950" cy="2866273"/>
           </a:xfrm>
           <a:prstGeom prst="rect">
@@ -15024,10 +15026,51 @@
       </p:grpSpPr>
       <p:sp>
         <p:nvSpPr>
-          <p:cNvPr id="4" name="Slide Number Placeholder 3">
-            <a:extLst>
-              <a:ext uri="{FF2B5EF4-FFF2-40B4-BE49-F238E27FC236}">
-                <a16:creationId xmlns:a16="http://schemas.microsoft.com/office/drawing/2014/main" id="{C6205CD8-47A3-474F-BFF6-841BA02DBE81}"/>
+          <p:cNvPr id="2" name="Title 1">
+            <a:extLst>
+              <a:ext uri="{FF2B5EF4-FFF2-40B4-BE49-F238E27FC236}">
+                <a16:creationId xmlns:a16="http://schemas.microsoft.com/office/drawing/2014/main" id="{B42E019A-9E15-4FFD-AC81-582EE377F82D}"/>
+              </a:ext>
+            </a:extLst>
+          </p:cNvPr>
+          <p:cNvSpPr>
+            <a:spLocks noGrp="1"/>
+          </p:cNvSpPr>
+          <p:nvPr>
+            <p:ph type="title"/>
+          </p:nvPr>
+        </p:nvSpPr>
+        <p:spPr/>
+        <p:txBody>
+          <a:bodyPr>
+            <a:normAutofit/>
+          </a:bodyPr>
+          <a:lstStyle/>
+          <a:p>
+            <a:pPr algn="ctr"/>
+            <a:r>
+              <a:rPr lang="en-US" sz="7200"/>
+              <a:t>XÂY D</a:t>
+            </a:r>
+            <a:r>
+              <a:rPr lang="en-US" sz="7200">
+                <a:latin typeface="Bahnschrift Light" panose="020B0502040204020203" pitchFamily="34" charset="0"/>
+              </a:rPr>
+              <a:t>Ự</a:t>
+            </a:r>
+            <a:r>
+              <a:rPr lang="en-US" sz="7200"/>
+              <a:t>NG MÔ HÌNH</a:t>
+            </a:r>
+          </a:p>
+        </p:txBody>
+      </p:sp>
+      <p:sp>
+        <p:nvSpPr>
+          <p:cNvPr id="5" name="Slide Number Placeholder 4">
+            <a:extLst>
+              <a:ext uri="{FF2B5EF4-FFF2-40B4-BE49-F238E27FC236}">
+                <a16:creationId xmlns:a16="http://schemas.microsoft.com/office/drawing/2014/main" id="{5136780D-141B-4199-B3CD-B521676E24E8}"/>
               </a:ext>
             </a:extLst>
           </p:cNvPr>
@@ -15046,6 +15089,223 @@
             <a:fld id="{A65A5C87-DF58-40C8-B092-1DE63DB4547E}" type="slidenum">
               <a:rPr lang="en-US" smtClean="0"/>
               <a:t>20</a:t>
+            </a:fld>
+            <a:endParaRPr lang="en-US" dirty="0"/>
+          </a:p>
+        </p:txBody>
+      </p:sp>
+      <p:sp>
+        <p:nvSpPr>
+          <p:cNvPr id="4" name="Date Placeholder 1">
+            <a:extLst>
+              <a:ext uri="{FF2B5EF4-FFF2-40B4-BE49-F238E27FC236}">
+                <a16:creationId xmlns:a16="http://schemas.microsoft.com/office/drawing/2014/main" id="{4E78C005-6006-4467-A7AD-45023E8E4B2B}"/>
+              </a:ext>
+            </a:extLst>
+          </p:cNvPr>
+          <p:cNvSpPr>
+            <a:spLocks noGrp="1"/>
+          </p:cNvSpPr>
+          <p:nvPr>
+            <p:ph type="dt" sz="half" idx="10"/>
+          </p:nvPr>
+        </p:nvSpPr>
+        <p:spPr>
+          <a:xfrm>
+            <a:off x="838200" y="6356350"/>
+            <a:ext cx="981269" cy="365125"/>
+          </a:xfrm>
+        </p:spPr>
+        <p:txBody>
+          <a:bodyPr/>
+          <a:lstStyle/>
+          <a:p>
+            <a:r>
+              <a:rPr lang="en-US"/>
+              <a:t>Nhóm 12</a:t>
+            </a:r>
+            <a:endParaRPr lang="en-US" dirty="0"/>
+          </a:p>
+        </p:txBody>
+      </p:sp>
+    </p:spTree>
+    <p:extLst>
+      <p:ext uri="{BB962C8B-B14F-4D97-AF65-F5344CB8AC3E}">
+        <p14:creationId xmlns:p14="http://schemas.microsoft.com/office/powerpoint/2010/main" val="2727155653"/>
+      </p:ext>
+    </p:extLst>
+  </p:cSld>
+  <p:clrMapOvr>
+    <a:masterClrMapping/>
+  </p:clrMapOvr>
+</p:sld>
+</file>
+
+<file path=ppt/slides/slide21.xml><?xml version="1.0" encoding="utf-8"?>
+<p:sld xmlns:a="http://schemas.openxmlformats.org/drawingml/2006/main" xmlns:r="http://schemas.openxmlformats.org/officeDocument/2006/relationships" xmlns:p="http://schemas.openxmlformats.org/presentationml/2006/main">
+  <p:cSld>
+    <p:spTree>
+      <p:nvGrpSpPr>
+        <p:cNvPr id="1" name=""/>
+        <p:cNvGrpSpPr/>
+        <p:nvPr/>
+      </p:nvGrpSpPr>
+      <p:grpSpPr>
+        <a:xfrm>
+          <a:off x="0" y="0"/>
+          <a:ext cx="0" cy="0"/>
+          <a:chOff x="0" y="0"/>
+          <a:chExt cx="0" cy="0"/>
+        </a:xfrm>
+      </p:grpSpPr>
+      <p:sp>
+        <p:nvSpPr>
+          <p:cNvPr id="2" name="Title 1">
+            <a:extLst>
+              <a:ext uri="{FF2B5EF4-FFF2-40B4-BE49-F238E27FC236}">
+                <a16:creationId xmlns:a16="http://schemas.microsoft.com/office/drawing/2014/main" id="{B42E019A-9E15-4FFD-AC81-582EE377F82D}"/>
+              </a:ext>
+            </a:extLst>
+          </p:cNvPr>
+          <p:cNvSpPr>
+            <a:spLocks noGrp="1"/>
+          </p:cNvSpPr>
+          <p:nvPr>
+            <p:ph type="title"/>
+          </p:nvPr>
+        </p:nvSpPr>
+        <p:spPr/>
+        <p:txBody>
+          <a:bodyPr>
+            <a:normAutofit/>
+          </a:bodyPr>
+          <a:lstStyle/>
+          <a:p>
+            <a:pPr algn="ctr"/>
+            <a:r>
+              <a:rPr lang="en-US" sz="7200"/>
+              <a:t>ĐÁNH GIÁ MÔ HÌNH</a:t>
+            </a:r>
+          </a:p>
+        </p:txBody>
+      </p:sp>
+      <p:sp>
+        <p:nvSpPr>
+          <p:cNvPr id="5" name="Slide Number Placeholder 4">
+            <a:extLst>
+              <a:ext uri="{FF2B5EF4-FFF2-40B4-BE49-F238E27FC236}">
+                <a16:creationId xmlns:a16="http://schemas.microsoft.com/office/drawing/2014/main" id="{5136780D-141B-4199-B3CD-B521676E24E8}"/>
+              </a:ext>
+            </a:extLst>
+          </p:cNvPr>
+          <p:cNvSpPr>
+            <a:spLocks noGrp="1"/>
+          </p:cNvSpPr>
+          <p:nvPr>
+            <p:ph type="sldNum" sz="quarter" idx="12"/>
+          </p:nvPr>
+        </p:nvSpPr>
+        <p:spPr/>
+        <p:txBody>
+          <a:bodyPr/>
+          <a:lstStyle/>
+          <a:p>
+            <a:fld id="{A65A5C87-DF58-40C8-B092-1DE63DB4547E}" type="slidenum">
+              <a:rPr lang="en-US" smtClean="0"/>
+              <a:t>21</a:t>
+            </a:fld>
+            <a:endParaRPr lang="en-US" dirty="0"/>
+          </a:p>
+        </p:txBody>
+      </p:sp>
+      <p:sp>
+        <p:nvSpPr>
+          <p:cNvPr id="4" name="Date Placeholder 1">
+            <a:extLst>
+              <a:ext uri="{FF2B5EF4-FFF2-40B4-BE49-F238E27FC236}">
+                <a16:creationId xmlns:a16="http://schemas.microsoft.com/office/drawing/2014/main" id="{4E78C005-6006-4467-A7AD-45023E8E4B2B}"/>
+              </a:ext>
+            </a:extLst>
+          </p:cNvPr>
+          <p:cNvSpPr>
+            <a:spLocks noGrp="1"/>
+          </p:cNvSpPr>
+          <p:nvPr>
+            <p:ph type="dt" sz="half" idx="10"/>
+          </p:nvPr>
+        </p:nvSpPr>
+        <p:spPr>
+          <a:xfrm>
+            <a:off x="838200" y="6356350"/>
+            <a:ext cx="981269" cy="365125"/>
+          </a:xfrm>
+        </p:spPr>
+        <p:txBody>
+          <a:bodyPr/>
+          <a:lstStyle/>
+          <a:p>
+            <a:r>
+              <a:rPr lang="en-US"/>
+              <a:t>Nhóm 12</a:t>
+            </a:r>
+            <a:endParaRPr lang="en-US" dirty="0"/>
+          </a:p>
+        </p:txBody>
+      </p:sp>
+    </p:spTree>
+    <p:extLst>
+      <p:ext uri="{BB962C8B-B14F-4D97-AF65-F5344CB8AC3E}">
+        <p14:creationId xmlns:p14="http://schemas.microsoft.com/office/powerpoint/2010/main" val="1847178712"/>
+      </p:ext>
+    </p:extLst>
+  </p:cSld>
+  <p:clrMapOvr>
+    <a:masterClrMapping/>
+  </p:clrMapOvr>
+</p:sld>
+</file>
+
+<file path=ppt/slides/slide22.xml><?xml version="1.0" encoding="utf-8"?>
+<p:sld xmlns:a="http://schemas.openxmlformats.org/drawingml/2006/main" xmlns:r="http://schemas.openxmlformats.org/officeDocument/2006/relationships" xmlns:p="http://schemas.openxmlformats.org/presentationml/2006/main">
+  <p:cSld>
+    <p:spTree>
+      <p:nvGrpSpPr>
+        <p:cNvPr id="1" name=""/>
+        <p:cNvGrpSpPr/>
+        <p:nvPr/>
+      </p:nvGrpSpPr>
+      <p:grpSpPr>
+        <a:xfrm>
+          <a:off x="0" y="0"/>
+          <a:ext cx="0" cy="0"/>
+          <a:chOff x="0" y="0"/>
+          <a:chExt cx="0" cy="0"/>
+        </a:xfrm>
+      </p:grpSpPr>
+      <p:sp>
+        <p:nvSpPr>
+          <p:cNvPr id="4" name="Slide Number Placeholder 3">
+            <a:extLst>
+              <a:ext uri="{FF2B5EF4-FFF2-40B4-BE49-F238E27FC236}">
+                <a16:creationId xmlns:a16="http://schemas.microsoft.com/office/drawing/2014/main" id="{C6205CD8-47A3-474F-BFF6-841BA02DBE81}"/>
+              </a:ext>
+            </a:extLst>
+          </p:cNvPr>
+          <p:cNvSpPr>
+            <a:spLocks noGrp="1"/>
+          </p:cNvSpPr>
+          <p:nvPr>
+            <p:ph type="sldNum" sz="quarter" idx="12"/>
+          </p:nvPr>
+        </p:nvSpPr>
+        <p:spPr/>
+        <p:txBody>
+          <a:bodyPr/>
+          <a:lstStyle/>
+          <a:p>
+            <a:fld id="{A65A5C87-DF58-40C8-B092-1DE63DB4547E}" type="slidenum">
+              <a:rPr lang="en-US" smtClean="0"/>
+              <a:t>22</a:t>
             </a:fld>
             <a:endParaRPr lang="en-US" dirty="0"/>
           </a:p>
@@ -17862,12 +18122,6 @@
 </file>
 
 <file path=customXml/item1.xml><?xml version="1.0" encoding="utf-8"?>
-<p:properties xmlns:p="http://schemas.microsoft.com/office/2006/metadata/properties" xmlns:xsi="http://www.w3.org/2001/XMLSchema-instance" xmlns:pc="http://schemas.microsoft.com/office/infopath/2007/PartnerControls">
-  <documentManagement/>
-</p:properties>
-</file>
-
-<file path=customXml/item2.xml><?xml version="1.0" encoding="utf-8"?>
 <ct:contentTypeSchema xmlns:ct="http://schemas.microsoft.com/office/2006/metadata/contentType" xmlns:ma="http://schemas.microsoft.com/office/2006/metadata/properties/metaAttributes" ct:_="" ma:_="" ma:contentTypeName="Document" ma:contentTypeID="0x010100362E7DE9800D3E4DAF9E6FDB77C66D4F" ma:contentTypeVersion="2" ma:contentTypeDescription="Create a new document." ma:contentTypeScope="" ma:versionID="fde469d7099b8e1913bbecfba46b0503">
   <xsd:schema xmlns:xsd="http://www.w3.org/2001/XMLSchema" xmlns:xs="http://www.w3.org/2001/XMLSchema" xmlns:p="http://schemas.microsoft.com/office/2006/metadata/properties" xmlns:ns3="4f634407-a31f-4228-a44c-3f4b0f7e433d" targetNamespace="http://schemas.microsoft.com/office/2006/metadata/properties" ma:root="true" ma:fieldsID="061e18f90e9f678f4817325be62bfb4a" ns3:_="">
     <xsd:import namespace="4f634407-a31f-4228-a44c-3f4b0f7e433d"/>
@@ -17999,6 +18253,12 @@
 </ct:contentTypeSchema>
 </file>
 
+<file path=customXml/item2.xml><?xml version="1.0" encoding="utf-8"?>
+<p:properties xmlns:p="http://schemas.microsoft.com/office/2006/metadata/properties" xmlns:xsi="http://www.w3.org/2001/XMLSchema-instance" xmlns:pc="http://schemas.microsoft.com/office/infopath/2007/PartnerControls">
+  <documentManagement/>
+</p:properties>
+</file>
+
 <file path=customXml/item3.xml><?xml version="1.0" encoding="utf-8"?>
 <?mso-contentType ?>
 <FormTemplates xmlns="http://schemas.microsoft.com/sharepoint/v3/contenttype/forms">
@@ -18009,22 +18269,6 @@
 </file>
 
 <file path=customXml/itemProps1.xml><?xml version="1.0" encoding="utf-8"?>
-<ds:datastoreItem xmlns:ds="http://schemas.openxmlformats.org/officeDocument/2006/customXml" ds:itemID="{290D7697-8E53-4EA8-8CBB-9C19575257BF}">
-  <ds:schemaRefs>
-    <ds:schemaRef ds:uri="http://purl.org/dc/dcmitype/"/>
-    <ds:schemaRef ds:uri="http://schemas.microsoft.com/office/2006/documentManagement/types"/>
-    <ds:schemaRef ds:uri="http://www.w3.org/XML/1998/namespace"/>
-    <ds:schemaRef ds:uri="http://schemas.openxmlformats.org/package/2006/metadata/core-properties"/>
-    <ds:schemaRef ds:uri="http://schemas.microsoft.com/office/2006/metadata/properties"/>
-    <ds:schemaRef ds:uri="4f634407-a31f-4228-a44c-3f4b0f7e433d"/>
-    <ds:schemaRef ds:uri="http://purl.org/dc/terms/"/>
-    <ds:schemaRef ds:uri="http://schemas.microsoft.com/office/infopath/2007/PartnerControls"/>
-    <ds:schemaRef ds:uri="http://purl.org/dc/elements/1.1/"/>
-  </ds:schemaRefs>
-</ds:datastoreItem>
-</file>
-
-<file path=customXml/itemProps2.xml><?xml version="1.0" encoding="utf-8"?>
 <ds:datastoreItem xmlns:ds="http://schemas.openxmlformats.org/officeDocument/2006/customXml" ds:itemID="{69A467A9-47B3-48BC-BF02-09B9DD43B80C}">
   <ds:schemaRefs>
     <ds:schemaRef ds:uri="http://schemas.microsoft.com/office/2006/metadata/contentType"/>
@@ -18042,6 +18286,22 @@
 </ds:datastoreItem>
 </file>
 
+<file path=customXml/itemProps2.xml><?xml version="1.0" encoding="utf-8"?>
+<ds:datastoreItem xmlns:ds="http://schemas.openxmlformats.org/officeDocument/2006/customXml" ds:itemID="{290D7697-8E53-4EA8-8CBB-9C19575257BF}">
+  <ds:schemaRefs>
+    <ds:schemaRef ds:uri="http://purl.org/dc/dcmitype/"/>
+    <ds:schemaRef ds:uri="http://schemas.microsoft.com/office/2006/documentManagement/types"/>
+    <ds:schemaRef ds:uri="http://www.w3.org/XML/1998/namespace"/>
+    <ds:schemaRef ds:uri="http://schemas.openxmlformats.org/package/2006/metadata/core-properties"/>
+    <ds:schemaRef ds:uri="http://schemas.microsoft.com/office/2006/metadata/properties"/>
+    <ds:schemaRef ds:uri="4f634407-a31f-4228-a44c-3f4b0f7e433d"/>
+    <ds:schemaRef ds:uri="http://purl.org/dc/terms/"/>
+    <ds:schemaRef ds:uri="http://schemas.microsoft.com/office/infopath/2007/PartnerControls"/>
+    <ds:schemaRef ds:uri="http://purl.org/dc/elements/1.1/"/>
+  </ds:schemaRefs>
+</ds:datastoreItem>
+</file>
+
 <file path=customXml/itemProps3.xml><?xml version="1.0" encoding="utf-8"?>
 <ds:datastoreItem xmlns:ds="http://schemas.openxmlformats.org/officeDocument/2006/customXml" ds:itemID="{B927DC71-2909-427C-BDB0-3E47E2101517}">
   <ds:schemaRefs>
